--- a/Python课程/第1课-python入门/python入门.pptx
+++ b/Python课程/第1课-python入门/python入门.pptx
@@ -5,27 +5,30 @@
     <p:sldMasterId id="2147483660" r:id="rId1"/>
   </p:sldMasterIdLst>
   <p:notesMasterIdLst>
-    <p:notesMasterId r:id="rId20"/>
+    <p:notesMasterId r:id="rId23"/>
   </p:notesMasterIdLst>
   <p:sldIdLst>
     <p:sldId id="256" r:id="rId2"/>
     <p:sldId id="257" r:id="rId3"/>
     <p:sldId id="268" r:id="rId4"/>
     <p:sldId id="258" r:id="rId5"/>
-    <p:sldId id="272" r:id="rId6"/>
-    <p:sldId id="259" r:id="rId7"/>
-    <p:sldId id="260" r:id="rId8"/>
-    <p:sldId id="273" r:id="rId9"/>
-    <p:sldId id="261" r:id="rId10"/>
-    <p:sldId id="262" r:id="rId11"/>
-    <p:sldId id="263" r:id="rId12"/>
-    <p:sldId id="264" r:id="rId13"/>
-    <p:sldId id="265" r:id="rId14"/>
-    <p:sldId id="267" r:id="rId15"/>
-    <p:sldId id="269" r:id="rId16"/>
-    <p:sldId id="270" r:id="rId17"/>
-    <p:sldId id="271" r:id="rId18"/>
-    <p:sldId id="266" r:id="rId19"/>
+    <p:sldId id="274" r:id="rId6"/>
+    <p:sldId id="276" r:id="rId7"/>
+    <p:sldId id="272" r:id="rId8"/>
+    <p:sldId id="259" r:id="rId9"/>
+    <p:sldId id="260" r:id="rId10"/>
+    <p:sldId id="273" r:id="rId11"/>
+    <p:sldId id="261" r:id="rId12"/>
+    <p:sldId id="262" r:id="rId13"/>
+    <p:sldId id="263" r:id="rId14"/>
+    <p:sldId id="264" r:id="rId15"/>
+    <p:sldId id="265" r:id="rId16"/>
+    <p:sldId id="267" r:id="rId17"/>
+    <p:sldId id="269" r:id="rId18"/>
+    <p:sldId id="270" r:id="rId19"/>
+    <p:sldId id="271" r:id="rId20"/>
+    <p:sldId id="266" r:id="rId21"/>
+    <p:sldId id="277" r:id="rId22"/>
   </p:sldIdLst>
   <p:sldSz cx="12192000" cy="6858000"/>
   <p:notesSz cx="6858000" cy="9144000"/>
@@ -214,7 +217,7 @@
           <a:p>
             <a:fld id="{37C19070-0ACB-964B-9A57-570229ED9CFB}" type="datetimeFigureOut">
               <a:rPr kumimoji="1" lang="zh-CN" altLang="en-US" smtClean="0"/>
-              <a:t>2018/3/14</a:t>
+              <a:t>2018/3/17</a:t>
             </a:fld>
             <a:endParaRPr kumimoji="1" lang="zh-CN" altLang="en-US"/>
           </a:p>
@@ -816,7 +819,7 @@
           <a:p>
             <a:fld id="{3990034D-B195-C943-AE61-74B68AA87FB9}" type="datetimeFigureOut">
               <a:rPr kumimoji="1" lang="zh-CN" altLang="en-US" smtClean="0"/>
-              <a:t>2018/3/14</a:t>
+              <a:t>2018/3/17</a:t>
             </a:fld>
             <a:endParaRPr kumimoji="1" lang="zh-CN" altLang="en-US"/>
           </a:p>
@@ -1899,7 +1902,7 @@
           <a:p>
             <a:fld id="{3990034D-B195-C943-AE61-74B68AA87FB9}" type="datetimeFigureOut">
               <a:rPr kumimoji="1" lang="zh-CN" altLang="en-US" smtClean="0"/>
-              <a:t>2018/3/14</a:t>
+              <a:t>2018/3/17</a:t>
             </a:fld>
             <a:endParaRPr kumimoji="1" lang="zh-CN" altLang="en-US"/>
           </a:p>
@@ -2874,7 +2877,7 @@
           <a:p>
             <a:fld id="{3990034D-B195-C943-AE61-74B68AA87FB9}" type="datetimeFigureOut">
               <a:rPr kumimoji="1" lang="zh-CN" altLang="en-US" smtClean="0"/>
-              <a:t>2018/3/14</a:t>
+              <a:t>2018/3/17</a:t>
             </a:fld>
             <a:endParaRPr kumimoji="1" lang="zh-CN" altLang="en-US"/>
           </a:p>
@@ -4003,7 +4006,7 @@
           <a:p>
             <a:fld id="{3990034D-B195-C943-AE61-74B68AA87FB9}" type="datetimeFigureOut">
               <a:rPr kumimoji="1" lang="zh-CN" altLang="en-US" smtClean="0"/>
-              <a:t>2018/3/14</a:t>
+              <a:t>2018/3/17</a:t>
             </a:fld>
             <a:endParaRPr kumimoji="1" lang="zh-CN" altLang="en-US"/>
           </a:p>
@@ -5031,7 +5034,7 @@
           <a:p>
             <a:fld id="{3990034D-B195-C943-AE61-74B68AA87FB9}" type="datetimeFigureOut">
               <a:rPr kumimoji="1" lang="zh-CN" altLang="en-US" smtClean="0"/>
-              <a:t>2018/3/14</a:t>
+              <a:t>2018/3/17</a:t>
             </a:fld>
             <a:endParaRPr kumimoji="1" lang="zh-CN" altLang="en-US"/>
           </a:p>
@@ -5686,7 +5689,7 @@
           <a:p>
             <a:fld id="{3990034D-B195-C943-AE61-74B68AA87FB9}" type="datetimeFigureOut">
               <a:rPr kumimoji="1" lang="zh-CN" altLang="en-US" smtClean="0"/>
-              <a:t>2018/3/14</a:t>
+              <a:t>2018/3/17</a:t>
             </a:fld>
             <a:endParaRPr kumimoji="1" lang="zh-CN" altLang="en-US"/>
           </a:p>
@@ -6542,7 +6545,7 @@
           <a:p>
             <a:fld id="{3990034D-B195-C943-AE61-74B68AA87FB9}" type="datetimeFigureOut">
               <a:rPr kumimoji="1" lang="zh-CN" altLang="en-US" smtClean="0"/>
-              <a:t>2018/3/14</a:t>
+              <a:t>2018/3/17</a:t>
             </a:fld>
             <a:endParaRPr kumimoji="1" lang="zh-CN" altLang="en-US"/>
           </a:p>
@@ -6727,7 +6730,7 @@
           <a:p>
             <a:fld id="{3990034D-B195-C943-AE61-74B68AA87FB9}" type="datetimeFigureOut">
               <a:rPr kumimoji="1" lang="zh-CN" altLang="en-US" smtClean="0"/>
-              <a:t>2018/3/14</a:t>
+              <a:t>2018/3/17</a:t>
             </a:fld>
             <a:endParaRPr kumimoji="1" lang="zh-CN" altLang="en-US"/>
           </a:p>
@@ -7694,7 +7697,7 @@
           <a:p>
             <a:fld id="{3990034D-B195-C943-AE61-74B68AA87FB9}" type="datetimeFigureOut">
               <a:rPr kumimoji="1" lang="zh-CN" altLang="en-US" smtClean="0"/>
-              <a:t>2018/3/14</a:t>
+              <a:t>2018/3/17</a:t>
             </a:fld>
             <a:endParaRPr kumimoji="1" lang="zh-CN" altLang="en-US"/>
           </a:p>
@@ -7900,7 +7903,7 @@
           <a:p>
             <a:fld id="{3990034D-B195-C943-AE61-74B68AA87FB9}" type="datetimeFigureOut">
               <a:rPr kumimoji="1" lang="zh-CN" altLang="en-US" smtClean="0"/>
-              <a:t>2018/3/14</a:t>
+              <a:t>2018/3/17</a:t>
             </a:fld>
             <a:endParaRPr kumimoji="1" lang="zh-CN" altLang="en-US"/>
           </a:p>
@@ -8929,7 +8932,7 @@
           <a:p>
             <a:fld id="{3990034D-B195-C943-AE61-74B68AA87FB9}" type="datetimeFigureOut">
               <a:rPr kumimoji="1" lang="zh-CN" altLang="en-US" smtClean="0"/>
-              <a:t>2018/3/14</a:t>
+              <a:t>2018/3/17</a:t>
             </a:fld>
             <a:endParaRPr kumimoji="1" lang="zh-CN" altLang="en-US"/>
           </a:p>
@@ -9196,7 +9199,7 @@
           <a:p>
             <a:fld id="{3990034D-B195-C943-AE61-74B68AA87FB9}" type="datetimeFigureOut">
               <a:rPr kumimoji="1" lang="zh-CN" altLang="en-US" smtClean="0"/>
-              <a:t>2018/3/14</a:t>
+              <a:t>2018/3/17</a:t>
             </a:fld>
             <a:endParaRPr kumimoji="1" lang="zh-CN" altLang="en-US"/>
           </a:p>
@@ -9601,7 +9604,7 @@
           <a:p>
             <a:fld id="{3990034D-B195-C943-AE61-74B68AA87FB9}" type="datetimeFigureOut">
               <a:rPr kumimoji="1" lang="zh-CN" altLang="en-US" smtClean="0"/>
-              <a:t>2018/3/14</a:t>
+              <a:t>2018/3/17</a:t>
             </a:fld>
             <a:endParaRPr kumimoji="1" lang="zh-CN" altLang="en-US"/>
           </a:p>
@@ -9723,7 +9726,7 @@
           <a:p>
             <a:fld id="{3990034D-B195-C943-AE61-74B68AA87FB9}" type="datetimeFigureOut">
               <a:rPr kumimoji="1" lang="zh-CN" altLang="en-US" smtClean="0"/>
-              <a:t>2018/3/14</a:t>
+              <a:t>2018/3/17</a:t>
             </a:fld>
             <a:endParaRPr kumimoji="1" lang="zh-CN" altLang="en-US"/>
           </a:p>
@@ -9813,7 +9816,7 @@
           <a:p>
             <a:fld id="{3990034D-B195-C943-AE61-74B68AA87FB9}" type="datetimeFigureOut">
               <a:rPr kumimoji="1" lang="zh-CN" altLang="en-US" smtClean="0"/>
-              <a:t>2018/3/14</a:t>
+              <a:t>2018/3/17</a:t>
             </a:fld>
             <a:endParaRPr kumimoji="1" lang="zh-CN" altLang="en-US"/>
           </a:p>
@@ -10889,7 +10892,7 @@
           <a:p>
             <a:fld id="{3990034D-B195-C943-AE61-74B68AA87FB9}" type="datetimeFigureOut">
               <a:rPr kumimoji="1" lang="zh-CN" altLang="en-US" smtClean="0"/>
-              <a:t>2018/3/14</a:t>
+              <a:t>2018/3/17</a:t>
             </a:fld>
             <a:endParaRPr kumimoji="1" lang="zh-CN" altLang="en-US"/>
           </a:p>
@@ -11992,7 +11995,7 @@
           <a:p>
             <a:fld id="{3990034D-B195-C943-AE61-74B68AA87FB9}" type="datetimeFigureOut">
               <a:rPr kumimoji="1" lang="zh-CN" altLang="en-US" smtClean="0"/>
-              <a:t>2018/3/14</a:t>
+              <a:t>2018/3/17</a:t>
             </a:fld>
             <a:endParaRPr kumimoji="1" lang="zh-CN" altLang="en-US"/>
           </a:p>
@@ -12984,7 +12987,7 @@
           <a:p>
             <a:fld id="{3990034D-B195-C943-AE61-74B68AA87FB9}" type="datetimeFigureOut">
               <a:rPr kumimoji="1" lang="zh-CN" altLang="en-US" smtClean="0"/>
-              <a:t>2018/3/14</a:t>
+              <a:t>2018/3/17</a:t>
             </a:fld>
             <a:endParaRPr kumimoji="1" lang="zh-CN" altLang="en-US"/>
           </a:p>
@@ -13633,6 +13636,154 @@
           <a:chExt cx="0" cy="0"/>
         </a:xfrm>
       </p:grpSpPr>
+      <p:pic>
+        <p:nvPicPr>
+          <p:cNvPr id="3" name="图片 2">
+            <a:extLst>
+              <a:ext uri="{FF2B5EF4-FFF2-40B4-BE49-F238E27FC236}">
+                <a16:creationId xmlns:a16="http://schemas.microsoft.com/office/drawing/2014/main" id="{EB05C86B-9FA4-4B3E-8D0A-0B027CE662A4}"/>
+              </a:ext>
+            </a:extLst>
+          </p:cNvPr>
+          <p:cNvPicPr>
+            <a:picLocks noChangeAspect="1"/>
+          </p:cNvPicPr>
+          <p:nvPr/>
+        </p:nvPicPr>
+        <p:blipFill>
+          <a:blip r:embed="rId2"/>
+          <a:stretch>
+            <a:fillRect/>
+          </a:stretch>
+        </p:blipFill>
+        <p:spPr>
+          <a:xfrm>
+            <a:off x="2324571" y="2774080"/>
+            <a:ext cx="7542857" cy="3428571"/>
+          </a:xfrm>
+          <a:prstGeom prst="rect">
+            <a:avLst/>
+          </a:prstGeom>
+        </p:spPr>
+      </p:pic>
+    </p:spTree>
+    <p:extLst>
+      <p:ext uri="{BB962C8B-B14F-4D97-AF65-F5344CB8AC3E}">
+        <p14:creationId xmlns:p14="http://schemas.microsoft.com/office/powerpoint/2010/main" val="4275516887"/>
+      </p:ext>
+    </p:extLst>
+  </p:cSld>
+  <p:clrMapOvr>
+    <a:masterClrMapping/>
+  </p:clrMapOvr>
+</p:sld>
+</file>
+
+<file path=ppt/slides/slide11.xml><?xml version="1.0" encoding="utf-8"?>
+<p:sld xmlns:a="http://schemas.openxmlformats.org/drawingml/2006/main" xmlns:r="http://schemas.openxmlformats.org/officeDocument/2006/relationships" xmlns:p="http://schemas.openxmlformats.org/presentationml/2006/main">
+  <p:cSld>
+    <p:spTree>
+      <p:nvGrpSpPr>
+        <p:cNvPr id="1" name=""/>
+        <p:cNvGrpSpPr/>
+        <p:nvPr/>
+      </p:nvGrpSpPr>
+      <p:grpSpPr>
+        <a:xfrm>
+          <a:off x="0" y="0"/>
+          <a:ext cx="0" cy="0"/>
+          <a:chOff x="0" y="0"/>
+          <a:chExt cx="0" cy="0"/>
+        </a:xfrm>
+      </p:grpSpPr>
+      <p:sp>
+        <p:nvSpPr>
+          <p:cNvPr id="2" name="标题 1">
+            <a:extLst>
+              <a:ext uri="{FF2B5EF4-FFF2-40B4-BE49-F238E27FC236}">
+                <a16:creationId xmlns:a16="http://schemas.microsoft.com/office/drawing/2014/main" id="{87273222-083B-41AC-900E-A7EA339497A0}"/>
+              </a:ext>
+            </a:extLst>
+          </p:cNvPr>
+          <p:cNvSpPr>
+            <a:spLocks noGrp="1"/>
+          </p:cNvSpPr>
+          <p:nvPr>
+            <p:ph type="title"/>
+          </p:nvPr>
+        </p:nvSpPr>
+        <p:spPr/>
+        <p:txBody>
+          <a:bodyPr/>
+          <a:lstStyle/>
+          <a:p>
+            <a:r>
+              <a:rPr lang="zh-CN" altLang="en-US" dirty="0"/>
+              <a:t>五、神兵在手，天下我有</a:t>
+            </a:r>
+          </a:p>
+        </p:txBody>
+      </p:sp>
+      <p:pic>
+        <p:nvPicPr>
+          <p:cNvPr id="4" name="图片 3">
+            <a:extLst>
+              <a:ext uri="{FF2B5EF4-FFF2-40B4-BE49-F238E27FC236}">
+                <a16:creationId xmlns:a16="http://schemas.microsoft.com/office/drawing/2014/main" id="{F1383E8E-7B07-428A-A7CC-34D38091334F}"/>
+              </a:ext>
+            </a:extLst>
+          </p:cNvPr>
+          <p:cNvPicPr>
+            <a:picLocks noChangeAspect="1"/>
+          </p:cNvPicPr>
+          <p:nvPr/>
+        </p:nvPicPr>
+        <p:blipFill>
+          <a:blip r:embed="rId2"/>
+          <a:stretch>
+            <a:fillRect/>
+          </a:stretch>
+        </p:blipFill>
+        <p:spPr>
+          <a:xfrm>
+            <a:off x="3472960" y="2009944"/>
+            <a:ext cx="6283176" cy="4848056"/>
+          </a:xfrm>
+          <a:prstGeom prst="rect">
+            <a:avLst/>
+          </a:prstGeom>
+        </p:spPr>
+      </p:pic>
+    </p:spTree>
+    <p:extLst>
+      <p:ext uri="{BB962C8B-B14F-4D97-AF65-F5344CB8AC3E}">
+        <p14:creationId xmlns:p14="http://schemas.microsoft.com/office/powerpoint/2010/main" val="4097740624"/>
+      </p:ext>
+    </p:extLst>
+  </p:cSld>
+  <p:clrMapOvr>
+    <a:masterClrMapping/>
+  </p:clrMapOvr>
+</p:sld>
+</file>
+
+<file path=ppt/slides/slide12.xml><?xml version="1.0" encoding="utf-8"?>
+<p:sld xmlns:a="http://schemas.openxmlformats.org/drawingml/2006/main" xmlns:r="http://schemas.openxmlformats.org/officeDocument/2006/relationships" xmlns:p="http://schemas.openxmlformats.org/presentationml/2006/main">
+  <p:cSld>
+    <p:spTree>
+      <p:nvGrpSpPr>
+        <p:cNvPr id="1" name=""/>
+        <p:cNvGrpSpPr/>
+        <p:nvPr/>
+      </p:nvGrpSpPr>
+      <p:grpSpPr>
+        <a:xfrm>
+          <a:off x="0" y="0"/>
+          <a:ext cx="0" cy="0"/>
+          <a:chOff x="0" y="0"/>
+          <a:chExt cx="0" cy="0"/>
+        </a:xfrm>
+      </p:grpSpPr>
       <p:sp>
         <p:nvSpPr>
           <p:cNvPr id="2" name="标题 1">
@@ -13865,7 +14016,7 @@
 </p:sld>
 </file>
 
-<file path=ppt/slides/slide11.xml><?xml version="1.0" encoding="utf-8"?>
+<file path=ppt/slides/slide13.xml><?xml version="1.0" encoding="utf-8"?>
 <p:sld xmlns:a="http://schemas.openxmlformats.org/drawingml/2006/main" xmlns:r="http://schemas.openxmlformats.org/officeDocument/2006/relationships" xmlns:p="http://schemas.openxmlformats.org/presentationml/2006/main">
   <p:cSld>
     <p:spTree>
@@ -13997,7 +14148,7 @@
 </p:sld>
 </file>
 
-<file path=ppt/slides/slide12.xml><?xml version="1.0" encoding="utf-8"?>
+<file path=ppt/slides/slide14.xml><?xml version="1.0" encoding="utf-8"?>
 <p:sld xmlns:a="http://schemas.openxmlformats.org/drawingml/2006/main" xmlns:r="http://schemas.openxmlformats.org/officeDocument/2006/relationships" xmlns:p="http://schemas.openxmlformats.org/presentationml/2006/main">
   <p:cSld>
     <p:spTree>
@@ -14085,7 +14236,7 @@
 </p:sld>
 </file>
 
-<file path=ppt/slides/slide13.xml><?xml version="1.0" encoding="utf-8"?>
+<file path=ppt/slides/slide15.xml><?xml version="1.0" encoding="utf-8"?>
 <p:sld xmlns:a="http://schemas.openxmlformats.org/drawingml/2006/main" xmlns:r="http://schemas.openxmlformats.org/officeDocument/2006/relationships" xmlns:p="http://schemas.openxmlformats.org/presentationml/2006/main">
   <p:cSld>
     <p:spTree>
@@ -14177,7 +14328,7 @@
 </p:sld>
 </file>
 
-<file path=ppt/slides/slide14.xml><?xml version="1.0" encoding="utf-8"?>
+<file path=ppt/slides/slide16.xml><?xml version="1.0" encoding="utf-8"?>
 <p:sld xmlns:a="http://schemas.openxmlformats.org/drawingml/2006/main" xmlns:r="http://schemas.openxmlformats.org/officeDocument/2006/relationships" xmlns:p="http://schemas.openxmlformats.org/presentationml/2006/main">
   <p:cSld>
     <p:spTree>
@@ -14339,7 +14490,7 @@
 </p:sld>
 </file>
 
-<file path=ppt/slides/slide15.xml><?xml version="1.0" encoding="utf-8"?>
+<file path=ppt/slides/slide17.xml><?xml version="1.0" encoding="utf-8"?>
 <p:sld xmlns:a="http://schemas.openxmlformats.org/drawingml/2006/main" xmlns:r="http://schemas.openxmlformats.org/officeDocument/2006/relationships" xmlns:p="http://schemas.openxmlformats.org/presentationml/2006/main">
   <p:cSld>
     <p:spTree>
@@ -14384,7 +14535,7 @@
           <a:p>
             <a:r>
               <a:rPr lang="zh-CN" altLang="en-US" dirty="0"/>
-              <a:t>七、学技术到蓝翔，版本管理</a:t>
+              <a:t>六、学技术到蓝翔，版本管理</a:t>
             </a:r>
             <a:r>
               <a:rPr lang="en-US" altLang="zh-CN" dirty="0"/>
@@ -14535,7 +14686,7 @@
 </p:sld>
 </file>
 
-<file path=ppt/slides/slide16.xml><?xml version="1.0" encoding="utf-8"?>
+<file path=ppt/slides/slide18.xml><?xml version="1.0" encoding="utf-8"?>
 <p:sld xmlns:a="http://schemas.openxmlformats.org/drawingml/2006/main" xmlns:r="http://schemas.openxmlformats.org/officeDocument/2006/relationships" xmlns:p="http://schemas.openxmlformats.org/presentationml/2006/main">
   <p:cSld>
     <p:spTree>
@@ -14899,7 +15050,7 @@
 </p:sld>
 </file>
 
-<file path=ppt/slides/slide17.xml><?xml version="1.0" encoding="utf-8"?>
+<file path=ppt/slides/slide19.xml><?xml version="1.0" encoding="utf-8"?>
 <p:sld xmlns:a="http://schemas.openxmlformats.org/drawingml/2006/main" xmlns:r="http://schemas.openxmlformats.org/officeDocument/2006/relationships" xmlns:p="http://schemas.openxmlformats.org/presentationml/2006/main">
   <p:cSld>
     <p:spTree>
@@ -14959,130 +15110,6 @@
 </p:sld>
 </file>
 
-<file path=ppt/slides/slide18.xml><?xml version="1.0" encoding="utf-8"?>
-<p:sld xmlns:a="http://schemas.openxmlformats.org/drawingml/2006/main" xmlns:r="http://schemas.openxmlformats.org/officeDocument/2006/relationships" xmlns:p="http://schemas.openxmlformats.org/presentationml/2006/main">
-  <p:cSld>
-    <p:spTree>
-      <p:nvGrpSpPr>
-        <p:cNvPr id="1" name=""/>
-        <p:cNvGrpSpPr/>
-        <p:nvPr/>
-      </p:nvGrpSpPr>
-      <p:grpSpPr>
-        <a:xfrm>
-          <a:off x="0" y="0"/>
-          <a:ext cx="0" cy="0"/>
-          <a:chOff x="0" y="0"/>
-          <a:chExt cx="0" cy="0"/>
-        </a:xfrm>
-      </p:grpSpPr>
-      <p:sp>
-        <p:nvSpPr>
-          <p:cNvPr id="2" name="标题 1">
-            <a:extLst>
-              <a:ext uri="{FF2B5EF4-FFF2-40B4-BE49-F238E27FC236}">
-                <a16:creationId xmlns:a16="http://schemas.microsoft.com/office/drawing/2014/main" id="{58E717B3-D713-49A2-8D24-8D6AF069DBC3}"/>
-              </a:ext>
-            </a:extLst>
-          </p:cNvPr>
-          <p:cNvSpPr>
-            <a:spLocks noGrp="1"/>
-          </p:cNvSpPr>
-          <p:nvPr>
-            <p:ph type="title"/>
-          </p:nvPr>
-        </p:nvSpPr>
-        <p:spPr/>
-        <p:txBody>
-          <a:bodyPr/>
-          <a:lstStyle/>
-          <a:p>
-            <a:r>
-              <a:rPr lang="zh-CN" altLang="en-US" dirty="0"/>
-              <a:t>六、小孩子不玩游戏可不行！</a:t>
-            </a:r>
-          </a:p>
-        </p:txBody>
-      </p:sp>
-      <p:sp>
-        <p:nvSpPr>
-          <p:cNvPr id="3" name="文本框 2">
-            <a:extLst>
-              <a:ext uri="{FF2B5EF4-FFF2-40B4-BE49-F238E27FC236}">
-                <a16:creationId xmlns:a16="http://schemas.microsoft.com/office/drawing/2014/main" id="{62C5E5EC-B712-42BD-B739-A99E6D2CE1BF}"/>
-              </a:ext>
-            </a:extLst>
-          </p:cNvPr>
-          <p:cNvSpPr txBox="1"/>
-          <p:nvPr/>
-        </p:nvSpPr>
-        <p:spPr>
-          <a:xfrm>
-            <a:off x="3196718" y="2448736"/>
-            <a:ext cx="4677884" cy="523220"/>
-          </a:xfrm>
-          <a:prstGeom prst="rect">
-            <a:avLst/>
-          </a:prstGeom>
-          <a:noFill/>
-        </p:spPr>
-        <p:txBody>
-          <a:bodyPr wrap="none" rtlCol="0">
-            <a:spAutoFit/>
-          </a:bodyPr>
-          <a:lstStyle/>
-          <a:p>
-            <a:r>
-              <a:rPr lang="en-US" altLang="zh-CN" sz="2800" b="1" dirty="0"/>
-              <a:t>https://www.codewar.cn/</a:t>
-            </a:r>
-            <a:endParaRPr lang="zh-CN" altLang="en-US" sz="2800" b="1" dirty="0"/>
-          </a:p>
-        </p:txBody>
-      </p:sp>
-      <p:pic>
-        <p:nvPicPr>
-          <p:cNvPr id="5" name="图片 4">
-            <a:extLst>
-              <a:ext uri="{FF2B5EF4-FFF2-40B4-BE49-F238E27FC236}">
-                <a16:creationId xmlns:a16="http://schemas.microsoft.com/office/drawing/2014/main" id="{67A382E0-83A6-47DC-951A-A9FF48BDC6A1}"/>
-              </a:ext>
-            </a:extLst>
-          </p:cNvPr>
-          <p:cNvPicPr>
-            <a:picLocks noChangeAspect="1"/>
-          </p:cNvPicPr>
-          <p:nvPr/>
-        </p:nvPicPr>
-        <p:blipFill>
-          <a:blip r:embed="rId2"/>
-          <a:stretch>
-            <a:fillRect/>
-          </a:stretch>
-        </p:blipFill>
-        <p:spPr>
-          <a:xfrm>
-            <a:off x="2971800" y="3125822"/>
-            <a:ext cx="5890846" cy="3451667"/>
-          </a:xfrm>
-          <a:prstGeom prst="rect">
-            <a:avLst/>
-          </a:prstGeom>
-        </p:spPr>
-      </p:pic>
-    </p:spTree>
-    <p:extLst>
-      <p:ext uri="{BB962C8B-B14F-4D97-AF65-F5344CB8AC3E}">
-        <p14:creationId xmlns:p14="http://schemas.microsoft.com/office/powerpoint/2010/main" val="2713677777"/>
-      </p:ext>
-    </p:extLst>
-  </p:cSld>
-  <p:clrMapOvr>
-    <a:masterClrMapping/>
-  </p:clrMapOvr>
-</p:sld>
-</file>
-
 <file path=ppt/slides/slide2.xml><?xml version="1.0" encoding="utf-8"?>
 <p:sld xmlns:a="http://schemas.openxmlformats.org/drawingml/2006/main" xmlns:r="http://schemas.openxmlformats.org/officeDocument/2006/relationships" xmlns:p="http://schemas.openxmlformats.org/presentationml/2006/main">
   <p:cSld>
@@ -15273,10 +15300,261 @@
           </a:p>
         </p:txBody>
       </p:sp>
+      <p:pic>
+        <p:nvPicPr>
+          <p:cNvPr id="5" name="图片 4">
+            <a:extLst>
+              <a:ext uri="{FF2B5EF4-FFF2-40B4-BE49-F238E27FC236}">
+                <a16:creationId xmlns:a16="http://schemas.microsoft.com/office/drawing/2014/main" id="{007C2644-9AB9-438D-B3BA-671EE7B50DD1}"/>
+              </a:ext>
+            </a:extLst>
+          </p:cNvPr>
+          <p:cNvPicPr>
+            <a:picLocks noChangeAspect="1"/>
+          </p:cNvPicPr>
+          <p:nvPr/>
+        </p:nvPicPr>
+        <p:blipFill>
+          <a:blip r:embed="rId4"/>
+          <a:stretch>
+            <a:fillRect/>
+          </a:stretch>
+        </p:blipFill>
+        <p:spPr>
+          <a:xfrm>
+            <a:off x="9023839" y="2954215"/>
+            <a:ext cx="2286000" cy="3429000"/>
+          </a:xfrm>
+          <a:prstGeom prst="rect">
+            <a:avLst/>
+          </a:prstGeom>
+        </p:spPr>
+      </p:pic>
     </p:spTree>
     <p:extLst>
       <p:ext uri="{BB962C8B-B14F-4D97-AF65-F5344CB8AC3E}">
         <p14:creationId xmlns:p14="http://schemas.microsoft.com/office/powerpoint/2010/main" val="215511702"/>
+      </p:ext>
+    </p:extLst>
+  </p:cSld>
+  <p:clrMapOvr>
+    <a:masterClrMapping/>
+  </p:clrMapOvr>
+</p:sld>
+</file>
+
+<file path=ppt/slides/slide20.xml><?xml version="1.0" encoding="utf-8"?>
+<p:sld xmlns:a="http://schemas.openxmlformats.org/drawingml/2006/main" xmlns:r="http://schemas.openxmlformats.org/officeDocument/2006/relationships" xmlns:p="http://schemas.openxmlformats.org/presentationml/2006/main">
+  <p:cSld>
+    <p:spTree>
+      <p:nvGrpSpPr>
+        <p:cNvPr id="1" name=""/>
+        <p:cNvGrpSpPr/>
+        <p:nvPr/>
+      </p:nvGrpSpPr>
+      <p:grpSpPr>
+        <a:xfrm>
+          <a:off x="0" y="0"/>
+          <a:ext cx="0" cy="0"/>
+          <a:chOff x="0" y="0"/>
+          <a:chExt cx="0" cy="0"/>
+        </a:xfrm>
+      </p:grpSpPr>
+      <p:sp>
+        <p:nvSpPr>
+          <p:cNvPr id="2" name="标题 1">
+            <a:extLst>
+              <a:ext uri="{FF2B5EF4-FFF2-40B4-BE49-F238E27FC236}">
+                <a16:creationId xmlns:a16="http://schemas.microsoft.com/office/drawing/2014/main" id="{58E717B3-D713-49A2-8D24-8D6AF069DBC3}"/>
+              </a:ext>
+            </a:extLst>
+          </p:cNvPr>
+          <p:cNvSpPr>
+            <a:spLocks noGrp="1"/>
+          </p:cNvSpPr>
+          <p:nvPr>
+            <p:ph type="title"/>
+          </p:nvPr>
+        </p:nvSpPr>
+        <p:spPr/>
+        <p:txBody>
+          <a:bodyPr/>
+          <a:lstStyle/>
+          <a:p>
+            <a:r>
+              <a:rPr lang="zh-CN" altLang="en-US" dirty="0"/>
+              <a:t>七、小孩子不玩游戏可不行！</a:t>
+            </a:r>
+          </a:p>
+        </p:txBody>
+      </p:sp>
+      <p:sp>
+        <p:nvSpPr>
+          <p:cNvPr id="3" name="文本框 2">
+            <a:extLst>
+              <a:ext uri="{FF2B5EF4-FFF2-40B4-BE49-F238E27FC236}">
+                <a16:creationId xmlns:a16="http://schemas.microsoft.com/office/drawing/2014/main" id="{62C5E5EC-B712-42BD-B739-A99E6D2CE1BF}"/>
+              </a:ext>
+            </a:extLst>
+          </p:cNvPr>
+          <p:cNvSpPr txBox="1"/>
+          <p:nvPr/>
+        </p:nvSpPr>
+        <p:spPr>
+          <a:xfrm>
+            <a:off x="3196718" y="2448736"/>
+            <a:ext cx="4677884" cy="523220"/>
+          </a:xfrm>
+          <a:prstGeom prst="rect">
+            <a:avLst/>
+          </a:prstGeom>
+          <a:noFill/>
+        </p:spPr>
+        <p:txBody>
+          <a:bodyPr wrap="none" rtlCol="0">
+            <a:spAutoFit/>
+          </a:bodyPr>
+          <a:lstStyle/>
+          <a:p>
+            <a:r>
+              <a:rPr lang="en-US" altLang="zh-CN" sz="2800" b="1" dirty="0"/>
+              <a:t>https://www.codewar.cn/</a:t>
+            </a:r>
+            <a:endParaRPr lang="zh-CN" altLang="en-US" sz="2800" b="1" dirty="0"/>
+          </a:p>
+        </p:txBody>
+      </p:sp>
+      <p:pic>
+        <p:nvPicPr>
+          <p:cNvPr id="5" name="图片 4">
+            <a:extLst>
+              <a:ext uri="{FF2B5EF4-FFF2-40B4-BE49-F238E27FC236}">
+                <a16:creationId xmlns:a16="http://schemas.microsoft.com/office/drawing/2014/main" id="{67A382E0-83A6-47DC-951A-A9FF48BDC6A1}"/>
+              </a:ext>
+            </a:extLst>
+          </p:cNvPr>
+          <p:cNvPicPr>
+            <a:picLocks noChangeAspect="1"/>
+          </p:cNvPicPr>
+          <p:nvPr/>
+        </p:nvPicPr>
+        <p:blipFill>
+          <a:blip r:embed="rId2"/>
+          <a:stretch>
+            <a:fillRect/>
+          </a:stretch>
+        </p:blipFill>
+        <p:spPr>
+          <a:xfrm>
+            <a:off x="6301154" y="3055483"/>
+            <a:ext cx="5890846" cy="3451667"/>
+          </a:xfrm>
+          <a:prstGeom prst="rect">
+            <a:avLst/>
+          </a:prstGeom>
+        </p:spPr>
+      </p:pic>
+      <p:pic>
+        <p:nvPicPr>
+          <p:cNvPr id="4" name="图片 3">
+            <a:extLst>
+              <a:ext uri="{FF2B5EF4-FFF2-40B4-BE49-F238E27FC236}">
+                <a16:creationId xmlns:a16="http://schemas.microsoft.com/office/drawing/2014/main" id="{59C3D344-93F1-4AD6-A9A8-D0053F4B6686}"/>
+              </a:ext>
+            </a:extLst>
+          </p:cNvPr>
+          <p:cNvPicPr>
+            <a:picLocks noChangeAspect="1"/>
+          </p:cNvPicPr>
+          <p:nvPr/>
+        </p:nvPicPr>
+        <p:blipFill>
+          <a:blip r:embed="rId3"/>
+          <a:stretch>
+            <a:fillRect/>
+          </a:stretch>
+        </p:blipFill>
+        <p:spPr>
+          <a:xfrm>
+            <a:off x="1875931" y="3055483"/>
+            <a:ext cx="3687906" cy="3362901"/>
+          </a:xfrm>
+          <a:prstGeom prst="rect">
+            <a:avLst/>
+          </a:prstGeom>
+        </p:spPr>
+      </p:pic>
+    </p:spTree>
+    <p:extLst>
+      <p:ext uri="{BB962C8B-B14F-4D97-AF65-F5344CB8AC3E}">
+        <p14:creationId xmlns:p14="http://schemas.microsoft.com/office/powerpoint/2010/main" val="2713677777"/>
+      </p:ext>
+    </p:extLst>
+  </p:cSld>
+  <p:clrMapOvr>
+    <a:masterClrMapping/>
+  </p:clrMapOvr>
+</p:sld>
+</file>
+
+<file path=ppt/slides/slide21.xml><?xml version="1.0" encoding="utf-8"?>
+<p:sld xmlns:a="http://schemas.openxmlformats.org/drawingml/2006/main" xmlns:r="http://schemas.openxmlformats.org/officeDocument/2006/relationships" xmlns:p="http://schemas.openxmlformats.org/presentationml/2006/main">
+  <p:cSld>
+    <p:spTree>
+      <p:nvGrpSpPr>
+        <p:cNvPr id="1" name=""/>
+        <p:cNvGrpSpPr/>
+        <p:nvPr/>
+      </p:nvGrpSpPr>
+      <p:grpSpPr>
+        <a:xfrm>
+          <a:off x="0" y="0"/>
+          <a:ext cx="0" cy="0"/>
+          <a:chOff x="0" y="0"/>
+          <a:chExt cx="0" cy="0"/>
+        </a:xfrm>
+      </p:grpSpPr>
+      <p:sp>
+        <p:nvSpPr>
+          <p:cNvPr id="2" name="标题 1">
+            <a:extLst>
+              <a:ext uri="{FF2B5EF4-FFF2-40B4-BE49-F238E27FC236}">
+                <a16:creationId xmlns:a16="http://schemas.microsoft.com/office/drawing/2014/main" id="{CED8B7E0-5D63-4E32-B0F4-2C3DA4F6A85A}"/>
+              </a:ext>
+            </a:extLst>
+          </p:cNvPr>
+          <p:cNvSpPr>
+            <a:spLocks noGrp="1"/>
+          </p:cNvSpPr>
+          <p:nvPr>
+            <p:ph type="title"/>
+          </p:nvPr>
+        </p:nvSpPr>
+        <p:spPr>
+          <a:xfrm>
+            <a:off x="2295585" y="3429000"/>
+            <a:ext cx="8761413" cy="706964"/>
+          </a:xfrm>
+        </p:spPr>
+        <p:txBody>
+          <a:bodyPr/>
+          <a:lstStyle/>
+          <a:p>
+            <a:r>
+              <a:rPr lang="zh-CN" altLang="en-US" sz="4000" b="1" dirty="0">
+                <a:solidFill>
+                  <a:schemeClr val="tx1"/>
+                </a:solidFill>
+              </a:rPr>
+              <a:t>要知后事如何，且听下回分解！</a:t>
+            </a:r>
+          </a:p>
+        </p:txBody>
+      </p:sp>
+    </p:spTree>
+    <p:extLst>
+      <p:ext uri="{BB962C8B-B14F-4D97-AF65-F5344CB8AC3E}">
+        <p14:creationId xmlns:p14="http://schemas.microsoft.com/office/powerpoint/2010/main" val="4225306641"/>
       </p:ext>
     </p:extLst>
   </p:cSld>
@@ -15664,6 +15942,402 @@
           <p:cNvPr id="2" name="标题 1">
             <a:extLst>
               <a:ext uri="{FF2B5EF4-FFF2-40B4-BE49-F238E27FC236}">
+                <a16:creationId xmlns:a16="http://schemas.microsoft.com/office/drawing/2014/main" id="{FB3C3303-298C-440E-A013-B5E0D131FA18}"/>
+              </a:ext>
+            </a:extLst>
+          </p:cNvPr>
+          <p:cNvSpPr>
+            <a:spLocks noGrp="1"/>
+          </p:cNvSpPr>
+          <p:nvPr>
+            <p:ph type="title"/>
+          </p:nvPr>
+        </p:nvSpPr>
+        <p:spPr/>
+        <p:txBody>
+          <a:bodyPr/>
+          <a:lstStyle/>
+          <a:p>
+            <a:r>
+              <a:rPr lang="en-US" altLang="zh-CN" dirty="0"/>
+              <a:t>Hello Word!</a:t>
+            </a:r>
+            <a:endParaRPr lang="zh-CN" altLang="en-US" dirty="0"/>
+          </a:p>
+        </p:txBody>
+      </p:sp>
+      <p:sp>
+        <p:nvSpPr>
+          <p:cNvPr id="5" name="文本框 4">
+            <a:extLst>
+              <a:ext uri="{FF2B5EF4-FFF2-40B4-BE49-F238E27FC236}">
+                <a16:creationId xmlns:a16="http://schemas.microsoft.com/office/drawing/2014/main" id="{860632F4-EC3A-4A88-A16A-88CF0990CE1A}"/>
+              </a:ext>
+            </a:extLst>
+          </p:cNvPr>
+          <p:cNvSpPr txBox="1"/>
+          <p:nvPr/>
+        </p:nvSpPr>
+        <p:spPr>
+          <a:xfrm>
+            <a:off x="467536" y="2373923"/>
+            <a:ext cx="5628464" cy="3046988"/>
+          </a:xfrm>
+          <a:prstGeom prst="rect">
+            <a:avLst/>
+          </a:prstGeom>
+          <a:noFill/>
+        </p:spPr>
+        <p:txBody>
+          <a:bodyPr wrap="square" rtlCol="0">
+            <a:spAutoFit/>
+          </a:bodyPr>
+          <a:lstStyle/>
+          <a:p>
+            <a:r>
+              <a:rPr lang="en-US" altLang="zh-CN" sz="2400" b="1" dirty="0"/>
+              <a:t>public class HelloWorld {</a:t>
+            </a:r>
+          </a:p>
+          <a:p>
+            <a:r>
+              <a:rPr lang="en-US" altLang="zh-CN" sz="2400" b="1" dirty="0"/>
+              <a:t>  public static void main(String[]</a:t>
+            </a:r>
+            <a:r>
+              <a:rPr lang="en-US" altLang="zh-CN" sz="2400" b="1" dirty="0" err="1"/>
+              <a:t>agrs</a:t>
+            </a:r>
+            <a:r>
+              <a:rPr lang="en-US" altLang="zh-CN" sz="2400" b="1" dirty="0"/>
+              <a:t>)</a:t>
+            </a:r>
+          </a:p>
+          <a:p>
+            <a:r>
+              <a:rPr lang="en-US" altLang="zh-CN" sz="2400" b="1" dirty="0"/>
+              <a:t>    {</a:t>
+            </a:r>
+          </a:p>
+          <a:p>
+            <a:r>
+              <a:rPr lang="en-US" altLang="zh-CN" sz="2400" b="1" dirty="0"/>
+              <a:t>      </a:t>
+            </a:r>
+            <a:r>
+              <a:rPr lang="en-US" altLang="zh-CN" sz="2400" b="1" dirty="0" err="1"/>
+              <a:t>System.out.println</a:t>
+            </a:r>
+            <a:r>
+              <a:rPr lang="en-US" altLang="zh-CN" sz="2400" b="1" dirty="0"/>
+              <a:t>("HelloWorld!");</a:t>
+            </a:r>
+          </a:p>
+          <a:p>
+            <a:r>
+              <a:rPr lang="en-US" altLang="zh-CN" sz="2400" b="1" dirty="0"/>
+              <a:t>    }</a:t>
+            </a:r>
+          </a:p>
+          <a:p>
+            <a:r>
+              <a:rPr lang="en-US" altLang="zh-CN" sz="2400" b="1" dirty="0"/>
+              <a:t>}</a:t>
+            </a:r>
+            <a:endParaRPr lang="zh-CN" altLang="en-US" sz="2400" b="1" dirty="0"/>
+          </a:p>
+        </p:txBody>
+      </p:sp>
+      <p:pic>
+        <p:nvPicPr>
+          <p:cNvPr id="7" name="图片 6">
+            <a:extLst>
+              <a:ext uri="{FF2B5EF4-FFF2-40B4-BE49-F238E27FC236}">
+                <a16:creationId xmlns:a16="http://schemas.microsoft.com/office/drawing/2014/main" id="{24693BBA-C208-44EA-BA39-373C944D43FD}"/>
+              </a:ext>
+            </a:extLst>
+          </p:cNvPr>
+          <p:cNvPicPr>
+            <a:picLocks noChangeAspect="1"/>
+          </p:cNvPicPr>
+          <p:nvPr/>
+        </p:nvPicPr>
+        <p:blipFill>
+          <a:blip r:embed="rId2"/>
+          <a:stretch>
+            <a:fillRect/>
+          </a:stretch>
+        </p:blipFill>
+        <p:spPr>
+          <a:xfrm>
+            <a:off x="935892" y="4220308"/>
+            <a:ext cx="3144428" cy="2206869"/>
+          </a:xfrm>
+          <a:prstGeom prst="rect">
+            <a:avLst/>
+          </a:prstGeom>
+        </p:spPr>
+      </p:pic>
+      <p:sp>
+        <p:nvSpPr>
+          <p:cNvPr id="8" name="文本框 7">
+            <a:extLst>
+              <a:ext uri="{FF2B5EF4-FFF2-40B4-BE49-F238E27FC236}">
+                <a16:creationId xmlns:a16="http://schemas.microsoft.com/office/drawing/2014/main" id="{7CA483A8-8518-4F3E-ADB1-1C3120249009}"/>
+              </a:ext>
+            </a:extLst>
+          </p:cNvPr>
+          <p:cNvSpPr txBox="1"/>
+          <p:nvPr/>
+        </p:nvSpPr>
+        <p:spPr>
+          <a:xfrm>
+            <a:off x="6734908" y="2567354"/>
+            <a:ext cx="5310554" cy="2677656"/>
+          </a:xfrm>
+          <a:prstGeom prst="rect">
+            <a:avLst/>
+          </a:prstGeom>
+          <a:noFill/>
+        </p:spPr>
+        <p:txBody>
+          <a:bodyPr wrap="square" rtlCol="0">
+            <a:spAutoFit/>
+          </a:bodyPr>
+          <a:lstStyle/>
+          <a:p>
+            <a:r>
+              <a:rPr lang="en-US" altLang="zh-CN" sz="2400" b="1" dirty="0"/>
+              <a:t>#include &lt;iostream&gt;  </a:t>
+            </a:r>
+          </a:p>
+          <a:p>
+            <a:r>
+              <a:rPr lang="en-US" altLang="zh-CN" sz="2400" b="1" dirty="0"/>
+              <a:t>using namespace </a:t>
+            </a:r>
+            <a:r>
+              <a:rPr lang="en-US" altLang="zh-CN" sz="2400" b="1" dirty="0" err="1"/>
+              <a:t>std</a:t>
+            </a:r>
+            <a:r>
+              <a:rPr lang="en-US" altLang="zh-CN" sz="2400" b="1" dirty="0"/>
+              <a:t>;  </a:t>
+            </a:r>
+          </a:p>
+          <a:p>
+            <a:r>
+              <a:rPr lang="en-US" altLang="zh-CN" sz="2400" b="1" dirty="0"/>
+              <a:t>  </a:t>
+            </a:r>
+          </a:p>
+          <a:p>
+            <a:r>
+              <a:rPr lang="en-US" altLang="zh-CN" sz="2400" b="1" dirty="0" err="1"/>
+              <a:t>int</a:t>
+            </a:r>
+            <a:r>
+              <a:rPr lang="en-US" altLang="zh-CN" sz="2400" b="1" dirty="0"/>
+              <a:t> main() {  </a:t>
+            </a:r>
+          </a:p>
+          <a:p>
+            <a:r>
+              <a:rPr lang="en-US" altLang="zh-CN" sz="2400" b="1" dirty="0"/>
+              <a:t>    </a:t>
+            </a:r>
+            <a:r>
+              <a:rPr lang="en-US" altLang="zh-CN" sz="2400" b="1" dirty="0" err="1"/>
+              <a:t>cout</a:t>
+            </a:r>
+            <a:r>
+              <a:rPr lang="en-US" altLang="zh-CN" sz="2400" b="1" dirty="0"/>
+              <a:t> &lt;&lt; "Hello World!" &lt;&lt; </a:t>
+            </a:r>
+            <a:r>
+              <a:rPr lang="en-US" altLang="zh-CN" sz="2400" b="1" dirty="0" err="1"/>
+              <a:t>endl</a:t>
+            </a:r>
+            <a:r>
+              <a:rPr lang="en-US" altLang="zh-CN" sz="2400" b="1" dirty="0"/>
+              <a:t>;   </a:t>
+            </a:r>
+          </a:p>
+          <a:p>
+            <a:r>
+              <a:rPr lang="en-US" altLang="zh-CN" sz="2400" b="1" dirty="0"/>
+              <a:t>    return 0;  </a:t>
+            </a:r>
+          </a:p>
+          <a:p>
+            <a:r>
+              <a:rPr lang="en-US" altLang="zh-CN" sz="2400" b="1" dirty="0"/>
+              <a:t>}  </a:t>
+            </a:r>
+          </a:p>
+        </p:txBody>
+      </p:sp>
+      <p:pic>
+        <p:nvPicPr>
+          <p:cNvPr id="10" name="图片 9">
+            <a:extLst>
+              <a:ext uri="{FF2B5EF4-FFF2-40B4-BE49-F238E27FC236}">
+                <a16:creationId xmlns:a16="http://schemas.microsoft.com/office/drawing/2014/main" id="{3922D77A-3CC3-4B05-B6BF-AB9C3E23B026}"/>
+              </a:ext>
+            </a:extLst>
+          </p:cNvPr>
+          <p:cNvPicPr>
+            <a:picLocks noChangeAspect="1"/>
+          </p:cNvPicPr>
+          <p:nvPr/>
+        </p:nvPicPr>
+        <p:blipFill>
+          <a:blip r:embed="rId3"/>
+          <a:stretch>
+            <a:fillRect/>
+          </a:stretch>
+        </p:blipFill>
+        <p:spPr>
+          <a:xfrm>
+            <a:off x="8479782" y="4704826"/>
+            <a:ext cx="2538934" cy="1994877"/>
+          </a:xfrm>
+          <a:prstGeom prst="rect">
+            <a:avLst/>
+          </a:prstGeom>
+        </p:spPr>
+      </p:pic>
+    </p:spTree>
+    <p:extLst>
+      <p:ext uri="{BB962C8B-B14F-4D97-AF65-F5344CB8AC3E}">
+        <p14:creationId xmlns:p14="http://schemas.microsoft.com/office/powerpoint/2010/main" val="1661331510"/>
+      </p:ext>
+    </p:extLst>
+  </p:cSld>
+  <p:clrMapOvr>
+    <a:masterClrMapping/>
+  </p:clrMapOvr>
+</p:sld>
+</file>
+
+<file path=ppt/slides/slide6.xml><?xml version="1.0" encoding="utf-8"?>
+<p:sld xmlns:a="http://schemas.openxmlformats.org/drawingml/2006/main" xmlns:r="http://schemas.openxmlformats.org/officeDocument/2006/relationships" xmlns:p="http://schemas.openxmlformats.org/presentationml/2006/main">
+  <p:cSld>
+    <p:spTree>
+      <p:nvGrpSpPr>
+        <p:cNvPr id="1" name=""/>
+        <p:cNvGrpSpPr/>
+        <p:nvPr/>
+      </p:nvGrpSpPr>
+      <p:grpSpPr>
+        <a:xfrm>
+          <a:off x="0" y="0"/>
+          <a:ext cx="0" cy="0"/>
+          <a:chOff x="0" y="0"/>
+          <a:chExt cx="0" cy="0"/>
+        </a:xfrm>
+      </p:grpSpPr>
+      <p:sp>
+        <p:nvSpPr>
+          <p:cNvPr id="3" name="文本框 2">
+            <a:extLst>
+              <a:ext uri="{FF2B5EF4-FFF2-40B4-BE49-F238E27FC236}">
+                <a16:creationId xmlns:a16="http://schemas.microsoft.com/office/drawing/2014/main" id="{D8FCE25C-AC62-48DB-ADE2-53E48D9FEDB7}"/>
+              </a:ext>
+            </a:extLst>
+          </p:cNvPr>
+          <p:cNvSpPr txBox="1"/>
+          <p:nvPr/>
+        </p:nvSpPr>
+        <p:spPr>
+          <a:xfrm>
+            <a:off x="1512277" y="3429000"/>
+            <a:ext cx="2975495" cy="461665"/>
+          </a:xfrm>
+          <a:prstGeom prst="rect">
+            <a:avLst/>
+          </a:prstGeom>
+          <a:noFill/>
+        </p:spPr>
+        <p:txBody>
+          <a:bodyPr wrap="none" rtlCol="0">
+            <a:spAutoFit/>
+          </a:bodyPr>
+          <a:lstStyle/>
+          <a:p>
+            <a:r>
+              <a:rPr lang="en-US" altLang="zh-CN" sz="2400" b="1" dirty="0"/>
+              <a:t>print "Hello, world!"</a:t>
+            </a:r>
+            <a:endParaRPr lang="zh-CN" altLang="en-US" sz="2400" b="1" dirty="0"/>
+          </a:p>
+        </p:txBody>
+      </p:sp>
+      <p:pic>
+        <p:nvPicPr>
+          <p:cNvPr id="4" name="图片 3">
+            <a:extLst>
+              <a:ext uri="{FF2B5EF4-FFF2-40B4-BE49-F238E27FC236}">
+                <a16:creationId xmlns:a16="http://schemas.microsoft.com/office/drawing/2014/main" id="{83B5EBBD-8105-45A4-9091-2C8993B9A2DA}"/>
+              </a:ext>
+            </a:extLst>
+          </p:cNvPr>
+          <p:cNvPicPr>
+            <a:picLocks noChangeAspect="1"/>
+          </p:cNvPicPr>
+          <p:nvPr/>
+        </p:nvPicPr>
+        <p:blipFill>
+          <a:blip r:embed="rId2"/>
+          <a:stretch>
+            <a:fillRect/>
+          </a:stretch>
+        </p:blipFill>
+        <p:spPr>
+          <a:xfrm>
+            <a:off x="6216894" y="2776171"/>
+            <a:ext cx="4857750" cy="3028950"/>
+          </a:xfrm>
+          <a:prstGeom prst="rect">
+            <a:avLst/>
+          </a:prstGeom>
+        </p:spPr>
+      </p:pic>
+    </p:spTree>
+    <p:extLst>
+      <p:ext uri="{BB962C8B-B14F-4D97-AF65-F5344CB8AC3E}">
+        <p14:creationId xmlns:p14="http://schemas.microsoft.com/office/powerpoint/2010/main" val="4092095287"/>
+      </p:ext>
+    </p:extLst>
+  </p:cSld>
+  <p:clrMapOvr>
+    <a:masterClrMapping/>
+  </p:clrMapOvr>
+</p:sld>
+</file>
+
+<file path=ppt/slides/slide7.xml><?xml version="1.0" encoding="utf-8"?>
+<p:sld xmlns:a="http://schemas.openxmlformats.org/drawingml/2006/main" xmlns:r="http://schemas.openxmlformats.org/officeDocument/2006/relationships" xmlns:p="http://schemas.openxmlformats.org/presentationml/2006/main">
+  <p:cSld>
+    <p:spTree>
+      <p:nvGrpSpPr>
+        <p:cNvPr id="1" name=""/>
+        <p:cNvGrpSpPr/>
+        <p:nvPr/>
+      </p:nvGrpSpPr>
+      <p:grpSpPr>
+        <a:xfrm>
+          <a:off x="0" y="0"/>
+          <a:ext cx="0" cy="0"/>
+          <a:chOff x="0" y="0"/>
+          <a:chExt cx="0" cy="0"/>
+        </a:xfrm>
+      </p:grpSpPr>
+      <p:sp>
+        <p:nvSpPr>
+          <p:cNvPr id="2" name="标题 1">
+            <a:extLst>
+              <a:ext uri="{FF2B5EF4-FFF2-40B4-BE49-F238E27FC236}">
                 <a16:creationId xmlns:a16="http://schemas.microsoft.com/office/drawing/2014/main" id="{0D6EC60D-8E75-499F-94E3-8FAF4B62A3DB}"/>
               </a:ext>
             </a:extLst>
@@ -15739,7 +16413,7 @@
 </p:sld>
 </file>
 
-<file path=ppt/slides/slide6.xml><?xml version="1.0" encoding="utf-8"?>
+<file path=ppt/slides/slide8.xml><?xml version="1.0" encoding="utf-8"?>
 <p:sld xmlns:a="http://schemas.openxmlformats.org/drawingml/2006/main" xmlns:r="http://schemas.openxmlformats.org/officeDocument/2006/relationships" xmlns:p="http://schemas.openxmlformats.org/presentationml/2006/main">
   <p:cSld>
     <p:spTree>
@@ -15862,7 +16536,7 @@
 </p:sld>
 </file>
 
-<file path=ppt/slides/slide7.xml><?xml version="1.0" encoding="utf-8"?>
+<file path=ppt/slides/slide9.xml><?xml version="1.0" encoding="utf-8"?>
 <p:sld xmlns:a="http://schemas.openxmlformats.org/drawingml/2006/main" xmlns:r="http://schemas.openxmlformats.org/officeDocument/2006/relationships" xmlns:p="http://schemas.openxmlformats.org/presentationml/2006/main">
   <p:cSld>
     <p:spTree>
@@ -16099,154 +16773,6 @@
     <p:extLst>
       <p:ext uri="{BB962C8B-B14F-4D97-AF65-F5344CB8AC3E}">
         <p14:creationId xmlns:p14="http://schemas.microsoft.com/office/powerpoint/2010/main" val="3793020712"/>
-      </p:ext>
-    </p:extLst>
-  </p:cSld>
-  <p:clrMapOvr>
-    <a:masterClrMapping/>
-  </p:clrMapOvr>
-</p:sld>
-</file>
-
-<file path=ppt/slides/slide8.xml><?xml version="1.0" encoding="utf-8"?>
-<p:sld xmlns:a="http://schemas.openxmlformats.org/drawingml/2006/main" xmlns:r="http://schemas.openxmlformats.org/officeDocument/2006/relationships" xmlns:p="http://schemas.openxmlformats.org/presentationml/2006/main">
-  <p:cSld>
-    <p:spTree>
-      <p:nvGrpSpPr>
-        <p:cNvPr id="1" name=""/>
-        <p:cNvGrpSpPr/>
-        <p:nvPr/>
-      </p:nvGrpSpPr>
-      <p:grpSpPr>
-        <a:xfrm>
-          <a:off x="0" y="0"/>
-          <a:ext cx="0" cy="0"/>
-          <a:chOff x="0" y="0"/>
-          <a:chExt cx="0" cy="0"/>
-        </a:xfrm>
-      </p:grpSpPr>
-      <p:pic>
-        <p:nvPicPr>
-          <p:cNvPr id="3" name="图片 2">
-            <a:extLst>
-              <a:ext uri="{FF2B5EF4-FFF2-40B4-BE49-F238E27FC236}">
-                <a16:creationId xmlns:a16="http://schemas.microsoft.com/office/drawing/2014/main" id="{EB05C86B-9FA4-4B3E-8D0A-0B027CE662A4}"/>
-              </a:ext>
-            </a:extLst>
-          </p:cNvPr>
-          <p:cNvPicPr>
-            <a:picLocks noChangeAspect="1"/>
-          </p:cNvPicPr>
-          <p:nvPr/>
-        </p:nvPicPr>
-        <p:blipFill>
-          <a:blip r:embed="rId2"/>
-          <a:stretch>
-            <a:fillRect/>
-          </a:stretch>
-        </p:blipFill>
-        <p:spPr>
-          <a:xfrm>
-            <a:off x="2324571" y="2774080"/>
-            <a:ext cx="7542857" cy="3428571"/>
-          </a:xfrm>
-          <a:prstGeom prst="rect">
-            <a:avLst/>
-          </a:prstGeom>
-        </p:spPr>
-      </p:pic>
-    </p:spTree>
-    <p:extLst>
-      <p:ext uri="{BB962C8B-B14F-4D97-AF65-F5344CB8AC3E}">
-        <p14:creationId xmlns:p14="http://schemas.microsoft.com/office/powerpoint/2010/main" val="4275516887"/>
-      </p:ext>
-    </p:extLst>
-  </p:cSld>
-  <p:clrMapOvr>
-    <a:masterClrMapping/>
-  </p:clrMapOvr>
-</p:sld>
-</file>
-
-<file path=ppt/slides/slide9.xml><?xml version="1.0" encoding="utf-8"?>
-<p:sld xmlns:a="http://schemas.openxmlformats.org/drawingml/2006/main" xmlns:r="http://schemas.openxmlformats.org/officeDocument/2006/relationships" xmlns:p="http://schemas.openxmlformats.org/presentationml/2006/main">
-  <p:cSld>
-    <p:spTree>
-      <p:nvGrpSpPr>
-        <p:cNvPr id="1" name=""/>
-        <p:cNvGrpSpPr/>
-        <p:nvPr/>
-      </p:nvGrpSpPr>
-      <p:grpSpPr>
-        <a:xfrm>
-          <a:off x="0" y="0"/>
-          <a:ext cx="0" cy="0"/>
-          <a:chOff x="0" y="0"/>
-          <a:chExt cx="0" cy="0"/>
-        </a:xfrm>
-      </p:grpSpPr>
-      <p:sp>
-        <p:nvSpPr>
-          <p:cNvPr id="2" name="标题 1">
-            <a:extLst>
-              <a:ext uri="{FF2B5EF4-FFF2-40B4-BE49-F238E27FC236}">
-                <a16:creationId xmlns:a16="http://schemas.microsoft.com/office/drawing/2014/main" id="{87273222-083B-41AC-900E-A7EA339497A0}"/>
-              </a:ext>
-            </a:extLst>
-          </p:cNvPr>
-          <p:cNvSpPr>
-            <a:spLocks noGrp="1"/>
-          </p:cNvSpPr>
-          <p:nvPr>
-            <p:ph type="title"/>
-          </p:nvPr>
-        </p:nvSpPr>
-        <p:spPr/>
-        <p:txBody>
-          <a:bodyPr/>
-          <a:lstStyle/>
-          <a:p>
-            <a:r>
-              <a:rPr lang="zh-CN" altLang="en-US" dirty="0"/>
-              <a:t>五、神兵在手，天下我有</a:t>
-            </a:r>
-          </a:p>
-        </p:txBody>
-      </p:sp>
-      <p:pic>
-        <p:nvPicPr>
-          <p:cNvPr id="4" name="图片 3">
-            <a:extLst>
-              <a:ext uri="{FF2B5EF4-FFF2-40B4-BE49-F238E27FC236}">
-                <a16:creationId xmlns:a16="http://schemas.microsoft.com/office/drawing/2014/main" id="{F1383E8E-7B07-428A-A7CC-34D38091334F}"/>
-              </a:ext>
-            </a:extLst>
-          </p:cNvPr>
-          <p:cNvPicPr>
-            <a:picLocks noChangeAspect="1"/>
-          </p:cNvPicPr>
-          <p:nvPr/>
-        </p:nvPicPr>
-        <p:blipFill>
-          <a:blip r:embed="rId2"/>
-          <a:stretch>
-            <a:fillRect/>
-          </a:stretch>
-        </p:blipFill>
-        <p:spPr>
-          <a:xfrm>
-            <a:off x="3472960" y="2009944"/>
-            <a:ext cx="6283176" cy="4848056"/>
-          </a:xfrm>
-          <a:prstGeom prst="rect">
-            <a:avLst/>
-          </a:prstGeom>
-        </p:spPr>
-      </p:pic>
-    </p:spTree>
-    <p:extLst>
-      <p:ext uri="{BB962C8B-B14F-4D97-AF65-F5344CB8AC3E}">
-        <p14:creationId xmlns:p14="http://schemas.microsoft.com/office/powerpoint/2010/main" val="4097740624"/>
       </p:ext>
     </p:extLst>
   </p:cSld>

--- a/Python课程/第1课-python入门/python入门.pptx
+++ b/Python课程/第1课-python入门/python入门.pptx
@@ -5,30 +5,37 @@
     <p:sldMasterId id="2147483660" r:id="rId1"/>
   </p:sldMasterIdLst>
   <p:notesMasterIdLst>
-    <p:notesMasterId r:id="rId23"/>
+    <p:notesMasterId r:id="rId30"/>
   </p:notesMasterIdLst>
   <p:sldIdLst>
     <p:sldId id="256" r:id="rId2"/>
-    <p:sldId id="257" r:id="rId3"/>
-    <p:sldId id="268" r:id="rId4"/>
-    <p:sldId id="258" r:id="rId5"/>
-    <p:sldId id="274" r:id="rId6"/>
-    <p:sldId id="276" r:id="rId7"/>
-    <p:sldId id="272" r:id="rId8"/>
-    <p:sldId id="259" r:id="rId9"/>
-    <p:sldId id="260" r:id="rId10"/>
-    <p:sldId id="273" r:id="rId11"/>
-    <p:sldId id="261" r:id="rId12"/>
-    <p:sldId id="262" r:id="rId13"/>
-    <p:sldId id="263" r:id="rId14"/>
-    <p:sldId id="264" r:id="rId15"/>
-    <p:sldId id="265" r:id="rId16"/>
-    <p:sldId id="267" r:id="rId17"/>
-    <p:sldId id="269" r:id="rId18"/>
-    <p:sldId id="270" r:id="rId19"/>
-    <p:sldId id="271" r:id="rId20"/>
-    <p:sldId id="266" r:id="rId21"/>
-    <p:sldId id="277" r:id="rId22"/>
+    <p:sldId id="278" r:id="rId3"/>
+    <p:sldId id="257" r:id="rId4"/>
+    <p:sldId id="268" r:id="rId5"/>
+    <p:sldId id="258" r:id="rId6"/>
+    <p:sldId id="274" r:id="rId7"/>
+    <p:sldId id="276" r:id="rId8"/>
+    <p:sldId id="272" r:id="rId9"/>
+    <p:sldId id="259" r:id="rId10"/>
+    <p:sldId id="281" r:id="rId11"/>
+    <p:sldId id="280" r:id="rId12"/>
+    <p:sldId id="284" r:id="rId13"/>
+    <p:sldId id="285" r:id="rId14"/>
+    <p:sldId id="260" r:id="rId15"/>
+    <p:sldId id="273" r:id="rId16"/>
+    <p:sldId id="282" r:id="rId17"/>
+    <p:sldId id="283" r:id="rId18"/>
+    <p:sldId id="261" r:id="rId19"/>
+    <p:sldId id="262" r:id="rId20"/>
+    <p:sldId id="263" r:id="rId21"/>
+    <p:sldId id="264" r:id="rId22"/>
+    <p:sldId id="265" r:id="rId23"/>
+    <p:sldId id="267" r:id="rId24"/>
+    <p:sldId id="269" r:id="rId25"/>
+    <p:sldId id="270" r:id="rId26"/>
+    <p:sldId id="271" r:id="rId27"/>
+    <p:sldId id="266" r:id="rId28"/>
+    <p:sldId id="277" r:id="rId29"/>
   </p:sldIdLst>
   <p:sldSz cx="12192000" cy="6858000"/>
   <p:notesSz cx="6858000" cy="9144000"/>
@@ -217,7 +224,7 @@
           <a:p>
             <a:fld id="{37C19070-0ACB-964B-9A57-570229ED9CFB}" type="datetimeFigureOut">
               <a:rPr kumimoji="1" lang="zh-CN" altLang="en-US" smtClean="0"/>
-              <a:t>2018/3/17</a:t>
+              <a:t>2018/3/18</a:t>
             </a:fld>
             <a:endParaRPr kumimoji="1" lang="zh-CN" altLang="en-US"/>
           </a:p>
@@ -819,7 +826,7 @@
           <a:p>
             <a:fld id="{3990034D-B195-C943-AE61-74B68AA87FB9}" type="datetimeFigureOut">
               <a:rPr kumimoji="1" lang="zh-CN" altLang="en-US" smtClean="0"/>
-              <a:t>2018/3/17</a:t>
+              <a:t>2018/3/18</a:t>
             </a:fld>
             <a:endParaRPr kumimoji="1" lang="zh-CN" altLang="en-US"/>
           </a:p>
@@ -1902,7 +1909,7 @@
           <a:p>
             <a:fld id="{3990034D-B195-C943-AE61-74B68AA87FB9}" type="datetimeFigureOut">
               <a:rPr kumimoji="1" lang="zh-CN" altLang="en-US" smtClean="0"/>
-              <a:t>2018/3/17</a:t>
+              <a:t>2018/3/18</a:t>
             </a:fld>
             <a:endParaRPr kumimoji="1" lang="zh-CN" altLang="en-US"/>
           </a:p>
@@ -2877,7 +2884,7 @@
           <a:p>
             <a:fld id="{3990034D-B195-C943-AE61-74B68AA87FB9}" type="datetimeFigureOut">
               <a:rPr kumimoji="1" lang="zh-CN" altLang="en-US" smtClean="0"/>
-              <a:t>2018/3/17</a:t>
+              <a:t>2018/3/18</a:t>
             </a:fld>
             <a:endParaRPr kumimoji="1" lang="zh-CN" altLang="en-US"/>
           </a:p>
@@ -4006,7 +4013,7 @@
           <a:p>
             <a:fld id="{3990034D-B195-C943-AE61-74B68AA87FB9}" type="datetimeFigureOut">
               <a:rPr kumimoji="1" lang="zh-CN" altLang="en-US" smtClean="0"/>
-              <a:t>2018/3/17</a:t>
+              <a:t>2018/3/18</a:t>
             </a:fld>
             <a:endParaRPr kumimoji="1" lang="zh-CN" altLang="en-US"/>
           </a:p>
@@ -5034,7 +5041,7 @@
           <a:p>
             <a:fld id="{3990034D-B195-C943-AE61-74B68AA87FB9}" type="datetimeFigureOut">
               <a:rPr kumimoji="1" lang="zh-CN" altLang="en-US" smtClean="0"/>
-              <a:t>2018/3/17</a:t>
+              <a:t>2018/3/18</a:t>
             </a:fld>
             <a:endParaRPr kumimoji="1" lang="zh-CN" altLang="en-US"/>
           </a:p>
@@ -5689,7 +5696,7 @@
           <a:p>
             <a:fld id="{3990034D-B195-C943-AE61-74B68AA87FB9}" type="datetimeFigureOut">
               <a:rPr kumimoji="1" lang="zh-CN" altLang="en-US" smtClean="0"/>
-              <a:t>2018/3/17</a:t>
+              <a:t>2018/3/18</a:t>
             </a:fld>
             <a:endParaRPr kumimoji="1" lang="zh-CN" altLang="en-US"/>
           </a:p>
@@ -6545,7 +6552,7 @@
           <a:p>
             <a:fld id="{3990034D-B195-C943-AE61-74B68AA87FB9}" type="datetimeFigureOut">
               <a:rPr kumimoji="1" lang="zh-CN" altLang="en-US" smtClean="0"/>
-              <a:t>2018/3/17</a:t>
+              <a:t>2018/3/18</a:t>
             </a:fld>
             <a:endParaRPr kumimoji="1" lang="zh-CN" altLang="en-US"/>
           </a:p>
@@ -6730,7 +6737,7 @@
           <a:p>
             <a:fld id="{3990034D-B195-C943-AE61-74B68AA87FB9}" type="datetimeFigureOut">
               <a:rPr kumimoji="1" lang="zh-CN" altLang="en-US" smtClean="0"/>
-              <a:t>2018/3/17</a:t>
+              <a:t>2018/3/18</a:t>
             </a:fld>
             <a:endParaRPr kumimoji="1" lang="zh-CN" altLang="en-US"/>
           </a:p>
@@ -7697,7 +7704,7 @@
           <a:p>
             <a:fld id="{3990034D-B195-C943-AE61-74B68AA87FB9}" type="datetimeFigureOut">
               <a:rPr kumimoji="1" lang="zh-CN" altLang="en-US" smtClean="0"/>
-              <a:t>2018/3/17</a:t>
+              <a:t>2018/3/18</a:t>
             </a:fld>
             <a:endParaRPr kumimoji="1" lang="zh-CN" altLang="en-US"/>
           </a:p>
@@ -7903,7 +7910,7 @@
           <a:p>
             <a:fld id="{3990034D-B195-C943-AE61-74B68AA87FB9}" type="datetimeFigureOut">
               <a:rPr kumimoji="1" lang="zh-CN" altLang="en-US" smtClean="0"/>
-              <a:t>2018/3/17</a:t>
+              <a:t>2018/3/18</a:t>
             </a:fld>
             <a:endParaRPr kumimoji="1" lang="zh-CN" altLang="en-US"/>
           </a:p>
@@ -8932,7 +8939,7 @@
           <a:p>
             <a:fld id="{3990034D-B195-C943-AE61-74B68AA87FB9}" type="datetimeFigureOut">
               <a:rPr kumimoji="1" lang="zh-CN" altLang="en-US" smtClean="0"/>
-              <a:t>2018/3/17</a:t>
+              <a:t>2018/3/18</a:t>
             </a:fld>
             <a:endParaRPr kumimoji="1" lang="zh-CN" altLang="en-US"/>
           </a:p>
@@ -9199,7 +9206,7 @@
           <a:p>
             <a:fld id="{3990034D-B195-C943-AE61-74B68AA87FB9}" type="datetimeFigureOut">
               <a:rPr kumimoji="1" lang="zh-CN" altLang="en-US" smtClean="0"/>
-              <a:t>2018/3/17</a:t>
+              <a:t>2018/3/18</a:t>
             </a:fld>
             <a:endParaRPr kumimoji="1" lang="zh-CN" altLang="en-US"/>
           </a:p>
@@ -9604,7 +9611,7 @@
           <a:p>
             <a:fld id="{3990034D-B195-C943-AE61-74B68AA87FB9}" type="datetimeFigureOut">
               <a:rPr kumimoji="1" lang="zh-CN" altLang="en-US" smtClean="0"/>
-              <a:t>2018/3/17</a:t>
+              <a:t>2018/3/18</a:t>
             </a:fld>
             <a:endParaRPr kumimoji="1" lang="zh-CN" altLang="en-US"/>
           </a:p>
@@ -9726,7 +9733,7 @@
           <a:p>
             <a:fld id="{3990034D-B195-C943-AE61-74B68AA87FB9}" type="datetimeFigureOut">
               <a:rPr kumimoji="1" lang="zh-CN" altLang="en-US" smtClean="0"/>
-              <a:t>2018/3/17</a:t>
+              <a:t>2018/3/18</a:t>
             </a:fld>
             <a:endParaRPr kumimoji="1" lang="zh-CN" altLang="en-US"/>
           </a:p>
@@ -9816,7 +9823,7 @@
           <a:p>
             <a:fld id="{3990034D-B195-C943-AE61-74B68AA87FB9}" type="datetimeFigureOut">
               <a:rPr kumimoji="1" lang="zh-CN" altLang="en-US" smtClean="0"/>
-              <a:t>2018/3/17</a:t>
+              <a:t>2018/3/18</a:t>
             </a:fld>
             <a:endParaRPr kumimoji="1" lang="zh-CN" altLang="en-US"/>
           </a:p>
@@ -10892,7 +10899,7 @@
           <a:p>
             <a:fld id="{3990034D-B195-C943-AE61-74B68AA87FB9}" type="datetimeFigureOut">
               <a:rPr kumimoji="1" lang="zh-CN" altLang="en-US" smtClean="0"/>
-              <a:t>2018/3/17</a:t>
+              <a:t>2018/3/18</a:t>
             </a:fld>
             <a:endParaRPr kumimoji="1" lang="zh-CN" altLang="en-US"/>
           </a:p>
@@ -11995,7 +12002,7 @@
           <a:p>
             <a:fld id="{3990034D-B195-C943-AE61-74B68AA87FB9}" type="datetimeFigureOut">
               <a:rPr kumimoji="1" lang="zh-CN" altLang="en-US" smtClean="0"/>
-              <a:t>2018/3/17</a:t>
+              <a:t>2018/3/18</a:t>
             </a:fld>
             <a:endParaRPr kumimoji="1" lang="zh-CN" altLang="en-US"/>
           </a:p>
@@ -12987,7 +12994,7 @@
           <a:p>
             <a:fld id="{3990034D-B195-C943-AE61-74B68AA87FB9}" type="datetimeFigureOut">
               <a:rPr kumimoji="1" lang="zh-CN" altLang="en-US" smtClean="0"/>
-              <a:t>2018/3/17</a:t>
+              <a:t>2018/3/18</a:t>
             </a:fld>
             <a:endParaRPr kumimoji="1" lang="zh-CN" altLang="en-US"/>
           </a:p>
@@ -13636,12 +13643,40 @@
           <a:chExt cx="0" cy="0"/>
         </a:xfrm>
       </p:grpSpPr>
+      <p:sp>
+        <p:nvSpPr>
+          <p:cNvPr id="2" name="标题 1">
+            <a:extLst>
+              <a:ext uri="{FF2B5EF4-FFF2-40B4-BE49-F238E27FC236}">
+                <a16:creationId xmlns:a16="http://schemas.microsoft.com/office/drawing/2014/main" id="{482BB28E-DDA6-4FD6-A095-E7B995ACCAD5}"/>
+              </a:ext>
+            </a:extLst>
+          </p:cNvPr>
+          <p:cNvSpPr>
+            <a:spLocks noGrp="1"/>
+          </p:cNvSpPr>
+          <p:nvPr>
+            <p:ph type="title"/>
+          </p:nvPr>
+        </p:nvSpPr>
+        <p:spPr/>
+        <p:txBody>
+          <a:bodyPr/>
+          <a:lstStyle/>
+          <a:p>
+            <a:r>
+              <a:rPr lang="zh-CN" altLang="en-US" sz="4400" b="1" dirty="0"/>
+              <a:t>环境变量的作用</a:t>
+            </a:r>
+          </a:p>
+        </p:txBody>
+      </p:sp>
       <p:pic>
         <p:nvPicPr>
           <p:cNvPr id="3" name="图片 2">
             <a:extLst>
               <a:ext uri="{FF2B5EF4-FFF2-40B4-BE49-F238E27FC236}">
-                <a16:creationId xmlns:a16="http://schemas.microsoft.com/office/drawing/2014/main" id="{EB05C86B-9FA4-4B3E-8D0A-0B027CE662A4}"/>
+                <a16:creationId xmlns:a16="http://schemas.microsoft.com/office/drawing/2014/main" id="{6332219E-0AC9-4CD0-BE57-C0427C52A2CC}"/>
               </a:ext>
             </a:extLst>
           </p:cNvPr>
@@ -13658,8 +13693,8 @@
         </p:blipFill>
         <p:spPr>
           <a:xfrm>
-            <a:off x="2324571" y="2774080"/>
-            <a:ext cx="7542857" cy="3428571"/>
+            <a:off x="2687444" y="1680632"/>
+            <a:ext cx="7743269" cy="5069084"/>
           </a:xfrm>
           <a:prstGeom prst="rect">
             <a:avLst/>
@@ -13669,7 +13704,7 @@
     </p:spTree>
     <p:extLst>
       <p:ext uri="{BB962C8B-B14F-4D97-AF65-F5344CB8AC3E}">
-        <p14:creationId xmlns:p14="http://schemas.microsoft.com/office/powerpoint/2010/main" val="4275516887"/>
+        <p14:creationId xmlns:p14="http://schemas.microsoft.com/office/powerpoint/2010/main" val="407330200"/>
       </p:ext>
     </p:extLst>
   </p:cSld>
@@ -13701,7 +13736,7 @@
           <p:cNvPr id="2" name="标题 1">
             <a:extLst>
               <a:ext uri="{FF2B5EF4-FFF2-40B4-BE49-F238E27FC236}">
-                <a16:creationId xmlns:a16="http://schemas.microsoft.com/office/drawing/2014/main" id="{87273222-083B-41AC-900E-A7EA339497A0}"/>
+                <a16:creationId xmlns:a16="http://schemas.microsoft.com/office/drawing/2014/main" id="{923E35C4-1473-49F9-A9B0-9C937D6E7AF2}"/>
               </a:ext>
             </a:extLst>
           </p:cNvPr>
@@ -13718,46 +13753,54 @@
           <a:lstStyle/>
           <a:p>
             <a:r>
-              <a:rPr lang="zh-CN" altLang="en-US" dirty="0"/>
-              <a:t>五、神兵在手，天下我有</a:t>
+              <a:rPr lang="zh-CN" altLang="en-US" b="1" dirty="0"/>
+              <a:t>把电脑掌握在自己手里！</a:t>
             </a:r>
           </a:p>
         </p:txBody>
       </p:sp>
-      <p:pic>
-        <p:nvPicPr>
-          <p:cNvPr id="4" name="图片 3">
+      <p:sp>
+        <p:nvSpPr>
+          <p:cNvPr id="3" name="文本框 2">
             <a:extLst>
               <a:ext uri="{FF2B5EF4-FFF2-40B4-BE49-F238E27FC236}">
-                <a16:creationId xmlns:a16="http://schemas.microsoft.com/office/drawing/2014/main" id="{F1383E8E-7B07-428A-A7CC-34D38091334F}"/>
+                <a16:creationId xmlns:a16="http://schemas.microsoft.com/office/drawing/2014/main" id="{BE0BC210-8463-46E9-B0FE-49872606CA7E}"/>
               </a:ext>
             </a:extLst>
           </p:cNvPr>
-          <p:cNvPicPr>
-            <a:picLocks noChangeAspect="1"/>
-          </p:cNvPicPr>
+          <p:cNvSpPr txBox="1"/>
           <p:nvPr/>
-        </p:nvPicPr>
-        <p:blipFill>
-          <a:blip r:embed="rId2"/>
-          <a:stretch>
-            <a:fillRect/>
-          </a:stretch>
-        </p:blipFill>
+        </p:nvSpPr>
         <p:spPr>
           <a:xfrm>
-            <a:off x="3472960" y="2009944"/>
-            <a:ext cx="6283176" cy="4848056"/>
+            <a:off x="0" y="3136612"/>
+            <a:ext cx="13532872" cy="584775"/>
           </a:xfrm>
           <a:prstGeom prst="rect">
             <a:avLst/>
           </a:prstGeom>
+          <a:noFill/>
         </p:spPr>
-      </p:pic>
+        <p:txBody>
+          <a:bodyPr wrap="none" rtlCol="0">
+            <a:spAutoFit/>
+          </a:bodyPr>
+          <a:lstStyle/>
+          <a:p>
+            <a:r>
+              <a:rPr lang="en-US" altLang="zh-CN" sz="3200" b="1" dirty="0">
+                <a:hlinkClick r:id="rId2"/>
+              </a:rPr>
+              <a:t>https://jingyan.baidu.com/article/3d69c5518f1be2f0ce02d771.html</a:t>
+            </a:r>
+            <a:endParaRPr lang="zh-CN" altLang="en-US" sz="3200" dirty="0"/>
+          </a:p>
+        </p:txBody>
+      </p:sp>
     </p:spTree>
     <p:extLst>
       <p:ext uri="{BB962C8B-B14F-4D97-AF65-F5344CB8AC3E}">
-        <p14:creationId xmlns:p14="http://schemas.microsoft.com/office/powerpoint/2010/main" val="4097740624"/>
+        <p14:creationId xmlns:p14="http://schemas.microsoft.com/office/powerpoint/2010/main" val="3139146300"/>
       </p:ext>
     </p:extLst>
   </p:cSld>
@@ -13789,7 +13832,7 @@
           <p:cNvPr id="2" name="标题 1">
             <a:extLst>
               <a:ext uri="{FF2B5EF4-FFF2-40B4-BE49-F238E27FC236}">
-                <a16:creationId xmlns:a16="http://schemas.microsoft.com/office/drawing/2014/main" id="{63266539-8447-479F-8564-1EEEB400151C}"/>
+                <a16:creationId xmlns:a16="http://schemas.microsoft.com/office/drawing/2014/main" id="{1FAC80E6-EEDD-49EC-99F0-D5C70D39295B}"/>
               </a:ext>
             </a:extLst>
           </p:cNvPr>
@@ -13806,207 +13849,76 @@
           <a:lstStyle/>
           <a:p>
             <a:r>
-              <a:rPr lang="en-US" altLang="zh-CN" dirty="0"/>
-              <a:t>IDE</a:t>
-            </a:r>
-            <a:r>
               <a:rPr lang="zh-CN" altLang="en-US" dirty="0"/>
-              <a:t>下载地址：</a:t>
+              <a:t>国之重器，中国人必须有自己的</a:t>
             </a:r>
           </a:p>
         </p:txBody>
       </p:sp>
-      <p:sp>
-        <p:nvSpPr>
-          <p:cNvPr id="3" name="文本框 2">
+      <p:pic>
+        <p:nvPicPr>
+          <p:cNvPr id="4" name="图片 3">
             <a:extLst>
               <a:ext uri="{FF2B5EF4-FFF2-40B4-BE49-F238E27FC236}">
-                <a16:creationId xmlns:a16="http://schemas.microsoft.com/office/drawing/2014/main" id="{BC79A539-BDEC-4D5B-8A63-A82FCC98EADA}"/>
+                <a16:creationId xmlns:a16="http://schemas.microsoft.com/office/drawing/2014/main" id="{F950BE1E-7C96-41F8-A8A1-42E2FB7F1AEE}"/>
               </a:ext>
             </a:extLst>
           </p:cNvPr>
-          <p:cNvSpPr txBox="1"/>
+          <p:cNvPicPr>
+            <a:picLocks noChangeAspect="1"/>
+          </p:cNvPicPr>
           <p:nvPr/>
-        </p:nvSpPr>
+        </p:nvPicPr>
+        <p:blipFill>
+          <a:blip r:embed="rId2"/>
+          <a:stretch>
+            <a:fillRect/>
+          </a:stretch>
+        </p:blipFill>
         <p:spPr>
           <a:xfrm>
-            <a:off x="3006969" y="2708031"/>
-            <a:ext cx="7632218" cy="584775"/>
-          </a:xfrm>
-          <a:prstGeom prst="rect">
-            <a:avLst/>
-          </a:prstGeom>
-          <a:noFill/>
-        </p:spPr>
-        <p:txBody>
-          <a:bodyPr wrap="none" rtlCol="0">
-            <a:spAutoFit/>
-          </a:bodyPr>
-          <a:lstStyle/>
-          <a:p>
-            <a:r>
-              <a:rPr lang="en-US" altLang="zh-CN" sz="3200" b="1" dirty="0">
-                <a:hlinkClick r:id="rId2"/>
-              </a:rPr>
-              <a:t>https://www.jetbrains.com/pycharm/</a:t>
-            </a:r>
-            <a:endParaRPr lang="zh-CN" altLang="en-US" sz="3200" b="1" dirty="0"/>
-          </a:p>
-        </p:txBody>
-      </p:sp>
-      <p:sp>
-        <p:nvSpPr>
-          <p:cNvPr id="4" name="标题 1">
-            <a:extLst>
-              <a:ext uri="{FF2B5EF4-FFF2-40B4-BE49-F238E27FC236}">
-                <a16:creationId xmlns:a16="http://schemas.microsoft.com/office/drawing/2014/main" id="{A020234C-291D-4464-8ED5-3ACD474ECC90}"/>
-              </a:ext>
-            </a:extLst>
-          </p:cNvPr>
-          <p:cNvSpPr txBox="1">
-            <a:spLocks/>
-          </p:cNvSpPr>
-          <p:nvPr/>
-        </p:nvSpPr>
-        <p:spPr bwMode="gray">
-          <a:xfrm>
-            <a:off x="999623" y="3508783"/>
-            <a:ext cx="8761413" cy="706964"/>
+            <a:off x="535258" y="2352216"/>
+            <a:ext cx="5412123" cy="3357208"/>
           </a:xfrm>
           <a:prstGeom prst="rect">
             <a:avLst/>
           </a:prstGeom>
         </p:spPr>
-        <p:txBody>
-          <a:bodyPr vert="horz" lIns="91440" tIns="45720" rIns="91440" bIns="45720" rtlCol="0" anchor="ctr">
-            <a:noAutofit/>
-          </a:bodyPr>
-          <a:lstStyle>
-            <a:lvl1pPr algn="l" defTabSz="457200" rtl="0" eaLnBrk="1" latinLnBrk="0" hangingPunct="1">
-              <a:spcBef>
-                <a:spcPct val="0"/>
-              </a:spcBef>
-              <a:buNone/>
-              <a:defRPr sz="3600" b="0" i="0" kern="1200">
-                <a:solidFill>
-                  <a:schemeClr val="bg2"/>
-                </a:solidFill>
-                <a:latin typeface="+mj-lt"/>
-                <a:ea typeface="+mj-ea"/>
-                <a:cs typeface="+mj-cs"/>
-              </a:defRPr>
-            </a:lvl1pPr>
-            <a:lvl2pPr eaLnBrk="1" hangingPunct="1">
-              <a:defRPr>
-                <a:solidFill>
-                  <a:schemeClr val="tx2"/>
-                </a:solidFill>
-              </a:defRPr>
-            </a:lvl2pPr>
-            <a:lvl3pPr eaLnBrk="1" hangingPunct="1">
-              <a:defRPr>
-                <a:solidFill>
-                  <a:schemeClr val="tx2"/>
-                </a:solidFill>
-              </a:defRPr>
-            </a:lvl3pPr>
-            <a:lvl4pPr eaLnBrk="1" hangingPunct="1">
-              <a:defRPr>
-                <a:solidFill>
-                  <a:schemeClr val="tx2"/>
-                </a:solidFill>
-              </a:defRPr>
-            </a:lvl4pPr>
-            <a:lvl5pPr eaLnBrk="1" hangingPunct="1">
-              <a:defRPr>
-                <a:solidFill>
-                  <a:schemeClr val="tx2"/>
-                </a:solidFill>
-              </a:defRPr>
-            </a:lvl5pPr>
-            <a:lvl6pPr eaLnBrk="1" hangingPunct="1">
-              <a:defRPr>
-                <a:solidFill>
-                  <a:schemeClr val="tx2"/>
-                </a:solidFill>
-              </a:defRPr>
-            </a:lvl6pPr>
-            <a:lvl7pPr eaLnBrk="1" hangingPunct="1">
-              <a:defRPr>
-                <a:solidFill>
-                  <a:schemeClr val="tx2"/>
-                </a:solidFill>
-              </a:defRPr>
-            </a:lvl7pPr>
-            <a:lvl8pPr eaLnBrk="1" hangingPunct="1">
-              <a:defRPr>
-                <a:solidFill>
-                  <a:schemeClr val="tx2"/>
-                </a:solidFill>
-              </a:defRPr>
-            </a:lvl8pPr>
-            <a:lvl9pPr eaLnBrk="1" hangingPunct="1">
-              <a:defRPr>
-                <a:solidFill>
-                  <a:schemeClr val="tx2"/>
-                </a:solidFill>
-              </a:defRPr>
-            </a:lvl9pPr>
-          </a:lstStyle>
-          <a:p>
-            <a:r>
-              <a:rPr lang="zh-CN" altLang="en-US" b="1" dirty="0">
-                <a:solidFill>
-                  <a:schemeClr val="tx1"/>
-                </a:solidFill>
-              </a:rPr>
-              <a:t>注册信息：</a:t>
-            </a:r>
-          </a:p>
-        </p:txBody>
-      </p:sp>
-      <p:sp>
-        <p:nvSpPr>
-          <p:cNvPr id="5" name="文本框 4">
+      </p:pic>
+      <p:pic>
+        <p:nvPicPr>
+          <p:cNvPr id="6" name="图片 5">
             <a:extLst>
               <a:ext uri="{FF2B5EF4-FFF2-40B4-BE49-F238E27FC236}">
-                <a16:creationId xmlns:a16="http://schemas.microsoft.com/office/drawing/2014/main" id="{A52C1394-3F42-4AF6-A1F3-E4798CBAE07D}"/>
+                <a16:creationId xmlns:a16="http://schemas.microsoft.com/office/drawing/2014/main" id="{4BD0EAFA-06D1-4AD1-B359-9B0D80316434}"/>
               </a:ext>
             </a:extLst>
           </p:cNvPr>
-          <p:cNvSpPr txBox="1"/>
+          <p:cNvPicPr>
+            <a:picLocks noChangeAspect="1"/>
+          </p:cNvPicPr>
           <p:nvPr/>
-        </p:nvSpPr>
+        </p:nvPicPr>
+        <p:blipFill>
+          <a:blip r:embed="rId3"/>
+          <a:stretch>
+            <a:fillRect/>
+          </a:stretch>
+        </p:blipFill>
         <p:spPr>
           <a:xfrm>
-            <a:off x="1860822" y="4828569"/>
-            <a:ext cx="9924512" cy="584775"/>
+            <a:off x="6110933" y="2352216"/>
+            <a:ext cx="5742814" cy="3398061"/>
           </a:xfrm>
           <a:prstGeom prst="rect">
             <a:avLst/>
           </a:prstGeom>
-          <a:noFill/>
         </p:spPr>
-        <p:txBody>
-          <a:bodyPr wrap="none" rtlCol="0">
-            <a:spAutoFit/>
-          </a:bodyPr>
-          <a:lstStyle/>
-          <a:p>
-            <a:r>
-              <a:rPr lang="en-US" altLang="zh-CN" sz="3200" b="1" dirty="0">
-                <a:hlinkClick r:id="rId3"/>
-              </a:rPr>
-              <a:t>http://www.cnblogs.com/littlehb/p/7784517.html</a:t>
-            </a:r>
-            <a:endParaRPr lang="zh-CN" altLang="en-US" sz="3200" b="1" dirty="0"/>
-          </a:p>
-        </p:txBody>
-      </p:sp>
+      </p:pic>
     </p:spTree>
     <p:extLst>
       <p:ext uri="{BB962C8B-B14F-4D97-AF65-F5344CB8AC3E}">
-        <p14:creationId xmlns:p14="http://schemas.microsoft.com/office/powerpoint/2010/main" val="213620047"/>
+        <p14:creationId xmlns:p14="http://schemas.microsoft.com/office/powerpoint/2010/main" val="3528685253"/>
       </p:ext>
     </p:extLst>
   </p:cSld>
@@ -14038,7 +13950,7 @@
           <p:cNvPr id="2" name="标题 1">
             <a:extLst>
               <a:ext uri="{FF2B5EF4-FFF2-40B4-BE49-F238E27FC236}">
-                <a16:creationId xmlns:a16="http://schemas.microsoft.com/office/drawing/2014/main" id="{6DF243B4-C7CA-40AB-9749-7362ACCD0820}"/>
+                <a16:creationId xmlns:a16="http://schemas.microsoft.com/office/drawing/2014/main" id="{8A987212-8718-49A4-96DE-B86C48F5D19A}"/>
               </a:ext>
             </a:extLst>
           </p:cNvPr>
@@ -14055,62 +13967,18 @@
           <a:lstStyle/>
           <a:p>
             <a:r>
-              <a:rPr lang="en-US" altLang="zh-CN" dirty="0" err="1"/>
-              <a:t>Pycharm</a:t>
-            </a:r>
-            <a:r>
               <a:rPr lang="zh-CN" altLang="en-US" dirty="0"/>
-              <a:t>的风格</a:t>
-            </a:r>
-          </a:p>
-        </p:txBody>
-      </p:sp>
-      <p:sp>
-        <p:nvSpPr>
-          <p:cNvPr id="5" name="文本框 4">
-            <a:extLst>
-              <a:ext uri="{FF2B5EF4-FFF2-40B4-BE49-F238E27FC236}">
-                <a16:creationId xmlns:a16="http://schemas.microsoft.com/office/drawing/2014/main" id="{EBB9D171-FB7B-4DBB-8A21-BC22B537C2A6}"/>
-              </a:ext>
-            </a:extLst>
-          </p:cNvPr>
-          <p:cNvSpPr txBox="1"/>
-          <p:nvPr/>
-        </p:nvSpPr>
-        <p:spPr>
-          <a:xfrm>
-            <a:off x="1679331" y="2690446"/>
-            <a:ext cx="2116285" cy="369332"/>
-          </a:xfrm>
-          <a:prstGeom prst="rect">
-            <a:avLst/>
-          </a:prstGeom>
-          <a:noFill/>
-        </p:spPr>
-        <p:txBody>
-          <a:bodyPr wrap="none" rtlCol="0">
-            <a:spAutoFit/>
-          </a:bodyPr>
-          <a:lstStyle/>
-          <a:p>
-            <a:r>
-              <a:rPr lang="zh-CN" altLang="en-US" dirty="0"/>
-              <a:t>快捷键：</a:t>
-            </a:r>
-            <a:r>
-              <a:rPr lang="en-US" altLang="zh-CN" dirty="0" err="1"/>
-              <a:t>ctrl+Alt+s</a:t>
-            </a:r>
-            <a:endParaRPr lang="zh-CN" altLang="en-US" dirty="0"/>
+              <a:t>国之北斗</a:t>
+            </a:r>
           </a:p>
         </p:txBody>
       </p:sp>
       <p:pic>
         <p:nvPicPr>
-          <p:cNvPr id="6" name="图片 5">
+          <p:cNvPr id="4" name="图片 3">
             <a:extLst>
               <a:ext uri="{FF2B5EF4-FFF2-40B4-BE49-F238E27FC236}">
-                <a16:creationId xmlns:a16="http://schemas.microsoft.com/office/drawing/2014/main" id="{3EE7AA5F-8FB8-4606-AE45-0DE83A025C14}"/>
+                <a16:creationId xmlns:a16="http://schemas.microsoft.com/office/drawing/2014/main" id="{269DF094-B852-4D9E-BE2B-8BDEFA151271}"/>
               </a:ext>
             </a:extLst>
           </p:cNvPr>
@@ -14127,8 +13995,8 @@
         </p:blipFill>
         <p:spPr>
           <a:xfrm>
-            <a:off x="3991338" y="2110154"/>
-            <a:ext cx="7746394" cy="4127208"/>
+            <a:off x="3420287" y="2895948"/>
+            <a:ext cx="4905375" cy="3095625"/>
           </a:xfrm>
           <a:prstGeom prst="rect">
             <a:avLst/>
@@ -14138,7 +14006,7 @@
     </p:spTree>
     <p:extLst>
       <p:ext uri="{BB962C8B-B14F-4D97-AF65-F5344CB8AC3E}">
-        <p14:creationId xmlns:p14="http://schemas.microsoft.com/office/powerpoint/2010/main" val="845222099"/>
+        <p14:creationId xmlns:p14="http://schemas.microsoft.com/office/powerpoint/2010/main" val="3576537696"/>
       </p:ext>
     </p:extLst>
   </p:cSld>
@@ -14149,2394 +14017,6 @@
 </file>
 
 <file path=ppt/slides/slide14.xml><?xml version="1.0" encoding="utf-8"?>
-<p:sld xmlns:a="http://schemas.openxmlformats.org/drawingml/2006/main" xmlns:r="http://schemas.openxmlformats.org/officeDocument/2006/relationships" xmlns:p="http://schemas.openxmlformats.org/presentationml/2006/main">
-  <p:cSld>
-    <p:spTree>
-      <p:nvGrpSpPr>
-        <p:cNvPr id="1" name=""/>
-        <p:cNvGrpSpPr/>
-        <p:nvPr/>
-      </p:nvGrpSpPr>
-      <p:grpSpPr>
-        <a:xfrm>
-          <a:off x="0" y="0"/>
-          <a:ext cx="0" cy="0"/>
-          <a:chOff x="0" y="0"/>
-          <a:chExt cx="0" cy="0"/>
-        </a:xfrm>
-      </p:grpSpPr>
-      <p:sp>
-        <p:nvSpPr>
-          <p:cNvPr id="2" name="标题 1">
-            <a:extLst>
-              <a:ext uri="{FF2B5EF4-FFF2-40B4-BE49-F238E27FC236}">
-                <a16:creationId xmlns:a16="http://schemas.microsoft.com/office/drawing/2014/main" id="{732CDFE2-6E21-482B-BF53-89332E0CEA52}"/>
-              </a:ext>
-            </a:extLst>
-          </p:cNvPr>
-          <p:cNvSpPr>
-            <a:spLocks noGrp="1"/>
-          </p:cNvSpPr>
-          <p:nvPr>
-            <p:ph type="title"/>
-          </p:nvPr>
-        </p:nvSpPr>
-        <p:spPr/>
-        <p:txBody>
-          <a:bodyPr/>
-          <a:lstStyle/>
-          <a:p>
-            <a:r>
-              <a:rPr lang="zh-CN" altLang="en-US" dirty="0"/>
-              <a:t>字体大小</a:t>
-            </a:r>
-          </a:p>
-        </p:txBody>
-      </p:sp>
-      <p:pic>
-        <p:nvPicPr>
-          <p:cNvPr id="3" name="图片 2">
-            <a:extLst>
-              <a:ext uri="{FF2B5EF4-FFF2-40B4-BE49-F238E27FC236}">
-                <a16:creationId xmlns:a16="http://schemas.microsoft.com/office/drawing/2014/main" id="{AA1EEE81-8E8F-4092-9100-43A5D10CA4CB}"/>
-              </a:ext>
-            </a:extLst>
-          </p:cNvPr>
-          <p:cNvPicPr>
-            <a:picLocks noChangeAspect="1"/>
-          </p:cNvPicPr>
-          <p:nvPr/>
-        </p:nvPicPr>
-        <p:blipFill>
-          <a:blip r:embed="rId2"/>
-          <a:stretch>
-            <a:fillRect/>
-          </a:stretch>
-        </p:blipFill>
-        <p:spPr>
-          <a:xfrm>
-            <a:off x="1459522" y="1680632"/>
-            <a:ext cx="8951308" cy="5143333"/>
-          </a:xfrm>
-          <a:prstGeom prst="rect">
-            <a:avLst/>
-          </a:prstGeom>
-        </p:spPr>
-      </p:pic>
-    </p:spTree>
-    <p:extLst>
-      <p:ext uri="{BB962C8B-B14F-4D97-AF65-F5344CB8AC3E}">
-        <p14:creationId xmlns:p14="http://schemas.microsoft.com/office/powerpoint/2010/main" val="2416746347"/>
-      </p:ext>
-    </p:extLst>
-  </p:cSld>
-  <p:clrMapOvr>
-    <a:masterClrMapping/>
-  </p:clrMapOvr>
-</p:sld>
-</file>
-
-<file path=ppt/slides/slide15.xml><?xml version="1.0" encoding="utf-8"?>
-<p:sld xmlns:a="http://schemas.openxmlformats.org/drawingml/2006/main" xmlns:r="http://schemas.openxmlformats.org/officeDocument/2006/relationships" xmlns:p="http://schemas.openxmlformats.org/presentationml/2006/main">
-  <p:cSld>
-    <p:spTree>
-      <p:nvGrpSpPr>
-        <p:cNvPr id="1" name=""/>
-        <p:cNvGrpSpPr/>
-        <p:nvPr/>
-      </p:nvGrpSpPr>
-      <p:grpSpPr>
-        <a:xfrm>
-          <a:off x="0" y="0"/>
-          <a:ext cx="0" cy="0"/>
-          <a:chOff x="0" y="0"/>
-          <a:chExt cx="0" cy="0"/>
-        </a:xfrm>
-      </p:grpSpPr>
-      <p:sp>
-        <p:nvSpPr>
-          <p:cNvPr id="2" name="标题 1">
-            <a:extLst>
-              <a:ext uri="{FF2B5EF4-FFF2-40B4-BE49-F238E27FC236}">
-                <a16:creationId xmlns:a16="http://schemas.microsoft.com/office/drawing/2014/main" id="{5918A5DA-7969-4272-8D8A-3363CB775A6F}"/>
-              </a:ext>
-            </a:extLst>
-          </p:cNvPr>
-          <p:cNvSpPr>
-            <a:spLocks noGrp="1"/>
-          </p:cNvSpPr>
-          <p:nvPr>
-            <p:ph type="title"/>
-          </p:nvPr>
-        </p:nvSpPr>
-        <p:spPr/>
-        <p:txBody>
-          <a:bodyPr/>
-          <a:lstStyle/>
-          <a:p>
-            <a:r>
-              <a:rPr lang="en-US" altLang="zh-CN" dirty="0" err="1"/>
-              <a:t>Pycharm</a:t>
-            </a:r>
-            <a:r>
-              <a:rPr lang="zh-CN" altLang="en-US" dirty="0"/>
-              <a:t>解析器配置</a:t>
-            </a:r>
-          </a:p>
-        </p:txBody>
-      </p:sp>
-      <p:pic>
-        <p:nvPicPr>
-          <p:cNvPr id="3" name="图片 2">
-            <a:extLst>
-              <a:ext uri="{FF2B5EF4-FFF2-40B4-BE49-F238E27FC236}">
-                <a16:creationId xmlns:a16="http://schemas.microsoft.com/office/drawing/2014/main" id="{D517969E-324A-4B31-9FEB-CBD9B01A8D72}"/>
-              </a:ext>
-            </a:extLst>
-          </p:cNvPr>
-          <p:cNvPicPr>
-            <a:picLocks noChangeAspect="1"/>
-          </p:cNvPicPr>
-          <p:nvPr/>
-        </p:nvPicPr>
-        <p:blipFill>
-          <a:blip r:embed="rId2"/>
-          <a:stretch>
-            <a:fillRect/>
-          </a:stretch>
-        </p:blipFill>
-        <p:spPr>
-          <a:xfrm>
-            <a:off x="2681654" y="2201023"/>
-            <a:ext cx="7997157" cy="4619558"/>
-          </a:xfrm>
-          <a:prstGeom prst="rect">
-            <a:avLst/>
-          </a:prstGeom>
-        </p:spPr>
-      </p:pic>
-    </p:spTree>
-    <p:extLst>
-      <p:ext uri="{BB962C8B-B14F-4D97-AF65-F5344CB8AC3E}">
-        <p14:creationId xmlns:p14="http://schemas.microsoft.com/office/powerpoint/2010/main" val="4233119011"/>
-      </p:ext>
-    </p:extLst>
-  </p:cSld>
-  <p:clrMapOvr>
-    <a:masterClrMapping/>
-  </p:clrMapOvr>
-</p:sld>
-</file>
-
-<file path=ppt/slides/slide16.xml><?xml version="1.0" encoding="utf-8"?>
-<p:sld xmlns:a="http://schemas.openxmlformats.org/drawingml/2006/main" xmlns:r="http://schemas.openxmlformats.org/officeDocument/2006/relationships" xmlns:p="http://schemas.openxmlformats.org/presentationml/2006/main">
-  <p:cSld>
-    <p:spTree>
-      <p:nvGrpSpPr>
-        <p:cNvPr id="1" name=""/>
-        <p:cNvGrpSpPr/>
-        <p:nvPr/>
-      </p:nvGrpSpPr>
-      <p:grpSpPr>
-        <a:xfrm>
-          <a:off x="0" y="0"/>
-          <a:ext cx="0" cy="0"/>
-          <a:chOff x="0" y="0"/>
-          <a:chExt cx="0" cy="0"/>
-        </a:xfrm>
-      </p:grpSpPr>
-      <p:sp>
-        <p:nvSpPr>
-          <p:cNvPr id="2" name="标题 1">
-            <a:extLst>
-              <a:ext uri="{FF2B5EF4-FFF2-40B4-BE49-F238E27FC236}">
-                <a16:creationId xmlns:a16="http://schemas.microsoft.com/office/drawing/2014/main" id="{47775DEE-FA18-4753-9981-B5C5E2F824B3}"/>
-              </a:ext>
-            </a:extLst>
-          </p:cNvPr>
-          <p:cNvSpPr>
-            <a:spLocks noGrp="1"/>
-          </p:cNvSpPr>
-          <p:nvPr>
-            <p:ph type="title"/>
-          </p:nvPr>
-        </p:nvSpPr>
-        <p:spPr/>
-        <p:txBody>
-          <a:bodyPr/>
-          <a:lstStyle/>
-          <a:p>
-            <a:r>
-              <a:rPr lang="zh-CN" altLang="en-US" dirty="0"/>
-              <a:t>五、做为一个高手，必须有一个邮箱</a:t>
-            </a:r>
-            <a:r>
-              <a:rPr lang="en-US" altLang="zh-CN" dirty="0"/>
-              <a:t>+</a:t>
-            </a:r>
-            <a:r>
-              <a:rPr lang="zh-CN" altLang="en-US" dirty="0"/>
-              <a:t>技术博客！</a:t>
-            </a:r>
-          </a:p>
-        </p:txBody>
-      </p:sp>
-      <p:sp>
-        <p:nvSpPr>
-          <p:cNvPr id="3" name="文本框 2">
-            <a:extLst>
-              <a:ext uri="{FF2B5EF4-FFF2-40B4-BE49-F238E27FC236}">
-                <a16:creationId xmlns:a16="http://schemas.microsoft.com/office/drawing/2014/main" id="{D9D2B46F-22ED-494F-8D9C-586205AA92E2}"/>
-              </a:ext>
-            </a:extLst>
-          </p:cNvPr>
-          <p:cNvSpPr txBox="1"/>
-          <p:nvPr/>
-        </p:nvSpPr>
-        <p:spPr>
-          <a:xfrm>
-            <a:off x="1810670" y="5064370"/>
-            <a:ext cx="7388561" cy="1323439"/>
-          </a:xfrm>
-          <a:prstGeom prst="rect">
-            <a:avLst/>
-          </a:prstGeom>
-          <a:noFill/>
-        </p:spPr>
-        <p:txBody>
-          <a:bodyPr wrap="none" rtlCol="0">
-            <a:spAutoFit/>
-          </a:bodyPr>
-          <a:lstStyle/>
-          <a:p>
-            <a:r>
-              <a:rPr lang="en-US" altLang="zh-CN" sz="4000" b="1" dirty="0">
-                <a:hlinkClick r:id="rId2"/>
-              </a:rPr>
-              <a:t>https://www.cnblogs.com/</a:t>
-            </a:r>
-            <a:endParaRPr lang="en-US" altLang="zh-CN" sz="4000" b="1" dirty="0"/>
-          </a:p>
-          <a:p>
-            <a:r>
-              <a:rPr lang="zh-CN" altLang="en-US" sz="4000" b="1" dirty="0"/>
-              <a:t>技术博客记录了个人的成长历程</a:t>
-            </a:r>
-          </a:p>
-        </p:txBody>
-      </p:sp>
-      <p:sp>
-        <p:nvSpPr>
-          <p:cNvPr id="4" name="文本框 3">
-            <a:extLst>
-              <a:ext uri="{FF2B5EF4-FFF2-40B4-BE49-F238E27FC236}">
-                <a16:creationId xmlns:a16="http://schemas.microsoft.com/office/drawing/2014/main" id="{60C67CF8-D42C-402A-A0C7-A220311308B1}"/>
-              </a:ext>
-            </a:extLst>
-          </p:cNvPr>
-          <p:cNvSpPr txBox="1"/>
-          <p:nvPr/>
-        </p:nvSpPr>
-        <p:spPr>
-          <a:xfrm>
-            <a:off x="1746608" y="2646484"/>
-            <a:ext cx="9280105" cy="1323439"/>
-          </a:xfrm>
-          <a:prstGeom prst="rect">
-            <a:avLst/>
-          </a:prstGeom>
-          <a:noFill/>
-        </p:spPr>
-        <p:txBody>
-          <a:bodyPr wrap="none" rtlCol="0">
-            <a:spAutoFit/>
-          </a:bodyPr>
-          <a:lstStyle/>
-          <a:p>
-            <a:r>
-              <a:rPr lang="en-US" altLang="zh-CN" sz="4000" b="1" dirty="0">
-                <a:hlinkClick r:id="rId3"/>
-              </a:rPr>
-              <a:t>http://www.qq.com</a:t>
-            </a:r>
-            <a:endParaRPr lang="en-US" altLang="zh-CN" sz="4000" b="1" dirty="0"/>
-          </a:p>
-          <a:p>
-            <a:r>
-              <a:rPr lang="zh-CN" altLang="en-US" sz="4000" b="1" dirty="0"/>
-              <a:t>这里为讨论方便，统一要求使用</a:t>
-            </a:r>
-            <a:r>
-              <a:rPr lang="en-US" altLang="zh-CN" sz="4000" b="1" dirty="0"/>
-              <a:t>QQ</a:t>
-            </a:r>
-            <a:r>
-              <a:rPr lang="zh-CN" altLang="en-US" sz="4000" b="1" dirty="0"/>
-              <a:t>邮箱</a:t>
-            </a:r>
-          </a:p>
-        </p:txBody>
-      </p:sp>
-    </p:spTree>
-    <p:extLst>
-      <p:ext uri="{BB962C8B-B14F-4D97-AF65-F5344CB8AC3E}">
-        <p14:creationId xmlns:p14="http://schemas.microsoft.com/office/powerpoint/2010/main" val="4024302980"/>
-      </p:ext>
-    </p:extLst>
-  </p:cSld>
-  <p:clrMapOvr>
-    <a:masterClrMapping/>
-  </p:clrMapOvr>
-</p:sld>
-</file>
-
-<file path=ppt/slides/slide17.xml><?xml version="1.0" encoding="utf-8"?>
-<p:sld xmlns:a="http://schemas.openxmlformats.org/drawingml/2006/main" xmlns:r="http://schemas.openxmlformats.org/officeDocument/2006/relationships" xmlns:p="http://schemas.openxmlformats.org/presentationml/2006/main">
-  <p:cSld>
-    <p:spTree>
-      <p:nvGrpSpPr>
-        <p:cNvPr id="1" name=""/>
-        <p:cNvGrpSpPr/>
-        <p:nvPr/>
-      </p:nvGrpSpPr>
-      <p:grpSpPr>
-        <a:xfrm>
-          <a:off x="0" y="0"/>
-          <a:ext cx="0" cy="0"/>
-          <a:chOff x="0" y="0"/>
-          <a:chExt cx="0" cy="0"/>
-        </a:xfrm>
-      </p:grpSpPr>
-      <p:sp>
-        <p:nvSpPr>
-          <p:cNvPr id="2" name="标题 1">
-            <a:extLst>
-              <a:ext uri="{FF2B5EF4-FFF2-40B4-BE49-F238E27FC236}">
-                <a16:creationId xmlns:a16="http://schemas.microsoft.com/office/drawing/2014/main" id="{C6583FA8-347F-415C-AA3F-D71D72F5819B}"/>
-              </a:ext>
-            </a:extLst>
-          </p:cNvPr>
-          <p:cNvSpPr>
-            <a:spLocks noGrp="1"/>
-          </p:cNvSpPr>
-          <p:nvPr>
-            <p:ph type="title"/>
-          </p:nvPr>
-        </p:nvSpPr>
-        <p:spPr>
-          <a:xfrm>
-            <a:off x="1154954" y="973668"/>
-            <a:ext cx="8761413" cy="706964"/>
-          </a:xfrm>
-        </p:spPr>
-        <p:txBody>
-          <a:bodyPr/>
-          <a:lstStyle/>
-          <a:p>
-            <a:r>
-              <a:rPr lang="zh-CN" altLang="en-US" dirty="0"/>
-              <a:t>六、学技术到蓝翔，版本管理</a:t>
-            </a:r>
-            <a:r>
-              <a:rPr lang="en-US" altLang="zh-CN" dirty="0"/>
-              <a:t>GitHub</a:t>
-            </a:r>
-            <a:r>
-              <a:rPr lang="zh-CN" altLang="en-US" dirty="0"/>
-              <a:t>最强！</a:t>
-            </a:r>
-          </a:p>
-        </p:txBody>
-      </p:sp>
-      <p:sp>
-        <p:nvSpPr>
-          <p:cNvPr id="3" name="文本框 2">
-            <a:extLst>
-              <a:ext uri="{FF2B5EF4-FFF2-40B4-BE49-F238E27FC236}">
-                <a16:creationId xmlns:a16="http://schemas.microsoft.com/office/drawing/2014/main" id="{3D84DC9D-E47C-4428-BA52-1ED5F8789F42}"/>
-              </a:ext>
-            </a:extLst>
-          </p:cNvPr>
-          <p:cNvSpPr txBox="1"/>
-          <p:nvPr/>
-        </p:nvSpPr>
-        <p:spPr>
-          <a:xfrm>
-            <a:off x="1248508" y="2699238"/>
-            <a:ext cx="9908930" cy="3539430"/>
-          </a:xfrm>
-          <a:prstGeom prst="rect">
-            <a:avLst/>
-          </a:prstGeom>
-          <a:noFill/>
-        </p:spPr>
-        <p:txBody>
-          <a:bodyPr wrap="square" rtlCol="0">
-            <a:spAutoFit/>
-          </a:bodyPr>
-          <a:lstStyle/>
-          <a:p>
-            <a:r>
-              <a:rPr lang="en-US" altLang="zh-CN" sz="3200" dirty="0"/>
-              <a:t>1</a:t>
-            </a:r>
-            <a:r>
-              <a:rPr lang="zh-CN" altLang="en-US" sz="3200" dirty="0"/>
-              <a:t>、注册  </a:t>
-            </a:r>
-            <a:r>
-              <a:rPr lang="en-US" altLang="zh-CN" sz="3200" dirty="0">
-                <a:hlinkClick r:id="rId2"/>
-              </a:rPr>
-              <a:t>https://github.com/</a:t>
-            </a:r>
-            <a:endParaRPr lang="en-US" altLang="zh-CN" sz="3200" dirty="0"/>
-          </a:p>
-          <a:p>
-            <a:br>
-              <a:rPr lang="en-US" altLang="zh-CN" sz="3200" dirty="0"/>
-            </a:br>
-            <a:r>
-              <a:rPr lang="en-US" altLang="zh-CN" sz="3200" dirty="0"/>
-              <a:t>2</a:t>
-            </a:r>
-            <a:r>
-              <a:rPr lang="zh-CN" altLang="en-US" sz="3200" dirty="0"/>
-              <a:t>、获取老师的讲义</a:t>
-            </a:r>
-            <a:endParaRPr lang="en-US" altLang="zh-CN" sz="3200" dirty="0"/>
-          </a:p>
-          <a:p>
-            <a:r>
-              <a:rPr lang="en-US" altLang="zh-CN" sz="3200" dirty="0">
-                <a:hlinkClick r:id="rId3"/>
-              </a:rPr>
-              <a:t>https://github.com/littlehb</a:t>
-            </a:r>
-            <a:endParaRPr lang="en-US" altLang="zh-CN" sz="3200" dirty="0"/>
-          </a:p>
-          <a:p>
-            <a:br>
-              <a:rPr lang="en-US" altLang="zh-CN" sz="3200" dirty="0"/>
-            </a:br>
-            <a:endParaRPr lang="en-US" altLang="zh-CN" sz="3200" dirty="0"/>
-          </a:p>
-          <a:p>
-            <a:endParaRPr lang="zh-CN" altLang="en-US" sz="3200" dirty="0"/>
-          </a:p>
-        </p:txBody>
-      </p:sp>
-      <p:pic>
-        <p:nvPicPr>
-          <p:cNvPr id="1026" name="Picture 2" descr="https://timgsa.baidu.com/timg?image&amp;quality=80&amp;size=b9999_10000&amp;sec=1521037419209&amp;di=e632d122f4cbadfc67a86ec0a3e19c8d&amp;imgtype=0&amp;src=http%3A%2F%2Fp5.qhimg.com%2Ft01004f3aa1c2872030.jpg">
-            <a:extLst>
-              <a:ext uri="{FF2B5EF4-FFF2-40B4-BE49-F238E27FC236}">
-                <a16:creationId xmlns:a16="http://schemas.microsoft.com/office/drawing/2014/main" id="{9CBC23B3-1864-42F8-A442-76F15384838A}"/>
-              </a:ext>
-            </a:extLst>
-          </p:cNvPr>
-          <p:cNvPicPr>
-            <a:picLocks noChangeAspect="1" noChangeArrowheads="1"/>
-          </p:cNvPicPr>
-          <p:nvPr/>
-        </p:nvPicPr>
-        <p:blipFill>
-          <a:blip r:embed="rId4">
-            <a:extLst>
-              <a:ext uri="{28A0092B-C50C-407E-A947-70E740481C1C}">
-                <a14:useLocalDpi xmlns:a14="http://schemas.microsoft.com/office/drawing/2010/main" val="0"/>
-              </a:ext>
-            </a:extLst>
-          </a:blip>
-          <a:srcRect/>
-          <a:stretch>
-            <a:fillRect/>
-          </a:stretch>
-        </p:blipFill>
-        <p:spPr bwMode="auto">
-          <a:xfrm>
-            <a:off x="6972300" y="2699238"/>
-            <a:ext cx="5219700" cy="3790950"/>
-          </a:xfrm>
-          <a:prstGeom prst="rect">
-            <a:avLst/>
-          </a:prstGeom>
-          <a:noFill/>
-          <a:extLst>
-            <a:ext uri="{909E8E84-426E-40DD-AFC4-6F175D3DCCD1}">
-              <a14:hiddenFill xmlns:a14="http://schemas.microsoft.com/office/drawing/2010/main">
-                <a:solidFill>
-                  <a:srgbClr val="FFFFFF"/>
-                </a:solidFill>
-              </a14:hiddenFill>
-            </a:ext>
-          </a:extLst>
-        </p:spPr>
-      </p:pic>
-    </p:spTree>
-    <p:extLst>
-      <p:ext uri="{BB962C8B-B14F-4D97-AF65-F5344CB8AC3E}">
-        <p14:creationId xmlns:p14="http://schemas.microsoft.com/office/powerpoint/2010/main" val="3912597094"/>
-      </p:ext>
-    </p:extLst>
-  </p:cSld>
-  <p:clrMapOvr>
-    <a:masterClrMapping/>
-  </p:clrMapOvr>
-</p:sld>
-</file>
-
-<file path=ppt/slides/slide18.xml><?xml version="1.0" encoding="utf-8"?>
-<p:sld xmlns:a="http://schemas.openxmlformats.org/drawingml/2006/main" xmlns:r="http://schemas.openxmlformats.org/officeDocument/2006/relationships" xmlns:p="http://schemas.openxmlformats.org/presentationml/2006/main">
-  <p:cSld>
-    <p:spTree>
-      <p:nvGrpSpPr>
-        <p:cNvPr id="1" name=""/>
-        <p:cNvGrpSpPr/>
-        <p:nvPr/>
-      </p:nvGrpSpPr>
-      <p:grpSpPr>
-        <a:xfrm>
-          <a:off x="0" y="0"/>
-          <a:ext cx="0" cy="0"/>
-          <a:chOff x="0" y="0"/>
-          <a:chExt cx="0" cy="0"/>
-        </a:xfrm>
-      </p:grpSpPr>
-      <p:sp>
-        <p:nvSpPr>
-          <p:cNvPr id="2" name="标题 1">
-            <a:extLst>
-              <a:ext uri="{FF2B5EF4-FFF2-40B4-BE49-F238E27FC236}">
-                <a16:creationId xmlns:a16="http://schemas.microsoft.com/office/drawing/2014/main" id="{82369779-5036-4181-81E3-0650AD843D01}"/>
-              </a:ext>
-            </a:extLst>
-          </p:cNvPr>
-          <p:cNvSpPr>
-            <a:spLocks noGrp="1"/>
-          </p:cNvSpPr>
-          <p:nvPr>
-            <p:ph type="title"/>
-          </p:nvPr>
-        </p:nvSpPr>
-        <p:spPr/>
-        <p:txBody>
-          <a:bodyPr/>
-          <a:lstStyle/>
-          <a:p>
-            <a:r>
-              <a:rPr lang="zh-CN" altLang="en-US" dirty="0"/>
-              <a:t>将</a:t>
-            </a:r>
-            <a:r>
-              <a:rPr lang="en-US" altLang="zh-CN" dirty="0"/>
-              <a:t>GitHub</a:t>
-            </a:r>
-            <a:r>
-              <a:rPr lang="zh-CN" altLang="en-US" dirty="0"/>
-              <a:t>加速</a:t>
-            </a:r>
-            <a:br>
-              <a:rPr lang="en-US" altLang="zh-CN" dirty="0"/>
-            </a:br>
-            <a:endParaRPr lang="zh-CN" altLang="en-US" dirty="0"/>
-          </a:p>
-        </p:txBody>
-      </p:sp>
-      <p:sp>
-        <p:nvSpPr>
-          <p:cNvPr id="3" name="文本框 2">
-            <a:extLst>
-              <a:ext uri="{FF2B5EF4-FFF2-40B4-BE49-F238E27FC236}">
-                <a16:creationId xmlns:a16="http://schemas.microsoft.com/office/drawing/2014/main" id="{161554CA-3163-4458-A699-112A0A841EFE}"/>
-              </a:ext>
-            </a:extLst>
-          </p:cNvPr>
-          <p:cNvSpPr txBox="1"/>
-          <p:nvPr/>
-        </p:nvSpPr>
-        <p:spPr>
-          <a:xfrm>
-            <a:off x="598250" y="2056686"/>
-            <a:ext cx="11183442" cy="5078313"/>
-          </a:xfrm>
-          <a:prstGeom prst="rect">
-            <a:avLst/>
-          </a:prstGeom>
-          <a:noFill/>
-        </p:spPr>
-        <p:txBody>
-          <a:bodyPr wrap="square" rtlCol="0">
-            <a:spAutoFit/>
-          </a:bodyPr>
-          <a:lstStyle/>
-          <a:p>
-            <a:r>
-              <a:rPr lang="en-US" altLang="zh-CN" b="1" dirty="0" err="1"/>
-              <a:t>Github</a:t>
-            </a:r>
-            <a:r>
-              <a:rPr lang="zh-CN" altLang="en-US" b="1" dirty="0"/>
-              <a:t>访问慢解决办法</a:t>
-            </a:r>
-          </a:p>
-          <a:p>
-            <a:r>
-              <a:rPr lang="zh-CN" altLang="en-US" b="1" dirty="0"/>
-              <a:t>原因</a:t>
-            </a:r>
-          </a:p>
-          <a:p>
-            <a:r>
-              <a:rPr lang="zh-CN" altLang="en-US" dirty="0"/>
-              <a:t>为什么慢？</a:t>
-            </a:r>
-            <a:r>
-              <a:rPr lang="en-US" altLang="zh-CN" dirty="0" err="1"/>
-              <a:t>github</a:t>
-            </a:r>
-            <a:r>
-              <a:rPr lang="zh-CN" altLang="en-US" dirty="0"/>
-              <a:t>的</a:t>
-            </a:r>
-            <a:r>
-              <a:rPr lang="en-US" altLang="zh-CN" dirty="0"/>
-              <a:t>CDN</a:t>
-            </a:r>
-            <a:r>
-              <a:rPr lang="zh-CN" altLang="en-US" dirty="0"/>
-              <a:t>被某墙屏了。</a:t>
-            </a:r>
-            <a:endParaRPr lang="en-US" altLang="zh-CN" dirty="0"/>
-          </a:p>
-          <a:p>
-            <a:endParaRPr lang="zh-CN" altLang="en-US" dirty="0"/>
-          </a:p>
-          <a:p>
-            <a:r>
-              <a:rPr lang="zh-CN" altLang="en-US" b="1" dirty="0"/>
-              <a:t>解决方法</a:t>
-            </a:r>
-          </a:p>
-          <a:p>
-            <a:r>
-              <a:rPr lang="zh-CN" altLang="en-US" dirty="0"/>
-              <a:t>绕过</a:t>
-            </a:r>
-            <a:r>
-              <a:rPr lang="en-US" altLang="zh-CN" dirty="0" err="1"/>
-              <a:t>dns</a:t>
-            </a:r>
-            <a:r>
-              <a:rPr lang="zh-CN" altLang="en-US" dirty="0"/>
-              <a:t>解析，在本地直接绑定</a:t>
-            </a:r>
-            <a:r>
-              <a:rPr lang="en-US" altLang="zh-CN" dirty="0"/>
-              <a:t>host</a:t>
-            </a:r>
-            <a:r>
-              <a:rPr lang="zh-CN" altLang="en-US" dirty="0"/>
-              <a:t>，该方法也可加速其他因为</a:t>
-            </a:r>
-            <a:r>
-              <a:rPr lang="en-US" altLang="zh-CN" dirty="0"/>
-              <a:t>CDN</a:t>
-            </a:r>
-            <a:r>
-              <a:rPr lang="zh-CN" altLang="en-US" dirty="0"/>
-              <a:t>被屏蔽导致访问慢的网站。</a:t>
-            </a:r>
-          </a:p>
-          <a:p>
-            <a:r>
-              <a:rPr lang="zh-CN" altLang="en-US" b="1" dirty="0"/>
-              <a:t>实现</a:t>
-            </a:r>
-          </a:p>
-          <a:p>
-            <a:r>
-              <a:rPr lang="zh-CN" altLang="en-US" dirty="0"/>
-              <a:t>在本地</a:t>
-            </a:r>
-            <a:r>
-              <a:rPr lang="en-US" altLang="zh-CN" dirty="0"/>
-              <a:t>host</a:t>
-            </a:r>
-            <a:r>
-              <a:rPr lang="zh-CN" altLang="en-US" dirty="0"/>
-              <a:t>文件中添加映射，步骤如下：</a:t>
-            </a:r>
-          </a:p>
-          <a:p>
-            <a:r>
-              <a:rPr lang="zh-CN" altLang="en-US" dirty="0"/>
-              <a:t>用文本编辑器打开</a:t>
-            </a:r>
-            <a:r>
-              <a:rPr lang="en-US" altLang="zh-CN" dirty="0"/>
-              <a:t>hosts</a:t>
-            </a:r>
-            <a:r>
-              <a:rPr lang="zh-CN" altLang="en-US" dirty="0"/>
-              <a:t>文件，位于</a:t>
-            </a:r>
-            <a:r>
-              <a:rPr lang="en-US" altLang="zh-CN" dirty="0"/>
-              <a:t>C:\Windows\System32\drivers\etc</a:t>
-            </a:r>
-            <a:r>
-              <a:rPr lang="zh-CN" altLang="en-US" dirty="0"/>
-              <a:t>目录下</a:t>
-            </a:r>
-          </a:p>
-          <a:p>
-            <a:r>
-              <a:rPr lang="zh-CN" altLang="en-US" dirty="0"/>
-              <a:t>打开 </a:t>
-            </a:r>
-            <a:r>
-              <a:rPr lang="en-US" altLang="zh-CN" dirty="0">
-                <a:hlinkClick r:id="rId2"/>
-              </a:rPr>
-              <a:t>http://tool.chinaz.com/dns</a:t>
-            </a:r>
-            <a:r>
-              <a:rPr lang="zh-CN" altLang="en-US" dirty="0"/>
-              <a:t> </a:t>
-            </a:r>
-            <a:r>
-              <a:rPr lang="en-US" altLang="zh-CN" dirty="0"/>
-              <a:t>,</a:t>
-            </a:r>
-            <a:r>
-              <a:rPr lang="zh-CN" altLang="en-US" dirty="0"/>
-              <a:t>这是一个查询域名映射关系的工具</a:t>
-            </a:r>
-          </a:p>
-          <a:p>
-            <a:r>
-              <a:rPr lang="zh-CN" altLang="en-US" dirty="0"/>
-              <a:t>查询 </a:t>
-            </a:r>
-            <a:r>
-              <a:rPr lang="en-US" altLang="zh-CN" dirty="0"/>
-              <a:t>github.global.ssl.fastly.net </a:t>
-            </a:r>
-            <a:r>
-              <a:rPr lang="zh-CN" altLang="en-US" dirty="0"/>
-              <a:t>和 </a:t>
-            </a:r>
-            <a:r>
-              <a:rPr lang="en-US" altLang="zh-CN" dirty="0"/>
-              <a:t>assets-cdn.github.com </a:t>
-            </a:r>
-            <a:r>
-              <a:rPr lang="zh-CN" altLang="en-US" dirty="0"/>
-              <a:t>两个地址</a:t>
-            </a:r>
-          </a:p>
-          <a:p>
-            <a:r>
-              <a:rPr lang="zh-CN" altLang="en-US" dirty="0"/>
-              <a:t>多查几次，选择一个稳定，延迟较低的 </a:t>
-            </a:r>
-            <a:r>
-              <a:rPr lang="en-US" altLang="zh-CN" dirty="0" err="1"/>
-              <a:t>ip</a:t>
-            </a:r>
-            <a:r>
-              <a:rPr lang="en-US" altLang="zh-CN" dirty="0"/>
-              <a:t> </a:t>
-            </a:r>
-            <a:r>
-              <a:rPr lang="zh-CN" altLang="en-US" dirty="0"/>
-              <a:t>按如下方式添加到</a:t>
-            </a:r>
-            <a:r>
-              <a:rPr lang="en-US" altLang="zh-CN" dirty="0"/>
-              <a:t>host</a:t>
-            </a:r>
-            <a:r>
-              <a:rPr lang="zh-CN" altLang="en-US" dirty="0"/>
-              <a:t>文件</a:t>
-            </a:r>
-            <a:endParaRPr lang="en-US" altLang="zh-CN" dirty="0"/>
-          </a:p>
-          <a:p>
-            <a:endParaRPr lang="en-US" altLang="zh-CN" dirty="0"/>
-          </a:p>
-          <a:p>
-            <a:r>
-              <a:rPr lang="en-US" altLang="zh-CN" dirty="0"/>
-              <a:t>Windows</a:t>
-            </a:r>
-          </a:p>
-          <a:p>
-            <a:r>
-              <a:rPr lang="zh-CN" altLang="en-US" dirty="0"/>
-              <a:t>开始 </a:t>
-            </a:r>
-            <a:r>
-              <a:rPr lang="en-US" altLang="zh-CN" dirty="0"/>
-              <a:t>-&gt; </a:t>
-            </a:r>
-            <a:r>
-              <a:rPr lang="zh-CN" altLang="en-US" dirty="0"/>
-              <a:t>运行 </a:t>
-            </a:r>
-            <a:r>
-              <a:rPr lang="en-US" altLang="zh-CN" dirty="0"/>
-              <a:t>-&gt; </a:t>
-            </a:r>
-            <a:r>
-              <a:rPr lang="zh-CN" altLang="en-US" dirty="0"/>
-              <a:t>输入</a:t>
-            </a:r>
-            <a:r>
-              <a:rPr lang="en-US" altLang="zh-CN" dirty="0" err="1"/>
-              <a:t>cmd</a:t>
-            </a:r>
-            <a:r>
-              <a:rPr lang="en-US" altLang="zh-CN" dirty="0"/>
-              <a:t> -&gt; </a:t>
-            </a:r>
-            <a:r>
-              <a:rPr lang="zh-CN" altLang="en-US" dirty="0"/>
-              <a:t>在</a:t>
-            </a:r>
-            <a:r>
-              <a:rPr lang="en-US" altLang="zh-CN" dirty="0"/>
-              <a:t>CMD</a:t>
-            </a:r>
-            <a:r>
-              <a:rPr lang="zh-CN" altLang="en-US" dirty="0"/>
-              <a:t>窗口输入  ： </a:t>
-            </a:r>
-            <a:r>
-              <a:rPr lang="en-US" altLang="zh-CN" dirty="0"/>
-              <a:t>ipconfig /</a:t>
-            </a:r>
-            <a:r>
-              <a:rPr lang="en-US" altLang="zh-CN" dirty="0" err="1"/>
-              <a:t>flushdns</a:t>
-            </a:r>
-            <a:endParaRPr lang="en-US" altLang="zh-CN" dirty="0"/>
-          </a:p>
-          <a:p>
-            <a:endParaRPr lang="zh-CN" altLang="en-US" dirty="0"/>
-          </a:p>
-          <a:p>
-            <a:r>
-              <a:rPr lang="zh-CN" altLang="en-US" dirty="0"/>
-              <a:t>保存文件，重新打开浏览器，起飞。</a:t>
-            </a:r>
-          </a:p>
-          <a:p>
-            <a:endParaRPr lang="zh-CN" altLang="en-US" dirty="0"/>
-          </a:p>
-        </p:txBody>
-      </p:sp>
-    </p:spTree>
-    <p:extLst>
-      <p:ext uri="{BB962C8B-B14F-4D97-AF65-F5344CB8AC3E}">
-        <p14:creationId xmlns:p14="http://schemas.microsoft.com/office/powerpoint/2010/main" val="3993113853"/>
-      </p:ext>
-    </p:extLst>
-  </p:cSld>
-  <p:clrMapOvr>
-    <a:masterClrMapping/>
-  </p:clrMapOvr>
-</p:sld>
-</file>
-
-<file path=ppt/slides/slide19.xml><?xml version="1.0" encoding="utf-8"?>
-<p:sld xmlns:a="http://schemas.openxmlformats.org/drawingml/2006/main" xmlns:r="http://schemas.openxmlformats.org/officeDocument/2006/relationships" xmlns:p="http://schemas.openxmlformats.org/presentationml/2006/main">
-  <p:cSld>
-    <p:spTree>
-      <p:nvGrpSpPr>
-        <p:cNvPr id="1" name=""/>
-        <p:cNvGrpSpPr/>
-        <p:nvPr/>
-      </p:nvGrpSpPr>
-      <p:grpSpPr>
-        <a:xfrm>
-          <a:off x="0" y="0"/>
-          <a:ext cx="0" cy="0"/>
-          <a:chOff x="0" y="0"/>
-          <a:chExt cx="0" cy="0"/>
-        </a:xfrm>
-      </p:grpSpPr>
-      <p:pic>
-        <p:nvPicPr>
-          <p:cNvPr id="3" name="图片 2">
-            <a:extLst>
-              <a:ext uri="{FF2B5EF4-FFF2-40B4-BE49-F238E27FC236}">
-                <a16:creationId xmlns:a16="http://schemas.microsoft.com/office/drawing/2014/main" id="{C4742143-D641-4079-AE3A-1C73FD7D6EE9}"/>
-              </a:ext>
-            </a:extLst>
-          </p:cNvPr>
-          <p:cNvPicPr>
-            <a:picLocks noChangeAspect="1"/>
-          </p:cNvPicPr>
-          <p:nvPr/>
-        </p:nvPicPr>
-        <p:blipFill>
-          <a:blip r:embed="rId2"/>
-          <a:stretch>
-            <a:fillRect/>
-          </a:stretch>
-        </p:blipFill>
-        <p:spPr>
-          <a:xfrm>
-            <a:off x="2530035" y="2881509"/>
-            <a:ext cx="6657143" cy="3152381"/>
-          </a:xfrm>
-          <a:prstGeom prst="rect">
-            <a:avLst/>
-          </a:prstGeom>
-        </p:spPr>
-      </p:pic>
-    </p:spTree>
-    <p:extLst>
-      <p:ext uri="{BB962C8B-B14F-4D97-AF65-F5344CB8AC3E}">
-        <p14:creationId xmlns:p14="http://schemas.microsoft.com/office/powerpoint/2010/main" val="2428210992"/>
-      </p:ext>
-    </p:extLst>
-  </p:cSld>
-  <p:clrMapOvr>
-    <a:masterClrMapping/>
-  </p:clrMapOvr>
-</p:sld>
-</file>
-
-<file path=ppt/slides/slide2.xml><?xml version="1.0" encoding="utf-8"?>
-<p:sld xmlns:a="http://schemas.openxmlformats.org/drawingml/2006/main" xmlns:r="http://schemas.openxmlformats.org/officeDocument/2006/relationships" xmlns:p="http://schemas.openxmlformats.org/presentationml/2006/main">
-  <p:cSld>
-    <p:spTree>
-      <p:nvGrpSpPr>
-        <p:cNvPr id="1" name=""/>
-        <p:cNvGrpSpPr/>
-        <p:nvPr/>
-      </p:nvGrpSpPr>
-      <p:grpSpPr>
-        <a:xfrm>
-          <a:off x="0" y="0"/>
-          <a:ext cx="0" cy="0"/>
-          <a:chOff x="0" y="0"/>
-          <a:chExt cx="0" cy="0"/>
-        </a:xfrm>
-      </p:grpSpPr>
-      <p:sp>
-        <p:nvSpPr>
-          <p:cNvPr id="4" name="标题 3"/>
-          <p:cNvSpPr>
-            <a:spLocks noGrp="1"/>
-          </p:cNvSpPr>
-          <p:nvPr>
-            <p:ph type="title"/>
-          </p:nvPr>
-        </p:nvSpPr>
-        <p:spPr/>
-        <p:txBody>
-          <a:bodyPr/>
-          <a:lstStyle/>
-          <a:p>
-            <a:r>
-              <a:rPr kumimoji="1" lang="zh-CN" altLang="en-US" dirty="0"/>
-              <a:t>一、什么是</a:t>
-            </a:r>
-            <a:r>
-              <a:rPr kumimoji="1" lang="en-US" altLang="zh-CN" dirty="0"/>
-              <a:t>python</a:t>
-            </a:r>
-            <a:endParaRPr kumimoji="1" lang="zh-CN" altLang="en-US" dirty="0"/>
-          </a:p>
-        </p:txBody>
-      </p:sp>
-      <p:sp>
-        <p:nvSpPr>
-          <p:cNvPr id="2" name="文本框 1">
-            <a:extLst>
-              <a:ext uri="{FF2B5EF4-FFF2-40B4-BE49-F238E27FC236}">
-                <a16:creationId xmlns:a16="http://schemas.microsoft.com/office/drawing/2014/main" id="{A60F9666-C87B-4DD2-9B9C-A1A4A3D091BE}"/>
-              </a:ext>
-            </a:extLst>
-          </p:cNvPr>
-          <p:cNvSpPr txBox="1"/>
-          <p:nvPr/>
-        </p:nvSpPr>
-        <p:spPr>
-          <a:xfrm>
-            <a:off x="627996" y="2285933"/>
-            <a:ext cx="11570796" cy="1354217"/>
-          </a:xfrm>
-          <a:prstGeom prst="rect">
-            <a:avLst/>
-          </a:prstGeom>
-          <a:noFill/>
-        </p:spPr>
-        <p:txBody>
-          <a:bodyPr wrap="none" rtlCol="0">
-            <a:spAutoFit/>
-          </a:bodyPr>
-          <a:lstStyle/>
-          <a:p>
-            <a:r>
-              <a:rPr lang="en-US" altLang="zh-CN" sz="2800" dirty="0"/>
-              <a:t>Python</a:t>
-            </a:r>
-            <a:r>
-              <a:rPr lang="zh-CN" altLang="en-US" sz="2800" dirty="0"/>
-              <a:t>是著名的“龟叔”</a:t>
-            </a:r>
-            <a:r>
-              <a:rPr lang="en-US" altLang="zh-CN" sz="2800" dirty="0"/>
-              <a:t>Guido van Rossum</a:t>
-            </a:r>
-            <a:r>
-              <a:rPr lang="zh-CN" altLang="en-US" sz="2800" dirty="0"/>
-              <a:t>在</a:t>
-            </a:r>
-            <a:r>
-              <a:rPr lang="en-US" altLang="zh-CN" sz="2800" dirty="0"/>
-              <a:t>1989</a:t>
-            </a:r>
-            <a:r>
-              <a:rPr lang="zh-CN" altLang="en-US" sz="2800" dirty="0"/>
-              <a:t>年圣诞节期间，</a:t>
-            </a:r>
-            <a:r>
-              <a:rPr lang="zh-CN" altLang="en-US" sz="3200" dirty="0"/>
-              <a:t>为</a:t>
-            </a:r>
-            <a:br>
-              <a:rPr lang="en-US" altLang="zh-CN" sz="3200" dirty="0"/>
-            </a:br>
-            <a:r>
-              <a:rPr lang="zh-CN" altLang="en-US" sz="3200" dirty="0"/>
-              <a:t>了</a:t>
-            </a:r>
-            <a:r>
-              <a:rPr lang="zh-CN" altLang="en-US" sz="2800" dirty="0"/>
-              <a:t>打发无聊的圣诞节而编写的一个编程语言。</a:t>
-            </a:r>
-            <a:br>
-              <a:rPr lang="en-US" altLang="zh-CN" dirty="0"/>
-            </a:br>
-            <a:endParaRPr lang="zh-CN" altLang="en-US" dirty="0"/>
-          </a:p>
-        </p:txBody>
-      </p:sp>
-      <p:pic>
-        <p:nvPicPr>
-          <p:cNvPr id="6" name="图片 5">
-            <a:extLst>
-              <a:ext uri="{FF2B5EF4-FFF2-40B4-BE49-F238E27FC236}">
-                <a16:creationId xmlns:a16="http://schemas.microsoft.com/office/drawing/2014/main" id="{73E3A024-497B-41C7-ADE8-5ADE65CC63B6}"/>
-              </a:ext>
-            </a:extLst>
-          </p:cNvPr>
-          <p:cNvPicPr>
-            <a:picLocks noChangeAspect="1"/>
-          </p:cNvPicPr>
-          <p:nvPr/>
-        </p:nvPicPr>
-        <p:blipFill>
-          <a:blip r:embed="rId2"/>
-          <a:stretch>
-            <a:fillRect/>
-          </a:stretch>
-        </p:blipFill>
-        <p:spPr>
-          <a:xfrm>
-            <a:off x="2943921" y="3462739"/>
-            <a:ext cx="5420541" cy="2727985"/>
-          </a:xfrm>
-          <a:prstGeom prst="rect">
-            <a:avLst/>
-          </a:prstGeom>
-        </p:spPr>
-      </p:pic>
-      <p:sp>
-        <p:nvSpPr>
-          <p:cNvPr id="9" name="文本框 8">
-            <a:extLst>
-              <a:ext uri="{FF2B5EF4-FFF2-40B4-BE49-F238E27FC236}">
-                <a16:creationId xmlns:a16="http://schemas.microsoft.com/office/drawing/2014/main" id="{3496C184-8651-471D-B494-031A0D219660}"/>
-              </a:ext>
-            </a:extLst>
-          </p:cNvPr>
-          <p:cNvSpPr txBox="1"/>
-          <p:nvPr/>
-        </p:nvSpPr>
-        <p:spPr>
-          <a:xfrm>
-            <a:off x="1154954" y="6311310"/>
-            <a:ext cx="9969396" cy="369332"/>
-          </a:xfrm>
-          <a:prstGeom prst="rect">
-            <a:avLst/>
-          </a:prstGeom>
-          <a:noFill/>
-        </p:spPr>
-        <p:txBody>
-          <a:bodyPr wrap="none" rtlCol="0">
-            <a:spAutoFit/>
-          </a:bodyPr>
-          <a:lstStyle/>
-          <a:p>
-            <a:r>
-              <a:rPr lang="zh-CN" altLang="en-US" dirty="0"/>
-              <a:t>阅读链接：</a:t>
-            </a:r>
-            <a:r>
-              <a:rPr lang="en-US" altLang="zh-CN" dirty="0">
-                <a:hlinkClick r:id="rId3"/>
-              </a:rPr>
-              <a:t>https://www.oschina.net/news/92495/popular-programming-languages-2018</a:t>
-            </a:r>
-            <a:endParaRPr lang="zh-CN" altLang="en-US" dirty="0"/>
-          </a:p>
-        </p:txBody>
-      </p:sp>
-      <p:pic>
-        <p:nvPicPr>
-          <p:cNvPr id="5" name="图片 4">
-            <a:extLst>
-              <a:ext uri="{FF2B5EF4-FFF2-40B4-BE49-F238E27FC236}">
-                <a16:creationId xmlns:a16="http://schemas.microsoft.com/office/drawing/2014/main" id="{007C2644-9AB9-438D-B3BA-671EE7B50DD1}"/>
-              </a:ext>
-            </a:extLst>
-          </p:cNvPr>
-          <p:cNvPicPr>
-            <a:picLocks noChangeAspect="1"/>
-          </p:cNvPicPr>
-          <p:nvPr/>
-        </p:nvPicPr>
-        <p:blipFill>
-          <a:blip r:embed="rId4"/>
-          <a:stretch>
-            <a:fillRect/>
-          </a:stretch>
-        </p:blipFill>
-        <p:spPr>
-          <a:xfrm>
-            <a:off x="9023839" y="2954215"/>
-            <a:ext cx="2286000" cy="3429000"/>
-          </a:xfrm>
-          <a:prstGeom prst="rect">
-            <a:avLst/>
-          </a:prstGeom>
-        </p:spPr>
-      </p:pic>
-    </p:spTree>
-    <p:extLst>
-      <p:ext uri="{BB962C8B-B14F-4D97-AF65-F5344CB8AC3E}">
-        <p14:creationId xmlns:p14="http://schemas.microsoft.com/office/powerpoint/2010/main" val="215511702"/>
-      </p:ext>
-    </p:extLst>
-  </p:cSld>
-  <p:clrMapOvr>
-    <a:masterClrMapping/>
-  </p:clrMapOvr>
-</p:sld>
-</file>
-
-<file path=ppt/slides/slide20.xml><?xml version="1.0" encoding="utf-8"?>
-<p:sld xmlns:a="http://schemas.openxmlformats.org/drawingml/2006/main" xmlns:r="http://schemas.openxmlformats.org/officeDocument/2006/relationships" xmlns:p="http://schemas.openxmlformats.org/presentationml/2006/main">
-  <p:cSld>
-    <p:spTree>
-      <p:nvGrpSpPr>
-        <p:cNvPr id="1" name=""/>
-        <p:cNvGrpSpPr/>
-        <p:nvPr/>
-      </p:nvGrpSpPr>
-      <p:grpSpPr>
-        <a:xfrm>
-          <a:off x="0" y="0"/>
-          <a:ext cx="0" cy="0"/>
-          <a:chOff x="0" y="0"/>
-          <a:chExt cx="0" cy="0"/>
-        </a:xfrm>
-      </p:grpSpPr>
-      <p:sp>
-        <p:nvSpPr>
-          <p:cNvPr id="2" name="标题 1">
-            <a:extLst>
-              <a:ext uri="{FF2B5EF4-FFF2-40B4-BE49-F238E27FC236}">
-                <a16:creationId xmlns:a16="http://schemas.microsoft.com/office/drawing/2014/main" id="{58E717B3-D713-49A2-8D24-8D6AF069DBC3}"/>
-              </a:ext>
-            </a:extLst>
-          </p:cNvPr>
-          <p:cNvSpPr>
-            <a:spLocks noGrp="1"/>
-          </p:cNvSpPr>
-          <p:nvPr>
-            <p:ph type="title"/>
-          </p:nvPr>
-        </p:nvSpPr>
-        <p:spPr/>
-        <p:txBody>
-          <a:bodyPr/>
-          <a:lstStyle/>
-          <a:p>
-            <a:r>
-              <a:rPr lang="zh-CN" altLang="en-US" dirty="0"/>
-              <a:t>七、小孩子不玩游戏可不行！</a:t>
-            </a:r>
-          </a:p>
-        </p:txBody>
-      </p:sp>
-      <p:sp>
-        <p:nvSpPr>
-          <p:cNvPr id="3" name="文本框 2">
-            <a:extLst>
-              <a:ext uri="{FF2B5EF4-FFF2-40B4-BE49-F238E27FC236}">
-                <a16:creationId xmlns:a16="http://schemas.microsoft.com/office/drawing/2014/main" id="{62C5E5EC-B712-42BD-B739-A99E6D2CE1BF}"/>
-              </a:ext>
-            </a:extLst>
-          </p:cNvPr>
-          <p:cNvSpPr txBox="1"/>
-          <p:nvPr/>
-        </p:nvSpPr>
-        <p:spPr>
-          <a:xfrm>
-            <a:off x="3196718" y="2448736"/>
-            <a:ext cx="4677884" cy="523220"/>
-          </a:xfrm>
-          <a:prstGeom prst="rect">
-            <a:avLst/>
-          </a:prstGeom>
-          <a:noFill/>
-        </p:spPr>
-        <p:txBody>
-          <a:bodyPr wrap="none" rtlCol="0">
-            <a:spAutoFit/>
-          </a:bodyPr>
-          <a:lstStyle/>
-          <a:p>
-            <a:r>
-              <a:rPr lang="en-US" altLang="zh-CN" sz="2800" b="1" dirty="0"/>
-              <a:t>https://www.codewar.cn/</a:t>
-            </a:r>
-            <a:endParaRPr lang="zh-CN" altLang="en-US" sz="2800" b="1" dirty="0"/>
-          </a:p>
-        </p:txBody>
-      </p:sp>
-      <p:pic>
-        <p:nvPicPr>
-          <p:cNvPr id="5" name="图片 4">
-            <a:extLst>
-              <a:ext uri="{FF2B5EF4-FFF2-40B4-BE49-F238E27FC236}">
-                <a16:creationId xmlns:a16="http://schemas.microsoft.com/office/drawing/2014/main" id="{67A382E0-83A6-47DC-951A-A9FF48BDC6A1}"/>
-              </a:ext>
-            </a:extLst>
-          </p:cNvPr>
-          <p:cNvPicPr>
-            <a:picLocks noChangeAspect="1"/>
-          </p:cNvPicPr>
-          <p:nvPr/>
-        </p:nvPicPr>
-        <p:blipFill>
-          <a:blip r:embed="rId2"/>
-          <a:stretch>
-            <a:fillRect/>
-          </a:stretch>
-        </p:blipFill>
-        <p:spPr>
-          <a:xfrm>
-            <a:off x="6301154" y="3055483"/>
-            <a:ext cx="5890846" cy="3451667"/>
-          </a:xfrm>
-          <a:prstGeom prst="rect">
-            <a:avLst/>
-          </a:prstGeom>
-        </p:spPr>
-      </p:pic>
-      <p:pic>
-        <p:nvPicPr>
-          <p:cNvPr id="4" name="图片 3">
-            <a:extLst>
-              <a:ext uri="{FF2B5EF4-FFF2-40B4-BE49-F238E27FC236}">
-                <a16:creationId xmlns:a16="http://schemas.microsoft.com/office/drawing/2014/main" id="{59C3D344-93F1-4AD6-A9A8-D0053F4B6686}"/>
-              </a:ext>
-            </a:extLst>
-          </p:cNvPr>
-          <p:cNvPicPr>
-            <a:picLocks noChangeAspect="1"/>
-          </p:cNvPicPr>
-          <p:nvPr/>
-        </p:nvPicPr>
-        <p:blipFill>
-          <a:blip r:embed="rId3"/>
-          <a:stretch>
-            <a:fillRect/>
-          </a:stretch>
-        </p:blipFill>
-        <p:spPr>
-          <a:xfrm>
-            <a:off x="1875931" y="3055483"/>
-            <a:ext cx="3687906" cy="3362901"/>
-          </a:xfrm>
-          <a:prstGeom prst="rect">
-            <a:avLst/>
-          </a:prstGeom>
-        </p:spPr>
-      </p:pic>
-    </p:spTree>
-    <p:extLst>
-      <p:ext uri="{BB962C8B-B14F-4D97-AF65-F5344CB8AC3E}">
-        <p14:creationId xmlns:p14="http://schemas.microsoft.com/office/powerpoint/2010/main" val="2713677777"/>
-      </p:ext>
-    </p:extLst>
-  </p:cSld>
-  <p:clrMapOvr>
-    <a:masterClrMapping/>
-  </p:clrMapOvr>
-</p:sld>
-</file>
-
-<file path=ppt/slides/slide21.xml><?xml version="1.0" encoding="utf-8"?>
-<p:sld xmlns:a="http://schemas.openxmlformats.org/drawingml/2006/main" xmlns:r="http://schemas.openxmlformats.org/officeDocument/2006/relationships" xmlns:p="http://schemas.openxmlformats.org/presentationml/2006/main">
-  <p:cSld>
-    <p:spTree>
-      <p:nvGrpSpPr>
-        <p:cNvPr id="1" name=""/>
-        <p:cNvGrpSpPr/>
-        <p:nvPr/>
-      </p:nvGrpSpPr>
-      <p:grpSpPr>
-        <a:xfrm>
-          <a:off x="0" y="0"/>
-          <a:ext cx="0" cy="0"/>
-          <a:chOff x="0" y="0"/>
-          <a:chExt cx="0" cy="0"/>
-        </a:xfrm>
-      </p:grpSpPr>
-      <p:sp>
-        <p:nvSpPr>
-          <p:cNvPr id="2" name="标题 1">
-            <a:extLst>
-              <a:ext uri="{FF2B5EF4-FFF2-40B4-BE49-F238E27FC236}">
-                <a16:creationId xmlns:a16="http://schemas.microsoft.com/office/drawing/2014/main" id="{CED8B7E0-5D63-4E32-B0F4-2C3DA4F6A85A}"/>
-              </a:ext>
-            </a:extLst>
-          </p:cNvPr>
-          <p:cNvSpPr>
-            <a:spLocks noGrp="1"/>
-          </p:cNvSpPr>
-          <p:nvPr>
-            <p:ph type="title"/>
-          </p:nvPr>
-        </p:nvSpPr>
-        <p:spPr>
-          <a:xfrm>
-            <a:off x="2295585" y="3429000"/>
-            <a:ext cx="8761413" cy="706964"/>
-          </a:xfrm>
-        </p:spPr>
-        <p:txBody>
-          <a:bodyPr/>
-          <a:lstStyle/>
-          <a:p>
-            <a:r>
-              <a:rPr lang="zh-CN" altLang="en-US" sz="4000" b="1" dirty="0">
-                <a:solidFill>
-                  <a:schemeClr val="tx1"/>
-                </a:solidFill>
-              </a:rPr>
-              <a:t>要知后事如何，且听下回分解！</a:t>
-            </a:r>
-          </a:p>
-        </p:txBody>
-      </p:sp>
-    </p:spTree>
-    <p:extLst>
-      <p:ext uri="{BB962C8B-B14F-4D97-AF65-F5344CB8AC3E}">
-        <p14:creationId xmlns:p14="http://schemas.microsoft.com/office/powerpoint/2010/main" val="4225306641"/>
-      </p:ext>
-    </p:extLst>
-  </p:cSld>
-  <p:clrMapOvr>
-    <a:masterClrMapping/>
-  </p:clrMapOvr>
-</p:sld>
-</file>
-
-<file path=ppt/slides/slide3.xml><?xml version="1.0" encoding="utf-8"?>
-<p:sld xmlns:a="http://schemas.openxmlformats.org/drawingml/2006/main" xmlns:r="http://schemas.openxmlformats.org/officeDocument/2006/relationships" xmlns:p="http://schemas.openxmlformats.org/presentationml/2006/main">
-  <p:cSld>
-    <p:spTree>
-      <p:nvGrpSpPr>
-        <p:cNvPr id="1" name=""/>
-        <p:cNvGrpSpPr/>
-        <p:nvPr/>
-      </p:nvGrpSpPr>
-      <p:grpSpPr>
-        <a:xfrm>
-          <a:off x="0" y="0"/>
-          <a:ext cx="0" cy="0"/>
-          <a:chOff x="0" y="0"/>
-          <a:chExt cx="0" cy="0"/>
-        </a:xfrm>
-      </p:grpSpPr>
-      <p:pic>
-        <p:nvPicPr>
-          <p:cNvPr id="4" name="图片 3">
-            <a:extLst>
-              <a:ext uri="{FF2B5EF4-FFF2-40B4-BE49-F238E27FC236}">
-                <a16:creationId xmlns:a16="http://schemas.microsoft.com/office/drawing/2014/main" id="{E04C70B7-E97C-408D-B249-6FD2EF67AF5C}"/>
-              </a:ext>
-            </a:extLst>
-          </p:cNvPr>
-          <p:cNvPicPr>
-            <a:picLocks noChangeAspect="1"/>
-          </p:cNvPicPr>
-          <p:nvPr/>
-        </p:nvPicPr>
-        <p:blipFill>
-          <a:blip r:embed="rId2"/>
-          <a:stretch>
-            <a:fillRect/>
-          </a:stretch>
-        </p:blipFill>
-        <p:spPr>
-          <a:xfrm>
-            <a:off x="809534" y="2620432"/>
-            <a:ext cx="4851400" cy="3263900"/>
-          </a:xfrm>
-          <a:prstGeom prst="rect">
-            <a:avLst/>
-          </a:prstGeom>
-        </p:spPr>
-      </p:pic>
-      <p:pic>
-        <p:nvPicPr>
-          <p:cNvPr id="6" name="图片 5">
-            <a:extLst>
-              <a:ext uri="{FF2B5EF4-FFF2-40B4-BE49-F238E27FC236}">
-                <a16:creationId xmlns:a16="http://schemas.microsoft.com/office/drawing/2014/main" id="{91373359-A4EF-48BA-8248-16977DC0CB1A}"/>
-              </a:ext>
-            </a:extLst>
-          </p:cNvPr>
-          <p:cNvPicPr>
-            <a:picLocks noChangeAspect="1"/>
-          </p:cNvPicPr>
-          <p:nvPr/>
-        </p:nvPicPr>
-        <p:blipFill>
-          <a:blip r:embed="rId3"/>
-          <a:stretch>
-            <a:fillRect/>
-          </a:stretch>
-        </p:blipFill>
-        <p:spPr>
-          <a:xfrm>
-            <a:off x="5864431" y="3666392"/>
-            <a:ext cx="5518035" cy="1510249"/>
-          </a:xfrm>
-          <a:prstGeom prst="rect">
-            <a:avLst/>
-          </a:prstGeom>
-        </p:spPr>
-      </p:pic>
-    </p:spTree>
-    <p:extLst>
-      <p:ext uri="{BB962C8B-B14F-4D97-AF65-F5344CB8AC3E}">
-        <p14:creationId xmlns:p14="http://schemas.microsoft.com/office/powerpoint/2010/main" val="1891087937"/>
-      </p:ext>
-    </p:extLst>
-  </p:cSld>
-  <p:clrMapOvr>
-    <a:masterClrMapping/>
-  </p:clrMapOvr>
-</p:sld>
-</file>
-
-<file path=ppt/slides/slide4.xml><?xml version="1.0" encoding="utf-8"?>
-<p:sld xmlns:a="http://schemas.openxmlformats.org/drawingml/2006/main" xmlns:r="http://schemas.openxmlformats.org/officeDocument/2006/relationships" xmlns:p="http://schemas.openxmlformats.org/presentationml/2006/main">
-  <p:cSld>
-    <p:spTree>
-      <p:nvGrpSpPr>
-        <p:cNvPr id="1" name=""/>
-        <p:cNvGrpSpPr/>
-        <p:nvPr/>
-      </p:nvGrpSpPr>
-      <p:grpSpPr>
-        <a:xfrm>
-          <a:off x="0" y="0"/>
-          <a:ext cx="0" cy="0"/>
-          <a:chOff x="0" y="0"/>
-          <a:chExt cx="0" cy="0"/>
-        </a:xfrm>
-      </p:grpSpPr>
-      <p:sp>
-        <p:nvSpPr>
-          <p:cNvPr id="2" name="标题 1">
-            <a:extLst>
-              <a:ext uri="{FF2B5EF4-FFF2-40B4-BE49-F238E27FC236}">
-                <a16:creationId xmlns:a16="http://schemas.microsoft.com/office/drawing/2014/main" id="{41C4E8C6-0A8E-46AA-942C-7651569CF333}"/>
-              </a:ext>
-            </a:extLst>
-          </p:cNvPr>
-          <p:cNvSpPr>
-            <a:spLocks noGrp="1"/>
-          </p:cNvSpPr>
-          <p:nvPr>
-            <p:ph type="title"/>
-          </p:nvPr>
-        </p:nvSpPr>
-        <p:spPr/>
-        <p:txBody>
-          <a:bodyPr/>
-          <a:lstStyle/>
-          <a:p>
-            <a:r>
-              <a:rPr lang="zh-CN" altLang="en-US" dirty="0"/>
-              <a:t>二、知已知彼</a:t>
-            </a:r>
-          </a:p>
-        </p:txBody>
-      </p:sp>
-      <p:sp>
-        <p:nvSpPr>
-          <p:cNvPr id="3" name="文本框 2">
-            <a:extLst>
-              <a:ext uri="{FF2B5EF4-FFF2-40B4-BE49-F238E27FC236}">
-                <a16:creationId xmlns:a16="http://schemas.microsoft.com/office/drawing/2014/main" id="{ED68F4CD-C580-4884-8A84-2804D2E83463}"/>
-              </a:ext>
-            </a:extLst>
-          </p:cNvPr>
-          <p:cNvSpPr txBox="1"/>
-          <p:nvPr/>
-        </p:nvSpPr>
-        <p:spPr>
-          <a:xfrm>
-            <a:off x="413239" y="2544749"/>
-            <a:ext cx="11523784" cy="707886"/>
-          </a:xfrm>
-          <a:prstGeom prst="rect">
-            <a:avLst/>
-          </a:prstGeom>
-          <a:noFill/>
-        </p:spPr>
-        <p:txBody>
-          <a:bodyPr wrap="square" rtlCol="0">
-            <a:spAutoFit/>
-          </a:bodyPr>
-          <a:lstStyle/>
-          <a:p>
-            <a:r>
-              <a:rPr lang="en-US" altLang="zh-CN" sz="2000" b="1" dirty="0"/>
-              <a:t>C</a:t>
-            </a:r>
-            <a:r>
-              <a:rPr lang="zh-CN" altLang="en-US" sz="2000" b="1" dirty="0"/>
-              <a:t>语言是可以用来编写操作系统的贴近硬件的语言，所以，</a:t>
-            </a:r>
-            <a:r>
-              <a:rPr lang="en-US" altLang="zh-CN" sz="2000" b="1" dirty="0"/>
-              <a:t>C</a:t>
-            </a:r>
-            <a:r>
-              <a:rPr lang="zh-CN" altLang="en-US" sz="2000" b="1" dirty="0"/>
-              <a:t>语言适合开发那些追求运行速度、充分发挥硬件性能的程序。</a:t>
-            </a:r>
-          </a:p>
-        </p:txBody>
-      </p:sp>
-      <p:sp>
-        <p:nvSpPr>
-          <p:cNvPr id="4" name="文本框 3">
-            <a:extLst>
-              <a:ext uri="{FF2B5EF4-FFF2-40B4-BE49-F238E27FC236}">
-                <a16:creationId xmlns:a16="http://schemas.microsoft.com/office/drawing/2014/main" id="{6F6A5885-9D12-4155-9CF8-37477BBF7194}"/>
-              </a:ext>
-            </a:extLst>
-          </p:cNvPr>
-          <p:cNvSpPr txBox="1"/>
-          <p:nvPr/>
-        </p:nvSpPr>
-        <p:spPr>
-          <a:xfrm>
-            <a:off x="413239" y="3640590"/>
-            <a:ext cx="10320454" cy="369332"/>
-          </a:xfrm>
-          <a:prstGeom prst="rect">
-            <a:avLst/>
-          </a:prstGeom>
-          <a:noFill/>
-        </p:spPr>
-        <p:txBody>
-          <a:bodyPr wrap="none" rtlCol="0">
-            <a:spAutoFit/>
-          </a:bodyPr>
-          <a:lstStyle/>
-          <a:p>
-            <a:r>
-              <a:rPr lang="en-US" altLang="zh-CN" b="1" dirty="0"/>
-              <a:t>Python</a:t>
-            </a:r>
-            <a:r>
-              <a:rPr lang="zh-CN" altLang="en-US" b="1" dirty="0"/>
-              <a:t>的哲学就是简单优雅，尽量写容易看明白的代码，尽量写少的代码。人生苦短，我用</a:t>
-            </a:r>
-            <a:r>
-              <a:rPr lang="en-US" altLang="zh-CN" b="1" dirty="0"/>
-              <a:t>python</a:t>
-            </a:r>
-            <a:endParaRPr lang="zh-CN" altLang="en-US" b="1" dirty="0"/>
-          </a:p>
-        </p:txBody>
-      </p:sp>
-      <p:pic>
-        <p:nvPicPr>
-          <p:cNvPr id="6" name="图片 5">
-            <a:extLst>
-              <a:ext uri="{FF2B5EF4-FFF2-40B4-BE49-F238E27FC236}">
-                <a16:creationId xmlns:a16="http://schemas.microsoft.com/office/drawing/2014/main" id="{10D8CB62-4C1E-43EE-9D0A-A7C06CA21C05}"/>
-              </a:ext>
-            </a:extLst>
-          </p:cNvPr>
-          <p:cNvPicPr>
-            <a:picLocks noChangeAspect="1"/>
-          </p:cNvPicPr>
-          <p:nvPr/>
-        </p:nvPicPr>
-        <p:blipFill>
-          <a:blip r:embed="rId2"/>
-          <a:stretch>
-            <a:fillRect/>
-          </a:stretch>
-        </p:blipFill>
-        <p:spPr>
-          <a:xfrm>
-            <a:off x="715031" y="4195263"/>
-            <a:ext cx="3638550" cy="1733550"/>
-          </a:xfrm>
-          <a:prstGeom prst="rect">
-            <a:avLst/>
-          </a:prstGeom>
-        </p:spPr>
-      </p:pic>
-      <p:pic>
-        <p:nvPicPr>
-          <p:cNvPr id="8" name="图片 7">
-            <a:extLst>
-              <a:ext uri="{FF2B5EF4-FFF2-40B4-BE49-F238E27FC236}">
-                <a16:creationId xmlns:a16="http://schemas.microsoft.com/office/drawing/2014/main" id="{B2691834-9D65-45B3-BA44-83712D5576C1}"/>
-              </a:ext>
-            </a:extLst>
-          </p:cNvPr>
-          <p:cNvPicPr>
-            <a:picLocks noChangeAspect="1"/>
-          </p:cNvPicPr>
-          <p:nvPr/>
-        </p:nvPicPr>
-        <p:blipFill>
-          <a:blip r:embed="rId3"/>
-          <a:stretch>
-            <a:fillRect/>
-          </a:stretch>
-        </p:blipFill>
-        <p:spPr>
-          <a:xfrm>
-            <a:off x="6175131" y="4286250"/>
-            <a:ext cx="4095750" cy="1714500"/>
-          </a:xfrm>
-          <a:prstGeom prst="rect">
-            <a:avLst/>
-          </a:prstGeom>
-        </p:spPr>
-      </p:pic>
-      <p:sp>
-        <p:nvSpPr>
-          <p:cNvPr id="9" name="文本框 8">
-            <a:extLst>
-              <a:ext uri="{FF2B5EF4-FFF2-40B4-BE49-F238E27FC236}">
-                <a16:creationId xmlns:a16="http://schemas.microsoft.com/office/drawing/2014/main" id="{A9EB2A03-8CA1-495E-BD54-0170B9122F1D}"/>
-              </a:ext>
-            </a:extLst>
-          </p:cNvPr>
-          <p:cNvSpPr txBox="1"/>
-          <p:nvPr/>
-        </p:nvSpPr>
-        <p:spPr>
-          <a:xfrm>
-            <a:off x="345754" y="6114154"/>
-            <a:ext cx="11981165" cy="646331"/>
-          </a:xfrm>
-          <a:prstGeom prst="rect">
-            <a:avLst/>
-          </a:prstGeom>
-          <a:noFill/>
-        </p:spPr>
-        <p:txBody>
-          <a:bodyPr wrap="none" rtlCol="0">
-            <a:spAutoFit/>
-          </a:bodyPr>
-          <a:lstStyle/>
-          <a:p>
-            <a:r>
-              <a:rPr lang="zh-CN" altLang="en-US" dirty="0"/>
-              <a:t>阅读链接：</a:t>
-            </a:r>
-            <a:r>
-              <a:rPr lang="en-US" altLang="zh-CN" dirty="0"/>
-              <a:t> </a:t>
-            </a:r>
-            <a:r>
-              <a:rPr lang="en-US" altLang="zh-CN" b="1" dirty="0">
-                <a:hlinkClick r:id="rId4"/>
-              </a:rPr>
-              <a:t>https://www.liaoxuefeng.com/wiki/0014316089557264a6b348958f449949df42a6d3a2e542c000/</a:t>
-            </a:r>
-            <a:br>
-              <a:rPr lang="en-US" altLang="zh-CN" b="1" dirty="0">
-                <a:hlinkClick r:id="rId4"/>
-              </a:rPr>
-            </a:br>
-            <a:r>
-              <a:rPr lang="en-US" altLang="zh-CN" b="1" dirty="0">
-                <a:hlinkClick r:id="rId4"/>
-              </a:rPr>
-              <a:t>001431608990315a01b575e2ab041168ff0df194698afac000</a:t>
-            </a:r>
-            <a:endParaRPr lang="zh-CN" altLang="en-US" b="1" dirty="0"/>
-          </a:p>
-        </p:txBody>
-      </p:sp>
-    </p:spTree>
-    <p:extLst>
-      <p:ext uri="{BB962C8B-B14F-4D97-AF65-F5344CB8AC3E}">
-        <p14:creationId xmlns:p14="http://schemas.microsoft.com/office/powerpoint/2010/main" val="994844716"/>
-      </p:ext>
-    </p:extLst>
-  </p:cSld>
-  <p:clrMapOvr>
-    <a:masterClrMapping/>
-  </p:clrMapOvr>
-</p:sld>
-</file>
-
-<file path=ppt/slides/slide5.xml><?xml version="1.0" encoding="utf-8"?>
-<p:sld xmlns:a="http://schemas.openxmlformats.org/drawingml/2006/main" xmlns:r="http://schemas.openxmlformats.org/officeDocument/2006/relationships" xmlns:p="http://schemas.openxmlformats.org/presentationml/2006/main">
-  <p:cSld>
-    <p:spTree>
-      <p:nvGrpSpPr>
-        <p:cNvPr id="1" name=""/>
-        <p:cNvGrpSpPr/>
-        <p:nvPr/>
-      </p:nvGrpSpPr>
-      <p:grpSpPr>
-        <a:xfrm>
-          <a:off x="0" y="0"/>
-          <a:ext cx="0" cy="0"/>
-          <a:chOff x="0" y="0"/>
-          <a:chExt cx="0" cy="0"/>
-        </a:xfrm>
-      </p:grpSpPr>
-      <p:sp>
-        <p:nvSpPr>
-          <p:cNvPr id="2" name="标题 1">
-            <a:extLst>
-              <a:ext uri="{FF2B5EF4-FFF2-40B4-BE49-F238E27FC236}">
-                <a16:creationId xmlns:a16="http://schemas.microsoft.com/office/drawing/2014/main" id="{FB3C3303-298C-440E-A013-B5E0D131FA18}"/>
-              </a:ext>
-            </a:extLst>
-          </p:cNvPr>
-          <p:cNvSpPr>
-            <a:spLocks noGrp="1"/>
-          </p:cNvSpPr>
-          <p:nvPr>
-            <p:ph type="title"/>
-          </p:nvPr>
-        </p:nvSpPr>
-        <p:spPr/>
-        <p:txBody>
-          <a:bodyPr/>
-          <a:lstStyle/>
-          <a:p>
-            <a:r>
-              <a:rPr lang="en-US" altLang="zh-CN" dirty="0"/>
-              <a:t>Hello Word!</a:t>
-            </a:r>
-            <a:endParaRPr lang="zh-CN" altLang="en-US" dirty="0"/>
-          </a:p>
-        </p:txBody>
-      </p:sp>
-      <p:sp>
-        <p:nvSpPr>
-          <p:cNvPr id="5" name="文本框 4">
-            <a:extLst>
-              <a:ext uri="{FF2B5EF4-FFF2-40B4-BE49-F238E27FC236}">
-                <a16:creationId xmlns:a16="http://schemas.microsoft.com/office/drawing/2014/main" id="{860632F4-EC3A-4A88-A16A-88CF0990CE1A}"/>
-              </a:ext>
-            </a:extLst>
-          </p:cNvPr>
-          <p:cNvSpPr txBox="1"/>
-          <p:nvPr/>
-        </p:nvSpPr>
-        <p:spPr>
-          <a:xfrm>
-            <a:off x="467536" y="2373923"/>
-            <a:ext cx="5628464" cy="3046988"/>
-          </a:xfrm>
-          <a:prstGeom prst="rect">
-            <a:avLst/>
-          </a:prstGeom>
-          <a:noFill/>
-        </p:spPr>
-        <p:txBody>
-          <a:bodyPr wrap="square" rtlCol="0">
-            <a:spAutoFit/>
-          </a:bodyPr>
-          <a:lstStyle/>
-          <a:p>
-            <a:r>
-              <a:rPr lang="en-US" altLang="zh-CN" sz="2400" b="1" dirty="0"/>
-              <a:t>public class HelloWorld {</a:t>
-            </a:r>
-          </a:p>
-          <a:p>
-            <a:r>
-              <a:rPr lang="en-US" altLang="zh-CN" sz="2400" b="1" dirty="0"/>
-              <a:t>  public static void main(String[]</a:t>
-            </a:r>
-            <a:r>
-              <a:rPr lang="en-US" altLang="zh-CN" sz="2400" b="1" dirty="0" err="1"/>
-              <a:t>agrs</a:t>
-            </a:r>
-            <a:r>
-              <a:rPr lang="en-US" altLang="zh-CN" sz="2400" b="1" dirty="0"/>
-              <a:t>)</a:t>
-            </a:r>
-          </a:p>
-          <a:p>
-            <a:r>
-              <a:rPr lang="en-US" altLang="zh-CN" sz="2400" b="1" dirty="0"/>
-              <a:t>    {</a:t>
-            </a:r>
-          </a:p>
-          <a:p>
-            <a:r>
-              <a:rPr lang="en-US" altLang="zh-CN" sz="2400" b="1" dirty="0"/>
-              <a:t>      </a:t>
-            </a:r>
-            <a:r>
-              <a:rPr lang="en-US" altLang="zh-CN" sz="2400" b="1" dirty="0" err="1"/>
-              <a:t>System.out.println</a:t>
-            </a:r>
-            <a:r>
-              <a:rPr lang="en-US" altLang="zh-CN" sz="2400" b="1" dirty="0"/>
-              <a:t>("HelloWorld!");</a:t>
-            </a:r>
-          </a:p>
-          <a:p>
-            <a:r>
-              <a:rPr lang="en-US" altLang="zh-CN" sz="2400" b="1" dirty="0"/>
-              <a:t>    }</a:t>
-            </a:r>
-          </a:p>
-          <a:p>
-            <a:r>
-              <a:rPr lang="en-US" altLang="zh-CN" sz="2400" b="1" dirty="0"/>
-              <a:t>}</a:t>
-            </a:r>
-            <a:endParaRPr lang="zh-CN" altLang="en-US" sz="2400" b="1" dirty="0"/>
-          </a:p>
-        </p:txBody>
-      </p:sp>
-      <p:pic>
-        <p:nvPicPr>
-          <p:cNvPr id="7" name="图片 6">
-            <a:extLst>
-              <a:ext uri="{FF2B5EF4-FFF2-40B4-BE49-F238E27FC236}">
-                <a16:creationId xmlns:a16="http://schemas.microsoft.com/office/drawing/2014/main" id="{24693BBA-C208-44EA-BA39-373C944D43FD}"/>
-              </a:ext>
-            </a:extLst>
-          </p:cNvPr>
-          <p:cNvPicPr>
-            <a:picLocks noChangeAspect="1"/>
-          </p:cNvPicPr>
-          <p:nvPr/>
-        </p:nvPicPr>
-        <p:blipFill>
-          <a:blip r:embed="rId2"/>
-          <a:stretch>
-            <a:fillRect/>
-          </a:stretch>
-        </p:blipFill>
-        <p:spPr>
-          <a:xfrm>
-            <a:off x="935892" y="4220308"/>
-            <a:ext cx="3144428" cy="2206869"/>
-          </a:xfrm>
-          <a:prstGeom prst="rect">
-            <a:avLst/>
-          </a:prstGeom>
-        </p:spPr>
-      </p:pic>
-      <p:sp>
-        <p:nvSpPr>
-          <p:cNvPr id="8" name="文本框 7">
-            <a:extLst>
-              <a:ext uri="{FF2B5EF4-FFF2-40B4-BE49-F238E27FC236}">
-                <a16:creationId xmlns:a16="http://schemas.microsoft.com/office/drawing/2014/main" id="{7CA483A8-8518-4F3E-ADB1-1C3120249009}"/>
-              </a:ext>
-            </a:extLst>
-          </p:cNvPr>
-          <p:cNvSpPr txBox="1"/>
-          <p:nvPr/>
-        </p:nvSpPr>
-        <p:spPr>
-          <a:xfrm>
-            <a:off x="6734908" y="2567354"/>
-            <a:ext cx="5310554" cy="2677656"/>
-          </a:xfrm>
-          <a:prstGeom prst="rect">
-            <a:avLst/>
-          </a:prstGeom>
-          <a:noFill/>
-        </p:spPr>
-        <p:txBody>
-          <a:bodyPr wrap="square" rtlCol="0">
-            <a:spAutoFit/>
-          </a:bodyPr>
-          <a:lstStyle/>
-          <a:p>
-            <a:r>
-              <a:rPr lang="en-US" altLang="zh-CN" sz="2400" b="1" dirty="0"/>
-              <a:t>#include &lt;iostream&gt;  </a:t>
-            </a:r>
-          </a:p>
-          <a:p>
-            <a:r>
-              <a:rPr lang="en-US" altLang="zh-CN" sz="2400" b="1" dirty="0"/>
-              <a:t>using namespace </a:t>
-            </a:r>
-            <a:r>
-              <a:rPr lang="en-US" altLang="zh-CN" sz="2400" b="1" dirty="0" err="1"/>
-              <a:t>std</a:t>
-            </a:r>
-            <a:r>
-              <a:rPr lang="en-US" altLang="zh-CN" sz="2400" b="1" dirty="0"/>
-              <a:t>;  </a:t>
-            </a:r>
-          </a:p>
-          <a:p>
-            <a:r>
-              <a:rPr lang="en-US" altLang="zh-CN" sz="2400" b="1" dirty="0"/>
-              <a:t>  </a:t>
-            </a:r>
-          </a:p>
-          <a:p>
-            <a:r>
-              <a:rPr lang="en-US" altLang="zh-CN" sz="2400" b="1" dirty="0" err="1"/>
-              <a:t>int</a:t>
-            </a:r>
-            <a:r>
-              <a:rPr lang="en-US" altLang="zh-CN" sz="2400" b="1" dirty="0"/>
-              <a:t> main() {  </a:t>
-            </a:r>
-          </a:p>
-          <a:p>
-            <a:r>
-              <a:rPr lang="en-US" altLang="zh-CN" sz="2400" b="1" dirty="0"/>
-              <a:t>    </a:t>
-            </a:r>
-            <a:r>
-              <a:rPr lang="en-US" altLang="zh-CN" sz="2400" b="1" dirty="0" err="1"/>
-              <a:t>cout</a:t>
-            </a:r>
-            <a:r>
-              <a:rPr lang="en-US" altLang="zh-CN" sz="2400" b="1" dirty="0"/>
-              <a:t> &lt;&lt; "Hello World!" &lt;&lt; </a:t>
-            </a:r>
-            <a:r>
-              <a:rPr lang="en-US" altLang="zh-CN" sz="2400" b="1" dirty="0" err="1"/>
-              <a:t>endl</a:t>
-            </a:r>
-            <a:r>
-              <a:rPr lang="en-US" altLang="zh-CN" sz="2400" b="1" dirty="0"/>
-              <a:t>;   </a:t>
-            </a:r>
-          </a:p>
-          <a:p>
-            <a:r>
-              <a:rPr lang="en-US" altLang="zh-CN" sz="2400" b="1" dirty="0"/>
-              <a:t>    return 0;  </a:t>
-            </a:r>
-          </a:p>
-          <a:p>
-            <a:r>
-              <a:rPr lang="en-US" altLang="zh-CN" sz="2400" b="1" dirty="0"/>
-              <a:t>}  </a:t>
-            </a:r>
-          </a:p>
-        </p:txBody>
-      </p:sp>
-      <p:pic>
-        <p:nvPicPr>
-          <p:cNvPr id="10" name="图片 9">
-            <a:extLst>
-              <a:ext uri="{FF2B5EF4-FFF2-40B4-BE49-F238E27FC236}">
-                <a16:creationId xmlns:a16="http://schemas.microsoft.com/office/drawing/2014/main" id="{3922D77A-3CC3-4B05-B6BF-AB9C3E23B026}"/>
-              </a:ext>
-            </a:extLst>
-          </p:cNvPr>
-          <p:cNvPicPr>
-            <a:picLocks noChangeAspect="1"/>
-          </p:cNvPicPr>
-          <p:nvPr/>
-        </p:nvPicPr>
-        <p:blipFill>
-          <a:blip r:embed="rId3"/>
-          <a:stretch>
-            <a:fillRect/>
-          </a:stretch>
-        </p:blipFill>
-        <p:spPr>
-          <a:xfrm>
-            <a:off x="8479782" y="4704826"/>
-            <a:ext cx="2538934" cy="1994877"/>
-          </a:xfrm>
-          <a:prstGeom prst="rect">
-            <a:avLst/>
-          </a:prstGeom>
-        </p:spPr>
-      </p:pic>
-    </p:spTree>
-    <p:extLst>
-      <p:ext uri="{BB962C8B-B14F-4D97-AF65-F5344CB8AC3E}">
-        <p14:creationId xmlns:p14="http://schemas.microsoft.com/office/powerpoint/2010/main" val="1661331510"/>
-      </p:ext>
-    </p:extLst>
-  </p:cSld>
-  <p:clrMapOvr>
-    <a:masterClrMapping/>
-  </p:clrMapOvr>
-</p:sld>
-</file>
-
-<file path=ppt/slides/slide6.xml><?xml version="1.0" encoding="utf-8"?>
-<p:sld xmlns:a="http://schemas.openxmlformats.org/drawingml/2006/main" xmlns:r="http://schemas.openxmlformats.org/officeDocument/2006/relationships" xmlns:p="http://schemas.openxmlformats.org/presentationml/2006/main">
-  <p:cSld>
-    <p:spTree>
-      <p:nvGrpSpPr>
-        <p:cNvPr id="1" name=""/>
-        <p:cNvGrpSpPr/>
-        <p:nvPr/>
-      </p:nvGrpSpPr>
-      <p:grpSpPr>
-        <a:xfrm>
-          <a:off x="0" y="0"/>
-          <a:ext cx="0" cy="0"/>
-          <a:chOff x="0" y="0"/>
-          <a:chExt cx="0" cy="0"/>
-        </a:xfrm>
-      </p:grpSpPr>
-      <p:sp>
-        <p:nvSpPr>
-          <p:cNvPr id="3" name="文本框 2">
-            <a:extLst>
-              <a:ext uri="{FF2B5EF4-FFF2-40B4-BE49-F238E27FC236}">
-                <a16:creationId xmlns:a16="http://schemas.microsoft.com/office/drawing/2014/main" id="{D8FCE25C-AC62-48DB-ADE2-53E48D9FEDB7}"/>
-              </a:ext>
-            </a:extLst>
-          </p:cNvPr>
-          <p:cNvSpPr txBox="1"/>
-          <p:nvPr/>
-        </p:nvSpPr>
-        <p:spPr>
-          <a:xfrm>
-            <a:off x="1512277" y="3429000"/>
-            <a:ext cx="2975495" cy="461665"/>
-          </a:xfrm>
-          <a:prstGeom prst="rect">
-            <a:avLst/>
-          </a:prstGeom>
-          <a:noFill/>
-        </p:spPr>
-        <p:txBody>
-          <a:bodyPr wrap="none" rtlCol="0">
-            <a:spAutoFit/>
-          </a:bodyPr>
-          <a:lstStyle/>
-          <a:p>
-            <a:r>
-              <a:rPr lang="en-US" altLang="zh-CN" sz="2400" b="1" dirty="0"/>
-              <a:t>print "Hello, world!"</a:t>
-            </a:r>
-            <a:endParaRPr lang="zh-CN" altLang="en-US" sz="2400" b="1" dirty="0"/>
-          </a:p>
-        </p:txBody>
-      </p:sp>
-      <p:pic>
-        <p:nvPicPr>
-          <p:cNvPr id="4" name="图片 3">
-            <a:extLst>
-              <a:ext uri="{FF2B5EF4-FFF2-40B4-BE49-F238E27FC236}">
-                <a16:creationId xmlns:a16="http://schemas.microsoft.com/office/drawing/2014/main" id="{83B5EBBD-8105-45A4-9091-2C8993B9A2DA}"/>
-              </a:ext>
-            </a:extLst>
-          </p:cNvPr>
-          <p:cNvPicPr>
-            <a:picLocks noChangeAspect="1"/>
-          </p:cNvPicPr>
-          <p:nvPr/>
-        </p:nvPicPr>
-        <p:blipFill>
-          <a:blip r:embed="rId2"/>
-          <a:stretch>
-            <a:fillRect/>
-          </a:stretch>
-        </p:blipFill>
-        <p:spPr>
-          <a:xfrm>
-            <a:off x="6216894" y="2776171"/>
-            <a:ext cx="4857750" cy="3028950"/>
-          </a:xfrm>
-          <a:prstGeom prst="rect">
-            <a:avLst/>
-          </a:prstGeom>
-        </p:spPr>
-      </p:pic>
-    </p:spTree>
-    <p:extLst>
-      <p:ext uri="{BB962C8B-B14F-4D97-AF65-F5344CB8AC3E}">
-        <p14:creationId xmlns:p14="http://schemas.microsoft.com/office/powerpoint/2010/main" val="4092095287"/>
-      </p:ext>
-    </p:extLst>
-  </p:cSld>
-  <p:clrMapOvr>
-    <a:masterClrMapping/>
-  </p:clrMapOvr>
-</p:sld>
-</file>
-
-<file path=ppt/slides/slide7.xml><?xml version="1.0" encoding="utf-8"?>
-<p:sld xmlns:a="http://schemas.openxmlformats.org/drawingml/2006/main" xmlns:r="http://schemas.openxmlformats.org/officeDocument/2006/relationships" xmlns:p="http://schemas.openxmlformats.org/presentationml/2006/main">
-  <p:cSld>
-    <p:spTree>
-      <p:nvGrpSpPr>
-        <p:cNvPr id="1" name=""/>
-        <p:cNvGrpSpPr/>
-        <p:nvPr/>
-      </p:nvGrpSpPr>
-      <p:grpSpPr>
-        <a:xfrm>
-          <a:off x="0" y="0"/>
-          <a:ext cx="0" cy="0"/>
-          <a:chOff x="0" y="0"/>
-          <a:chExt cx="0" cy="0"/>
-        </a:xfrm>
-      </p:grpSpPr>
-      <p:sp>
-        <p:nvSpPr>
-          <p:cNvPr id="2" name="标题 1">
-            <a:extLst>
-              <a:ext uri="{FF2B5EF4-FFF2-40B4-BE49-F238E27FC236}">
-                <a16:creationId xmlns:a16="http://schemas.microsoft.com/office/drawing/2014/main" id="{0D6EC60D-8E75-499F-94E3-8FAF4B62A3DB}"/>
-              </a:ext>
-            </a:extLst>
-          </p:cNvPr>
-          <p:cNvSpPr>
-            <a:spLocks noGrp="1"/>
-          </p:cNvSpPr>
-          <p:nvPr>
-            <p:ph type="title"/>
-          </p:nvPr>
-        </p:nvSpPr>
-        <p:spPr/>
-        <p:txBody>
-          <a:bodyPr/>
-          <a:lstStyle/>
-          <a:p>
-            <a:r>
-              <a:rPr lang="zh-CN" altLang="en-US" sz="4000" b="1" dirty="0"/>
-              <a:t>三、安装</a:t>
-            </a:r>
-            <a:r>
-              <a:rPr lang="en-US" altLang="zh-CN" sz="4000" b="1" dirty="0"/>
-              <a:t>python </a:t>
-            </a:r>
-            <a:r>
-              <a:rPr lang="en-US" altLang="zh-CN" dirty="0"/>
-              <a:t>https://www.python.org</a:t>
-            </a:r>
-            <a:endParaRPr lang="zh-CN" altLang="en-US" dirty="0"/>
-          </a:p>
-        </p:txBody>
-      </p:sp>
-      <p:pic>
-        <p:nvPicPr>
-          <p:cNvPr id="3" name="图片 2">
-            <a:extLst>
-              <a:ext uri="{FF2B5EF4-FFF2-40B4-BE49-F238E27FC236}">
-                <a16:creationId xmlns:a16="http://schemas.microsoft.com/office/drawing/2014/main" id="{22AF12C2-3FAF-4A24-82DF-43E16D70E292}"/>
-              </a:ext>
-            </a:extLst>
-          </p:cNvPr>
-          <p:cNvPicPr>
-            <a:picLocks noChangeAspect="1"/>
-          </p:cNvPicPr>
-          <p:nvPr/>
-        </p:nvPicPr>
-        <p:blipFill>
-          <a:blip r:embed="rId2"/>
-          <a:stretch>
-            <a:fillRect/>
-          </a:stretch>
-        </p:blipFill>
-        <p:spPr>
-          <a:xfrm>
-            <a:off x="2297151" y="2149635"/>
-            <a:ext cx="7127126" cy="4708365"/>
-          </a:xfrm>
-          <a:prstGeom prst="rect">
-            <a:avLst/>
-          </a:prstGeom>
-        </p:spPr>
-      </p:pic>
-    </p:spTree>
-    <p:extLst>
-      <p:ext uri="{BB962C8B-B14F-4D97-AF65-F5344CB8AC3E}">
-        <p14:creationId xmlns:p14="http://schemas.microsoft.com/office/powerpoint/2010/main" val="450325371"/>
-      </p:ext>
-    </p:extLst>
-  </p:cSld>
-  <p:clrMapOvr>
-    <a:masterClrMapping/>
-  </p:clrMapOvr>
-</p:sld>
-</file>
-
-<file path=ppt/slides/slide8.xml><?xml version="1.0" encoding="utf-8"?>
-<p:sld xmlns:a="http://schemas.openxmlformats.org/drawingml/2006/main" xmlns:r="http://schemas.openxmlformats.org/officeDocument/2006/relationships" xmlns:p="http://schemas.openxmlformats.org/presentationml/2006/main">
-  <p:cSld>
-    <p:spTree>
-      <p:nvGrpSpPr>
-        <p:cNvPr id="1" name=""/>
-        <p:cNvGrpSpPr/>
-        <p:nvPr/>
-      </p:nvGrpSpPr>
-      <p:grpSpPr>
-        <a:xfrm>
-          <a:off x="0" y="0"/>
-          <a:ext cx="0" cy="0"/>
-          <a:chOff x="0" y="0"/>
-          <a:chExt cx="0" cy="0"/>
-        </a:xfrm>
-      </p:grpSpPr>
-      <p:sp>
-        <p:nvSpPr>
-          <p:cNvPr id="2" name="标题 1">
-            <a:extLst>
-              <a:ext uri="{FF2B5EF4-FFF2-40B4-BE49-F238E27FC236}">
-                <a16:creationId xmlns:a16="http://schemas.microsoft.com/office/drawing/2014/main" id="{0D6EC60D-8E75-499F-94E3-8FAF4B62A3DB}"/>
-              </a:ext>
-            </a:extLst>
-          </p:cNvPr>
-          <p:cNvSpPr>
-            <a:spLocks noGrp="1"/>
-          </p:cNvSpPr>
-          <p:nvPr>
-            <p:ph type="title"/>
-          </p:nvPr>
-        </p:nvSpPr>
-        <p:spPr/>
-        <p:txBody>
-          <a:bodyPr/>
-          <a:lstStyle/>
-          <a:p>
-            <a:r>
-              <a:rPr lang="zh-CN" altLang="en-US" dirty="0"/>
-              <a:t>三、安装</a:t>
-            </a:r>
-            <a:r>
-              <a:rPr lang="en-US" altLang="zh-CN" dirty="0"/>
-              <a:t>python</a:t>
-            </a:r>
-            <a:endParaRPr lang="zh-CN" altLang="en-US" dirty="0"/>
-          </a:p>
-        </p:txBody>
-      </p:sp>
-      <p:pic>
-        <p:nvPicPr>
-          <p:cNvPr id="4" name="图片 3">
-            <a:extLst>
-              <a:ext uri="{FF2B5EF4-FFF2-40B4-BE49-F238E27FC236}">
-                <a16:creationId xmlns:a16="http://schemas.microsoft.com/office/drawing/2014/main" id="{70285221-34B4-48BB-8BC1-2FD21DA538F7}"/>
-              </a:ext>
-            </a:extLst>
-          </p:cNvPr>
-          <p:cNvPicPr>
-            <a:picLocks noChangeAspect="1"/>
-          </p:cNvPicPr>
-          <p:nvPr/>
-        </p:nvPicPr>
-        <p:blipFill>
-          <a:blip r:embed="rId2"/>
-          <a:stretch>
-            <a:fillRect/>
-          </a:stretch>
-        </p:blipFill>
-        <p:spPr>
-          <a:xfrm>
-            <a:off x="482110" y="2568819"/>
-            <a:ext cx="6057900" cy="3619500"/>
-          </a:xfrm>
-          <a:prstGeom prst="rect">
-            <a:avLst/>
-          </a:prstGeom>
-        </p:spPr>
-      </p:pic>
-      <p:pic>
-        <p:nvPicPr>
-          <p:cNvPr id="6" name="图片 5">
-            <a:extLst>
-              <a:ext uri="{FF2B5EF4-FFF2-40B4-BE49-F238E27FC236}">
-                <a16:creationId xmlns:a16="http://schemas.microsoft.com/office/drawing/2014/main" id="{FA666ED6-2FDF-4655-84EF-CA172971ACAF}"/>
-              </a:ext>
-            </a:extLst>
-          </p:cNvPr>
-          <p:cNvPicPr>
-            <a:picLocks noChangeAspect="1"/>
-          </p:cNvPicPr>
-          <p:nvPr/>
-        </p:nvPicPr>
-        <p:blipFill>
-          <a:blip r:embed="rId3"/>
-          <a:stretch>
-            <a:fillRect/>
-          </a:stretch>
-        </p:blipFill>
-        <p:spPr>
-          <a:xfrm>
-            <a:off x="6853237" y="3278431"/>
-            <a:ext cx="4657725" cy="2200275"/>
-          </a:xfrm>
-          <a:prstGeom prst="rect">
-            <a:avLst/>
-          </a:prstGeom>
-        </p:spPr>
-      </p:pic>
-    </p:spTree>
-    <p:extLst>
-      <p:ext uri="{BB962C8B-B14F-4D97-AF65-F5344CB8AC3E}">
-        <p14:creationId xmlns:p14="http://schemas.microsoft.com/office/powerpoint/2010/main" val="2190946753"/>
-      </p:ext>
-    </p:extLst>
-  </p:cSld>
-  <p:clrMapOvr>
-    <a:masterClrMapping/>
-  </p:clrMapOvr>
-</p:sld>
-</file>
-
-<file path=ppt/slides/slide9.xml><?xml version="1.0" encoding="utf-8"?>
 <p:sld xmlns:a="http://schemas.openxmlformats.org/drawingml/2006/main" xmlns:r="http://schemas.openxmlformats.org/officeDocument/2006/relationships" xmlns:p="http://schemas.openxmlformats.org/presentationml/2006/main">
   <p:cSld>
     <p:spTree>
@@ -16773,6 +14253,4879 @@
     <p:extLst>
       <p:ext uri="{BB962C8B-B14F-4D97-AF65-F5344CB8AC3E}">
         <p14:creationId xmlns:p14="http://schemas.microsoft.com/office/powerpoint/2010/main" val="3793020712"/>
+      </p:ext>
+    </p:extLst>
+  </p:cSld>
+  <p:clrMapOvr>
+    <a:masterClrMapping/>
+  </p:clrMapOvr>
+</p:sld>
+</file>
+
+<file path=ppt/slides/slide15.xml><?xml version="1.0" encoding="utf-8"?>
+<p:sld xmlns:a="http://schemas.openxmlformats.org/drawingml/2006/main" xmlns:r="http://schemas.openxmlformats.org/officeDocument/2006/relationships" xmlns:p="http://schemas.openxmlformats.org/presentationml/2006/main">
+  <p:cSld>
+    <p:spTree>
+      <p:nvGrpSpPr>
+        <p:cNvPr id="1" name=""/>
+        <p:cNvGrpSpPr/>
+        <p:nvPr/>
+      </p:nvGrpSpPr>
+      <p:grpSpPr>
+        <a:xfrm>
+          <a:off x="0" y="0"/>
+          <a:ext cx="0" cy="0"/>
+          <a:chOff x="0" y="0"/>
+          <a:chExt cx="0" cy="0"/>
+        </a:xfrm>
+      </p:grpSpPr>
+      <p:pic>
+        <p:nvPicPr>
+          <p:cNvPr id="3" name="图片 2">
+            <a:extLst>
+              <a:ext uri="{FF2B5EF4-FFF2-40B4-BE49-F238E27FC236}">
+                <a16:creationId xmlns:a16="http://schemas.microsoft.com/office/drawing/2014/main" id="{EB05C86B-9FA4-4B3E-8D0A-0B027CE662A4}"/>
+              </a:ext>
+            </a:extLst>
+          </p:cNvPr>
+          <p:cNvPicPr>
+            <a:picLocks noChangeAspect="1"/>
+          </p:cNvPicPr>
+          <p:nvPr/>
+        </p:nvPicPr>
+        <p:blipFill>
+          <a:blip r:embed="rId2"/>
+          <a:stretch>
+            <a:fillRect/>
+          </a:stretch>
+        </p:blipFill>
+        <p:spPr>
+          <a:xfrm>
+            <a:off x="2324571" y="2774080"/>
+            <a:ext cx="7542857" cy="3428571"/>
+          </a:xfrm>
+          <a:prstGeom prst="rect">
+            <a:avLst/>
+          </a:prstGeom>
+        </p:spPr>
+      </p:pic>
+    </p:spTree>
+    <p:extLst>
+      <p:ext uri="{BB962C8B-B14F-4D97-AF65-F5344CB8AC3E}">
+        <p14:creationId xmlns:p14="http://schemas.microsoft.com/office/powerpoint/2010/main" val="4275516887"/>
+      </p:ext>
+    </p:extLst>
+  </p:cSld>
+  <p:clrMapOvr>
+    <a:masterClrMapping/>
+  </p:clrMapOvr>
+</p:sld>
+</file>
+
+<file path=ppt/slides/slide16.xml><?xml version="1.0" encoding="utf-8"?>
+<p:sld xmlns:a="http://schemas.openxmlformats.org/drawingml/2006/main" xmlns:r="http://schemas.openxmlformats.org/officeDocument/2006/relationships" xmlns:p="http://schemas.openxmlformats.org/presentationml/2006/main">
+  <p:cSld>
+    <p:spTree>
+      <p:nvGrpSpPr>
+        <p:cNvPr id="1" name=""/>
+        <p:cNvGrpSpPr/>
+        <p:nvPr/>
+      </p:nvGrpSpPr>
+      <p:grpSpPr>
+        <a:xfrm>
+          <a:off x="0" y="0"/>
+          <a:ext cx="0" cy="0"/>
+          <a:chOff x="0" y="0"/>
+          <a:chExt cx="0" cy="0"/>
+        </a:xfrm>
+      </p:grpSpPr>
+      <p:sp>
+        <p:nvSpPr>
+          <p:cNvPr id="3" name="标题 1">
+            <a:extLst>
+              <a:ext uri="{FF2B5EF4-FFF2-40B4-BE49-F238E27FC236}">
+                <a16:creationId xmlns:a16="http://schemas.microsoft.com/office/drawing/2014/main" id="{3111FE83-3A64-4AAC-8376-DE9AAF7A6BBA}"/>
+              </a:ext>
+            </a:extLst>
+          </p:cNvPr>
+          <p:cNvSpPr txBox="1">
+            <a:spLocks/>
+          </p:cNvSpPr>
+          <p:nvPr/>
+        </p:nvSpPr>
+        <p:spPr bwMode="gray">
+          <a:xfrm>
+            <a:off x="1154954" y="1873405"/>
+            <a:ext cx="8761413" cy="4828477"/>
+          </a:xfrm>
+          <a:prstGeom prst="rect">
+            <a:avLst/>
+          </a:prstGeom>
+        </p:spPr>
+        <p:txBody>
+          <a:bodyPr vert="horz" lIns="91440" tIns="45720" rIns="91440" bIns="45720" rtlCol="0" anchor="ctr">
+            <a:noAutofit/>
+          </a:bodyPr>
+          <a:lstStyle>
+            <a:lvl1pPr algn="l" defTabSz="457200" rtl="0" eaLnBrk="1" latinLnBrk="0" hangingPunct="1">
+              <a:spcBef>
+                <a:spcPct val="0"/>
+              </a:spcBef>
+              <a:buNone/>
+              <a:defRPr sz="3600" b="0" i="0" kern="1200">
+                <a:solidFill>
+                  <a:schemeClr val="bg2"/>
+                </a:solidFill>
+                <a:latin typeface="+mj-lt"/>
+                <a:ea typeface="+mj-ea"/>
+                <a:cs typeface="+mj-cs"/>
+              </a:defRPr>
+            </a:lvl1pPr>
+            <a:lvl2pPr eaLnBrk="1" hangingPunct="1">
+              <a:defRPr>
+                <a:solidFill>
+                  <a:schemeClr val="tx2"/>
+                </a:solidFill>
+              </a:defRPr>
+            </a:lvl2pPr>
+            <a:lvl3pPr eaLnBrk="1" hangingPunct="1">
+              <a:defRPr>
+                <a:solidFill>
+                  <a:schemeClr val="tx2"/>
+                </a:solidFill>
+              </a:defRPr>
+            </a:lvl3pPr>
+            <a:lvl4pPr eaLnBrk="1" hangingPunct="1">
+              <a:defRPr>
+                <a:solidFill>
+                  <a:schemeClr val="tx2"/>
+                </a:solidFill>
+              </a:defRPr>
+            </a:lvl4pPr>
+            <a:lvl5pPr eaLnBrk="1" hangingPunct="1">
+              <a:defRPr>
+                <a:solidFill>
+                  <a:schemeClr val="tx2"/>
+                </a:solidFill>
+              </a:defRPr>
+            </a:lvl5pPr>
+            <a:lvl6pPr eaLnBrk="1" hangingPunct="1">
+              <a:defRPr>
+                <a:solidFill>
+                  <a:schemeClr val="tx2"/>
+                </a:solidFill>
+              </a:defRPr>
+            </a:lvl6pPr>
+            <a:lvl7pPr eaLnBrk="1" hangingPunct="1">
+              <a:defRPr>
+                <a:solidFill>
+                  <a:schemeClr val="tx2"/>
+                </a:solidFill>
+              </a:defRPr>
+            </a:lvl7pPr>
+            <a:lvl8pPr eaLnBrk="1" hangingPunct="1">
+              <a:defRPr>
+                <a:solidFill>
+                  <a:schemeClr val="tx2"/>
+                </a:solidFill>
+              </a:defRPr>
+            </a:lvl8pPr>
+            <a:lvl9pPr eaLnBrk="1" hangingPunct="1">
+              <a:defRPr>
+                <a:solidFill>
+                  <a:schemeClr val="tx2"/>
+                </a:solidFill>
+              </a:defRPr>
+            </a:lvl9pPr>
+          </a:lstStyle>
+          <a:p>
+            <a:r>
+              <a:rPr lang="en-US" altLang="zh-CN" b="1" dirty="0">
+                <a:solidFill>
+                  <a:schemeClr val="tx1"/>
+                </a:solidFill>
+              </a:rPr>
+              <a:t>1772</a:t>
+            </a:r>
+            <a:r>
+              <a:rPr lang="zh-CN" altLang="en-US" b="1" dirty="0">
+                <a:solidFill>
+                  <a:schemeClr val="tx1"/>
+                </a:solidFill>
+              </a:rPr>
+              <a:t>年，瑞士数学家欧拉在双目失明的情况下，以惊人的毅力靠心算证明</a:t>
+            </a:r>
+            <a:r>
+              <a:rPr lang="en-US" altLang="zh-CN" b="1" dirty="0">
+                <a:solidFill>
+                  <a:schemeClr val="tx1"/>
+                </a:solidFill>
+              </a:rPr>
+              <a:t>2147483647</a:t>
+            </a:r>
+            <a:r>
+              <a:rPr lang="zh-CN" altLang="en-US" b="1" dirty="0">
+                <a:solidFill>
+                  <a:schemeClr val="tx1"/>
+                </a:solidFill>
+              </a:rPr>
+              <a:t>是第</a:t>
+            </a:r>
+            <a:r>
+              <a:rPr lang="en-US" altLang="zh-CN" b="1" dirty="0">
+                <a:solidFill>
+                  <a:schemeClr val="tx1"/>
+                </a:solidFill>
+              </a:rPr>
+              <a:t>8</a:t>
+            </a:r>
+            <a:r>
+              <a:rPr lang="zh-CN" altLang="en-US" b="1" dirty="0">
+                <a:solidFill>
+                  <a:schemeClr val="tx1"/>
+                </a:solidFill>
+              </a:rPr>
+              <a:t>个梅森素数，该素数有</a:t>
+            </a:r>
+            <a:r>
+              <a:rPr lang="en-US" altLang="zh-CN" b="1" dirty="0">
+                <a:solidFill>
+                  <a:schemeClr val="tx1"/>
+                </a:solidFill>
+              </a:rPr>
+              <a:t>10</a:t>
+            </a:r>
+            <a:r>
+              <a:rPr lang="zh-CN" altLang="en-US" b="1" dirty="0">
+                <a:solidFill>
+                  <a:schemeClr val="tx1"/>
+                </a:solidFill>
+              </a:rPr>
+              <a:t>位数，堪称当时世界上已知的最大素数；他因此获得了“数学英雄”的美名。</a:t>
+            </a:r>
+          </a:p>
+        </p:txBody>
+      </p:sp>
+    </p:spTree>
+    <p:extLst>
+      <p:ext uri="{BB962C8B-B14F-4D97-AF65-F5344CB8AC3E}">
+        <p14:creationId xmlns:p14="http://schemas.microsoft.com/office/powerpoint/2010/main" val="1519635831"/>
+      </p:ext>
+    </p:extLst>
+  </p:cSld>
+  <p:clrMapOvr>
+    <a:masterClrMapping/>
+  </p:clrMapOvr>
+</p:sld>
+</file>
+
+<file path=ppt/slides/slide17.xml><?xml version="1.0" encoding="utf-8"?>
+<p:sld xmlns:a="http://schemas.openxmlformats.org/drawingml/2006/main" xmlns:r="http://schemas.openxmlformats.org/officeDocument/2006/relationships" xmlns:p="http://schemas.openxmlformats.org/presentationml/2006/main">
+  <p:cSld>
+    <p:spTree>
+      <p:nvGrpSpPr>
+        <p:cNvPr id="1" name=""/>
+        <p:cNvGrpSpPr/>
+        <p:nvPr/>
+      </p:nvGrpSpPr>
+      <p:grpSpPr>
+        <a:xfrm>
+          <a:off x="0" y="0"/>
+          <a:ext cx="0" cy="0"/>
+          <a:chOff x="0" y="0"/>
+          <a:chExt cx="0" cy="0"/>
+        </a:xfrm>
+      </p:grpSpPr>
+      <p:sp>
+        <p:nvSpPr>
+          <p:cNvPr id="2" name="标题 1">
+            <a:extLst>
+              <a:ext uri="{FF2B5EF4-FFF2-40B4-BE49-F238E27FC236}">
+                <a16:creationId xmlns:a16="http://schemas.microsoft.com/office/drawing/2014/main" id="{39D6495A-10F4-4A53-B83B-3829B27CA6AF}"/>
+              </a:ext>
+            </a:extLst>
+          </p:cNvPr>
+          <p:cNvSpPr>
+            <a:spLocks noGrp="1"/>
+          </p:cNvSpPr>
+          <p:nvPr>
+            <p:ph type="title"/>
+          </p:nvPr>
+        </p:nvSpPr>
+        <p:spPr/>
+        <p:txBody>
+          <a:bodyPr/>
+          <a:lstStyle/>
+          <a:p>
+            <a:r>
+              <a:rPr lang="zh-CN" altLang="en-US" dirty="0"/>
+              <a:t>看看我们的</a:t>
+            </a:r>
+            <a:r>
+              <a:rPr lang="en-US" altLang="zh-CN" dirty="0"/>
+              <a:t>python</a:t>
+            </a:r>
+            <a:r>
+              <a:rPr lang="zh-CN" altLang="en-US" dirty="0"/>
+              <a:t>实现它！</a:t>
+            </a:r>
+          </a:p>
+        </p:txBody>
+      </p:sp>
+      <p:sp>
+        <p:nvSpPr>
+          <p:cNvPr id="3" name="文本框 2">
+            <a:extLst>
+              <a:ext uri="{FF2B5EF4-FFF2-40B4-BE49-F238E27FC236}">
+                <a16:creationId xmlns:a16="http://schemas.microsoft.com/office/drawing/2014/main" id="{413E2AB9-8C05-410A-821C-2458CA5D597C}"/>
+              </a:ext>
+            </a:extLst>
+          </p:cNvPr>
+          <p:cNvSpPr txBox="1"/>
+          <p:nvPr/>
+        </p:nvSpPr>
+        <p:spPr>
+          <a:xfrm>
+            <a:off x="1154954" y="2179796"/>
+            <a:ext cx="8600523" cy="4678204"/>
+          </a:xfrm>
+          <a:prstGeom prst="rect">
+            <a:avLst/>
+          </a:prstGeom>
+          <a:noFill/>
+        </p:spPr>
+        <p:txBody>
+          <a:bodyPr wrap="square" rtlCol="0">
+            <a:spAutoFit/>
+          </a:bodyPr>
+          <a:lstStyle/>
+          <a:p>
+            <a:r>
+              <a:rPr lang="en-US" altLang="zh-CN" sz="2000" b="1" dirty="0"/>
+              <a:t>from </a:t>
+            </a:r>
+            <a:r>
+              <a:rPr lang="en-US" altLang="zh-CN" sz="2000" b="1" dirty="0" err="1"/>
+              <a:t>itertools</a:t>
+            </a:r>
+            <a:r>
+              <a:rPr lang="en-US" altLang="zh-CN" sz="2000" b="1" dirty="0"/>
+              <a:t> import count</a:t>
+            </a:r>
+          </a:p>
+          <a:p>
+            <a:endParaRPr lang="en-US" altLang="zh-CN" sz="2000" b="1" dirty="0"/>
+          </a:p>
+          <a:p>
+            <a:endParaRPr lang="en-US" altLang="zh-CN" sz="2000" b="1" dirty="0"/>
+          </a:p>
+          <a:p>
+            <a:r>
+              <a:rPr lang="en-US" altLang="zh-CN" sz="2000" b="1" dirty="0"/>
+              <a:t>def </a:t>
+            </a:r>
+            <a:r>
+              <a:rPr lang="en-US" altLang="zh-CN" sz="2000" b="1" dirty="0" err="1"/>
+              <a:t>isPrime</a:t>
+            </a:r>
+            <a:r>
+              <a:rPr lang="en-US" altLang="zh-CN" sz="2000" b="1" dirty="0"/>
+              <a:t>(n):</a:t>
+            </a:r>
+          </a:p>
+          <a:p>
+            <a:r>
+              <a:rPr lang="en-US" altLang="zh-CN" sz="2000" b="1" dirty="0"/>
+              <a:t>    if n &lt;= 1:</a:t>
+            </a:r>
+          </a:p>
+          <a:p>
+            <a:r>
+              <a:rPr lang="en-US" altLang="zh-CN" sz="2000" b="1" dirty="0"/>
+              <a:t>        return False</a:t>
+            </a:r>
+          </a:p>
+          <a:p>
+            <a:r>
+              <a:rPr lang="en-US" altLang="zh-CN" sz="2000" b="1" dirty="0"/>
+              <a:t>    for </a:t>
+            </a:r>
+            <a:r>
+              <a:rPr lang="en-US" altLang="zh-CN" sz="2000" b="1" dirty="0" err="1"/>
+              <a:t>i</a:t>
+            </a:r>
+            <a:r>
+              <a:rPr lang="en-US" altLang="zh-CN" sz="2000" b="1" dirty="0"/>
+              <a:t> in count(2):</a:t>
+            </a:r>
+          </a:p>
+          <a:p>
+            <a:r>
+              <a:rPr lang="en-US" altLang="zh-CN" sz="2000" b="1" dirty="0"/>
+              <a:t>        if </a:t>
+            </a:r>
+            <a:r>
+              <a:rPr lang="en-US" altLang="zh-CN" sz="2000" b="1" dirty="0" err="1"/>
+              <a:t>i</a:t>
+            </a:r>
+            <a:r>
+              <a:rPr lang="en-US" altLang="zh-CN" sz="2000" b="1" dirty="0"/>
+              <a:t> * </a:t>
+            </a:r>
+            <a:r>
+              <a:rPr lang="en-US" altLang="zh-CN" sz="2000" b="1" dirty="0" err="1"/>
+              <a:t>i</a:t>
+            </a:r>
+            <a:r>
+              <a:rPr lang="en-US" altLang="zh-CN" sz="2000" b="1" dirty="0"/>
+              <a:t> &gt; n:</a:t>
+            </a:r>
+          </a:p>
+          <a:p>
+            <a:r>
+              <a:rPr lang="en-US" altLang="zh-CN" sz="2000" b="1" dirty="0"/>
+              <a:t>            return True</a:t>
+            </a:r>
+          </a:p>
+          <a:p>
+            <a:r>
+              <a:rPr lang="en-US" altLang="zh-CN" sz="2000" b="1" dirty="0"/>
+              <a:t>        if n % </a:t>
+            </a:r>
+            <a:r>
+              <a:rPr lang="en-US" altLang="zh-CN" sz="2000" b="1" dirty="0" err="1"/>
+              <a:t>i</a:t>
+            </a:r>
+            <a:r>
+              <a:rPr lang="en-US" altLang="zh-CN" sz="2000" b="1" dirty="0"/>
+              <a:t> == 0:</a:t>
+            </a:r>
+          </a:p>
+          <a:p>
+            <a:r>
+              <a:rPr lang="en-US" altLang="zh-CN" sz="2000" b="1" dirty="0"/>
+              <a:t>            return False</a:t>
+            </a:r>
+          </a:p>
+          <a:p>
+            <a:endParaRPr lang="en-US" altLang="zh-CN" sz="2000" b="1" dirty="0"/>
+          </a:p>
+          <a:p>
+            <a:endParaRPr lang="en-US" altLang="zh-CN" sz="2000" b="1" dirty="0"/>
+          </a:p>
+          <a:p>
+            <a:r>
+              <a:rPr lang="en-US" altLang="zh-CN" sz="2000" b="1" dirty="0"/>
+              <a:t>print(</a:t>
+            </a:r>
+            <a:r>
+              <a:rPr lang="en-US" altLang="zh-CN" sz="2000" b="1" dirty="0" err="1"/>
+              <a:t>isPrime</a:t>
+            </a:r>
+            <a:r>
+              <a:rPr lang="en-US" altLang="zh-CN" sz="2000" b="1" dirty="0"/>
+              <a:t>(2147483647))</a:t>
+            </a:r>
+          </a:p>
+          <a:p>
+            <a:endParaRPr lang="zh-CN" altLang="en-US" sz="2000" b="1" dirty="0"/>
+          </a:p>
+        </p:txBody>
+      </p:sp>
+    </p:spTree>
+    <p:extLst>
+      <p:ext uri="{BB962C8B-B14F-4D97-AF65-F5344CB8AC3E}">
+        <p14:creationId xmlns:p14="http://schemas.microsoft.com/office/powerpoint/2010/main" val="3392572202"/>
+      </p:ext>
+    </p:extLst>
+  </p:cSld>
+  <p:clrMapOvr>
+    <a:masterClrMapping/>
+  </p:clrMapOvr>
+</p:sld>
+</file>
+
+<file path=ppt/slides/slide18.xml><?xml version="1.0" encoding="utf-8"?>
+<p:sld xmlns:a="http://schemas.openxmlformats.org/drawingml/2006/main" xmlns:r="http://schemas.openxmlformats.org/officeDocument/2006/relationships" xmlns:p="http://schemas.openxmlformats.org/presentationml/2006/main">
+  <p:cSld>
+    <p:spTree>
+      <p:nvGrpSpPr>
+        <p:cNvPr id="1" name=""/>
+        <p:cNvGrpSpPr/>
+        <p:nvPr/>
+      </p:nvGrpSpPr>
+      <p:grpSpPr>
+        <a:xfrm>
+          <a:off x="0" y="0"/>
+          <a:ext cx="0" cy="0"/>
+          <a:chOff x="0" y="0"/>
+          <a:chExt cx="0" cy="0"/>
+        </a:xfrm>
+      </p:grpSpPr>
+      <p:sp>
+        <p:nvSpPr>
+          <p:cNvPr id="2" name="标题 1">
+            <a:extLst>
+              <a:ext uri="{FF2B5EF4-FFF2-40B4-BE49-F238E27FC236}">
+                <a16:creationId xmlns:a16="http://schemas.microsoft.com/office/drawing/2014/main" id="{87273222-083B-41AC-900E-A7EA339497A0}"/>
+              </a:ext>
+            </a:extLst>
+          </p:cNvPr>
+          <p:cNvSpPr>
+            <a:spLocks noGrp="1"/>
+          </p:cNvSpPr>
+          <p:nvPr>
+            <p:ph type="title"/>
+          </p:nvPr>
+        </p:nvSpPr>
+        <p:spPr/>
+        <p:txBody>
+          <a:bodyPr/>
+          <a:lstStyle/>
+          <a:p>
+            <a:r>
+              <a:rPr lang="zh-CN" altLang="en-US" dirty="0"/>
+              <a:t>五、神兵在手，天下我有</a:t>
+            </a:r>
+          </a:p>
+        </p:txBody>
+      </p:sp>
+      <p:pic>
+        <p:nvPicPr>
+          <p:cNvPr id="4" name="图片 3">
+            <a:extLst>
+              <a:ext uri="{FF2B5EF4-FFF2-40B4-BE49-F238E27FC236}">
+                <a16:creationId xmlns:a16="http://schemas.microsoft.com/office/drawing/2014/main" id="{F1383E8E-7B07-428A-A7CC-34D38091334F}"/>
+              </a:ext>
+            </a:extLst>
+          </p:cNvPr>
+          <p:cNvPicPr>
+            <a:picLocks noChangeAspect="1"/>
+          </p:cNvPicPr>
+          <p:nvPr/>
+        </p:nvPicPr>
+        <p:blipFill>
+          <a:blip r:embed="rId2"/>
+          <a:stretch>
+            <a:fillRect/>
+          </a:stretch>
+        </p:blipFill>
+        <p:spPr>
+          <a:xfrm>
+            <a:off x="3472960" y="2009944"/>
+            <a:ext cx="6283176" cy="4848056"/>
+          </a:xfrm>
+          <a:prstGeom prst="rect">
+            <a:avLst/>
+          </a:prstGeom>
+        </p:spPr>
+      </p:pic>
+    </p:spTree>
+    <p:extLst>
+      <p:ext uri="{BB962C8B-B14F-4D97-AF65-F5344CB8AC3E}">
+        <p14:creationId xmlns:p14="http://schemas.microsoft.com/office/powerpoint/2010/main" val="4097740624"/>
+      </p:ext>
+    </p:extLst>
+  </p:cSld>
+  <p:clrMapOvr>
+    <a:masterClrMapping/>
+  </p:clrMapOvr>
+</p:sld>
+</file>
+
+<file path=ppt/slides/slide19.xml><?xml version="1.0" encoding="utf-8"?>
+<p:sld xmlns:a="http://schemas.openxmlformats.org/drawingml/2006/main" xmlns:r="http://schemas.openxmlformats.org/officeDocument/2006/relationships" xmlns:p="http://schemas.openxmlformats.org/presentationml/2006/main">
+  <p:cSld>
+    <p:spTree>
+      <p:nvGrpSpPr>
+        <p:cNvPr id="1" name=""/>
+        <p:cNvGrpSpPr/>
+        <p:nvPr/>
+      </p:nvGrpSpPr>
+      <p:grpSpPr>
+        <a:xfrm>
+          <a:off x="0" y="0"/>
+          <a:ext cx="0" cy="0"/>
+          <a:chOff x="0" y="0"/>
+          <a:chExt cx="0" cy="0"/>
+        </a:xfrm>
+      </p:grpSpPr>
+      <p:sp>
+        <p:nvSpPr>
+          <p:cNvPr id="2" name="标题 1">
+            <a:extLst>
+              <a:ext uri="{FF2B5EF4-FFF2-40B4-BE49-F238E27FC236}">
+                <a16:creationId xmlns:a16="http://schemas.microsoft.com/office/drawing/2014/main" id="{63266539-8447-479F-8564-1EEEB400151C}"/>
+              </a:ext>
+            </a:extLst>
+          </p:cNvPr>
+          <p:cNvSpPr>
+            <a:spLocks noGrp="1"/>
+          </p:cNvSpPr>
+          <p:nvPr>
+            <p:ph type="title"/>
+          </p:nvPr>
+        </p:nvSpPr>
+        <p:spPr/>
+        <p:txBody>
+          <a:bodyPr/>
+          <a:lstStyle/>
+          <a:p>
+            <a:r>
+              <a:rPr lang="en-US" altLang="zh-CN" dirty="0"/>
+              <a:t>IDE</a:t>
+            </a:r>
+            <a:r>
+              <a:rPr lang="zh-CN" altLang="en-US" dirty="0"/>
+              <a:t>下载地址：</a:t>
+            </a:r>
+          </a:p>
+        </p:txBody>
+      </p:sp>
+      <p:sp>
+        <p:nvSpPr>
+          <p:cNvPr id="3" name="文本框 2">
+            <a:extLst>
+              <a:ext uri="{FF2B5EF4-FFF2-40B4-BE49-F238E27FC236}">
+                <a16:creationId xmlns:a16="http://schemas.microsoft.com/office/drawing/2014/main" id="{BC79A539-BDEC-4D5B-8A63-A82FCC98EADA}"/>
+              </a:ext>
+            </a:extLst>
+          </p:cNvPr>
+          <p:cNvSpPr txBox="1"/>
+          <p:nvPr/>
+        </p:nvSpPr>
+        <p:spPr>
+          <a:xfrm>
+            <a:off x="3006969" y="2708031"/>
+            <a:ext cx="7632218" cy="584775"/>
+          </a:xfrm>
+          <a:prstGeom prst="rect">
+            <a:avLst/>
+          </a:prstGeom>
+          <a:noFill/>
+        </p:spPr>
+        <p:txBody>
+          <a:bodyPr wrap="none" rtlCol="0">
+            <a:spAutoFit/>
+          </a:bodyPr>
+          <a:lstStyle/>
+          <a:p>
+            <a:r>
+              <a:rPr lang="en-US" altLang="zh-CN" sz="3200" b="1" dirty="0">
+                <a:hlinkClick r:id="rId2"/>
+              </a:rPr>
+              <a:t>https://www.jetbrains.com/pycharm/</a:t>
+            </a:r>
+            <a:endParaRPr lang="zh-CN" altLang="en-US" sz="3200" b="1" dirty="0"/>
+          </a:p>
+        </p:txBody>
+      </p:sp>
+      <p:sp>
+        <p:nvSpPr>
+          <p:cNvPr id="4" name="标题 1">
+            <a:extLst>
+              <a:ext uri="{FF2B5EF4-FFF2-40B4-BE49-F238E27FC236}">
+                <a16:creationId xmlns:a16="http://schemas.microsoft.com/office/drawing/2014/main" id="{A020234C-291D-4464-8ED5-3ACD474ECC90}"/>
+              </a:ext>
+            </a:extLst>
+          </p:cNvPr>
+          <p:cNvSpPr txBox="1">
+            <a:spLocks/>
+          </p:cNvSpPr>
+          <p:nvPr/>
+        </p:nvSpPr>
+        <p:spPr bwMode="gray">
+          <a:xfrm>
+            <a:off x="999623" y="3508783"/>
+            <a:ext cx="8761413" cy="706964"/>
+          </a:xfrm>
+          <a:prstGeom prst="rect">
+            <a:avLst/>
+          </a:prstGeom>
+        </p:spPr>
+        <p:txBody>
+          <a:bodyPr vert="horz" lIns="91440" tIns="45720" rIns="91440" bIns="45720" rtlCol="0" anchor="ctr">
+            <a:noAutofit/>
+          </a:bodyPr>
+          <a:lstStyle>
+            <a:lvl1pPr algn="l" defTabSz="457200" rtl="0" eaLnBrk="1" latinLnBrk="0" hangingPunct="1">
+              <a:spcBef>
+                <a:spcPct val="0"/>
+              </a:spcBef>
+              <a:buNone/>
+              <a:defRPr sz="3600" b="0" i="0" kern="1200">
+                <a:solidFill>
+                  <a:schemeClr val="bg2"/>
+                </a:solidFill>
+                <a:latin typeface="+mj-lt"/>
+                <a:ea typeface="+mj-ea"/>
+                <a:cs typeface="+mj-cs"/>
+              </a:defRPr>
+            </a:lvl1pPr>
+            <a:lvl2pPr eaLnBrk="1" hangingPunct="1">
+              <a:defRPr>
+                <a:solidFill>
+                  <a:schemeClr val="tx2"/>
+                </a:solidFill>
+              </a:defRPr>
+            </a:lvl2pPr>
+            <a:lvl3pPr eaLnBrk="1" hangingPunct="1">
+              <a:defRPr>
+                <a:solidFill>
+                  <a:schemeClr val="tx2"/>
+                </a:solidFill>
+              </a:defRPr>
+            </a:lvl3pPr>
+            <a:lvl4pPr eaLnBrk="1" hangingPunct="1">
+              <a:defRPr>
+                <a:solidFill>
+                  <a:schemeClr val="tx2"/>
+                </a:solidFill>
+              </a:defRPr>
+            </a:lvl4pPr>
+            <a:lvl5pPr eaLnBrk="1" hangingPunct="1">
+              <a:defRPr>
+                <a:solidFill>
+                  <a:schemeClr val="tx2"/>
+                </a:solidFill>
+              </a:defRPr>
+            </a:lvl5pPr>
+            <a:lvl6pPr eaLnBrk="1" hangingPunct="1">
+              <a:defRPr>
+                <a:solidFill>
+                  <a:schemeClr val="tx2"/>
+                </a:solidFill>
+              </a:defRPr>
+            </a:lvl6pPr>
+            <a:lvl7pPr eaLnBrk="1" hangingPunct="1">
+              <a:defRPr>
+                <a:solidFill>
+                  <a:schemeClr val="tx2"/>
+                </a:solidFill>
+              </a:defRPr>
+            </a:lvl7pPr>
+            <a:lvl8pPr eaLnBrk="1" hangingPunct="1">
+              <a:defRPr>
+                <a:solidFill>
+                  <a:schemeClr val="tx2"/>
+                </a:solidFill>
+              </a:defRPr>
+            </a:lvl8pPr>
+            <a:lvl9pPr eaLnBrk="1" hangingPunct="1">
+              <a:defRPr>
+                <a:solidFill>
+                  <a:schemeClr val="tx2"/>
+                </a:solidFill>
+              </a:defRPr>
+            </a:lvl9pPr>
+          </a:lstStyle>
+          <a:p>
+            <a:r>
+              <a:rPr lang="zh-CN" altLang="en-US" b="1" dirty="0">
+                <a:solidFill>
+                  <a:schemeClr val="tx1"/>
+                </a:solidFill>
+              </a:rPr>
+              <a:t>注册信息：</a:t>
+            </a:r>
+          </a:p>
+        </p:txBody>
+      </p:sp>
+      <p:sp>
+        <p:nvSpPr>
+          <p:cNvPr id="5" name="文本框 4">
+            <a:extLst>
+              <a:ext uri="{FF2B5EF4-FFF2-40B4-BE49-F238E27FC236}">
+                <a16:creationId xmlns:a16="http://schemas.microsoft.com/office/drawing/2014/main" id="{A52C1394-3F42-4AF6-A1F3-E4798CBAE07D}"/>
+              </a:ext>
+            </a:extLst>
+          </p:cNvPr>
+          <p:cNvSpPr txBox="1"/>
+          <p:nvPr/>
+        </p:nvSpPr>
+        <p:spPr>
+          <a:xfrm>
+            <a:off x="1860822" y="4828569"/>
+            <a:ext cx="9924512" cy="584775"/>
+          </a:xfrm>
+          <a:prstGeom prst="rect">
+            <a:avLst/>
+          </a:prstGeom>
+          <a:noFill/>
+        </p:spPr>
+        <p:txBody>
+          <a:bodyPr wrap="none" rtlCol="0">
+            <a:spAutoFit/>
+          </a:bodyPr>
+          <a:lstStyle/>
+          <a:p>
+            <a:r>
+              <a:rPr lang="en-US" altLang="zh-CN" sz="3200" b="1" dirty="0">
+                <a:hlinkClick r:id="rId3"/>
+              </a:rPr>
+              <a:t>http://www.cnblogs.com/littlehb/p/7784517.html</a:t>
+            </a:r>
+            <a:endParaRPr lang="zh-CN" altLang="en-US" sz="3200" b="1" dirty="0"/>
+          </a:p>
+        </p:txBody>
+      </p:sp>
+    </p:spTree>
+    <p:extLst>
+      <p:ext uri="{BB962C8B-B14F-4D97-AF65-F5344CB8AC3E}">
+        <p14:creationId xmlns:p14="http://schemas.microsoft.com/office/powerpoint/2010/main" val="213620047"/>
+      </p:ext>
+    </p:extLst>
+  </p:cSld>
+  <p:clrMapOvr>
+    <a:masterClrMapping/>
+  </p:clrMapOvr>
+</p:sld>
+</file>
+
+<file path=ppt/slides/slide2.xml><?xml version="1.0" encoding="utf-8"?>
+<p:sld xmlns:a="http://schemas.openxmlformats.org/drawingml/2006/main" xmlns:r="http://schemas.openxmlformats.org/officeDocument/2006/relationships" xmlns:p="http://schemas.openxmlformats.org/presentationml/2006/main">
+  <p:cSld>
+    <p:spTree>
+      <p:nvGrpSpPr>
+        <p:cNvPr id="1" name=""/>
+        <p:cNvGrpSpPr/>
+        <p:nvPr/>
+      </p:nvGrpSpPr>
+      <p:grpSpPr>
+        <a:xfrm>
+          <a:off x="0" y="0"/>
+          <a:ext cx="0" cy="0"/>
+          <a:chOff x="0" y="0"/>
+          <a:chExt cx="0" cy="0"/>
+        </a:xfrm>
+      </p:grpSpPr>
+      <p:sp>
+        <p:nvSpPr>
+          <p:cNvPr id="2" name="标题 1">
+            <a:extLst>
+              <a:ext uri="{FF2B5EF4-FFF2-40B4-BE49-F238E27FC236}">
+                <a16:creationId xmlns:a16="http://schemas.microsoft.com/office/drawing/2014/main" id="{ABCBB0D9-408B-4E86-A69F-EF180007E497}"/>
+              </a:ext>
+            </a:extLst>
+          </p:cNvPr>
+          <p:cNvSpPr>
+            <a:spLocks noGrp="1"/>
+          </p:cNvSpPr>
+          <p:nvPr>
+            <p:ph type="title"/>
+          </p:nvPr>
+        </p:nvSpPr>
+        <p:spPr/>
+        <p:txBody>
+          <a:bodyPr/>
+          <a:lstStyle/>
+          <a:p>
+            <a:r>
+              <a:rPr lang="zh-CN" altLang="en-US" sz="4800" b="1" dirty="0"/>
+              <a:t>学习计算机几句金句</a:t>
+            </a:r>
+          </a:p>
+        </p:txBody>
+      </p:sp>
+      <p:sp>
+        <p:nvSpPr>
+          <p:cNvPr id="3" name="内容占位符 2">
+            <a:extLst>
+              <a:ext uri="{FF2B5EF4-FFF2-40B4-BE49-F238E27FC236}">
+                <a16:creationId xmlns:a16="http://schemas.microsoft.com/office/drawing/2014/main" id="{BB1B92BC-57AF-4849-B2F5-0A8E5BC1E98D}"/>
+              </a:ext>
+            </a:extLst>
+          </p:cNvPr>
+          <p:cNvSpPr>
+            <a:spLocks noGrp="1"/>
+          </p:cNvSpPr>
+          <p:nvPr>
+            <p:ph idx="1"/>
+          </p:nvPr>
+        </p:nvSpPr>
+        <p:spPr>
+          <a:xfrm>
+            <a:off x="1154954" y="2603501"/>
+            <a:ext cx="8825659" cy="825500"/>
+          </a:xfrm>
+        </p:spPr>
+        <p:txBody>
+          <a:bodyPr>
+            <a:normAutofit/>
+          </a:bodyPr>
+          <a:lstStyle/>
+          <a:p>
+            <a:r>
+              <a:rPr lang="zh-CN" altLang="en-US" sz="4400" b="1" dirty="0">
+                <a:latin typeface="华文新魏" panose="02010800040101010101" pitchFamily="2" charset="-122"/>
+                <a:ea typeface="华文新魏" panose="02010800040101010101" pitchFamily="2" charset="-122"/>
+              </a:rPr>
+              <a:t>勿在浮沙筑高台</a:t>
+            </a:r>
+          </a:p>
+        </p:txBody>
+      </p:sp>
+      <p:sp>
+        <p:nvSpPr>
+          <p:cNvPr id="6" name="内容占位符 2">
+            <a:extLst>
+              <a:ext uri="{FF2B5EF4-FFF2-40B4-BE49-F238E27FC236}">
+                <a16:creationId xmlns:a16="http://schemas.microsoft.com/office/drawing/2014/main" id="{4984E789-C3A5-45D9-8480-DDE3AEAF5B0B}"/>
+              </a:ext>
+            </a:extLst>
+          </p:cNvPr>
+          <p:cNvSpPr txBox="1">
+            <a:spLocks/>
+          </p:cNvSpPr>
+          <p:nvPr/>
+        </p:nvSpPr>
+        <p:spPr>
+          <a:xfrm>
+            <a:off x="1154954" y="3526370"/>
+            <a:ext cx="8825659" cy="825500"/>
+          </a:xfrm>
+          <a:prstGeom prst="rect">
+            <a:avLst/>
+          </a:prstGeom>
+        </p:spPr>
+        <p:txBody>
+          <a:bodyPr vert="horz" lIns="91440" tIns="45720" rIns="91440" bIns="45720" rtlCol="0">
+            <a:normAutofit/>
+          </a:bodyPr>
+          <a:lstStyle>
+            <a:lvl1pPr marL="342900" indent="-342900" algn="l" defTabSz="457200" rtl="0" eaLnBrk="1" latinLnBrk="0" hangingPunct="1">
+              <a:spcBef>
+                <a:spcPts val="1000"/>
+              </a:spcBef>
+              <a:spcAft>
+                <a:spcPts val="0"/>
+              </a:spcAft>
+              <a:buClr>
+                <a:schemeClr val="accent1"/>
+              </a:buClr>
+              <a:buSzPct val="80000"/>
+              <a:buFont typeface="Wingdings 3" charset="2"/>
+              <a:buChar char=""/>
+              <a:defRPr sz="1800" b="0" i="0" kern="1200">
+                <a:solidFill>
+                  <a:schemeClr val="tx1">
+                    <a:lumMod val="75000"/>
+                    <a:lumOff val="25000"/>
+                  </a:schemeClr>
+                </a:solidFill>
+                <a:latin typeface="+mn-lt"/>
+                <a:ea typeface="+mn-ea"/>
+                <a:cs typeface="+mn-cs"/>
+              </a:defRPr>
+            </a:lvl1pPr>
+            <a:lvl2pPr marL="742950" indent="-285750" algn="l" defTabSz="457200" rtl="0" eaLnBrk="1" latinLnBrk="0" hangingPunct="1">
+              <a:spcBef>
+                <a:spcPts val="1000"/>
+              </a:spcBef>
+              <a:spcAft>
+                <a:spcPts val="0"/>
+              </a:spcAft>
+              <a:buClr>
+                <a:schemeClr val="accent1"/>
+              </a:buClr>
+              <a:buSzPct val="80000"/>
+              <a:buFont typeface="Wingdings 3" charset="2"/>
+              <a:buChar char=""/>
+              <a:defRPr sz="1600" b="0" i="0" kern="1200">
+                <a:solidFill>
+                  <a:schemeClr val="tx1">
+                    <a:lumMod val="75000"/>
+                    <a:lumOff val="25000"/>
+                  </a:schemeClr>
+                </a:solidFill>
+                <a:latin typeface="+mn-lt"/>
+                <a:ea typeface="+mn-ea"/>
+                <a:cs typeface="+mn-cs"/>
+              </a:defRPr>
+            </a:lvl2pPr>
+            <a:lvl3pPr marL="1143000" indent="-228600" algn="l" defTabSz="457200" rtl="0" eaLnBrk="1" latinLnBrk="0" hangingPunct="1">
+              <a:spcBef>
+                <a:spcPts val="1000"/>
+              </a:spcBef>
+              <a:spcAft>
+                <a:spcPts val="0"/>
+              </a:spcAft>
+              <a:buClr>
+                <a:schemeClr val="accent1"/>
+              </a:buClr>
+              <a:buSzPct val="80000"/>
+              <a:buFont typeface="Wingdings 3" charset="2"/>
+              <a:buChar char=""/>
+              <a:defRPr sz="1400" b="0" i="0" kern="1200">
+                <a:solidFill>
+                  <a:schemeClr val="tx1">
+                    <a:lumMod val="75000"/>
+                    <a:lumOff val="25000"/>
+                  </a:schemeClr>
+                </a:solidFill>
+                <a:latin typeface="+mn-lt"/>
+                <a:ea typeface="+mn-ea"/>
+                <a:cs typeface="+mn-cs"/>
+              </a:defRPr>
+            </a:lvl3pPr>
+            <a:lvl4pPr marL="1600200" indent="-228600" algn="l" defTabSz="457200" rtl="0" eaLnBrk="1" latinLnBrk="0" hangingPunct="1">
+              <a:spcBef>
+                <a:spcPts val="1000"/>
+              </a:spcBef>
+              <a:spcAft>
+                <a:spcPts val="0"/>
+              </a:spcAft>
+              <a:buClr>
+                <a:schemeClr val="accent1"/>
+              </a:buClr>
+              <a:buSzPct val="80000"/>
+              <a:buFont typeface="Wingdings 3" charset="2"/>
+              <a:buChar char=""/>
+              <a:defRPr sz="1200" b="0" i="0" kern="1200">
+                <a:solidFill>
+                  <a:schemeClr val="tx1">
+                    <a:lumMod val="75000"/>
+                    <a:lumOff val="25000"/>
+                  </a:schemeClr>
+                </a:solidFill>
+                <a:latin typeface="+mn-lt"/>
+                <a:ea typeface="+mn-ea"/>
+                <a:cs typeface="+mn-cs"/>
+              </a:defRPr>
+            </a:lvl4pPr>
+            <a:lvl5pPr marL="2057400" indent="-228600" algn="l" defTabSz="457200" rtl="0" eaLnBrk="1" latinLnBrk="0" hangingPunct="1">
+              <a:spcBef>
+                <a:spcPts val="1000"/>
+              </a:spcBef>
+              <a:spcAft>
+                <a:spcPts val="0"/>
+              </a:spcAft>
+              <a:buClr>
+                <a:schemeClr val="accent1"/>
+              </a:buClr>
+              <a:buSzPct val="80000"/>
+              <a:buFont typeface="Wingdings 3" charset="2"/>
+              <a:buChar char=""/>
+              <a:defRPr sz="1200" b="0" i="0" kern="1200">
+                <a:solidFill>
+                  <a:schemeClr val="tx1">
+                    <a:lumMod val="75000"/>
+                    <a:lumOff val="25000"/>
+                  </a:schemeClr>
+                </a:solidFill>
+                <a:latin typeface="+mn-lt"/>
+                <a:ea typeface="+mn-ea"/>
+                <a:cs typeface="+mn-cs"/>
+              </a:defRPr>
+            </a:lvl5pPr>
+            <a:lvl6pPr marL="2514600" indent="-228600" algn="l" defTabSz="457200" rtl="0" eaLnBrk="1" latinLnBrk="0" hangingPunct="1">
+              <a:spcBef>
+                <a:spcPts val="1000"/>
+              </a:spcBef>
+              <a:spcAft>
+                <a:spcPts val="0"/>
+              </a:spcAft>
+              <a:buClr>
+                <a:schemeClr val="accent1"/>
+              </a:buClr>
+              <a:buSzPct val="80000"/>
+              <a:buFont typeface="Wingdings 3" charset="2"/>
+              <a:buChar char=""/>
+              <a:defRPr sz="1200" b="0" i="0" kern="1200">
+                <a:solidFill>
+                  <a:schemeClr val="tx1">
+                    <a:lumMod val="75000"/>
+                    <a:lumOff val="25000"/>
+                  </a:schemeClr>
+                </a:solidFill>
+                <a:latin typeface="+mn-lt"/>
+                <a:ea typeface="+mn-ea"/>
+                <a:cs typeface="+mn-cs"/>
+              </a:defRPr>
+            </a:lvl6pPr>
+            <a:lvl7pPr marL="2971800" indent="-228600" algn="l" defTabSz="457200" rtl="0" eaLnBrk="1" latinLnBrk="0" hangingPunct="1">
+              <a:spcBef>
+                <a:spcPts val="1000"/>
+              </a:spcBef>
+              <a:spcAft>
+                <a:spcPts val="0"/>
+              </a:spcAft>
+              <a:buClr>
+                <a:schemeClr val="accent1"/>
+              </a:buClr>
+              <a:buSzPct val="80000"/>
+              <a:buFont typeface="Wingdings 3" charset="2"/>
+              <a:buChar char=""/>
+              <a:defRPr sz="1200" b="0" i="0" kern="1200">
+                <a:solidFill>
+                  <a:schemeClr val="tx1">
+                    <a:lumMod val="75000"/>
+                    <a:lumOff val="25000"/>
+                  </a:schemeClr>
+                </a:solidFill>
+                <a:latin typeface="+mn-lt"/>
+                <a:ea typeface="+mn-ea"/>
+                <a:cs typeface="+mn-cs"/>
+              </a:defRPr>
+            </a:lvl7pPr>
+            <a:lvl8pPr marL="3429000" indent="-228600" algn="l" defTabSz="457200" rtl="0" eaLnBrk="1" latinLnBrk="0" hangingPunct="1">
+              <a:spcBef>
+                <a:spcPts val="1000"/>
+              </a:spcBef>
+              <a:spcAft>
+                <a:spcPts val="0"/>
+              </a:spcAft>
+              <a:buClr>
+                <a:schemeClr val="accent1"/>
+              </a:buClr>
+              <a:buSzPct val="80000"/>
+              <a:buFont typeface="Wingdings 3" charset="2"/>
+              <a:buChar char=""/>
+              <a:defRPr sz="1200" b="0" i="0" kern="1200">
+                <a:solidFill>
+                  <a:schemeClr val="tx1">
+                    <a:lumMod val="75000"/>
+                    <a:lumOff val="25000"/>
+                  </a:schemeClr>
+                </a:solidFill>
+                <a:latin typeface="+mn-lt"/>
+                <a:ea typeface="+mn-ea"/>
+                <a:cs typeface="+mn-cs"/>
+              </a:defRPr>
+            </a:lvl8pPr>
+            <a:lvl9pPr marL="3886200" indent="-228600" algn="l" defTabSz="457200" rtl="0" eaLnBrk="1" latinLnBrk="0" hangingPunct="1">
+              <a:spcBef>
+                <a:spcPts val="1000"/>
+              </a:spcBef>
+              <a:spcAft>
+                <a:spcPts val="0"/>
+              </a:spcAft>
+              <a:buClr>
+                <a:schemeClr val="accent1"/>
+              </a:buClr>
+              <a:buSzPct val="80000"/>
+              <a:buFont typeface="Wingdings 3" charset="2"/>
+              <a:buChar char=""/>
+              <a:defRPr sz="1200" b="0" i="0" kern="1200">
+                <a:solidFill>
+                  <a:schemeClr val="tx1">
+                    <a:lumMod val="75000"/>
+                    <a:lumOff val="25000"/>
+                  </a:schemeClr>
+                </a:solidFill>
+                <a:latin typeface="+mn-lt"/>
+                <a:ea typeface="+mn-ea"/>
+                <a:cs typeface="+mn-cs"/>
+              </a:defRPr>
+            </a:lvl9pPr>
+          </a:lstStyle>
+          <a:p>
+            <a:r>
+              <a:rPr lang="zh-CN" altLang="en-US" sz="4400" b="1" dirty="0">
+                <a:latin typeface="华文新魏" panose="02010800040101010101" pitchFamily="2" charset="-122"/>
+                <a:ea typeface="华文新魏" panose="02010800040101010101" pitchFamily="2" charset="-122"/>
+              </a:rPr>
+              <a:t>时刻知道自己要做什么</a:t>
+            </a:r>
+          </a:p>
+        </p:txBody>
+      </p:sp>
+      <p:sp>
+        <p:nvSpPr>
+          <p:cNvPr id="5" name="内容占位符 2">
+            <a:extLst>
+              <a:ext uri="{FF2B5EF4-FFF2-40B4-BE49-F238E27FC236}">
+                <a16:creationId xmlns:a16="http://schemas.microsoft.com/office/drawing/2014/main" id="{F36B9FC3-9842-46B6-B3F1-FA8AB1CA33F9}"/>
+              </a:ext>
+            </a:extLst>
+          </p:cNvPr>
+          <p:cNvSpPr txBox="1">
+            <a:spLocks/>
+          </p:cNvSpPr>
+          <p:nvPr/>
+        </p:nvSpPr>
+        <p:spPr>
+          <a:xfrm>
+            <a:off x="1154953" y="4449239"/>
+            <a:ext cx="8825659" cy="825500"/>
+          </a:xfrm>
+          <a:prstGeom prst="rect">
+            <a:avLst/>
+          </a:prstGeom>
+        </p:spPr>
+        <p:txBody>
+          <a:bodyPr vert="horz" lIns="91440" tIns="45720" rIns="91440" bIns="45720" rtlCol="0">
+            <a:normAutofit/>
+          </a:bodyPr>
+          <a:lstStyle>
+            <a:lvl1pPr marL="342900" indent="-342900" algn="l" defTabSz="457200" rtl="0" eaLnBrk="1" latinLnBrk="0" hangingPunct="1">
+              <a:spcBef>
+                <a:spcPts val="1000"/>
+              </a:spcBef>
+              <a:spcAft>
+                <a:spcPts val="0"/>
+              </a:spcAft>
+              <a:buClr>
+                <a:schemeClr val="accent1"/>
+              </a:buClr>
+              <a:buSzPct val="80000"/>
+              <a:buFont typeface="Wingdings 3" charset="2"/>
+              <a:buChar char=""/>
+              <a:defRPr sz="1800" b="0" i="0" kern="1200">
+                <a:solidFill>
+                  <a:schemeClr val="tx1">
+                    <a:lumMod val="75000"/>
+                    <a:lumOff val="25000"/>
+                  </a:schemeClr>
+                </a:solidFill>
+                <a:latin typeface="+mn-lt"/>
+                <a:ea typeface="+mn-ea"/>
+                <a:cs typeface="+mn-cs"/>
+              </a:defRPr>
+            </a:lvl1pPr>
+            <a:lvl2pPr marL="742950" indent="-285750" algn="l" defTabSz="457200" rtl="0" eaLnBrk="1" latinLnBrk="0" hangingPunct="1">
+              <a:spcBef>
+                <a:spcPts val="1000"/>
+              </a:spcBef>
+              <a:spcAft>
+                <a:spcPts val="0"/>
+              </a:spcAft>
+              <a:buClr>
+                <a:schemeClr val="accent1"/>
+              </a:buClr>
+              <a:buSzPct val="80000"/>
+              <a:buFont typeface="Wingdings 3" charset="2"/>
+              <a:buChar char=""/>
+              <a:defRPr sz="1600" b="0" i="0" kern="1200">
+                <a:solidFill>
+                  <a:schemeClr val="tx1">
+                    <a:lumMod val="75000"/>
+                    <a:lumOff val="25000"/>
+                  </a:schemeClr>
+                </a:solidFill>
+                <a:latin typeface="+mn-lt"/>
+                <a:ea typeface="+mn-ea"/>
+                <a:cs typeface="+mn-cs"/>
+              </a:defRPr>
+            </a:lvl2pPr>
+            <a:lvl3pPr marL="1143000" indent="-228600" algn="l" defTabSz="457200" rtl="0" eaLnBrk="1" latinLnBrk="0" hangingPunct="1">
+              <a:spcBef>
+                <a:spcPts val="1000"/>
+              </a:spcBef>
+              <a:spcAft>
+                <a:spcPts val="0"/>
+              </a:spcAft>
+              <a:buClr>
+                <a:schemeClr val="accent1"/>
+              </a:buClr>
+              <a:buSzPct val="80000"/>
+              <a:buFont typeface="Wingdings 3" charset="2"/>
+              <a:buChar char=""/>
+              <a:defRPr sz="1400" b="0" i="0" kern="1200">
+                <a:solidFill>
+                  <a:schemeClr val="tx1">
+                    <a:lumMod val="75000"/>
+                    <a:lumOff val="25000"/>
+                  </a:schemeClr>
+                </a:solidFill>
+                <a:latin typeface="+mn-lt"/>
+                <a:ea typeface="+mn-ea"/>
+                <a:cs typeface="+mn-cs"/>
+              </a:defRPr>
+            </a:lvl3pPr>
+            <a:lvl4pPr marL="1600200" indent="-228600" algn="l" defTabSz="457200" rtl="0" eaLnBrk="1" latinLnBrk="0" hangingPunct="1">
+              <a:spcBef>
+                <a:spcPts val="1000"/>
+              </a:spcBef>
+              <a:spcAft>
+                <a:spcPts val="0"/>
+              </a:spcAft>
+              <a:buClr>
+                <a:schemeClr val="accent1"/>
+              </a:buClr>
+              <a:buSzPct val="80000"/>
+              <a:buFont typeface="Wingdings 3" charset="2"/>
+              <a:buChar char=""/>
+              <a:defRPr sz="1200" b="0" i="0" kern="1200">
+                <a:solidFill>
+                  <a:schemeClr val="tx1">
+                    <a:lumMod val="75000"/>
+                    <a:lumOff val="25000"/>
+                  </a:schemeClr>
+                </a:solidFill>
+                <a:latin typeface="+mn-lt"/>
+                <a:ea typeface="+mn-ea"/>
+                <a:cs typeface="+mn-cs"/>
+              </a:defRPr>
+            </a:lvl4pPr>
+            <a:lvl5pPr marL="2057400" indent="-228600" algn="l" defTabSz="457200" rtl="0" eaLnBrk="1" latinLnBrk="0" hangingPunct="1">
+              <a:spcBef>
+                <a:spcPts val="1000"/>
+              </a:spcBef>
+              <a:spcAft>
+                <a:spcPts val="0"/>
+              </a:spcAft>
+              <a:buClr>
+                <a:schemeClr val="accent1"/>
+              </a:buClr>
+              <a:buSzPct val="80000"/>
+              <a:buFont typeface="Wingdings 3" charset="2"/>
+              <a:buChar char=""/>
+              <a:defRPr sz="1200" b="0" i="0" kern="1200">
+                <a:solidFill>
+                  <a:schemeClr val="tx1">
+                    <a:lumMod val="75000"/>
+                    <a:lumOff val="25000"/>
+                  </a:schemeClr>
+                </a:solidFill>
+                <a:latin typeface="+mn-lt"/>
+                <a:ea typeface="+mn-ea"/>
+                <a:cs typeface="+mn-cs"/>
+              </a:defRPr>
+            </a:lvl5pPr>
+            <a:lvl6pPr marL="2514600" indent="-228600" algn="l" defTabSz="457200" rtl="0" eaLnBrk="1" latinLnBrk="0" hangingPunct="1">
+              <a:spcBef>
+                <a:spcPts val="1000"/>
+              </a:spcBef>
+              <a:spcAft>
+                <a:spcPts val="0"/>
+              </a:spcAft>
+              <a:buClr>
+                <a:schemeClr val="accent1"/>
+              </a:buClr>
+              <a:buSzPct val="80000"/>
+              <a:buFont typeface="Wingdings 3" charset="2"/>
+              <a:buChar char=""/>
+              <a:defRPr sz="1200" b="0" i="0" kern="1200">
+                <a:solidFill>
+                  <a:schemeClr val="tx1">
+                    <a:lumMod val="75000"/>
+                    <a:lumOff val="25000"/>
+                  </a:schemeClr>
+                </a:solidFill>
+                <a:latin typeface="+mn-lt"/>
+                <a:ea typeface="+mn-ea"/>
+                <a:cs typeface="+mn-cs"/>
+              </a:defRPr>
+            </a:lvl6pPr>
+            <a:lvl7pPr marL="2971800" indent="-228600" algn="l" defTabSz="457200" rtl="0" eaLnBrk="1" latinLnBrk="0" hangingPunct="1">
+              <a:spcBef>
+                <a:spcPts val="1000"/>
+              </a:spcBef>
+              <a:spcAft>
+                <a:spcPts val="0"/>
+              </a:spcAft>
+              <a:buClr>
+                <a:schemeClr val="accent1"/>
+              </a:buClr>
+              <a:buSzPct val="80000"/>
+              <a:buFont typeface="Wingdings 3" charset="2"/>
+              <a:buChar char=""/>
+              <a:defRPr sz="1200" b="0" i="0" kern="1200">
+                <a:solidFill>
+                  <a:schemeClr val="tx1">
+                    <a:lumMod val="75000"/>
+                    <a:lumOff val="25000"/>
+                  </a:schemeClr>
+                </a:solidFill>
+                <a:latin typeface="+mn-lt"/>
+                <a:ea typeface="+mn-ea"/>
+                <a:cs typeface="+mn-cs"/>
+              </a:defRPr>
+            </a:lvl7pPr>
+            <a:lvl8pPr marL="3429000" indent="-228600" algn="l" defTabSz="457200" rtl="0" eaLnBrk="1" latinLnBrk="0" hangingPunct="1">
+              <a:spcBef>
+                <a:spcPts val="1000"/>
+              </a:spcBef>
+              <a:spcAft>
+                <a:spcPts val="0"/>
+              </a:spcAft>
+              <a:buClr>
+                <a:schemeClr val="accent1"/>
+              </a:buClr>
+              <a:buSzPct val="80000"/>
+              <a:buFont typeface="Wingdings 3" charset="2"/>
+              <a:buChar char=""/>
+              <a:defRPr sz="1200" b="0" i="0" kern="1200">
+                <a:solidFill>
+                  <a:schemeClr val="tx1">
+                    <a:lumMod val="75000"/>
+                    <a:lumOff val="25000"/>
+                  </a:schemeClr>
+                </a:solidFill>
+                <a:latin typeface="+mn-lt"/>
+                <a:ea typeface="+mn-ea"/>
+                <a:cs typeface="+mn-cs"/>
+              </a:defRPr>
+            </a:lvl8pPr>
+            <a:lvl9pPr marL="3886200" indent="-228600" algn="l" defTabSz="457200" rtl="0" eaLnBrk="1" latinLnBrk="0" hangingPunct="1">
+              <a:spcBef>
+                <a:spcPts val="1000"/>
+              </a:spcBef>
+              <a:spcAft>
+                <a:spcPts val="0"/>
+              </a:spcAft>
+              <a:buClr>
+                <a:schemeClr val="accent1"/>
+              </a:buClr>
+              <a:buSzPct val="80000"/>
+              <a:buFont typeface="Wingdings 3" charset="2"/>
+              <a:buChar char=""/>
+              <a:defRPr sz="1200" b="0" i="0" kern="1200">
+                <a:solidFill>
+                  <a:schemeClr val="tx1">
+                    <a:lumMod val="75000"/>
+                    <a:lumOff val="25000"/>
+                  </a:schemeClr>
+                </a:solidFill>
+                <a:latin typeface="+mn-lt"/>
+                <a:ea typeface="+mn-ea"/>
+                <a:cs typeface="+mn-cs"/>
+              </a:defRPr>
+            </a:lvl9pPr>
+          </a:lstStyle>
+          <a:p>
+            <a:r>
+              <a:rPr lang="zh-CN" altLang="en-US" sz="4400" b="1" dirty="0">
+                <a:latin typeface="华文新魏" panose="02010800040101010101" pitchFamily="2" charset="-122"/>
+                <a:ea typeface="华文新魏" panose="02010800040101010101" pitchFamily="2" charset="-122"/>
+              </a:rPr>
+              <a:t>一图胜千言</a:t>
+            </a:r>
+          </a:p>
+        </p:txBody>
+      </p:sp>
+      <p:sp>
+        <p:nvSpPr>
+          <p:cNvPr id="7" name="内容占位符 2">
+            <a:extLst>
+              <a:ext uri="{FF2B5EF4-FFF2-40B4-BE49-F238E27FC236}">
+                <a16:creationId xmlns:a16="http://schemas.microsoft.com/office/drawing/2014/main" id="{0E52C51B-CF4E-4CAB-ADEA-489BE718F969}"/>
+              </a:ext>
+            </a:extLst>
+          </p:cNvPr>
+          <p:cNvSpPr txBox="1">
+            <a:spLocks/>
+          </p:cNvSpPr>
+          <p:nvPr/>
+        </p:nvSpPr>
+        <p:spPr>
+          <a:xfrm>
+            <a:off x="1154954" y="5346301"/>
+            <a:ext cx="10364256" cy="825500"/>
+          </a:xfrm>
+          <a:prstGeom prst="rect">
+            <a:avLst/>
+          </a:prstGeom>
+        </p:spPr>
+        <p:txBody>
+          <a:bodyPr vert="horz" lIns="91440" tIns="45720" rIns="91440" bIns="45720" rtlCol="0">
+            <a:normAutofit/>
+          </a:bodyPr>
+          <a:lstStyle>
+            <a:lvl1pPr marL="342900" indent="-342900" algn="l" defTabSz="457200" rtl="0" eaLnBrk="1" latinLnBrk="0" hangingPunct="1">
+              <a:spcBef>
+                <a:spcPts val="1000"/>
+              </a:spcBef>
+              <a:spcAft>
+                <a:spcPts val="0"/>
+              </a:spcAft>
+              <a:buClr>
+                <a:schemeClr val="accent1"/>
+              </a:buClr>
+              <a:buSzPct val="80000"/>
+              <a:buFont typeface="Wingdings 3" charset="2"/>
+              <a:buChar char=""/>
+              <a:defRPr sz="1800" b="0" i="0" kern="1200">
+                <a:solidFill>
+                  <a:schemeClr val="tx1">
+                    <a:lumMod val="75000"/>
+                    <a:lumOff val="25000"/>
+                  </a:schemeClr>
+                </a:solidFill>
+                <a:latin typeface="+mn-lt"/>
+                <a:ea typeface="+mn-ea"/>
+                <a:cs typeface="+mn-cs"/>
+              </a:defRPr>
+            </a:lvl1pPr>
+            <a:lvl2pPr marL="742950" indent="-285750" algn="l" defTabSz="457200" rtl="0" eaLnBrk="1" latinLnBrk="0" hangingPunct="1">
+              <a:spcBef>
+                <a:spcPts val="1000"/>
+              </a:spcBef>
+              <a:spcAft>
+                <a:spcPts val="0"/>
+              </a:spcAft>
+              <a:buClr>
+                <a:schemeClr val="accent1"/>
+              </a:buClr>
+              <a:buSzPct val="80000"/>
+              <a:buFont typeface="Wingdings 3" charset="2"/>
+              <a:buChar char=""/>
+              <a:defRPr sz="1600" b="0" i="0" kern="1200">
+                <a:solidFill>
+                  <a:schemeClr val="tx1">
+                    <a:lumMod val="75000"/>
+                    <a:lumOff val="25000"/>
+                  </a:schemeClr>
+                </a:solidFill>
+                <a:latin typeface="+mn-lt"/>
+                <a:ea typeface="+mn-ea"/>
+                <a:cs typeface="+mn-cs"/>
+              </a:defRPr>
+            </a:lvl2pPr>
+            <a:lvl3pPr marL="1143000" indent="-228600" algn="l" defTabSz="457200" rtl="0" eaLnBrk="1" latinLnBrk="0" hangingPunct="1">
+              <a:spcBef>
+                <a:spcPts val="1000"/>
+              </a:spcBef>
+              <a:spcAft>
+                <a:spcPts val="0"/>
+              </a:spcAft>
+              <a:buClr>
+                <a:schemeClr val="accent1"/>
+              </a:buClr>
+              <a:buSzPct val="80000"/>
+              <a:buFont typeface="Wingdings 3" charset="2"/>
+              <a:buChar char=""/>
+              <a:defRPr sz="1400" b="0" i="0" kern="1200">
+                <a:solidFill>
+                  <a:schemeClr val="tx1">
+                    <a:lumMod val="75000"/>
+                    <a:lumOff val="25000"/>
+                  </a:schemeClr>
+                </a:solidFill>
+                <a:latin typeface="+mn-lt"/>
+                <a:ea typeface="+mn-ea"/>
+                <a:cs typeface="+mn-cs"/>
+              </a:defRPr>
+            </a:lvl3pPr>
+            <a:lvl4pPr marL="1600200" indent="-228600" algn="l" defTabSz="457200" rtl="0" eaLnBrk="1" latinLnBrk="0" hangingPunct="1">
+              <a:spcBef>
+                <a:spcPts val="1000"/>
+              </a:spcBef>
+              <a:spcAft>
+                <a:spcPts val="0"/>
+              </a:spcAft>
+              <a:buClr>
+                <a:schemeClr val="accent1"/>
+              </a:buClr>
+              <a:buSzPct val="80000"/>
+              <a:buFont typeface="Wingdings 3" charset="2"/>
+              <a:buChar char=""/>
+              <a:defRPr sz="1200" b="0" i="0" kern="1200">
+                <a:solidFill>
+                  <a:schemeClr val="tx1">
+                    <a:lumMod val="75000"/>
+                    <a:lumOff val="25000"/>
+                  </a:schemeClr>
+                </a:solidFill>
+                <a:latin typeface="+mn-lt"/>
+                <a:ea typeface="+mn-ea"/>
+                <a:cs typeface="+mn-cs"/>
+              </a:defRPr>
+            </a:lvl4pPr>
+            <a:lvl5pPr marL="2057400" indent="-228600" algn="l" defTabSz="457200" rtl="0" eaLnBrk="1" latinLnBrk="0" hangingPunct="1">
+              <a:spcBef>
+                <a:spcPts val="1000"/>
+              </a:spcBef>
+              <a:spcAft>
+                <a:spcPts val="0"/>
+              </a:spcAft>
+              <a:buClr>
+                <a:schemeClr val="accent1"/>
+              </a:buClr>
+              <a:buSzPct val="80000"/>
+              <a:buFont typeface="Wingdings 3" charset="2"/>
+              <a:buChar char=""/>
+              <a:defRPr sz="1200" b="0" i="0" kern="1200">
+                <a:solidFill>
+                  <a:schemeClr val="tx1">
+                    <a:lumMod val="75000"/>
+                    <a:lumOff val="25000"/>
+                  </a:schemeClr>
+                </a:solidFill>
+                <a:latin typeface="+mn-lt"/>
+                <a:ea typeface="+mn-ea"/>
+                <a:cs typeface="+mn-cs"/>
+              </a:defRPr>
+            </a:lvl5pPr>
+            <a:lvl6pPr marL="2514600" indent="-228600" algn="l" defTabSz="457200" rtl="0" eaLnBrk="1" latinLnBrk="0" hangingPunct="1">
+              <a:spcBef>
+                <a:spcPts val="1000"/>
+              </a:spcBef>
+              <a:spcAft>
+                <a:spcPts val="0"/>
+              </a:spcAft>
+              <a:buClr>
+                <a:schemeClr val="accent1"/>
+              </a:buClr>
+              <a:buSzPct val="80000"/>
+              <a:buFont typeface="Wingdings 3" charset="2"/>
+              <a:buChar char=""/>
+              <a:defRPr sz="1200" b="0" i="0" kern="1200">
+                <a:solidFill>
+                  <a:schemeClr val="tx1">
+                    <a:lumMod val="75000"/>
+                    <a:lumOff val="25000"/>
+                  </a:schemeClr>
+                </a:solidFill>
+                <a:latin typeface="+mn-lt"/>
+                <a:ea typeface="+mn-ea"/>
+                <a:cs typeface="+mn-cs"/>
+              </a:defRPr>
+            </a:lvl6pPr>
+            <a:lvl7pPr marL="2971800" indent="-228600" algn="l" defTabSz="457200" rtl="0" eaLnBrk="1" latinLnBrk="0" hangingPunct="1">
+              <a:spcBef>
+                <a:spcPts val="1000"/>
+              </a:spcBef>
+              <a:spcAft>
+                <a:spcPts val="0"/>
+              </a:spcAft>
+              <a:buClr>
+                <a:schemeClr val="accent1"/>
+              </a:buClr>
+              <a:buSzPct val="80000"/>
+              <a:buFont typeface="Wingdings 3" charset="2"/>
+              <a:buChar char=""/>
+              <a:defRPr sz="1200" b="0" i="0" kern="1200">
+                <a:solidFill>
+                  <a:schemeClr val="tx1">
+                    <a:lumMod val="75000"/>
+                    <a:lumOff val="25000"/>
+                  </a:schemeClr>
+                </a:solidFill>
+                <a:latin typeface="+mn-lt"/>
+                <a:ea typeface="+mn-ea"/>
+                <a:cs typeface="+mn-cs"/>
+              </a:defRPr>
+            </a:lvl7pPr>
+            <a:lvl8pPr marL="3429000" indent="-228600" algn="l" defTabSz="457200" rtl="0" eaLnBrk="1" latinLnBrk="0" hangingPunct="1">
+              <a:spcBef>
+                <a:spcPts val="1000"/>
+              </a:spcBef>
+              <a:spcAft>
+                <a:spcPts val="0"/>
+              </a:spcAft>
+              <a:buClr>
+                <a:schemeClr val="accent1"/>
+              </a:buClr>
+              <a:buSzPct val="80000"/>
+              <a:buFont typeface="Wingdings 3" charset="2"/>
+              <a:buChar char=""/>
+              <a:defRPr sz="1200" b="0" i="0" kern="1200">
+                <a:solidFill>
+                  <a:schemeClr val="tx1">
+                    <a:lumMod val="75000"/>
+                    <a:lumOff val="25000"/>
+                  </a:schemeClr>
+                </a:solidFill>
+                <a:latin typeface="+mn-lt"/>
+                <a:ea typeface="+mn-ea"/>
+                <a:cs typeface="+mn-cs"/>
+              </a:defRPr>
+            </a:lvl8pPr>
+            <a:lvl9pPr marL="3886200" indent="-228600" algn="l" defTabSz="457200" rtl="0" eaLnBrk="1" latinLnBrk="0" hangingPunct="1">
+              <a:spcBef>
+                <a:spcPts val="1000"/>
+              </a:spcBef>
+              <a:spcAft>
+                <a:spcPts val="0"/>
+              </a:spcAft>
+              <a:buClr>
+                <a:schemeClr val="accent1"/>
+              </a:buClr>
+              <a:buSzPct val="80000"/>
+              <a:buFont typeface="Wingdings 3" charset="2"/>
+              <a:buChar char=""/>
+              <a:defRPr sz="1200" b="0" i="0" kern="1200">
+                <a:solidFill>
+                  <a:schemeClr val="tx1">
+                    <a:lumMod val="75000"/>
+                    <a:lumOff val="25000"/>
+                  </a:schemeClr>
+                </a:solidFill>
+                <a:latin typeface="+mn-lt"/>
+                <a:ea typeface="+mn-ea"/>
+                <a:cs typeface="+mn-cs"/>
+              </a:defRPr>
+            </a:lvl9pPr>
+          </a:lstStyle>
+          <a:p>
+            <a:r>
+              <a:rPr lang="zh-CN" altLang="en-US" sz="4400" b="1" dirty="0">
+                <a:latin typeface="华文新魏" panose="02010800040101010101" pitchFamily="2" charset="-122"/>
+                <a:ea typeface="华文新魏" panose="02010800040101010101" pitchFamily="2" charset="-122"/>
+              </a:rPr>
+              <a:t>找到好的方法，远比坐那里死学重要</a:t>
+            </a:r>
+          </a:p>
+        </p:txBody>
+      </p:sp>
+    </p:spTree>
+    <p:extLst>
+      <p:ext uri="{BB962C8B-B14F-4D97-AF65-F5344CB8AC3E}">
+        <p14:creationId xmlns:p14="http://schemas.microsoft.com/office/powerpoint/2010/main" val="966637118"/>
+      </p:ext>
+    </p:extLst>
+  </p:cSld>
+  <p:clrMapOvr>
+    <a:masterClrMapping/>
+  </p:clrMapOvr>
+  <p:timing>
+    <p:tnLst>
+      <p:par>
+        <p:cTn id="1" dur="indefinite" restart="never" nodeType="tmRoot">
+          <p:childTnLst>
+            <p:seq concurrent="1" nextAc="seek">
+              <p:cTn id="2" dur="indefinite" nodeType="mainSeq">
+                <p:childTnLst>
+                  <p:par>
+                    <p:cTn id="3" fill="hold">
+                      <p:stCondLst>
+                        <p:cond delay="indefinite"/>
+                      </p:stCondLst>
+                      <p:childTnLst>
+                        <p:par>
+                          <p:cTn id="4" fill="hold">
+                            <p:stCondLst>
+                              <p:cond delay="0"/>
+                            </p:stCondLst>
+                            <p:childTnLst>
+                              <p:par>
+                                <p:cTn id="5" presetID="2" presetClass="entr" presetSubtype="4" fill="hold" grpId="0" nodeType="clickEffect">
+                                  <p:stCondLst>
+                                    <p:cond delay="0"/>
+                                  </p:stCondLst>
+                                  <p:childTnLst>
+                                    <p:set>
+                                      <p:cBhvr>
+                                        <p:cTn id="6" dur="1" fill="hold">
+                                          <p:stCondLst>
+                                            <p:cond delay="0"/>
+                                          </p:stCondLst>
+                                        </p:cTn>
+                                        <p:tgtEl>
+                                          <p:spTgt spid="3">
+                                            <p:txEl>
+                                              <p:pRg st="0" end="0"/>
+                                            </p:txEl>
+                                          </p:spTgt>
+                                        </p:tgtEl>
+                                        <p:attrNameLst>
+                                          <p:attrName>style.visibility</p:attrName>
+                                        </p:attrNameLst>
+                                      </p:cBhvr>
+                                      <p:to>
+                                        <p:strVal val="visible"/>
+                                      </p:to>
+                                    </p:set>
+                                    <p:anim calcmode="lin" valueType="num">
+                                      <p:cBhvr additive="base">
+                                        <p:cTn id="7" dur="500" fill="hold"/>
+                                        <p:tgtEl>
+                                          <p:spTgt spid="3">
+                                            <p:txEl>
+                                              <p:pRg st="0" end="0"/>
+                                            </p:txEl>
+                                          </p:spTgt>
+                                        </p:tgtEl>
+                                        <p:attrNameLst>
+                                          <p:attrName>ppt_x</p:attrName>
+                                        </p:attrNameLst>
+                                      </p:cBhvr>
+                                      <p:tavLst>
+                                        <p:tav tm="0">
+                                          <p:val>
+                                            <p:strVal val="#ppt_x"/>
+                                          </p:val>
+                                        </p:tav>
+                                        <p:tav tm="100000">
+                                          <p:val>
+                                            <p:strVal val="#ppt_x"/>
+                                          </p:val>
+                                        </p:tav>
+                                      </p:tavLst>
+                                    </p:anim>
+                                    <p:anim calcmode="lin" valueType="num">
+                                      <p:cBhvr additive="base">
+                                        <p:cTn id="8" dur="500" fill="hold"/>
+                                        <p:tgtEl>
+                                          <p:spTgt spid="3">
+                                            <p:txEl>
+                                              <p:pRg st="0" end="0"/>
+                                            </p:txEl>
+                                          </p:spTgt>
+                                        </p:tgtEl>
+                                        <p:attrNameLst>
+                                          <p:attrName>ppt_y</p:attrName>
+                                        </p:attrNameLst>
+                                      </p:cBhvr>
+                                      <p:tavLst>
+                                        <p:tav tm="0">
+                                          <p:val>
+                                            <p:strVal val="1+#ppt_h/2"/>
+                                          </p:val>
+                                        </p:tav>
+                                        <p:tav tm="100000">
+                                          <p:val>
+                                            <p:strVal val="#ppt_y"/>
+                                          </p:val>
+                                        </p:tav>
+                                      </p:tavLst>
+                                    </p:anim>
+                                  </p:childTnLst>
+                                </p:cTn>
+                              </p:par>
+                            </p:childTnLst>
+                          </p:cTn>
+                        </p:par>
+                      </p:childTnLst>
+                    </p:cTn>
+                  </p:par>
+                  <p:par>
+                    <p:cTn id="9" fill="hold">
+                      <p:stCondLst>
+                        <p:cond delay="indefinite"/>
+                      </p:stCondLst>
+                      <p:childTnLst>
+                        <p:par>
+                          <p:cTn id="10" fill="hold">
+                            <p:stCondLst>
+                              <p:cond delay="0"/>
+                            </p:stCondLst>
+                            <p:childTnLst>
+                              <p:par>
+                                <p:cTn id="11" presetID="2" presetClass="entr" presetSubtype="4" fill="hold" grpId="0" nodeType="clickEffect">
+                                  <p:stCondLst>
+                                    <p:cond delay="0"/>
+                                  </p:stCondLst>
+                                  <p:childTnLst>
+                                    <p:set>
+                                      <p:cBhvr>
+                                        <p:cTn id="12" dur="1" fill="hold">
+                                          <p:stCondLst>
+                                            <p:cond delay="0"/>
+                                          </p:stCondLst>
+                                        </p:cTn>
+                                        <p:tgtEl>
+                                          <p:spTgt spid="6">
+                                            <p:txEl>
+                                              <p:pRg st="0" end="0"/>
+                                            </p:txEl>
+                                          </p:spTgt>
+                                        </p:tgtEl>
+                                        <p:attrNameLst>
+                                          <p:attrName>style.visibility</p:attrName>
+                                        </p:attrNameLst>
+                                      </p:cBhvr>
+                                      <p:to>
+                                        <p:strVal val="visible"/>
+                                      </p:to>
+                                    </p:set>
+                                    <p:anim calcmode="lin" valueType="num">
+                                      <p:cBhvr additive="base">
+                                        <p:cTn id="13" dur="500" fill="hold"/>
+                                        <p:tgtEl>
+                                          <p:spTgt spid="6">
+                                            <p:txEl>
+                                              <p:pRg st="0" end="0"/>
+                                            </p:txEl>
+                                          </p:spTgt>
+                                        </p:tgtEl>
+                                        <p:attrNameLst>
+                                          <p:attrName>ppt_x</p:attrName>
+                                        </p:attrNameLst>
+                                      </p:cBhvr>
+                                      <p:tavLst>
+                                        <p:tav tm="0">
+                                          <p:val>
+                                            <p:strVal val="#ppt_x"/>
+                                          </p:val>
+                                        </p:tav>
+                                        <p:tav tm="100000">
+                                          <p:val>
+                                            <p:strVal val="#ppt_x"/>
+                                          </p:val>
+                                        </p:tav>
+                                      </p:tavLst>
+                                    </p:anim>
+                                    <p:anim calcmode="lin" valueType="num">
+                                      <p:cBhvr additive="base">
+                                        <p:cTn id="14" dur="500" fill="hold"/>
+                                        <p:tgtEl>
+                                          <p:spTgt spid="6">
+                                            <p:txEl>
+                                              <p:pRg st="0" end="0"/>
+                                            </p:txEl>
+                                          </p:spTgt>
+                                        </p:tgtEl>
+                                        <p:attrNameLst>
+                                          <p:attrName>ppt_y</p:attrName>
+                                        </p:attrNameLst>
+                                      </p:cBhvr>
+                                      <p:tavLst>
+                                        <p:tav tm="0">
+                                          <p:val>
+                                            <p:strVal val="1+#ppt_h/2"/>
+                                          </p:val>
+                                        </p:tav>
+                                        <p:tav tm="100000">
+                                          <p:val>
+                                            <p:strVal val="#ppt_y"/>
+                                          </p:val>
+                                        </p:tav>
+                                      </p:tavLst>
+                                    </p:anim>
+                                  </p:childTnLst>
+                                </p:cTn>
+                              </p:par>
+                            </p:childTnLst>
+                          </p:cTn>
+                        </p:par>
+                      </p:childTnLst>
+                    </p:cTn>
+                  </p:par>
+                  <p:par>
+                    <p:cTn id="15" fill="hold">
+                      <p:stCondLst>
+                        <p:cond delay="indefinite"/>
+                      </p:stCondLst>
+                      <p:childTnLst>
+                        <p:par>
+                          <p:cTn id="16" fill="hold">
+                            <p:stCondLst>
+                              <p:cond delay="0"/>
+                            </p:stCondLst>
+                            <p:childTnLst>
+                              <p:par>
+                                <p:cTn id="17" presetID="2" presetClass="entr" presetSubtype="4" fill="hold" grpId="0" nodeType="clickEffect">
+                                  <p:stCondLst>
+                                    <p:cond delay="0"/>
+                                  </p:stCondLst>
+                                  <p:childTnLst>
+                                    <p:set>
+                                      <p:cBhvr>
+                                        <p:cTn id="18" dur="1" fill="hold">
+                                          <p:stCondLst>
+                                            <p:cond delay="0"/>
+                                          </p:stCondLst>
+                                        </p:cTn>
+                                        <p:tgtEl>
+                                          <p:spTgt spid="5">
+                                            <p:txEl>
+                                              <p:pRg st="0" end="0"/>
+                                            </p:txEl>
+                                          </p:spTgt>
+                                        </p:tgtEl>
+                                        <p:attrNameLst>
+                                          <p:attrName>style.visibility</p:attrName>
+                                        </p:attrNameLst>
+                                      </p:cBhvr>
+                                      <p:to>
+                                        <p:strVal val="visible"/>
+                                      </p:to>
+                                    </p:set>
+                                    <p:anim calcmode="lin" valueType="num">
+                                      <p:cBhvr additive="base">
+                                        <p:cTn id="19" dur="500" fill="hold"/>
+                                        <p:tgtEl>
+                                          <p:spTgt spid="5">
+                                            <p:txEl>
+                                              <p:pRg st="0" end="0"/>
+                                            </p:txEl>
+                                          </p:spTgt>
+                                        </p:tgtEl>
+                                        <p:attrNameLst>
+                                          <p:attrName>ppt_x</p:attrName>
+                                        </p:attrNameLst>
+                                      </p:cBhvr>
+                                      <p:tavLst>
+                                        <p:tav tm="0">
+                                          <p:val>
+                                            <p:strVal val="#ppt_x"/>
+                                          </p:val>
+                                        </p:tav>
+                                        <p:tav tm="100000">
+                                          <p:val>
+                                            <p:strVal val="#ppt_x"/>
+                                          </p:val>
+                                        </p:tav>
+                                      </p:tavLst>
+                                    </p:anim>
+                                    <p:anim calcmode="lin" valueType="num">
+                                      <p:cBhvr additive="base">
+                                        <p:cTn id="20" dur="500" fill="hold"/>
+                                        <p:tgtEl>
+                                          <p:spTgt spid="5">
+                                            <p:txEl>
+                                              <p:pRg st="0" end="0"/>
+                                            </p:txEl>
+                                          </p:spTgt>
+                                        </p:tgtEl>
+                                        <p:attrNameLst>
+                                          <p:attrName>ppt_y</p:attrName>
+                                        </p:attrNameLst>
+                                      </p:cBhvr>
+                                      <p:tavLst>
+                                        <p:tav tm="0">
+                                          <p:val>
+                                            <p:strVal val="1+#ppt_h/2"/>
+                                          </p:val>
+                                        </p:tav>
+                                        <p:tav tm="100000">
+                                          <p:val>
+                                            <p:strVal val="#ppt_y"/>
+                                          </p:val>
+                                        </p:tav>
+                                      </p:tavLst>
+                                    </p:anim>
+                                  </p:childTnLst>
+                                </p:cTn>
+                              </p:par>
+                            </p:childTnLst>
+                          </p:cTn>
+                        </p:par>
+                      </p:childTnLst>
+                    </p:cTn>
+                  </p:par>
+                  <p:par>
+                    <p:cTn id="21" fill="hold">
+                      <p:stCondLst>
+                        <p:cond delay="indefinite"/>
+                      </p:stCondLst>
+                      <p:childTnLst>
+                        <p:par>
+                          <p:cTn id="22" fill="hold">
+                            <p:stCondLst>
+                              <p:cond delay="0"/>
+                            </p:stCondLst>
+                            <p:childTnLst>
+                              <p:par>
+                                <p:cTn id="23" presetID="2" presetClass="entr" presetSubtype="4" fill="hold" grpId="0" nodeType="clickEffect">
+                                  <p:stCondLst>
+                                    <p:cond delay="0"/>
+                                  </p:stCondLst>
+                                  <p:childTnLst>
+                                    <p:set>
+                                      <p:cBhvr>
+                                        <p:cTn id="24" dur="1" fill="hold">
+                                          <p:stCondLst>
+                                            <p:cond delay="0"/>
+                                          </p:stCondLst>
+                                        </p:cTn>
+                                        <p:tgtEl>
+                                          <p:spTgt spid="7">
+                                            <p:txEl>
+                                              <p:pRg st="0" end="0"/>
+                                            </p:txEl>
+                                          </p:spTgt>
+                                        </p:tgtEl>
+                                        <p:attrNameLst>
+                                          <p:attrName>style.visibility</p:attrName>
+                                        </p:attrNameLst>
+                                      </p:cBhvr>
+                                      <p:to>
+                                        <p:strVal val="visible"/>
+                                      </p:to>
+                                    </p:set>
+                                    <p:anim calcmode="lin" valueType="num">
+                                      <p:cBhvr additive="base">
+                                        <p:cTn id="25" dur="500" fill="hold"/>
+                                        <p:tgtEl>
+                                          <p:spTgt spid="7">
+                                            <p:txEl>
+                                              <p:pRg st="0" end="0"/>
+                                            </p:txEl>
+                                          </p:spTgt>
+                                        </p:tgtEl>
+                                        <p:attrNameLst>
+                                          <p:attrName>ppt_x</p:attrName>
+                                        </p:attrNameLst>
+                                      </p:cBhvr>
+                                      <p:tavLst>
+                                        <p:tav tm="0">
+                                          <p:val>
+                                            <p:strVal val="#ppt_x"/>
+                                          </p:val>
+                                        </p:tav>
+                                        <p:tav tm="100000">
+                                          <p:val>
+                                            <p:strVal val="#ppt_x"/>
+                                          </p:val>
+                                        </p:tav>
+                                      </p:tavLst>
+                                    </p:anim>
+                                    <p:anim calcmode="lin" valueType="num">
+                                      <p:cBhvr additive="base">
+                                        <p:cTn id="26" dur="500" fill="hold"/>
+                                        <p:tgtEl>
+                                          <p:spTgt spid="7">
+                                            <p:txEl>
+                                              <p:pRg st="0" end="0"/>
+                                            </p:txEl>
+                                          </p:spTgt>
+                                        </p:tgtEl>
+                                        <p:attrNameLst>
+                                          <p:attrName>ppt_y</p:attrName>
+                                        </p:attrNameLst>
+                                      </p:cBhvr>
+                                      <p:tavLst>
+                                        <p:tav tm="0">
+                                          <p:val>
+                                            <p:strVal val="1+#ppt_h/2"/>
+                                          </p:val>
+                                        </p:tav>
+                                        <p:tav tm="100000">
+                                          <p:val>
+                                            <p:strVal val="#ppt_y"/>
+                                          </p:val>
+                                        </p:tav>
+                                      </p:tavLst>
+                                    </p:anim>
+                                  </p:childTnLst>
+                                </p:cTn>
+                              </p:par>
+                            </p:childTnLst>
+                          </p:cTn>
+                        </p:par>
+                      </p:childTnLst>
+                    </p:cTn>
+                  </p:par>
+                </p:childTnLst>
+              </p:cTn>
+              <p:prevCondLst>
+                <p:cond evt="onPrev" delay="0">
+                  <p:tgtEl>
+                    <p:sldTgt/>
+                  </p:tgtEl>
+                </p:cond>
+              </p:prevCondLst>
+              <p:nextCondLst>
+                <p:cond evt="onNext" delay="0">
+                  <p:tgtEl>
+                    <p:sldTgt/>
+                  </p:tgtEl>
+                </p:cond>
+              </p:nextCondLst>
+            </p:seq>
+          </p:childTnLst>
+        </p:cTn>
+      </p:par>
+    </p:tnLst>
+    <p:bldLst>
+      <p:bldP spid="3" grpId="0" build="p"/>
+      <p:bldP spid="6" grpId="0" build="p"/>
+      <p:bldP spid="5" grpId="0" build="p"/>
+      <p:bldP spid="7" grpId="0" build="p"/>
+    </p:bldLst>
+  </p:timing>
+</p:sld>
+</file>
+
+<file path=ppt/slides/slide20.xml><?xml version="1.0" encoding="utf-8"?>
+<p:sld xmlns:a="http://schemas.openxmlformats.org/drawingml/2006/main" xmlns:r="http://schemas.openxmlformats.org/officeDocument/2006/relationships" xmlns:p="http://schemas.openxmlformats.org/presentationml/2006/main">
+  <p:cSld>
+    <p:spTree>
+      <p:nvGrpSpPr>
+        <p:cNvPr id="1" name=""/>
+        <p:cNvGrpSpPr/>
+        <p:nvPr/>
+      </p:nvGrpSpPr>
+      <p:grpSpPr>
+        <a:xfrm>
+          <a:off x="0" y="0"/>
+          <a:ext cx="0" cy="0"/>
+          <a:chOff x="0" y="0"/>
+          <a:chExt cx="0" cy="0"/>
+        </a:xfrm>
+      </p:grpSpPr>
+      <p:sp>
+        <p:nvSpPr>
+          <p:cNvPr id="2" name="标题 1">
+            <a:extLst>
+              <a:ext uri="{FF2B5EF4-FFF2-40B4-BE49-F238E27FC236}">
+                <a16:creationId xmlns:a16="http://schemas.microsoft.com/office/drawing/2014/main" id="{6DF243B4-C7CA-40AB-9749-7362ACCD0820}"/>
+              </a:ext>
+            </a:extLst>
+          </p:cNvPr>
+          <p:cNvSpPr>
+            <a:spLocks noGrp="1"/>
+          </p:cNvSpPr>
+          <p:nvPr>
+            <p:ph type="title"/>
+          </p:nvPr>
+        </p:nvSpPr>
+        <p:spPr/>
+        <p:txBody>
+          <a:bodyPr/>
+          <a:lstStyle/>
+          <a:p>
+            <a:r>
+              <a:rPr lang="en-US" altLang="zh-CN" dirty="0" err="1"/>
+              <a:t>Pycharm</a:t>
+            </a:r>
+            <a:r>
+              <a:rPr lang="zh-CN" altLang="en-US" dirty="0"/>
+              <a:t>的风格</a:t>
+            </a:r>
+          </a:p>
+        </p:txBody>
+      </p:sp>
+      <p:sp>
+        <p:nvSpPr>
+          <p:cNvPr id="5" name="文本框 4">
+            <a:extLst>
+              <a:ext uri="{FF2B5EF4-FFF2-40B4-BE49-F238E27FC236}">
+                <a16:creationId xmlns:a16="http://schemas.microsoft.com/office/drawing/2014/main" id="{EBB9D171-FB7B-4DBB-8A21-BC22B537C2A6}"/>
+              </a:ext>
+            </a:extLst>
+          </p:cNvPr>
+          <p:cNvSpPr txBox="1"/>
+          <p:nvPr/>
+        </p:nvSpPr>
+        <p:spPr>
+          <a:xfrm>
+            <a:off x="1679331" y="2690446"/>
+            <a:ext cx="2116285" cy="369332"/>
+          </a:xfrm>
+          <a:prstGeom prst="rect">
+            <a:avLst/>
+          </a:prstGeom>
+          <a:noFill/>
+        </p:spPr>
+        <p:txBody>
+          <a:bodyPr wrap="none" rtlCol="0">
+            <a:spAutoFit/>
+          </a:bodyPr>
+          <a:lstStyle/>
+          <a:p>
+            <a:r>
+              <a:rPr lang="zh-CN" altLang="en-US" dirty="0"/>
+              <a:t>快捷键：</a:t>
+            </a:r>
+            <a:r>
+              <a:rPr lang="en-US" altLang="zh-CN" dirty="0" err="1"/>
+              <a:t>ctrl+Alt+s</a:t>
+            </a:r>
+            <a:endParaRPr lang="zh-CN" altLang="en-US" dirty="0"/>
+          </a:p>
+        </p:txBody>
+      </p:sp>
+      <p:pic>
+        <p:nvPicPr>
+          <p:cNvPr id="6" name="图片 5">
+            <a:extLst>
+              <a:ext uri="{FF2B5EF4-FFF2-40B4-BE49-F238E27FC236}">
+                <a16:creationId xmlns:a16="http://schemas.microsoft.com/office/drawing/2014/main" id="{3EE7AA5F-8FB8-4606-AE45-0DE83A025C14}"/>
+              </a:ext>
+            </a:extLst>
+          </p:cNvPr>
+          <p:cNvPicPr>
+            <a:picLocks noChangeAspect="1"/>
+          </p:cNvPicPr>
+          <p:nvPr/>
+        </p:nvPicPr>
+        <p:blipFill>
+          <a:blip r:embed="rId2"/>
+          <a:stretch>
+            <a:fillRect/>
+          </a:stretch>
+        </p:blipFill>
+        <p:spPr>
+          <a:xfrm>
+            <a:off x="3991338" y="2110154"/>
+            <a:ext cx="7746394" cy="4127208"/>
+          </a:xfrm>
+          <a:prstGeom prst="rect">
+            <a:avLst/>
+          </a:prstGeom>
+        </p:spPr>
+      </p:pic>
+    </p:spTree>
+    <p:extLst>
+      <p:ext uri="{BB962C8B-B14F-4D97-AF65-F5344CB8AC3E}">
+        <p14:creationId xmlns:p14="http://schemas.microsoft.com/office/powerpoint/2010/main" val="845222099"/>
+      </p:ext>
+    </p:extLst>
+  </p:cSld>
+  <p:clrMapOvr>
+    <a:masterClrMapping/>
+  </p:clrMapOvr>
+</p:sld>
+</file>
+
+<file path=ppt/slides/slide21.xml><?xml version="1.0" encoding="utf-8"?>
+<p:sld xmlns:a="http://schemas.openxmlformats.org/drawingml/2006/main" xmlns:r="http://schemas.openxmlformats.org/officeDocument/2006/relationships" xmlns:p="http://schemas.openxmlformats.org/presentationml/2006/main">
+  <p:cSld>
+    <p:spTree>
+      <p:nvGrpSpPr>
+        <p:cNvPr id="1" name=""/>
+        <p:cNvGrpSpPr/>
+        <p:nvPr/>
+      </p:nvGrpSpPr>
+      <p:grpSpPr>
+        <a:xfrm>
+          <a:off x="0" y="0"/>
+          <a:ext cx="0" cy="0"/>
+          <a:chOff x="0" y="0"/>
+          <a:chExt cx="0" cy="0"/>
+        </a:xfrm>
+      </p:grpSpPr>
+      <p:sp>
+        <p:nvSpPr>
+          <p:cNvPr id="2" name="标题 1">
+            <a:extLst>
+              <a:ext uri="{FF2B5EF4-FFF2-40B4-BE49-F238E27FC236}">
+                <a16:creationId xmlns:a16="http://schemas.microsoft.com/office/drawing/2014/main" id="{732CDFE2-6E21-482B-BF53-89332E0CEA52}"/>
+              </a:ext>
+            </a:extLst>
+          </p:cNvPr>
+          <p:cNvSpPr>
+            <a:spLocks noGrp="1"/>
+          </p:cNvSpPr>
+          <p:nvPr>
+            <p:ph type="title"/>
+          </p:nvPr>
+        </p:nvSpPr>
+        <p:spPr/>
+        <p:txBody>
+          <a:bodyPr/>
+          <a:lstStyle/>
+          <a:p>
+            <a:r>
+              <a:rPr lang="zh-CN" altLang="en-US" dirty="0"/>
+              <a:t>字体大小</a:t>
+            </a:r>
+          </a:p>
+        </p:txBody>
+      </p:sp>
+      <p:pic>
+        <p:nvPicPr>
+          <p:cNvPr id="3" name="图片 2">
+            <a:extLst>
+              <a:ext uri="{FF2B5EF4-FFF2-40B4-BE49-F238E27FC236}">
+                <a16:creationId xmlns:a16="http://schemas.microsoft.com/office/drawing/2014/main" id="{AA1EEE81-8E8F-4092-9100-43A5D10CA4CB}"/>
+              </a:ext>
+            </a:extLst>
+          </p:cNvPr>
+          <p:cNvPicPr>
+            <a:picLocks noChangeAspect="1"/>
+          </p:cNvPicPr>
+          <p:nvPr/>
+        </p:nvPicPr>
+        <p:blipFill>
+          <a:blip r:embed="rId2"/>
+          <a:stretch>
+            <a:fillRect/>
+          </a:stretch>
+        </p:blipFill>
+        <p:spPr>
+          <a:xfrm>
+            <a:off x="1459522" y="1680632"/>
+            <a:ext cx="8951308" cy="5143333"/>
+          </a:xfrm>
+          <a:prstGeom prst="rect">
+            <a:avLst/>
+          </a:prstGeom>
+        </p:spPr>
+      </p:pic>
+    </p:spTree>
+    <p:extLst>
+      <p:ext uri="{BB962C8B-B14F-4D97-AF65-F5344CB8AC3E}">
+        <p14:creationId xmlns:p14="http://schemas.microsoft.com/office/powerpoint/2010/main" val="2416746347"/>
+      </p:ext>
+    </p:extLst>
+  </p:cSld>
+  <p:clrMapOvr>
+    <a:masterClrMapping/>
+  </p:clrMapOvr>
+</p:sld>
+</file>
+
+<file path=ppt/slides/slide22.xml><?xml version="1.0" encoding="utf-8"?>
+<p:sld xmlns:a="http://schemas.openxmlformats.org/drawingml/2006/main" xmlns:r="http://schemas.openxmlformats.org/officeDocument/2006/relationships" xmlns:p="http://schemas.openxmlformats.org/presentationml/2006/main">
+  <p:cSld>
+    <p:spTree>
+      <p:nvGrpSpPr>
+        <p:cNvPr id="1" name=""/>
+        <p:cNvGrpSpPr/>
+        <p:nvPr/>
+      </p:nvGrpSpPr>
+      <p:grpSpPr>
+        <a:xfrm>
+          <a:off x="0" y="0"/>
+          <a:ext cx="0" cy="0"/>
+          <a:chOff x="0" y="0"/>
+          <a:chExt cx="0" cy="0"/>
+        </a:xfrm>
+      </p:grpSpPr>
+      <p:sp>
+        <p:nvSpPr>
+          <p:cNvPr id="2" name="标题 1">
+            <a:extLst>
+              <a:ext uri="{FF2B5EF4-FFF2-40B4-BE49-F238E27FC236}">
+                <a16:creationId xmlns:a16="http://schemas.microsoft.com/office/drawing/2014/main" id="{5918A5DA-7969-4272-8D8A-3363CB775A6F}"/>
+              </a:ext>
+            </a:extLst>
+          </p:cNvPr>
+          <p:cNvSpPr>
+            <a:spLocks noGrp="1"/>
+          </p:cNvSpPr>
+          <p:nvPr>
+            <p:ph type="title"/>
+          </p:nvPr>
+        </p:nvSpPr>
+        <p:spPr/>
+        <p:txBody>
+          <a:bodyPr/>
+          <a:lstStyle/>
+          <a:p>
+            <a:r>
+              <a:rPr lang="en-US" altLang="zh-CN" dirty="0" err="1"/>
+              <a:t>Pycharm</a:t>
+            </a:r>
+            <a:r>
+              <a:rPr lang="zh-CN" altLang="en-US" dirty="0"/>
+              <a:t>解析器配置</a:t>
+            </a:r>
+          </a:p>
+        </p:txBody>
+      </p:sp>
+      <p:pic>
+        <p:nvPicPr>
+          <p:cNvPr id="3" name="图片 2">
+            <a:extLst>
+              <a:ext uri="{FF2B5EF4-FFF2-40B4-BE49-F238E27FC236}">
+                <a16:creationId xmlns:a16="http://schemas.microsoft.com/office/drawing/2014/main" id="{D517969E-324A-4B31-9FEB-CBD9B01A8D72}"/>
+              </a:ext>
+            </a:extLst>
+          </p:cNvPr>
+          <p:cNvPicPr>
+            <a:picLocks noChangeAspect="1"/>
+          </p:cNvPicPr>
+          <p:nvPr/>
+        </p:nvPicPr>
+        <p:blipFill>
+          <a:blip r:embed="rId2"/>
+          <a:stretch>
+            <a:fillRect/>
+          </a:stretch>
+        </p:blipFill>
+        <p:spPr>
+          <a:xfrm>
+            <a:off x="2681654" y="2201023"/>
+            <a:ext cx="7997157" cy="4619558"/>
+          </a:xfrm>
+          <a:prstGeom prst="rect">
+            <a:avLst/>
+          </a:prstGeom>
+        </p:spPr>
+      </p:pic>
+    </p:spTree>
+    <p:extLst>
+      <p:ext uri="{BB962C8B-B14F-4D97-AF65-F5344CB8AC3E}">
+        <p14:creationId xmlns:p14="http://schemas.microsoft.com/office/powerpoint/2010/main" val="4233119011"/>
+      </p:ext>
+    </p:extLst>
+  </p:cSld>
+  <p:clrMapOvr>
+    <a:masterClrMapping/>
+  </p:clrMapOvr>
+</p:sld>
+</file>
+
+<file path=ppt/slides/slide23.xml><?xml version="1.0" encoding="utf-8"?>
+<p:sld xmlns:a="http://schemas.openxmlformats.org/drawingml/2006/main" xmlns:r="http://schemas.openxmlformats.org/officeDocument/2006/relationships" xmlns:p="http://schemas.openxmlformats.org/presentationml/2006/main">
+  <p:cSld>
+    <p:spTree>
+      <p:nvGrpSpPr>
+        <p:cNvPr id="1" name=""/>
+        <p:cNvGrpSpPr/>
+        <p:nvPr/>
+      </p:nvGrpSpPr>
+      <p:grpSpPr>
+        <a:xfrm>
+          <a:off x="0" y="0"/>
+          <a:ext cx="0" cy="0"/>
+          <a:chOff x="0" y="0"/>
+          <a:chExt cx="0" cy="0"/>
+        </a:xfrm>
+      </p:grpSpPr>
+      <p:sp>
+        <p:nvSpPr>
+          <p:cNvPr id="2" name="标题 1">
+            <a:extLst>
+              <a:ext uri="{FF2B5EF4-FFF2-40B4-BE49-F238E27FC236}">
+                <a16:creationId xmlns:a16="http://schemas.microsoft.com/office/drawing/2014/main" id="{47775DEE-FA18-4753-9981-B5C5E2F824B3}"/>
+              </a:ext>
+            </a:extLst>
+          </p:cNvPr>
+          <p:cNvSpPr>
+            <a:spLocks noGrp="1"/>
+          </p:cNvSpPr>
+          <p:nvPr>
+            <p:ph type="title"/>
+          </p:nvPr>
+        </p:nvSpPr>
+        <p:spPr/>
+        <p:txBody>
+          <a:bodyPr/>
+          <a:lstStyle/>
+          <a:p>
+            <a:r>
+              <a:rPr lang="zh-CN" altLang="en-US" dirty="0"/>
+              <a:t>五、做为一个高手，必须有一个邮箱</a:t>
+            </a:r>
+            <a:r>
+              <a:rPr lang="en-US" altLang="zh-CN" dirty="0"/>
+              <a:t>+</a:t>
+            </a:r>
+            <a:r>
+              <a:rPr lang="zh-CN" altLang="en-US" dirty="0"/>
+              <a:t>技术博客！</a:t>
+            </a:r>
+          </a:p>
+        </p:txBody>
+      </p:sp>
+      <p:sp>
+        <p:nvSpPr>
+          <p:cNvPr id="3" name="文本框 2">
+            <a:extLst>
+              <a:ext uri="{FF2B5EF4-FFF2-40B4-BE49-F238E27FC236}">
+                <a16:creationId xmlns:a16="http://schemas.microsoft.com/office/drawing/2014/main" id="{D9D2B46F-22ED-494F-8D9C-586205AA92E2}"/>
+              </a:ext>
+            </a:extLst>
+          </p:cNvPr>
+          <p:cNvSpPr txBox="1"/>
+          <p:nvPr/>
+        </p:nvSpPr>
+        <p:spPr>
+          <a:xfrm>
+            <a:off x="1810670" y="5064370"/>
+            <a:ext cx="7388561" cy="1323439"/>
+          </a:xfrm>
+          <a:prstGeom prst="rect">
+            <a:avLst/>
+          </a:prstGeom>
+          <a:noFill/>
+        </p:spPr>
+        <p:txBody>
+          <a:bodyPr wrap="none" rtlCol="0">
+            <a:spAutoFit/>
+          </a:bodyPr>
+          <a:lstStyle/>
+          <a:p>
+            <a:r>
+              <a:rPr lang="en-US" altLang="zh-CN" sz="4000" b="1" dirty="0">
+                <a:hlinkClick r:id="rId2"/>
+              </a:rPr>
+              <a:t>https://www.cnblogs.com/</a:t>
+            </a:r>
+            <a:endParaRPr lang="en-US" altLang="zh-CN" sz="4000" b="1" dirty="0"/>
+          </a:p>
+          <a:p>
+            <a:r>
+              <a:rPr lang="zh-CN" altLang="en-US" sz="4000" b="1" dirty="0"/>
+              <a:t>技术博客记录了个人的成长历程</a:t>
+            </a:r>
+          </a:p>
+        </p:txBody>
+      </p:sp>
+      <p:sp>
+        <p:nvSpPr>
+          <p:cNvPr id="4" name="文本框 3">
+            <a:extLst>
+              <a:ext uri="{FF2B5EF4-FFF2-40B4-BE49-F238E27FC236}">
+                <a16:creationId xmlns:a16="http://schemas.microsoft.com/office/drawing/2014/main" id="{60C67CF8-D42C-402A-A0C7-A220311308B1}"/>
+              </a:ext>
+            </a:extLst>
+          </p:cNvPr>
+          <p:cNvSpPr txBox="1"/>
+          <p:nvPr/>
+        </p:nvSpPr>
+        <p:spPr>
+          <a:xfrm>
+            <a:off x="1746608" y="2646484"/>
+            <a:ext cx="9280105" cy="1323439"/>
+          </a:xfrm>
+          <a:prstGeom prst="rect">
+            <a:avLst/>
+          </a:prstGeom>
+          <a:noFill/>
+        </p:spPr>
+        <p:txBody>
+          <a:bodyPr wrap="none" rtlCol="0">
+            <a:spAutoFit/>
+          </a:bodyPr>
+          <a:lstStyle/>
+          <a:p>
+            <a:r>
+              <a:rPr lang="en-US" altLang="zh-CN" sz="4000" b="1" dirty="0">
+                <a:hlinkClick r:id="rId3"/>
+              </a:rPr>
+              <a:t>http://www.qq.com</a:t>
+            </a:r>
+            <a:endParaRPr lang="en-US" altLang="zh-CN" sz="4000" b="1" dirty="0"/>
+          </a:p>
+          <a:p>
+            <a:r>
+              <a:rPr lang="zh-CN" altLang="en-US" sz="4000" b="1" dirty="0"/>
+              <a:t>这里为讨论方便，统一要求使用</a:t>
+            </a:r>
+            <a:r>
+              <a:rPr lang="en-US" altLang="zh-CN" sz="4000" b="1" dirty="0"/>
+              <a:t>QQ</a:t>
+            </a:r>
+            <a:r>
+              <a:rPr lang="zh-CN" altLang="en-US" sz="4000" b="1" dirty="0"/>
+              <a:t>邮箱</a:t>
+            </a:r>
+          </a:p>
+        </p:txBody>
+      </p:sp>
+    </p:spTree>
+    <p:extLst>
+      <p:ext uri="{BB962C8B-B14F-4D97-AF65-F5344CB8AC3E}">
+        <p14:creationId xmlns:p14="http://schemas.microsoft.com/office/powerpoint/2010/main" val="4024302980"/>
+      </p:ext>
+    </p:extLst>
+  </p:cSld>
+  <p:clrMapOvr>
+    <a:masterClrMapping/>
+  </p:clrMapOvr>
+</p:sld>
+</file>
+
+<file path=ppt/slides/slide24.xml><?xml version="1.0" encoding="utf-8"?>
+<p:sld xmlns:a="http://schemas.openxmlformats.org/drawingml/2006/main" xmlns:r="http://schemas.openxmlformats.org/officeDocument/2006/relationships" xmlns:p="http://schemas.openxmlformats.org/presentationml/2006/main">
+  <p:cSld>
+    <p:spTree>
+      <p:nvGrpSpPr>
+        <p:cNvPr id="1" name=""/>
+        <p:cNvGrpSpPr/>
+        <p:nvPr/>
+      </p:nvGrpSpPr>
+      <p:grpSpPr>
+        <a:xfrm>
+          <a:off x="0" y="0"/>
+          <a:ext cx="0" cy="0"/>
+          <a:chOff x="0" y="0"/>
+          <a:chExt cx="0" cy="0"/>
+        </a:xfrm>
+      </p:grpSpPr>
+      <p:sp>
+        <p:nvSpPr>
+          <p:cNvPr id="2" name="标题 1">
+            <a:extLst>
+              <a:ext uri="{FF2B5EF4-FFF2-40B4-BE49-F238E27FC236}">
+                <a16:creationId xmlns:a16="http://schemas.microsoft.com/office/drawing/2014/main" id="{C6583FA8-347F-415C-AA3F-D71D72F5819B}"/>
+              </a:ext>
+            </a:extLst>
+          </p:cNvPr>
+          <p:cNvSpPr>
+            <a:spLocks noGrp="1"/>
+          </p:cNvSpPr>
+          <p:nvPr>
+            <p:ph type="title"/>
+          </p:nvPr>
+        </p:nvSpPr>
+        <p:spPr>
+          <a:xfrm>
+            <a:off x="1154954" y="973668"/>
+            <a:ext cx="8761413" cy="706964"/>
+          </a:xfrm>
+        </p:spPr>
+        <p:txBody>
+          <a:bodyPr/>
+          <a:lstStyle/>
+          <a:p>
+            <a:r>
+              <a:rPr lang="zh-CN" altLang="en-US" dirty="0"/>
+              <a:t>六、学技术到蓝翔，版本管理</a:t>
+            </a:r>
+            <a:r>
+              <a:rPr lang="en-US" altLang="zh-CN" dirty="0"/>
+              <a:t>GitHub</a:t>
+            </a:r>
+            <a:r>
+              <a:rPr lang="zh-CN" altLang="en-US" dirty="0"/>
+              <a:t>最强！</a:t>
+            </a:r>
+          </a:p>
+        </p:txBody>
+      </p:sp>
+      <p:sp>
+        <p:nvSpPr>
+          <p:cNvPr id="3" name="文本框 2">
+            <a:extLst>
+              <a:ext uri="{FF2B5EF4-FFF2-40B4-BE49-F238E27FC236}">
+                <a16:creationId xmlns:a16="http://schemas.microsoft.com/office/drawing/2014/main" id="{3D84DC9D-E47C-4428-BA52-1ED5F8789F42}"/>
+              </a:ext>
+            </a:extLst>
+          </p:cNvPr>
+          <p:cNvSpPr txBox="1"/>
+          <p:nvPr/>
+        </p:nvSpPr>
+        <p:spPr>
+          <a:xfrm>
+            <a:off x="1248508" y="2699238"/>
+            <a:ext cx="9908930" cy="3539430"/>
+          </a:xfrm>
+          <a:prstGeom prst="rect">
+            <a:avLst/>
+          </a:prstGeom>
+          <a:noFill/>
+        </p:spPr>
+        <p:txBody>
+          <a:bodyPr wrap="square" rtlCol="0">
+            <a:spAutoFit/>
+          </a:bodyPr>
+          <a:lstStyle/>
+          <a:p>
+            <a:r>
+              <a:rPr lang="en-US" altLang="zh-CN" sz="3200" dirty="0"/>
+              <a:t>1</a:t>
+            </a:r>
+            <a:r>
+              <a:rPr lang="zh-CN" altLang="en-US" sz="3200" dirty="0"/>
+              <a:t>、注册  </a:t>
+            </a:r>
+            <a:r>
+              <a:rPr lang="en-US" altLang="zh-CN" sz="3200" dirty="0">
+                <a:hlinkClick r:id="rId2"/>
+              </a:rPr>
+              <a:t>https://github.com/</a:t>
+            </a:r>
+            <a:endParaRPr lang="en-US" altLang="zh-CN" sz="3200" dirty="0"/>
+          </a:p>
+          <a:p>
+            <a:br>
+              <a:rPr lang="en-US" altLang="zh-CN" sz="3200" dirty="0"/>
+            </a:br>
+            <a:r>
+              <a:rPr lang="en-US" altLang="zh-CN" sz="3200" dirty="0"/>
+              <a:t>2</a:t>
+            </a:r>
+            <a:r>
+              <a:rPr lang="zh-CN" altLang="en-US" sz="3200" dirty="0"/>
+              <a:t>、获取老师的讲义</a:t>
+            </a:r>
+            <a:endParaRPr lang="en-US" altLang="zh-CN" sz="3200" dirty="0"/>
+          </a:p>
+          <a:p>
+            <a:r>
+              <a:rPr lang="en-US" altLang="zh-CN" sz="3200" dirty="0">
+                <a:hlinkClick r:id="rId3"/>
+              </a:rPr>
+              <a:t>https://github.com/littlehb</a:t>
+            </a:r>
+            <a:endParaRPr lang="en-US" altLang="zh-CN" sz="3200" dirty="0"/>
+          </a:p>
+          <a:p>
+            <a:br>
+              <a:rPr lang="en-US" altLang="zh-CN" sz="3200" dirty="0"/>
+            </a:br>
+            <a:endParaRPr lang="en-US" altLang="zh-CN" sz="3200" dirty="0"/>
+          </a:p>
+          <a:p>
+            <a:endParaRPr lang="zh-CN" altLang="en-US" sz="3200" dirty="0"/>
+          </a:p>
+        </p:txBody>
+      </p:sp>
+      <p:pic>
+        <p:nvPicPr>
+          <p:cNvPr id="1026" name="Picture 2" descr="https://timgsa.baidu.com/timg?image&amp;quality=80&amp;size=b9999_10000&amp;sec=1521037419209&amp;di=e632d122f4cbadfc67a86ec0a3e19c8d&amp;imgtype=0&amp;src=http%3A%2F%2Fp5.qhimg.com%2Ft01004f3aa1c2872030.jpg">
+            <a:extLst>
+              <a:ext uri="{FF2B5EF4-FFF2-40B4-BE49-F238E27FC236}">
+                <a16:creationId xmlns:a16="http://schemas.microsoft.com/office/drawing/2014/main" id="{9CBC23B3-1864-42F8-A442-76F15384838A}"/>
+              </a:ext>
+            </a:extLst>
+          </p:cNvPr>
+          <p:cNvPicPr>
+            <a:picLocks noChangeAspect="1" noChangeArrowheads="1"/>
+          </p:cNvPicPr>
+          <p:nvPr/>
+        </p:nvPicPr>
+        <p:blipFill>
+          <a:blip r:embed="rId4">
+            <a:extLst>
+              <a:ext uri="{28A0092B-C50C-407E-A947-70E740481C1C}">
+                <a14:useLocalDpi xmlns:a14="http://schemas.microsoft.com/office/drawing/2010/main" val="0"/>
+              </a:ext>
+            </a:extLst>
+          </a:blip>
+          <a:srcRect/>
+          <a:stretch>
+            <a:fillRect/>
+          </a:stretch>
+        </p:blipFill>
+        <p:spPr bwMode="auto">
+          <a:xfrm>
+            <a:off x="6972300" y="2699238"/>
+            <a:ext cx="5219700" cy="3790950"/>
+          </a:xfrm>
+          <a:prstGeom prst="rect">
+            <a:avLst/>
+          </a:prstGeom>
+          <a:noFill/>
+          <a:extLst>
+            <a:ext uri="{909E8E84-426E-40DD-AFC4-6F175D3DCCD1}">
+              <a14:hiddenFill xmlns:a14="http://schemas.microsoft.com/office/drawing/2010/main">
+                <a:solidFill>
+                  <a:srgbClr val="FFFFFF"/>
+                </a:solidFill>
+              </a14:hiddenFill>
+            </a:ext>
+          </a:extLst>
+        </p:spPr>
+      </p:pic>
+    </p:spTree>
+    <p:extLst>
+      <p:ext uri="{BB962C8B-B14F-4D97-AF65-F5344CB8AC3E}">
+        <p14:creationId xmlns:p14="http://schemas.microsoft.com/office/powerpoint/2010/main" val="3912597094"/>
+      </p:ext>
+    </p:extLst>
+  </p:cSld>
+  <p:clrMapOvr>
+    <a:masterClrMapping/>
+  </p:clrMapOvr>
+</p:sld>
+</file>
+
+<file path=ppt/slides/slide25.xml><?xml version="1.0" encoding="utf-8"?>
+<p:sld xmlns:a="http://schemas.openxmlformats.org/drawingml/2006/main" xmlns:r="http://schemas.openxmlformats.org/officeDocument/2006/relationships" xmlns:p="http://schemas.openxmlformats.org/presentationml/2006/main">
+  <p:cSld>
+    <p:spTree>
+      <p:nvGrpSpPr>
+        <p:cNvPr id="1" name=""/>
+        <p:cNvGrpSpPr/>
+        <p:nvPr/>
+      </p:nvGrpSpPr>
+      <p:grpSpPr>
+        <a:xfrm>
+          <a:off x="0" y="0"/>
+          <a:ext cx="0" cy="0"/>
+          <a:chOff x="0" y="0"/>
+          <a:chExt cx="0" cy="0"/>
+        </a:xfrm>
+      </p:grpSpPr>
+      <p:sp>
+        <p:nvSpPr>
+          <p:cNvPr id="2" name="标题 1">
+            <a:extLst>
+              <a:ext uri="{FF2B5EF4-FFF2-40B4-BE49-F238E27FC236}">
+                <a16:creationId xmlns:a16="http://schemas.microsoft.com/office/drawing/2014/main" id="{82369779-5036-4181-81E3-0650AD843D01}"/>
+              </a:ext>
+            </a:extLst>
+          </p:cNvPr>
+          <p:cNvSpPr>
+            <a:spLocks noGrp="1"/>
+          </p:cNvSpPr>
+          <p:nvPr>
+            <p:ph type="title"/>
+          </p:nvPr>
+        </p:nvSpPr>
+        <p:spPr/>
+        <p:txBody>
+          <a:bodyPr/>
+          <a:lstStyle/>
+          <a:p>
+            <a:r>
+              <a:rPr lang="zh-CN" altLang="en-US" dirty="0"/>
+              <a:t>将</a:t>
+            </a:r>
+            <a:r>
+              <a:rPr lang="en-US" altLang="zh-CN" dirty="0"/>
+              <a:t>GitHub</a:t>
+            </a:r>
+            <a:r>
+              <a:rPr lang="zh-CN" altLang="en-US" dirty="0"/>
+              <a:t>加速</a:t>
+            </a:r>
+            <a:br>
+              <a:rPr lang="en-US" altLang="zh-CN" dirty="0"/>
+            </a:br>
+            <a:endParaRPr lang="zh-CN" altLang="en-US" dirty="0"/>
+          </a:p>
+        </p:txBody>
+      </p:sp>
+      <p:sp>
+        <p:nvSpPr>
+          <p:cNvPr id="3" name="文本框 2">
+            <a:extLst>
+              <a:ext uri="{FF2B5EF4-FFF2-40B4-BE49-F238E27FC236}">
+                <a16:creationId xmlns:a16="http://schemas.microsoft.com/office/drawing/2014/main" id="{161554CA-3163-4458-A699-112A0A841EFE}"/>
+              </a:ext>
+            </a:extLst>
+          </p:cNvPr>
+          <p:cNvSpPr txBox="1"/>
+          <p:nvPr/>
+        </p:nvSpPr>
+        <p:spPr>
+          <a:xfrm>
+            <a:off x="598250" y="2056686"/>
+            <a:ext cx="11183442" cy="5078313"/>
+          </a:xfrm>
+          <a:prstGeom prst="rect">
+            <a:avLst/>
+          </a:prstGeom>
+          <a:noFill/>
+        </p:spPr>
+        <p:txBody>
+          <a:bodyPr wrap="square" rtlCol="0">
+            <a:spAutoFit/>
+          </a:bodyPr>
+          <a:lstStyle/>
+          <a:p>
+            <a:r>
+              <a:rPr lang="en-US" altLang="zh-CN" b="1" dirty="0" err="1"/>
+              <a:t>Github</a:t>
+            </a:r>
+            <a:r>
+              <a:rPr lang="zh-CN" altLang="en-US" b="1" dirty="0"/>
+              <a:t>访问慢解决办法</a:t>
+            </a:r>
+          </a:p>
+          <a:p>
+            <a:r>
+              <a:rPr lang="zh-CN" altLang="en-US" b="1" dirty="0"/>
+              <a:t>原因</a:t>
+            </a:r>
+          </a:p>
+          <a:p>
+            <a:r>
+              <a:rPr lang="zh-CN" altLang="en-US" dirty="0"/>
+              <a:t>为什么慢？</a:t>
+            </a:r>
+            <a:r>
+              <a:rPr lang="en-US" altLang="zh-CN" dirty="0" err="1"/>
+              <a:t>github</a:t>
+            </a:r>
+            <a:r>
+              <a:rPr lang="zh-CN" altLang="en-US" dirty="0"/>
+              <a:t>的</a:t>
+            </a:r>
+            <a:r>
+              <a:rPr lang="en-US" altLang="zh-CN" dirty="0"/>
+              <a:t>CDN</a:t>
+            </a:r>
+            <a:r>
+              <a:rPr lang="zh-CN" altLang="en-US" dirty="0"/>
+              <a:t>被某墙屏了。</a:t>
+            </a:r>
+            <a:endParaRPr lang="en-US" altLang="zh-CN" dirty="0"/>
+          </a:p>
+          <a:p>
+            <a:endParaRPr lang="zh-CN" altLang="en-US" dirty="0"/>
+          </a:p>
+          <a:p>
+            <a:r>
+              <a:rPr lang="zh-CN" altLang="en-US" b="1" dirty="0"/>
+              <a:t>解决方法</a:t>
+            </a:r>
+          </a:p>
+          <a:p>
+            <a:r>
+              <a:rPr lang="zh-CN" altLang="en-US" dirty="0"/>
+              <a:t>绕过</a:t>
+            </a:r>
+            <a:r>
+              <a:rPr lang="en-US" altLang="zh-CN" dirty="0" err="1"/>
+              <a:t>dns</a:t>
+            </a:r>
+            <a:r>
+              <a:rPr lang="zh-CN" altLang="en-US" dirty="0"/>
+              <a:t>解析，在本地直接绑定</a:t>
+            </a:r>
+            <a:r>
+              <a:rPr lang="en-US" altLang="zh-CN" dirty="0"/>
+              <a:t>host</a:t>
+            </a:r>
+            <a:r>
+              <a:rPr lang="zh-CN" altLang="en-US" dirty="0"/>
+              <a:t>，该方法也可加速其他因为</a:t>
+            </a:r>
+            <a:r>
+              <a:rPr lang="en-US" altLang="zh-CN" dirty="0"/>
+              <a:t>CDN</a:t>
+            </a:r>
+            <a:r>
+              <a:rPr lang="zh-CN" altLang="en-US" dirty="0"/>
+              <a:t>被屏蔽导致访问慢的网站。</a:t>
+            </a:r>
+          </a:p>
+          <a:p>
+            <a:r>
+              <a:rPr lang="zh-CN" altLang="en-US" b="1" dirty="0"/>
+              <a:t>实现</a:t>
+            </a:r>
+          </a:p>
+          <a:p>
+            <a:r>
+              <a:rPr lang="zh-CN" altLang="en-US" dirty="0"/>
+              <a:t>在本地</a:t>
+            </a:r>
+            <a:r>
+              <a:rPr lang="en-US" altLang="zh-CN" dirty="0"/>
+              <a:t>host</a:t>
+            </a:r>
+            <a:r>
+              <a:rPr lang="zh-CN" altLang="en-US" dirty="0"/>
+              <a:t>文件中添加映射，步骤如下：</a:t>
+            </a:r>
+          </a:p>
+          <a:p>
+            <a:r>
+              <a:rPr lang="zh-CN" altLang="en-US" dirty="0"/>
+              <a:t>用文本编辑器打开</a:t>
+            </a:r>
+            <a:r>
+              <a:rPr lang="en-US" altLang="zh-CN" dirty="0"/>
+              <a:t>hosts</a:t>
+            </a:r>
+            <a:r>
+              <a:rPr lang="zh-CN" altLang="en-US" dirty="0"/>
+              <a:t>文件，位于</a:t>
+            </a:r>
+            <a:r>
+              <a:rPr lang="en-US" altLang="zh-CN" dirty="0"/>
+              <a:t>C:\Windows\System32\drivers\etc</a:t>
+            </a:r>
+            <a:r>
+              <a:rPr lang="zh-CN" altLang="en-US" dirty="0"/>
+              <a:t>目录下</a:t>
+            </a:r>
+          </a:p>
+          <a:p>
+            <a:r>
+              <a:rPr lang="zh-CN" altLang="en-US" dirty="0"/>
+              <a:t>打开 </a:t>
+            </a:r>
+            <a:r>
+              <a:rPr lang="en-US" altLang="zh-CN" dirty="0">
+                <a:hlinkClick r:id="rId2"/>
+              </a:rPr>
+              <a:t>http://tool.chinaz.com/dns</a:t>
+            </a:r>
+            <a:r>
+              <a:rPr lang="zh-CN" altLang="en-US" dirty="0"/>
+              <a:t> </a:t>
+            </a:r>
+            <a:r>
+              <a:rPr lang="en-US" altLang="zh-CN" dirty="0"/>
+              <a:t>,</a:t>
+            </a:r>
+            <a:r>
+              <a:rPr lang="zh-CN" altLang="en-US" dirty="0"/>
+              <a:t>这是一个查询域名映射关系的工具</a:t>
+            </a:r>
+          </a:p>
+          <a:p>
+            <a:r>
+              <a:rPr lang="zh-CN" altLang="en-US" dirty="0"/>
+              <a:t>查询 </a:t>
+            </a:r>
+            <a:r>
+              <a:rPr lang="en-US" altLang="zh-CN" dirty="0"/>
+              <a:t>github.global.ssl.fastly.net </a:t>
+            </a:r>
+            <a:r>
+              <a:rPr lang="zh-CN" altLang="en-US" dirty="0"/>
+              <a:t>和 </a:t>
+            </a:r>
+            <a:r>
+              <a:rPr lang="en-US" altLang="zh-CN" dirty="0"/>
+              <a:t>assets-cdn.github.com </a:t>
+            </a:r>
+            <a:r>
+              <a:rPr lang="zh-CN" altLang="en-US" dirty="0"/>
+              <a:t>两个地址</a:t>
+            </a:r>
+          </a:p>
+          <a:p>
+            <a:r>
+              <a:rPr lang="zh-CN" altLang="en-US" dirty="0"/>
+              <a:t>多查几次，选择一个稳定，延迟较低的 </a:t>
+            </a:r>
+            <a:r>
+              <a:rPr lang="en-US" altLang="zh-CN" dirty="0" err="1"/>
+              <a:t>ip</a:t>
+            </a:r>
+            <a:r>
+              <a:rPr lang="en-US" altLang="zh-CN" dirty="0"/>
+              <a:t> </a:t>
+            </a:r>
+            <a:r>
+              <a:rPr lang="zh-CN" altLang="en-US" dirty="0"/>
+              <a:t>按如下方式添加到</a:t>
+            </a:r>
+            <a:r>
+              <a:rPr lang="en-US" altLang="zh-CN" dirty="0"/>
+              <a:t>host</a:t>
+            </a:r>
+            <a:r>
+              <a:rPr lang="zh-CN" altLang="en-US" dirty="0"/>
+              <a:t>文件</a:t>
+            </a:r>
+            <a:endParaRPr lang="en-US" altLang="zh-CN" dirty="0"/>
+          </a:p>
+          <a:p>
+            <a:endParaRPr lang="en-US" altLang="zh-CN" dirty="0"/>
+          </a:p>
+          <a:p>
+            <a:r>
+              <a:rPr lang="en-US" altLang="zh-CN" dirty="0"/>
+              <a:t>Windows</a:t>
+            </a:r>
+          </a:p>
+          <a:p>
+            <a:r>
+              <a:rPr lang="zh-CN" altLang="en-US" dirty="0"/>
+              <a:t>开始 </a:t>
+            </a:r>
+            <a:r>
+              <a:rPr lang="en-US" altLang="zh-CN" dirty="0"/>
+              <a:t>-&gt; </a:t>
+            </a:r>
+            <a:r>
+              <a:rPr lang="zh-CN" altLang="en-US" dirty="0"/>
+              <a:t>运行 </a:t>
+            </a:r>
+            <a:r>
+              <a:rPr lang="en-US" altLang="zh-CN" dirty="0"/>
+              <a:t>-&gt; </a:t>
+            </a:r>
+            <a:r>
+              <a:rPr lang="zh-CN" altLang="en-US" dirty="0"/>
+              <a:t>输入</a:t>
+            </a:r>
+            <a:r>
+              <a:rPr lang="en-US" altLang="zh-CN" dirty="0" err="1"/>
+              <a:t>cmd</a:t>
+            </a:r>
+            <a:r>
+              <a:rPr lang="en-US" altLang="zh-CN" dirty="0"/>
+              <a:t> -&gt; </a:t>
+            </a:r>
+            <a:r>
+              <a:rPr lang="zh-CN" altLang="en-US" dirty="0"/>
+              <a:t>在</a:t>
+            </a:r>
+            <a:r>
+              <a:rPr lang="en-US" altLang="zh-CN" dirty="0"/>
+              <a:t>CMD</a:t>
+            </a:r>
+            <a:r>
+              <a:rPr lang="zh-CN" altLang="en-US" dirty="0"/>
+              <a:t>窗口输入  ： </a:t>
+            </a:r>
+            <a:r>
+              <a:rPr lang="en-US" altLang="zh-CN" dirty="0"/>
+              <a:t>ipconfig /</a:t>
+            </a:r>
+            <a:r>
+              <a:rPr lang="en-US" altLang="zh-CN" dirty="0" err="1"/>
+              <a:t>flushdns</a:t>
+            </a:r>
+            <a:endParaRPr lang="en-US" altLang="zh-CN" dirty="0"/>
+          </a:p>
+          <a:p>
+            <a:endParaRPr lang="zh-CN" altLang="en-US" dirty="0"/>
+          </a:p>
+          <a:p>
+            <a:r>
+              <a:rPr lang="zh-CN" altLang="en-US" dirty="0"/>
+              <a:t>保存文件，重新打开浏览器，起飞。</a:t>
+            </a:r>
+          </a:p>
+          <a:p>
+            <a:endParaRPr lang="zh-CN" altLang="en-US" dirty="0"/>
+          </a:p>
+        </p:txBody>
+      </p:sp>
+    </p:spTree>
+    <p:extLst>
+      <p:ext uri="{BB962C8B-B14F-4D97-AF65-F5344CB8AC3E}">
+        <p14:creationId xmlns:p14="http://schemas.microsoft.com/office/powerpoint/2010/main" val="3993113853"/>
+      </p:ext>
+    </p:extLst>
+  </p:cSld>
+  <p:clrMapOvr>
+    <a:masterClrMapping/>
+  </p:clrMapOvr>
+</p:sld>
+</file>
+
+<file path=ppt/slides/slide26.xml><?xml version="1.0" encoding="utf-8"?>
+<p:sld xmlns:a="http://schemas.openxmlformats.org/drawingml/2006/main" xmlns:r="http://schemas.openxmlformats.org/officeDocument/2006/relationships" xmlns:p="http://schemas.openxmlformats.org/presentationml/2006/main">
+  <p:cSld>
+    <p:spTree>
+      <p:nvGrpSpPr>
+        <p:cNvPr id="1" name=""/>
+        <p:cNvGrpSpPr/>
+        <p:nvPr/>
+      </p:nvGrpSpPr>
+      <p:grpSpPr>
+        <a:xfrm>
+          <a:off x="0" y="0"/>
+          <a:ext cx="0" cy="0"/>
+          <a:chOff x="0" y="0"/>
+          <a:chExt cx="0" cy="0"/>
+        </a:xfrm>
+      </p:grpSpPr>
+      <p:pic>
+        <p:nvPicPr>
+          <p:cNvPr id="3" name="图片 2">
+            <a:extLst>
+              <a:ext uri="{FF2B5EF4-FFF2-40B4-BE49-F238E27FC236}">
+                <a16:creationId xmlns:a16="http://schemas.microsoft.com/office/drawing/2014/main" id="{C4742143-D641-4079-AE3A-1C73FD7D6EE9}"/>
+              </a:ext>
+            </a:extLst>
+          </p:cNvPr>
+          <p:cNvPicPr>
+            <a:picLocks noChangeAspect="1"/>
+          </p:cNvPicPr>
+          <p:nvPr/>
+        </p:nvPicPr>
+        <p:blipFill>
+          <a:blip r:embed="rId2"/>
+          <a:stretch>
+            <a:fillRect/>
+          </a:stretch>
+        </p:blipFill>
+        <p:spPr>
+          <a:xfrm>
+            <a:off x="2530035" y="2881509"/>
+            <a:ext cx="6657143" cy="3152381"/>
+          </a:xfrm>
+          <a:prstGeom prst="rect">
+            <a:avLst/>
+          </a:prstGeom>
+        </p:spPr>
+      </p:pic>
+    </p:spTree>
+    <p:extLst>
+      <p:ext uri="{BB962C8B-B14F-4D97-AF65-F5344CB8AC3E}">
+        <p14:creationId xmlns:p14="http://schemas.microsoft.com/office/powerpoint/2010/main" val="2428210992"/>
+      </p:ext>
+    </p:extLst>
+  </p:cSld>
+  <p:clrMapOvr>
+    <a:masterClrMapping/>
+  </p:clrMapOvr>
+</p:sld>
+</file>
+
+<file path=ppt/slides/slide27.xml><?xml version="1.0" encoding="utf-8"?>
+<p:sld xmlns:a="http://schemas.openxmlformats.org/drawingml/2006/main" xmlns:r="http://schemas.openxmlformats.org/officeDocument/2006/relationships" xmlns:p="http://schemas.openxmlformats.org/presentationml/2006/main">
+  <p:cSld>
+    <p:spTree>
+      <p:nvGrpSpPr>
+        <p:cNvPr id="1" name=""/>
+        <p:cNvGrpSpPr/>
+        <p:nvPr/>
+      </p:nvGrpSpPr>
+      <p:grpSpPr>
+        <a:xfrm>
+          <a:off x="0" y="0"/>
+          <a:ext cx="0" cy="0"/>
+          <a:chOff x="0" y="0"/>
+          <a:chExt cx="0" cy="0"/>
+        </a:xfrm>
+      </p:grpSpPr>
+      <p:sp>
+        <p:nvSpPr>
+          <p:cNvPr id="2" name="标题 1">
+            <a:extLst>
+              <a:ext uri="{FF2B5EF4-FFF2-40B4-BE49-F238E27FC236}">
+                <a16:creationId xmlns:a16="http://schemas.microsoft.com/office/drawing/2014/main" id="{58E717B3-D713-49A2-8D24-8D6AF069DBC3}"/>
+              </a:ext>
+            </a:extLst>
+          </p:cNvPr>
+          <p:cNvSpPr>
+            <a:spLocks noGrp="1"/>
+          </p:cNvSpPr>
+          <p:nvPr>
+            <p:ph type="title"/>
+          </p:nvPr>
+        </p:nvSpPr>
+        <p:spPr/>
+        <p:txBody>
+          <a:bodyPr/>
+          <a:lstStyle/>
+          <a:p>
+            <a:r>
+              <a:rPr lang="zh-CN" altLang="en-US" dirty="0"/>
+              <a:t>七、小孩子不玩游戏可不行！</a:t>
+            </a:r>
+          </a:p>
+        </p:txBody>
+      </p:sp>
+      <p:sp>
+        <p:nvSpPr>
+          <p:cNvPr id="3" name="文本框 2">
+            <a:extLst>
+              <a:ext uri="{FF2B5EF4-FFF2-40B4-BE49-F238E27FC236}">
+                <a16:creationId xmlns:a16="http://schemas.microsoft.com/office/drawing/2014/main" id="{62C5E5EC-B712-42BD-B739-A99E6D2CE1BF}"/>
+              </a:ext>
+            </a:extLst>
+          </p:cNvPr>
+          <p:cNvSpPr txBox="1"/>
+          <p:nvPr/>
+        </p:nvSpPr>
+        <p:spPr>
+          <a:xfrm>
+            <a:off x="3196718" y="2448736"/>
+            <a:ext cx="4677884" cy="523220"/>
+          </a:xfrm>
+          <a:prstGeom prst="rect">
+            <a:avLst/>
+          </a:prstGeom>
+          <a:noFill/>
+        </p:spPr>
+        <p:txBody>
+          <a:bodyPr wrap="none" rtlCol="0">
+            <a:spAutoFit/>
+          </a:bodyPr>
+          <a:lstStyle/>
+          <a:p>
+            <a:r>
+              <a:rPr lang="en-US" altLang="zh-CN" sz="2800" b="1" dirty="0"/>
+              <a:t>https://www.codewar.cn/</a:t>
+            </a:r>
+            <a:endParaRPr lang="zh-CN" altLang="en-US" sz="2800" b="1" dirty="0"/>
+          </a:p>
+        </p:txBody>
+      </p:sp>
+      <p:pic>
+        <p:nvPicPr>
+          <p:cNvPr id="5" name="图片 4">
+            <a:extLst>
+              <a:ext uri="{FF2B5EF4-FFF2-40B4-BE49-F238E27FC236}">
+                <a16:creationId xmlns:a16="http://schemas.microsoft.com/office/drawing/2014/main" id="{67A382E0-83A6-47DC-951A-A9FF48BDC6A1}"/>
+              </a:ext>
+            </a:extLst>
+          </p:cNvPr>
+          <p:cNvPicPr>
+            <a:picLocks noChangeAspect="1"/>
+          </p:cNvPicPr>
+          <p:nvPr/>
+        </p:nvPicPr>
+        <p:blipFill>
+          <a:blip r:embed="rId2"/>
+          <a:stretch>
+            <a:fillRect/>
+          </a:stretch>
+        </p:blipFill>
+        <p:spPr>
+          <a:xfrm>
+            <a:off x="6301154" y="3055483"/>
+            <a:ext cx="5890846" cy="3451667"/>
+          </a:xfrm>
+          <a:prstGeom prst="rect">
+            <a:avLst/>
+          </a:prstGeom>
+        </p:spPr>
+      </p:pic>
+      <p:pic>
+        <p:nvPicPr>
+          <p:cNvPr id="4" name="图片 3">
+            <a:extLst>
+              <a:ext uri="{FF2B5EF4-FFF2-40B4-BE49-F238E27FC236}">
+                <a16:creationId xmlns:a16="http://schemas.microsoft.com/office/drawing/2014/main" id="{59C3D344-93F1-4AD6-A9A8-D0053F4B6686}"/>
+              </a:ext>
+            </a:extLst>
+          </p:cNvPr>
+          <p:cNvPicPr>
+            <a:picLocks noChangeAspect="1"/>
+          </p:cNvPicPr>
+          <p:nvPr/>
+        </p:nvPicPr>
+        <p:blipFill>
+          <a:blip r:embed="rId3"/>
+          <a:stretch>
+            <a:fillRect/>
+          </a:stretch>
+        </p:blipFill>
+        <p:spPr>
+          <a:xfrm>
+            <a:off x="1875931" y="3055483"/>
+            <a:ext cx="3687906" cy="3362901"/>
+          </a:xfrm>
+          <a:prstGeom prst="rect">
+            <a:avLst/>
+          </a:prstGeom>
+        </p:spPr>
+      </p:pic>
+    </p:spTree>
+    <p:extLst>
+      <p:ext uri="{BB962C8B-B14F-4D97-AF65-F5344CB8AC3E}">
+        <p14:creationId xmlns:p14="http://schemas.microsoft.com/office/powerpoint/2010/main" val="2713677777"/>
+      </p:ext>
+    </p:extLst>
+  </p:cSld>
+  <p:clrMapOvr>
+    <a:masterClrMapping/>
+  </p:clrMapOvr>
+</p:sld>
+</file>
+
+<file path=ppt/slides/slide28.xml><?xml version="1.0" encoding="utf-8"?>
+<p:sld xmlns:a="http://schemas.openxmlformats.org/drawingml/2006/main" xmlns:r="http://schemas.openxmlformats.org/officeDocument/2006/relationships" xmlns:p="http://schemas.openxmlformats.org/presentationml/2006/main">
+  <p:cSld>
+    <p:spTree>
+      <p:nvGrpSpPr>
+        <p:cNvPr id="1" name=""/>
+        <p:cNvGrpSpPr/>
+        <p:nvPr/>
+      </p:nvGrpSpPr>
+      <p:grpSpPr>
+        <a:xfrm>
+          <a:off x="0" y="0"/>
+          <a:ext cx="0" cy="0"/>
+          <a:chOff x="0" y="0"/>
+          <a:chExt cx="0" cy="0"/>
+        </a:xfrm>
+      </p:grpSpPr>
+      <p:sp>
+        <p:nvSpPr>
+          <p:cNvPr id="2" name="标题 1">
+            <a:extLst>
+              <a:ext uri="{FF2B5EF4-FFF2-40B4-BE49-F238E27FC236}">
+                <a16:creationId xmlns:a16="http://schemas.microsoft.com/office/drawing/2014/main" id="{CED8B7E0-5D63-4E32-B0F4-2C3DA4F6A85A}"/>
+              </a:ext>
+            </a:extLst>
+          </p:cNvPr>
+          <p:cNvSpPr>
+            <a:spLocks noGrp="1"/>
+          </p:cNvSpPr>
+          <p:nvPr>
+            <p:ph type="title"/>
+          </p:nvPr>
+        </p:nvSpPr>
+        <p:spPr>
+          <a:xfrm>
+            <a:off x="2295585" y="3429000"/>
+            <a:ext cx="8761413" cy="706964"/>
+          </a:xfrm>
+        </p:spPr>
+        <p:txBody>
+          <a:bodyPr/>
+          <a:lstStyle/>
+          <a:p>
+            <a:r>
+              <a:rPr lang="zh-CN" altLang="en-US" sz="4000" b="1" dirty="0">
+                <a:solidFill>
+                  <a:schemeClr val="tx1"/>
+                </a:solidFill>
+              </a:rPr>
+              <a:t>要知后事如何，且听下回分解！</a:t>
+            </a:r>
+          </a:p>
+        </p:txBody>
+      </p:sp>
+    </p:spTree>
+    <p:extLst>
+      <p:ext uri="{BB962C8B-B14F-4D97-AF65-F5344CB8AC3E}">
+        <p14:creationId xmlns:p14="http://schemas.microsoft.com/office/powerpoint/2010/main" val="4225306641"/>
+      </p:ext>
+    </p:extLst>
+  </p:cSld>
+  <p:clrMapOvr>
+    <a:masterClrMapping/>
+  </p:clrMapOvr>
+</p:sld>
+</file>
+
+<file path=ppt/slides/slide3.xml><?xml version="1.0" encoding="utf-8"?>
+<p:sld xmlns:a="http://schemas.openxmlformats.org/drawingml/2006/main" xmlns:r="http://schemas.openxmlformats.org/officeDocument/2006/relationships" xmlns:p="http://schemas.openxmlformats.org/presentationml/2006/main">
+  <p:cSld>
+    <p:spTree>
+      <p:nvGrpSpPr>
+        <p:cNvPr id="1" name=""/>
+        <p:cNvGrpSpPr/>
+        <p:nvPr/>
+      </p:nvGrpSpPr>
+      <p:grpSpPr>
+        <a:xfrm>
+          <a:off x="0" y="0"/>
+          <a:ext cx="0" cy="0"/>
+          <a:chOff x="0" y="0"/>
+          <a:chExt cx="0" cy="0"/>
+        </a:xfrm>
+      </p:grpSpPr>
+      <p:sp>
+        <p:nvSpPr>
+          <p:cNvPr id="4" name="标题 3"/>
+          <p:cNvSpPr>
+            <a:spLocks noGrp="1"/>
+          </p:cNvSpPr>
+          <p:nvPr>
+            <p:ph type="title"/>
+          </p:nvPr>
+        </p:nvSpPr>
+        <p:spPr/>
+        <p:txBody>
+          <a:bodyPr/>
+          <a:lstStyle/>
+          <a:p>
+            <a:r>
+              <a:rPr kumimoji="1" lang="zh-CN" altLang="en-US" sz="4400" b="1" dirty="0">
+                <a:latin typeface="华文新魏" panose="02010800040101010101" pitchFamily="2" charset="-122"/>
+                <a:ea typeface="华文新魏" panose="02010800040101010101" pitchFamily="2" charset="-122"/>
+              </a:rPr>
+              <a:t>一、什么是</a:t>
+            </a:r>
+            <a:r>
+              <a:rPr kumimoji="1" lang="en-US" altLang="zh-CN" sz="4400" b="1" dirty="0">
+                <a:latin typeface="华文新魏" panose="02010800040101010101" pitchFamily="2" charset="-122"/>
+                <a:ea typeface="华文新魏" panose="02010800040101010101" pitchFamily="2" charset="-122"/>
+              </a:rPr>
+              <a:t>python</a:t>
+            </a:r>
+            <a:endParaRPr kumimoji="1" lang="zh-CN" altLang="en-US" sz="4400" b="1" dirty="0">
+              <a:latin typeface="华文新魏" panose="02010800040101010101" pitchFamily="2" charset="-122"/>
+              <a:ea typeface="华文新魏" panose="02010800040101010101" pitchFamily="2" charset="-122"/>
+            </a:endParaRPr>
+          </a:p>
+        </p:txBody>
+      </p:sp>
+      <p:sp>
+        <p:nvSpPr>
+          <p:cNvPr id="2" name="文本框 1">
+            <a:extLst>
+              <a:ext uri="{FF2B5EF4-FFF2-40B4-BE49-F238E27FC236}">
+                <a16:creationId xmlns:a16="http://schemas.microsoft.com/office/drawing/2014/main" id="{A60F9666-C87B-4DD2-9B9C-A1A4A3D091BE}"/>
+              </a:ext>
+            </a:extLst>
+          </p:cNvPr>
+          <p:cNvSpPr txBox="1"/>
+          <p:nvPr/>
+        </p:nvSpPr>
+        <p:spPr>
+          <a:xfrm>
+            <a:off x="627996" y="2285933"/>
+            <a:ext cx="11570796" cy="1354217"/>
+          </a:xfrm>
+          <a:prstGeom prst="rect">
+            <a:avLst/>
+          </a:prstGeom>
+          <a:noFill/>
+        </p:spPr>
+        <p:txBody>
+          <a:bodyPr wrap="none" rtlCol="0">
+            <a:spAutoFit/>
+          </a:bodyPr>
+          <a:lstStyle/>
+          <a:p>
+            <a:r>
+              <a:rPr lang="en-US" altLang="zh-CN" sz="2800" dirty="0"/>
+              <a:t>Python</a:t>
+            </a:r>
+            <a:r>
+              <a:rPr lang="zh-CN" altLang="en-US" sz="2800" dirty="0"/>
+              <a:t>是著名的“龟叔”</a:t>
+            </a:r>
+            <a:r>
+              <a:rPr lang="en-US" altLang="zh-CN" sz="2800" dirty="0"/>
+              <a:t>Guido van Rossum</a:t>
+            </a:r>
+            <a:r>
+              <a:rPr lang="zh-CN" altLang="en-US" sz="2800" dirty="0"/>
+              <a:t>在</a:t>
+            </a:r>
+            <a:r>
+              <a:rPr lang="en-US" altLang="zh-CN" sz="2800" dirty="0"/>
+              <a:t>1989</a:t>
+            </a:r>
+            <a:r>
+              <a:rPr lang="zh-CN" altLang="en-US" sz="2800" dirty="0"/>
+              <a:t>年圣诞节期间，</a:t>
+            </a:r>
+            <a:r>
+              <a:rPr lang="zh-CN" altLang="en-US" sz="3200" dirty="0"/>
+              <a:t>为</a:t>
+            </a:r>
+            <a:br>
+              <a:rPr lang="en-US" altLang="zh-CN" sz="3200" dirty="0"/>
+            </a:br>
+            <a:r>
+              <a:rPr lang="zh-CN" altLang="en-US" sz="3200" dirty="0"/>
+              <a:t>了</a:t>
+            </a:r>
+            <a:r>
+              <a:rPr lang="zh-CN" altLang="en-US" sz="2800" dirty="0"/>
+              <a:t>打发无聊的圣诞节而编写的一个编程语言。</a:t>
+            </a:r>
+            <a:br>
+              <a:rPr lang="en-US" altLang="zh-CN" dirty="0"/>
+            </a:br>
+            <a:endParaRPr lang="zh-CN" altLang="en-US" dirty="0"/>
+          </a:p>
+        </p:txBody>
+      </p:sp>
+      <p:pic>
+        <p:nvPicPr>
+          <p:cNvPr id="6" name="图片 5">
+            <a:extLst>
+              <a:ext uri="{FF2B5EF4-FFF2-40B4-BE49-F238E27FC236}">
+                <a16:creationId xmlns:a16="http://schemas.microsoft.com/office/drawing/2014/main" id="{73E3A024-497B-41C7-ADE8-5ADE65CC63B6}"/>
+              </a:ext>
+            </a:extLst>
+          </p:cNvPr>
+          <p:cNvPicPr>
+            <a:picLocks noChangeAspect="1"/>
+          </p:cNvPicPr>
+          <p:nvPr/>
+        </p:nvPicPr>
+        <p:blipFill>
+          <a:blip r:embed="rId2"/>
+          <a:stretch>
+            <a:fillRect/>
+          </a:stretch>
+        </p:blipFill>
+        <p:spPr>
+          <a:xfrm>
+            <a:off x="2943921" y="3462739"/>
+            <a:ext cx="5420541" cy="2727985"/>
+          </a:xfrm>
+          <a:prstGeom prst="rect">
+            <a:avLst/>
+          </a:prstGeom>
+        </p:spPr>
+      </p:pic>
+      <p:sp>
+        <p:nvSpPr>
+          <p:cNvPr id="9" name="文本框 8">
+            <a:extLst>
+              <a:ext uri="{FF2B5EF4-FFF2-40B4-BE49-F238E27FC236}">
+                <a16:creationId xmlns:a16="http://schemas.microsoft.com/office/drawing/2014/main" id="{3496C184-8651-471D-B494-031A0D219660}"/>
+              </a:ext>
+            </a:extLst>
+          </p:cNvPr>
+          <p:cNvSpPr txBox="1"/>
+          <p:nvPr/>
+        </p:nvSpPr>
+        <p:spPr>
+          <a:xfrm>
+            <a:off x="1154954" y="6311310"/>
+            <a:ext cx="9969396" cy="369332"/>
+          </a:xfrm>
+          <a:prstGeom prst="rect">
+            <a:avLst/>
+          </a:prstGeom>
+          <a:noFill/>
+        </p:spPr>
+        <p:txBody>
+          <a:bodyPr wrap="none" rtlCol="0">
+            <a:spAutoFit/>
+          </a:bodyPr>
+          <a:lstStyle/>
+          <a:p>
+            <a:r>
+              <a:rPr lang="zh-CN" altLang="en-US" dirty="0"/>
+              <a:t>阅读链接：</a:t>
+            </a:r>
+            <a:r>
+              <a:rPr lang="en-US" altLang="zh-CN" dirty="0">
+                <a:hlinkClick r:id="rId3"/>
+              </a:rPr>
+              <a:t>https://www.oschina.net/news/92495/popular-programming-languages-2018</a:t>
+            </a:r>
+            <a:endParaRPr lang="zh-CN" altLang="en-US" dirty="0"/>
+          </a:p>
+        </p:txBody>
+      </p:sp>
+      <p:pic>
+        <p:nvPicPr>
+          <p:cNvPr id="5" name="图片 4">
+            <a:extLst>
+              <a:ext uri="{FF2B5EF4-FFF2-40B4-BE49-F238E27FC236}">
+                <a16:creationId xmlns:a16="http://schemas.microsoft.com/office/drawing/2014/main" id="{007C2644-9AB9-438D-B3BA-671EE7B50DD1}"/>
+              </a:ext>
+            </a:extLst>
+          </p:cNvPr>
+          <p:cNvPicPr>
+            <a:picLocks noChangeAspect="1"/>
+          </p:cNvPicPr>
+          <p:nvPr/>
+        </p:nvPicPr>
+        <p:blipFill>
+          <a:blip r:embed="rId4"/>
+          <a:stretch>
+            <a:fillRect/>
+          </a:stretch>
+        </p:blipFill>
+        <p:spPr>
+          <a:xfrm>
+            <a:off x="9023839" y="2954215"/>
+            <a:ext cx="2286000" cy="3429000"/>
+          </a:xfrm>
+          <a:prstGeom prst="rect">
+            <a:avLst/>
+          </a:prstGeom>
+        </p:spPr>
+      </p:pic>
+    </p:spTree>
+    <p:extLst>
+      <p:ext uri="{BB962C8B-B14F-4D97-AF65-F5344CB8AC3E}">
+        <p14:creationId xmlns:p14="http://schemas.microsoft.com/office/powerpoint/2010/main" val="215511702"/>
+      </p:ext>
+    </p:extLst>
+  </p:cSld>
+  <p:clrMapOvr>
+    <a:masterClrMapping/>
+  </p:clrMapOvr>
+</p:sld>
+</file>
+
+<file path=ppt/slides/slide4.xml><?xml version="1.0" encoding="utf-8"?>
+<p:sld xmlns:a="http://schemas.openxmlformats.org/drawingml/2006/main" xmlns:r="http://schemas.openxmlformats.org/officeDocument/2006/relationships" xmlns:p="http://schemas.openxmlformats.org/presentationml/2006/main">
+  <p:cSld>
+    <p:spTree>
+      <p:nvGrpSpPr>
+        <p:cNvPr id="1" name=""/>
+        <p:cNvGrpSpPr/>
+        <p:nvPr/>
+      </p:nvGrpSpPr>
+      <p:grpSpPr>
+        <a:xfrm>
+          <a:off x="0" y="0"/>
+          <a:ext cx="0" cy="0"/>
+          <a:chOff x="0" y="0"/>
+          <a:chExt cx="0" cy="0"/>
+        </a:xfrm>
+      </p:grpSpPr>
+      <p:pic>
+        <p:nvPicPr>
+          <p:cNvPr id="4" name="图片 3">
+            <a:extLst>
+              <a:ext uri="{FF2B5EF4-FFF2-40B4-BE49-F238E27FC236}">
+                <a16:creationId xmlns:a16="http://schemas.microsoft.com/office/drawing/2014/main" id="{E04C70B7-E97C-408D-B249-6FD2EF67AF5C}"/>
+              </a:ext>
+            </a:extLst>
+          </p:cNvPr>
+          <p:cNvPicPr>
+            <a:picLocks noChangeAspect="1"/>
+          </p:cNvPicPr>
+          <p:nvPr/>
+        </p:nvPicPr>
+        <p:blipFill>
+          <a:blip r:embed="rId2"/>
+          <a:stretch>
+            <a:fillRect/>
+          </a:stretch>
+        </p:blipFill>
+        <p:spPr>
+          <a:xfrm>
+            <a:off x="809534" y="2620432"/>
+            <a:ext cx="4851400" cy="3263900"/>
+          </a:xfrm>
+          <a:prstGeom prst="rect">
+            <a:avLst/>
+          </a:prstGeom>
+        </p:spPr>
+      </p:pic>
+      <p:pic>
+        <p:nvPicPr>
+          <p:cNvPr id="6" name="图片 5">
+            <a:extLst>
+              <a:ext uri="{FF2B5EF4-FFF2-40B4-BE49-F238E27FC236}">
+                <a16:creationId xmlns:a16="http://schemas.microsoft.com/office/drawing/2014/main" id="{91373359-A4EF-48BA-8248-16977DC0CB1A}"/>
+              </a:ext>
+            </a:extLst>
+          </p:cNvPr>
+          <p:cNvPicPr>
+            <a:picLocks noChangeAspect="1"/>
+          </p:cNvPicPr>
+          <p:nvPr/>
+        </p:nvPicPr>
+        <p:blipFill>
+          <a:blip r:embed="rId3"/>
+          <a:stretch>
+            <a:fillRect/>
+          </a:stretch>
+        </p:blipFill>
+        <p:spPr>
+          <a:xfrm>
+            <a:off x="5864431" y="3666392"/>
+            <a:ext cx="5518035" cy="1510249"/>
+          </a:xfrm>
+          <a:prstGeom prst="rect">
+            <a:avLst/>
+          </a:prstGeom>
+        </p:spPr>
+      </p:pic>
+    </p:spTree>
+    <p:extLst>
+      <p:ext uri="{BB962C8B-B14F-4D97-AF65-F5344CB8AC3E}">
+        <p14:creationId xmlns:p14="http://schemas.microsoft.com/office/powerpoint/2010/main" val="1891087937"/>
+      </p:ext>
+    </p:extLst>
+  </p:cSld>
+  <p:clrMapOvr>
+    <a:masterClrMapping/>
+  </p:clrMapOvr>
+</p:sld>
+</file>
+
+<file path=ppt/slides/slide5.xml><?xml version="1.0" encoding="utf-8"?>
+<p:sld xmlns:a="http://schemas.openxmlformats.org/drawingml/2006/main" xmlns:r="http://schemas.openxmlformats.org/officeDocument/2006/relationships" xmlns:p="http://schemas.openxmlformats.org/presentationml/2006/main">
+  <p:cSld>
+    <p:spTree>
+      <p:nvGrpSpPr>
+        <p:cNvPr id="1" name=""/>
+        <p:cNvGrpSpPr/>
+        <p:nvPr/>
+      </p:nvGrpSpPr>
+      <p:grpSpPr>
+        <a:xfrm>
+          <a:off x="0" y="0"/>
+          <a:ext cx="0" cy="0"/>
+          <a:chOff x="0" y="0"/>
+          <a:chExt cx="0" cy="0"/>
+        </a:xfrm>
+      </p:grpSpPr>
+      <p:sp>
+        <p:nvSpPr>
+          <p:cNvPr id="2" name="标题 1">
+            <a:extLst>
+              <a:ext uri="{FF2B5EF4-FFF2-40B4-BE49-F238E27FC236}">
+                <a16:creationId xmlns:a16="http://schemas.microsoft.com/office/drawing/2014/main" id="{41C4E8C6-0A8E-46AA-942C-7651569CF333}"/>
+              </a:ext>
+            </a:extLst>
+          </p:cNvPr>
+          <p:cNvSpPr>
+            <a:spLocks noGrp="1"/>
+          </p:cNvSpPr>
+          <p:nvPr>
+            <p:ph type="title"/>
+          </p:nvPr>
+        </p:nvSpPr>
+        <p:spPr/>
+        <p:txBody>
+          <a:bodyPr/>
+          <a:lstStyle/>
+          <a:p>
+            <a:r>
+              <a:rPr lang="zh-CN" altLang="en-US" dirty="0"/>
+              <a:t>二、知已知彼</a:t>
+            </a:r>
+          </a:p>
+        </p:txBody>
+      </p:sp>
+      <p:sp>
+        <p:nvSpPr>
+          <p:cNvPr id="3" name="文本框 2">
+            <a:extLst>
+              <a:ext uri="{FF2B5EF4-FFF2-40B4-BE49-F238E27FC236}">
+                <a16:creationId xmlns:a16="http://schemas.microsoft.com/office/drawing/2014/main" id="{ED68F4CD-C580-4884-8A84-2804D2E83463}"/>
+              </a:ext>
+            </a:extLst>
+          </p:cNvPr>
+          <p:cNvSpPr txBox="1"/>
+          <p:nvPr/>
+        </p:nvSpPr>
+        <p:spPr>
+          <a:xfrm>
+            <a:off x="413239" y="2544749"/>
+            <a:ext cx="11523784" cy="707886"/>
+          </a:xfrm>
+          <a:prstGeom prst="rect">
+            <a:avLst/>
+          </a:prstGeom>
+          <a:noFill/>
+        </p:spPr>
+        <p:txBody>
+          <a:bodyPr wrap="square" rtlCol="0">
+            <a:spAutoFit/>
+          </a:bodyPr>
+          <a:lstStyle/>
+          <a:p>
+            <a:r>
+              <a:rPr lang="en-US" altLang="zh-CN" sz="2000" b="1" dirty="0"/>
+              <a:t>C</a:t>
+            </a:r>
+            <a:r>
+              <a:rPr lang="zh-CN" altLang="en-US" sz="2000" b="1" dirty="0"/>
+              <a:t>语言是可以用来编写操作系统的贴近硬件的语言，所以，</a:t>
+            </a:r>
+            <a:r>
+              <a:rPr lang="en-US" altLang="zh-CN" sz="2000" b="1" dirty="0"/>
+              <a:t>C</a:t>
+            </a:r>
+            <a:r>
+              <a:rPr lang="zh-CN" altLang="en-US" sz="2000" b="1" dirty="0"/>
+              <a:t>语言适合开发那些追求运行速度、充分发挥硬件性能的程序。</a:t>
+            </a:r>
+          </a:p>
+        </p:txBody>
+      </p:sp>
+      <p:sp>
+        <p:nvSpPr>
+          <p:cNvPr id="4" name="文本框 3">
+            <a:extLst>
+              <a:ext uri="{FF2B5EF4-FFF2-40B4-BE49-F238E27FC236}">
+                <a16:creationId xmlns:a16="http://schemas.microsoft.com/office/drawing/2014/main" id="{6F6A5885-9D12-4155-9CF8-37477BBF7194}"/>
+              </a:ext>
+            </a:extLst>
+          </p:cNvPr>
+          <p:cNvSpPr txBox="1"/>
+          <p:nvPr/>
+        </p:nvSpPr>
+        <p:spPr>
+          <a:xfrm>
+            <a:off x="413239" y="3640590"/>
+            <a:ext cx="10320454" cy="369332"/>
+          </a:xfrm>
+          <a:prstGeom prst="rect">
+            <a:avLst/>
+          </a:prstGeom>
+          <a:noFill/>
+        </p:spPr>
+        <p:txBody>
+          <a:bodyPr wrap="none" rtlCol="0">
+            <a:spAutoFit/>
+          </a:bodyPr>
+          <a:lstStyle/>
+          <a:p>
+            <a:r>
+              <a:rPr lang="en-US" altLang="zh-CN" b="1" dirty="0"/>
+              <a:t>Python</a:t>
+            </a:r>
+            <a:r>
+              <a:rPr lang="zh-CN" altLang="en-US" b="1" dirty="0"/>
+              <a:t>的哲学就是简单优雅，尽量写容易看明白的代码，尽量写少的代码。人生苦短，我用</a:t>
+            </a:r>
+            <a:r>
+              <a:rPr lang="en-US" altLang="zh-CN" b="1" dirty="0"/>
+              <a:t>python</a:t>
+            </a:r>
+            <a:endParaRPr lang="zh-CN" altLang="en-US" b="1" dirty="0"/>
+          </a:p>
+        </p:txBody>
+      </p:sp>
+      <p:pic>
+        <p:nvPicPr>
+          <p:cNvPr id="6" name="图片 5">
+            <a:extLst>
+              <a:ext uri="{FF2B5EF4-FFF2-40B4-BE49-F238E27FC236}">
+                <a16:creationId xmlns:a16="http://schemas.microsoft.com/office/drawing/2014/main" id="{10D8CB62-4C1E-43EE-9D0A-A7C06CA21C05}"/>
+              </a:ext>
+            </a:extLst>
+          </p:cNvPr>
+          <p:cNvPicPr>
+            <a:picLocks noChangeAspect="1"/>
+          </p:cNvPicPr>
+          <p:nvPr/>
+        </p:nvPicPr>
+        <p:blipFill>
+          <a:blip r:embed="rId2"/>
+          <a:stretch>
+            <a:fillRect/>
+          </a:stretch>
+        </p:blipFill>
+        <p:spPr>
+          <a:xfrm>
+            <a:off x="715031" y="4195263"/>
+            <a:ext cx="3638550" cy="1733550"/>
+          </a:xfrm>
+          <a:prstGeom prst="rect">
+            <a:avLst/>
+          </a:prstGeom>
+        </p:spPr>
+      </p:pic>
+      <p:pic>
+        <p:nvPicPr>
+          <p:cNvPr id="8" name="图片 7">
+            <a:extLst>
+              <a:ext uri="{FF2B5EF4-FFF2-40B4-BE49-F238E27FC236}">
+                <a16:creationId xmlns:a16="http://schemas.microsoft.com/office/drawing/2014/main" id="{B2691834-9D65-45B3-BA44-83712D5576C1}"/>
+              </a:ext>
+            </a:extLst>
+          </p:cNvPr>
+          <p:cNvPicPr>
+            <a:picLocks noChangeAspect="1"/>
+          </p:cNvPicPr>
+          <p:nvPr/>
+        </p:nvPicPr>
+        <p:blipFill>
+          <a:blip r:embed="rId3"/>
+          <a:stretch>
+            <a:fillRect/>
+          </a:stretch>
+        </p:blipFill>
+        <p:spPr>
+          <a:xfrm>
+            <a:off x="6175131" y="4286250"/>
+            <a:ext cx="4095750" cy="1714500"/>
+          </a:xfrm>
+          <a:prstGeom prst="rect">
+            <a:avLst/>
+          </a:prstGeom>
+        </p:spPr>
+      </p:pic>
+      <p:sp>
+        <p:nvSpPr>
+          <p:cNvPr id="9" name="文本框 8">
+            <a:extLst>
+              <a:ext uri="{FF2B5EF4-FFF2-40B4-BE49-F238E27FC236}">
+                <a16:creationId xmlns:a16="http://schemas.microsoft.com/office/drawing/2014/main" id="{A9EB2A03-8CA1-495E-BD54-0170B9122F1D}"/>
+              </a:ext>
+            </a:extLst>
+          </p:cNvPr>
+          <p:cNvSpPr txBox="1"/>
+          <p:nvPr/>
+        </p:nvSpPr>
+        <p:spPr>
+          <a:xfrm>
+            <a:off x="345754" y="6114154"/>
+            <a:ext cx="11981165" cy="646331"/>
+          </a:xfrm>
+          <a:prstGeom prst="rect">
+            <a:avLst/>
+          </a:prstGeom>
+          <a:noFill/>
+        </p:spPr>
+        <p:txBody>
+          <a:bodyPr wrap="none" rtlCol="0">
+            <a:spAutoFit/>
+          </a:bodyPr>
+          <a:lstStyle/>
+          <a:p>
+            <a:r>
+              <a:rPr lang="zh-CN" altLang="en-US" dirty="0"/>
+              <a:t>阅读链接：</a:t>
+            </a:r>
+            <a:r>
+              <a:rPr lang="en-US" altLang="zh-CN" dirty="0"/>
+              <a:t> </a:t>
+            </a:r>
+            <a:r>
+              <a:rPr lang="en-US" altLang="zh-CN" b="1" dirty="0">
+                <a:hlinkClick r:id="rId4"/>
+              </a:rPr>
+              <a:t>https://www.liaoxuefeng.com/wiki/0014316089557264a6b348958f449949df42a6d3a2e542c000/</a:t>
+            </a:r>
+            <a:br>
+              <a:rPr lang="en-US" altLang="zh-CN" b="1" dirty="0">
+                <a:hlinkClick r:id="rId4"/>
+              </a:rPr>
+            </a:br>
+            <a:r>
+              <a:rPr lang="en-US" altLang="zh-CN" b="1" dirty="0">
+                <a:hlinkClick r:id="rId4"/>
+              </a:rPr>
+              <a:t>001431608990315a01b575e2ab041168ff0df194698afac000</a:t>
+            </a:r>
+            <a:endParaRPr lang="zh-CN" altLang="en-US" b="1" dirty="0"/>
+          </a:p>
+        </p:txBody>
+      </p:sp>
+    </p:spTree>
+    <p:extLst>
+      <p:ext uri="{BB962C8B-B14F-4D97-AF65-F5344CB8AC3E}">
+        <p14:creationId xmlns:p14="http://schemas.microsoft.com/office/powerpoint/2010/main" val="994844716"/>
+      </p:ext>
+    </p:extLst>
+  </p:cSld>
+  <p:clrMapOvr>
+    <a:masterClrMapping/>
+  </p:clrMapOvr>
+</p:sld>
+</file>
+
+<file path=ppt/slides/slide6.xml><?xml version="1.0" encoding="utf-8"?>
+<p:sld xmlns:a="http://schemas.openxmlformats.org/drawingml/2006/main" xmlns:r="http://schemas.openxmlformats.org/officeDocument/2006/relationships" xmlns:p="http://schemas.openxmlformats.org/presentationml/2006/main">
+  <p:cSld>
+    <p:spTree>
+      <p:nvGrpSpPr>
+        <p:cNvPr id="1" name=""/>
+        <p:cNvGrpSpPr/>
+        <p:nvPr/>
+      </p:nvGrpSpPr>
+      <p:grpSpPr>
+        <a:xfrm>
+          <a:off x="0" y="0"/>
+          <a:ext cx="0" cy="0"/>
+          <a:chOff x="0" y="0"/>
+          <a:chExt cx="0" cy="0"/>
+        </a:xfrm>
+      </p:grpSpPr>
+      <p:sp>
+        <p:nvSpPr>
+          <p:cNvPr id="2" name="标题 1">
+            <a:extLst>
+              <a:ext uri="{FF2B5EF4-FFF2-40B4-BE49-F238E27FC236}">
+                <a16:creationId xmlns:a16="http://schemas.microsoft.com/office/drawing/2014/main" id="{FB3C3303-298C-440E-A013-B5E0D131FA18}"/>
+              </a:ext>
+            </a:extLst>
+          </p:cNvPr>
+          <p:cNvSpPr>
+            <a:spLocks noGrp="1"/>
+          </p:cNvSpPr>
+          <p:nvPr>
+            <p:ph type="title"/>
+          </p:nvPr>
+        </p:nvSpPr>
+        <p:spPr/>
+        <p:txBody>
+          <a:bodyPr/>
+          <a:lstStyle/>
+          <a:p>
+            <a:r>
+              <a:rPr lang="en-US" altLang="zh-CN" dirty="0"/>
+              <a:t>Hello Word!</a:t>
+            </a:r>
+            <a:endParaRPr lang="zh-CN" altLang="en-US" dirty="0"/>
+          </a:p>
+        </p:txBody>
+      </p:sp>
+      <p:sp>
+        <p:nvSpPr>
+          <p:cNvPr id="5" name="文本框 4">
+            <a:extLst>
+              <a:ext uri="{FF2B5EF4-FFF2-40B4-BE49-F238E27FC236}">
+                <a16:creationId xmlns:a16="http://schemas.microsoft.com/office/drawing/2014/main" id="{860632F4-EC3A-4A88-A16A-88CF0990CE1A}"/>
+              </a:ext>
+            </a:extLst>
+          </p:cNvPr>
+          <p:cNvSpPr txBox="1"/>
+          <p:nvPr/>
+        </p:nvSpPr>
+        <p:spPr>
+          <a:xfrm>
+            <a:off x="467536" y="2373923"/>
+            <a:ext cx="5628464" cy="2308324"/>
+          </a:xfrm>
+          <a:prstGeom prst="rect">
+            <a:avLst/>
+          </a:prstGeom>
+          <a:noFill/>
+        </p:spPr>
+        <p:txBody>
+          <a:bodyPr wrap="square" rtlCol="0">
+            <a:spAutoFit/>
+          </a:bodyPr>
+          <a:lstStyle/>
+          <a:p>
+            <a:r>
+              <a:rPr lang="en-US" altLang="zh-CN" sz="2400" b="1" dirty="0"/>
+              <a:t>public class HelloWorld {</a:t>
+            </a:r>
+          </a:p>
+          <a:p>
+            <a:r>
+              <a:rPr lang="en-US" altLang="zh-CN" sz="2400" b="1" dirty="0"/>
+              <a:t>  public static void main(String[]</a:t>
+            </a:r>
+            <a:r>
+              <a:rPr lang="en-US" altLang="zh-CN" sz="2400" b="1" dirty="0" err="1"/>
+              <a:t>agrs</a:t>
+            </a:r>
+            <a:r>
+              <a:rPr lang="en-US" altLang="zh-CN" sz="2400" b="1" dirty="0"/>
+              <a:t>)</a:t>
+            </a:r>
+          </a:p>
+          <a:p>
+            <a:r>
+              <a:rPr lang="en-US" altLang="zh-CN" sz="2400" b="1" dirty="0"/>
+              <a:t>    {</a:t>
+            </a:r>
+          </a:p>
+          <a:p>
+            <a:r>
+              <a:rPr lang="en-US" altLang="zh-CN" sz="2400" b="1" dirty="0"/>
+              <a:t>      </a:t>
+            </a:r>
+            <a:r>
+              <a:rPr lang="en-US" altLang="zh-CN" sz="2400" b="1" dirty="0" err="1"/>
+              <a:t>System.out.println</a:t>
+            </a:r>
+            <a:r>
+              <a:rPr lang="en-US" altLang="zh-CN" sz="2400" b="1" dirty="0"/>
+              <a:t>("Hello World!");</a:t>
+            </a:r>
+          </a:p>
+          <a:p>
+            <a:r>
+              <a:rPr lang="en-US" altLang="zh-CN" sz="2400" b="1" dirty="0"/>
+              <a:t>    }</a:t>
+            </a:r>
+          </a:p>
+          <a:p>
+            <a:r>
+              <a:rPr lang="en-US" altLang="zh-CN" sz="2400" b="1" dirty="0"/>
+              <a:t>}</a:t>
+            </a:r>
+            <a:endParaRPr lang="zh-CN" altLang="en-US" sz="2400" b="1" dirty="0"/>
+          </a:p>
+        </p:txBody>
+      </p:sp>
+      <p:pic>
+        <p:nvPicPr>
+          <p:cNvPr id="7" name="图片 6">
+            <a:extLst>
+              <a:ext uri="{FF2B5EF4-FFF2-40B4-BE49-F238E27FC236}">
+                <a16:creationId xmlns:a16="http://schemas.microsoft.com/office/drawing/2014/main" id="{24693BBA-C208-44EA-BA39-373C944D43FD}"/>
+              </a:ext>
+            </a:extLst>
+          </p:cNvPr>
+          <p:cNvPicPr>
+            <a:picLocks noChangeAspect="1"/>
+          </p:cNvPicPr>
+          <p:nvPr/>
+        </p:nvPicPr>
+        <p:blipFill>
+          <a:blip r:embed="rId2"/>
+          <a:stretch>
+            <a:fillRect/>
+          </a:stretch>
+        </p:blipFill>
+        <p:spPr>
+          <a:xfrm>
+            <a:off x="935892" y="4220308"/>
+            <a:ext cx="3144428" cy="2206869"/>
+          </a:xfrm>
+          <a:prstGeom prst="rect">
+            <a:avLst/>
+          </a:prstGeom>
+        </p:spPr>
+      </p:pic>
+      <p:sp>
+        <p:nvSpPr>
+          <p:cNvPr id="8" name="文本框 7">
+            <a:extLst>
+              <a:ext uri="{FF2B5EF4-FFF2-40B4-BE49-F238E27FC236}">
+                <a16:creationId xmlns:a16="http://schemas.microsoft.com/office/drawing/2014/main" id="{7CA483A8-8518-4F3E-ADB1-1C3120249009}"/>
+              </a:ext>
+            </a:extLst>
+          </p:cNvPr>
+          <p:cNvSpPr txBox="1"/>
+          <p:nvPr/>
+        </p:nvSpPr>
+        <p:spPr>
+          <a:xfrm>
+            <a:off x="6734908" y="2567354"/>
+            <a:ext cx="5310554" cy="2677656"/>
+          </a:xfrm>
+          <a:prstGeom prst="rect">
+            <a:avLst/>
+          </a:prstGeom>
+          <a:noFill/>
+        </p:spPr>
+        <p:txBody>
+          <a:bodyPr wrap="square" rtlCol="0">
+            <a:spAutoFit/>
+          </a:bodyPr>
+          <a:lstStyle/>
+          <a:p>
+            <a:r>
+              <a:rPr lang="en-US" altLang="zh-CN" sz="2400" b="1" dirty="0"/>
+              <a:t>#include &lt;iostream&gt;  </a:t>
+            </a:r>
+          </a:p>
+          <a:p>
+            <a:r>
+              <a:rPr lang="en-US" altLang="zh-CN" sz="2400" b="1" dirty="0"/>
+              <a:t>using namespace </a:t>
+            </a:r>
+            <a:r>
+              <a:rPr lang="en-US" altLang="zh-CN" sz="2400" b="1" dirty="0" err="1"/>
+              <a:t>std</a:t>
+            </a:r>
+            <a:r>
+              <a:rPr lang="en-US" altLang="zh-CN" sz="2400" b="1" dirty="0"/>
+              <a:t>;  </a:t>
+            </a:r>
+          </a:p>
+          <a:p>
+            <a:r>
+              <a:rPr lang="en-US" altLang="zh-CN" sz="2400" b="1" dirty="0"/>
+              <a:t>  </a:t>
+            </a:r>
+          </a:p>
+          <a:p>
+            <a:r>
+              <a:rPr lang="en-US" altLang="zh-CN" sz="2400" b="1" dirty="0" err="1"/>
+              <a:t>int</a:t>
+            </a:r>
+            <a:r>
+              <a:rPr lang="en-US" altLang="zh-CN" sz="2400" b="1" dirty="0"/>
+              <a:t> main() {  </a:t>
+            </a:r>
+          </a:p>
+          <a:p>
+            <a:r>
+              <a:rPr lang="en-US" altLang="zh-CN" sz="2400" b="1" dirty="0"/>
+              <a:t>    </a:t>
+            </a:r>
+            <a:r>
+              <a:rPr lang="en-US" altLang="zh-CN" sz="2400" b="1" dirty="0" err="1"/>
+              <a:t>cout</a:t>
+            </a:r>
+            <a:r>
+              <a:rPr lang="en-US" altLang="zh-CN" sz="2400" b="1" dirty="0"/>
+              <a:t> &lt;&lt; "Hello World!" &lt;&lt; </a:t>
+            </a:r>
+            <a:r>
+              <a:rPr lang="en-US" altLang="zh-CN" sz="2400" b="1" dirty="0" err="1"/>
+              <a:t>endl</a:t>
+            </a:r>
+            <a:r>
+              <a:rPr lang="en-US" altLang="zh-CN" sz="2400" b="1" dirty="0"/>
+              <a:t>;   </a:t>
+            </a:r>
+          </a:p>
+          <a:p>
+            <a:r>
+              <a:rPr lang="en-US" altLang="zh-CN" sz="2400" b="1" dirty="0"/>
+              <a:t>    return 0;  </a:t>
+            </a:r>
+          </a:p>
+          <a:p>
+            <a:r>
+              <a:rPr lang="en-US" altLang="zh-CN" sz="2400" b="1" dirty="0"/>
+              <a:t>}  </a:t>
+            </a:r>
+          </a:p>
+        </p:txBody>
+      </p:sp>
+      <p:pic>
+        <p:nvPicPr>
+          <p:cNvPr id="10" name="图片 9">
+            <a:extLst>
+              <a:ext uri="{FF2B5EF4-FFF2-40B4-BE49-F238E27FC236}">
+                <a16:creationId xmlns:a16="http://schemas.microsoft.com/office/drawing/2014/main" id="{3922D77A-3CC3-4B05-B6BF-AB9C3E23B026}"/>
+              </a:ext>
+            </a:extLst>
+          </p:cNvPr>
+          <p:cNvPicPr>
+            <a:picLocks noChangeAspect="1"/>
+          </p:cNvPicPr>
+          <p:nvPr/>
+        </p:nvPicPr>
+        <p:blipFill>
+          <a:blip r:embed="rId3"/>
+          <a:stretch>
+            <a:fillRect/>
+          </a:stretch>
+        </p:blipFill>
+        <p:spPr>
+          <a:xfrm>
+            <a:off x="8479782" y="4704826"/>
+            <a:ext cx="2538934" cy="1994877"/>
+          </a:xfrm>
+          <a:prstGeom prst="rect">
+            <a:avLst/>
+          </a:prstGeom>
+        </p:spPr>
+      </p:pic>
+    </p:spTree>
+    <p:extLst>
+      <p:ext uri="{BB962C8B-B14F-4D97-AF65-F5344CB8AC3E}">
+        <p14:creationId xmlns:p14="http://schemas.microsoft.com/office/powerpoint/2010/main" val="1661331510"/>
+      </p:ext>
+    </p:extLst>
+  </p:cSld>
+  <p:clrMapOvr>
+    <a:masterClrMapping/>
+  </p:clrMapOvr>
+</p:sld>
+</file>
+
+<file path=ppt/slides/slide7.xml><?xml version="1.0" encoding="utf-8"?>
+<p:sld xmlns:a="http://schemas.openxmlformats.org/drawingml/2006/main" xmlns:r="http://schemas.openxmlformats.org/officeDocument/2006/relationships" xmlns:p="http://schemas.openxmlformats.org/presentationml/2006/main">
+  <p:cSld>
+    <p:spTree>
+      <p:nvGrpSpPr>
+        <p:cNvPr id="1" name=""/>
+        <p:cNvGrpSpPr/>
+        <p:nvPr/>
+      </p:nvGrpSpPr>
+      <p:grpSpPr>
+        <a:xfrm>
+          <a:off x="0" y="0"/>
+          <a:ext cx="0" cy="0"/>
+          <a:chOff x="0" y="0"/>
+          <a:chExt cx="0" cy="0"/>
+        </a:xfrm>
+      </p:grpSpPr>
+      <p:sp>
+        <p:nvSpPr>
+          <p:cNvPr id="3" name="文本框 2">
+            <a:extLst>
+              <a:ext uri="{FF2B5EF4-FFF2-40B4-BE49-F238E27FC236}">
+                <a16:creationId xmlns:a16="http://schemas.microsoft.com/office/drawing/2014/main" id="{D8FCE25C-AC62-48DB-ADE2-53E48D9FEDB7}"/>
+              </a:ext>
+            </a:extLst>
+          </p:cNvPr>
+          <p:cNvSpPr txBox="1"/>
+          <p:nvPr/>
+        </p:nvSpPr>
+        <p:spPr>
+          <a:xfrm>
+            <a:off x="1512277" y="3429000"/>
+            <a:ext cx="3161443" cy="461665"/>
+          </a:xfrm>
+          <a:prstGeom prst="rect">
+            <a:avLst/>
+          </a:prstGeom>
+          <a:noFill/>
+        </p:spPr>
+        <p:txBody>
+          <a:bodyPr wrap="none" rtlCol="0">
+            <a:spAutoFit/>
+          </a:bodyPr>
+          <a:lstStyle/>
+          <a:p>
+            <a:r>
+              <a:rPr lang="en-US" altLang="zh-CN" sz="2400" b="1" dirty="0"/>
+              <a:t>print( ‘Hello, world!’)</a:t>
+            </a:r>
+            <a:endParaRPr lang="zh-CN" altLang="en-US" sz="2400" b="1" dirty="0"/>
+          </a:p>
+        </p:txBody>
+      </p:sp>
+      <p:pic>
+        <p:nvPicPr>
+          <p:cNvPr id="4" name="图片 3">
+            <a:extLst>
+              <a:ext uri="{FF2B5EF4-FFF2-40B4-BE49-F238E27FC236}">
+                <a16:creationId xmlns:a16="http://schemas.microsoft.com/office/drawing/2014/main" id="{83B5EBBD-8105-45A4-9091-2C8993B9A2DA}"/>
+              </a:ext>
+            </a:extLst>
+          </p:cNvPr>
+          <p:cNvPicPr>
+            <a:picLocks noChangeAspect="1"/>
+          </p:cNvPicPr>
+          <p:nvPr/>
+        </p:nvPicPr>
+        <p:blipFill>
+          <a:blip r:embed="rId2"/>
+          <a:stretch>
+            <a:fillRect/>
+          </a:stretch>
+        </p:blipFill>
+        <p:spPr>
+          <a:xfrm>
+            <a:off x="6216894" y="2776171"/>
+            <a:ext cx="4857750" cy="3028950"/>
+          </a:xfrm>
+          <a:prstGeom prst="rect">
+            <a:avLst/>
+          </a:prstGeom>
+        </p:spPr>
+      </p:pic>
+      <p:sp>
+        <p:nvSpPr>
+          <p:cNvPr id="2" name="文本框 1">
+            <a:extLst>
+              <a:ext uri="{FF2B5EF4-FFF2-40B4-BE49-F238E27FC236}">
+                <a16:creationId xmlns:a16="http://schemas.microsoft.com/office/drawing/2014/main" id="{600B9945-75F7-406F-83C7-8B7FC3A36810}"/>
+              </a:ext>
+            </a:extLst>
+          </p:cNvPr>
+          <p:cNvSpPr txBox="1"/>
+          <p:nvPr/>
+        </p:nvSpPr>
+        <p:spPr>
+          <a:xfrm>
+            <a:off x="1051726" y="5950086"/>
+            <a:ext cx="8359981" cy="646331"/>
+          </a:xfrm>
+          <a:prstGeom prst="rect">
+            <a:avLst/>
+          </a:prstGeom>
+          <a:noFill/>
+        </p:spPr>
+        <p:txBody>
+          <a:bodyPr wrap="none" rtlCol="0">
+            <a:spAutoFit/>
+          </a:bodyPr>
+          <a:lstStyle/>
+          <a:p>
+            <a:r>
+              <a:rPr lang="zh-CN" altLang="en-US" sz="3600" b="1" dirty="0">
+                <a:latin typeface="华文新魏" panose="02010800040101010101" pitchFamily="2" charset="-122"/>
+                <a:ea typeface="华文新魏" panose="02010800040101010101" pitchFamily="2" charset="-122"/>
+              </a:rPr>
+              <a:t>不要</a:t>
+            </a:r>
+            <a:r>
+              <a:rPr lang="en-US" altLang="zh-CN" sz="3600" b="1" dirty="0">
+                <a:latin typeface="华文新魏" panose="02010800040101010101" pitchFamily="2" charset="-122"/>
+                <a:ea typeface="华文新魏" panose="02010800040101010101" pitchFamily="2" charset="-122"/>
+              </a:rPr>
+              <a:t>998</a:t>
+            </a:r>
+            <a:r>
+              <a:rPr lang="zh-CN" altLang="en-US" sz="3600" b="1" dirty="0">
+                <a:latin typeface="华文新魏" panose="02010800040101010101" pitchFamily="2" charset="-122"/>
+                <a:ea typeface="华文新魏" panose="02010800040101010101" pitchFamily="2" charset="-122"/>
+              </a:rPr>
+              <a:t>，一个电话，一行代码带回家！</a:t>
+            </a:r>
+          </a:p>
+        </p:txBody>
+      </p:sp>
+    </p:spTree>
+    <p:extLst>
+      <p:ext uri="{BB962C8B-B14F-4D97-AF65-F5344CB8AC3E}">
+        <p14:creationId xmlns:p14="http://schemas.microsoft.com/office/powerpoint/2010/main" val="4092095287"/>
+      </p:ext>
+    </p:extLst>
+  </p:cSld>
+  <p:clrMapOvr>
+    <a:masterClrMapping/>
+  </p:clrMapOvr>
+  <p:timing>
+    <p:tnLst>
+      <p:par>
+        <p:cTn id="1" dur="indefinite" restart="never" nodeType="tmRoot">
+          <p:childTnLst>
+            <p:seq concurrent="1" nextAc="seek">
+              <p:cTn id="2" dur="indefinite" nodeType="mainSeq">
+                <p:childTnLst>
+                  <p:par>
+                    <p:cTn id="3" fill="hold">
+                      <p:stCondLst>
+                        <p:cond delay="indefinite"/>
+                      </p:stCondLst>
+                      <p:childTnLst>
+                        <p:par>
+                          <p:cTn id="4" fill="hold">
+                            <p:stCondLst>
+                              <p:cond delay="0"/>
+                            </p:stCondLst>
+                            <p:childTnLst>
+                              <p:par>
+                                <p:cTn id="5" presetID="2" presetClass="entr" presetSubtype="4" fill="hold" nodeType="clickEffect">
+                                  <p:stCondLst>
+                                    <p:cond delay="0"/>
+                                  </p:stCondLst>
+                                  <p:childTnLst>
+                                    <p:set>
+                                      <p:cBhvr>
+                                        <p:cTn id="6" dur="1" fill="hold">
+                                          <p:stCondLst>
+                                            <p:cond delay="0"/>
+                                          </p:stCondLst>
+                                        </p:cTn>
+                                        <p:tgtEl>
+                                          <p:spTgt spid="2">
+                                            <p:txEl>
+                                              <p:pRg st="0" end="0"/>
+                                            </p:txEl>
+                                          </p:spTgt>
+                                        </p:tgtEl>
+                                        <p:attrNameLst>
+                                          <p:attrName>style.visibility</p:attrName>
+                                        </p:attrNameLst>
+                                      </p:cBhvr>
+                                      <p:to>
+                                        <p:strVal val="visible"/>
+                                      </p:to>
+                                    </p:set>
+                                    <p:anim calcmode="lin" valueType="num">
+                                      <p:cBhvr additive="base">
+                                        <p:cTn id="7" dur="500" fill="hold"/>
+                                        <p:tgtEl>
+                                          <p:spTgt spid="2">
+                                            <p:txEl>
+                                              <p:pRg st="0" end="0"/>
+                                            </p:txEl>
+                                          </p:spTgt>
+                                        </p:tgtEl>
+                                        <p:attrNameLst>
+                                          <p:attrName>ppt_x</p:attrName>
+                                        </p:attrNameLst>
+                                      </p:cBhvr>
+                                      <p:tavLst>
+                                        <p:tav tm="0">
+                                          <p:val>
+                                            <p:strVal val="#ppt_x"/>
+                                          </p:val>
+                                        </p:tav>
+                                        <p:tav tm="100000">
+                                          <p:val>
+                                            <p:strVal val="#ppt_x"/>
+                                          </p:val>
+                                        </p:tav>
+                                      </p:tavLst>
+                                    </p:anim>
+                                    <p:anim calcmode="lin" valueType="num">
+                                      <p:cBhvr additive="base">
+                                        <p:cTn id="8" dur="500" fill="hold"/>
+                                        <p:tgtEl>
+                                          <p:spTgt spid="2">
+                                            <p:txEl>
+                                              <p:pRg st="0" end="0"/>
+                                            </p:txEl>
+                                          </p:spTgt>
+                                        </p:tgtEl>
+                                        <p:attrNameLst>
+                                          <p:attrName>ppt_y</p:attrName>
+                                        </p:attrNameLst>
+                                      </p:cBhvr>
+                                      <p:tavLst>
+                                        <p:tav tm="0">
+                                          <p:val>
+                                            <p:strVal val="1+#ppt_h/2"/>
+                                          </p:val>
+                                        </p:tav>
+                                        <p:tav tm="100000">
+                                          <p:val>
+                                            <p:strVal val="#ppt_y"/>
+                                          </p:val>
+                                        </p:tav>
+                                      </p:tavLst>
+                                    </p:anim>
+                                  </p:childTnLst>
+                                </p:cTn>
+                              </p:par>
+                            </p:childTnLst>
+                          </p:cTn>
+                        </p:par>
+                      </p:childTnLst>
+                    </p:cTn>
+                  </p:par>
+                </p:childTnLst>
+              </p:cTn>
+              <p:prevCondLst>
+                <p:cond evt="onPrev" delay="0">
+                  <p:tgtEl>
+                    <p:sldTgt/>
+                  </p:tgtEl>
+                </p:cond>
+              </p:prevCondLst>
+              <p:nextCondLst>
+                <p:cond evt="onNext" delay="0">
+                  <p:tgtEl>
+                    <p:sldTgt/>
+                  </p:tgtEl>
+                </p:cond>
+              </p:nextCondLst>
+            </p:seq>
+          </p:childTnLst>
+        </p:cTn>
+      </p:par>
+    </p:tnLst>
+  </p:timing>
+</p:sld>
+</file>
+
+<file path=ppt/slides/slide8.xml><?xml version="1.0" encoding="utf-8"?>
+<p:sld xmlns:a="http://schemas.openxmlformats.org/drawingml/2006/main" xmlns:r="http://schemas.openxmlformats.org/officeDocument/2006/relationships" xmlns:p="http://schemas.openxmlformats.org/presentationml/2006/main">
+  <p:cSld>
+    <p:spTree>
+      <p:nvGrpSpPr>
+        <p:cNvPr id="1" name=""/>
+        <p:cNvGrpSpPr/>
+        <p:nvPr/>
+      </p:nvGrpSpPr>
+      <p:grpSpPr>
+        <a:xfrm>
+          <a:off x="0" y="0"/>
+          <a:ext cx="0" cy="0"/>
+          <a:chOff x="0" y="0"/>
+          <a:chExt cx="0" cy="0"/>
+        </a:xfrm>
+      </p:grpSpPr>
+      <p:sp>
+        <p:nvSpPr>
+          <p:cNvPr id="2" name="标题 1">
+            <a:extLst>
+              <a:ext uri="{FF2B5EF4-FFF2-40B4-BE49-F238E27FC236}">
+                <a16:creationId xmlns:a16="http://schemas.microsoft.com/office/drawing/2014/main" id="{0D6EC60D-8E75-499F-94E3-8FAF4B62A3DB}"/>
+              </a:ext>
+            </a:extLst>
+          </p:cNvPr>
+          <p:cNvSpPr>
+            <a:spLocks noGrp="1"/>
+          </p:cNvSpPr>
+          <p:nvPr>
+            <p:ph type="title"/>
+          </p:nvPr>
+        </p:nvSpPr>
+        <p:spPr/>
+        <p:txBody>
+          <a:bodyPr/>
+          <a:lstStyle/>
+          <a:p>
+            <a:r>
+              <a:rPr lang="zh-CN" altLang="en-US" sz="4000" b="1" dirty="0"/>
+              <a:t>三、安装</a:t>
+            </a:r>
+            <a:r>
+              <a:rPr lang="en-US" altLang="zh-CN" sz="4000" b="1" dirty="0"/>
+              <a:t>python </a:t>
+            </a:r>
+            <a:r>
+              <a:rPr lang="en-US" altLang="zh-CN" dirty="0"/>
+              <a:t>https://www.python.org</a:t>
+            </a:r>
+            <a:endParaRPr lang="zh-CN" altLang="en-US" dirty="0"/>
+          </a:p>
+        </p:txBody>
+      </p:sp>
+      <p:pic>
+        <p:nvPicPr>
+          <p:cNvPr id="3" name="图片 2">
+            <a:extLst>
+              <a:ext uri="{FF2B5EF4-FFF2-40B4-BE49-F238E27FC236}">
+                <a16:creationId xmlns:a16="http://schemas.microsoft.com/office/drawing/2014/main" id="{22AF12C2-3FAF-4A24-82DF-43E16D70E292}"/>
+              </a:ext>
+            </a:extLst>
+          </p:cNvPr>
+          <p:cNvPicPr>
+            <a:picLocks noChangeAspect="1"/>
+          </p:cNvPicPr>
+          <p:nvPr/>
+        </p:nvPicPr>
+        <p:blipFill>
+          <a:blip r:embed="rId2"/>
+          <a:stretch>
+            <a:fillRect/>
+          </a:stretch>
+        </p:blipFill>
+        <p:spPr>
+          <a:xfrm>
+            <a:off x="2297151" y="2149635"/>
+            <a:ext cx="7127126" cy="4708365"/>
+          </a:xfrm>
+          <a:prstGeom prst="rect">
+            <a:avLst/>
+          </a:prstGeom>
+        </p:spPr>
+      </p:pic>
+    </p:spTree>
+    <p:extLst>
+      <p:ext uri="{BB962C8B-B14F-4D97-AF65-F5344CB8AC3E}">
+        <p14:creationId xmlns:p14="http://schemas.microsoft.com/office/powerpoint/2010/main" val="450325371"/>
+      </p:ext>
+    </p:extLst>
+  </p:cSld>
+  <p:clrMapOvr>
+    <a:masterClrMapping/>
+  </p:clrMapOvr>
+</p:sld>
+</file>
+
+<file path=ppt/slides/slide9.xml><?xml version="1.0" encoding="utf-8"?>
+<p:sld xmlns:a="http://schemas.openxmlformats.org/drawingml/2006/main" xmlns:r="http://schemas.openxmlformats.org/officeDocument/2006/relationships" xmlns:p="http://schemas.openxmlformats.org/presentationml/2006/main">
+  <p:cSld>
+    <p:spTree>
+      <p:nvGrpSpPr>
+        <p:cNvPr id="1" name=""/>
+        <p:cNvGrpSpPr/>
+        <p:nvPr/>
+      </p:nvGrpSpPr>
+      <p:grpSpPr>
+        <a:xfrm>
+          <a:off x="0" y="0"/>
+          <a:ext cx="0" cy="0"/>
+          <a:chOff x="0" y="0"/>
+          <a:chExt cx="0" cy="0"/>
+        </a:xfrm>
+      </p:grpSpPr>
+      <p:sp>
+        <p:nvSpPr>
+          <p:cNvPr id="2" name="标题 1">
+            <a:extLst>
+              <a:ext uri="{FF2B5EF4-FFF2-40B4-BE49-F238E27FC236}">
+                <a16:creationId xmlns:a16="http://schemas.microsoft.com/office/drawing/2014/main" id="{0D6EC60D-8E75-499F-94E3-8FAF4B62A3DB}"/>
+              </a:ext>
+            </a:extLst>
+          </p:cNvPr>
+          <p:cNvSpPr>
+            <a:spLocks noGrp="1"/>
+          </p:cNvSpPr>
+          <p:nvPr>
+            <p:ph type="title"/>
+          </p:nvPr>
+        </p:nvSpPr>
+        <p:spPr/>
+        <p:txBody>
+          <a:bodyPr/>
+          <a:lstStyle/>
+          <a:p>
+            <a:r>
+              <a:rPr lang="zh-CN" altLang="en-US" sz="4000" b="1" dirty="0"/>
+              <a:t>三、安装</a:t>
+            </a:r>
+            <a:r>
+              <a:rPr lang="en-US" altLang="zh-CN" sz="4000" b="1" dirty="0"/>
+              <a:t>python</a:t>
+            </a:r>
+            <a:endParaRPr lang="zh-CN" altLang="en-US" sz="4000" b="1" dirty="0"/>
+          </a:p>
+        </p:txBody>
+      </p:sp>
+      <p:pic>
+        <p:nvPicPr>
+          <p:cNvPr id="4" name="图片 3">
+            <a:extLst>
+              <a:ext uri="{FF2B5EF4-FFF2-40B4-BE49-F238E27FC236}">
+                <a16:creationId xmlns:a16="http://schemas.microsoft.com/office/drawing/2014/main" id="{70285221-34B4-48BB-8BC1-2FD21DA538F7}"/>
+              </a:ext>
+            </a:extLst>
+          </p:cNvPr>
+          <p:cNvPicPr>
+            <a:picLocks noChangeAspect="1"/>
+          </p:cNvPicPr>
+          <p:nvPr/>
+        </p:nvPicPr>
+        <p:blipFill>
+          <a:blip r:embed="rId2"/>
+          <a:stretch>
+            <a:fillRect/>
+          </a:stretch>
+        </p:blipFill>
+        <p:spPr>
+          <a:xfrm>
+            <a:off x="482110" y="2568819"/>
+            <a:ext cx="6057900" cy="3619500"/>
+          </a:xfrm>
+          <a:prstGeom prst="rect">
+            <a:avLst/>
+          </a:prstGeom>
+        </p:spPr>
+      </p:pic>
+      <p:pic>
+        <p:nvPicPr>
+          <p:cNvPr id="6" name="图片 5">
+            <a:extLst>
+              <a:ext uri="{FF2B5EF4-FFF2-40B4-BE49-F238E27FC236}">
+                <a16:creationId xmlns:a16="http://schemas.microsoft.com/office/drawing/2014/main" id="{FA666ED6-2FDF-4655-84EF-CA172971ACAF}"/>
+              </a:ext>
+            </a:extLst>
+          </p:cNvPr>
+          <p:cNvPicPr>
+            <a:picLocks noChangeAspect="1"/>
+          </p:cNvPicPr>
+          <p:nvPr/>
+        </p:nvPicPr>
+        <p:blipFill>
+          <a:blip r:embed="rId3"/>
+          <a:stretch>
+            <a:fillRect/>
+          </a:stretch>
+        </p:blipFill>
+        <p:spPr>
+          <a:xfrm>
+            <a:off x="6853237" y="3278431"/>
+            <a:ext cx="4657725" cy="2200275"/>
+          </a:xfrm>
+          <a:prstGeom prst="rect">
+            <a:avLst/>
+          </a:prstGeom>
+        </p:spPr>
+      </p:pic>
+    </p:spTree>
+    <p:extLst>
+      <p:ext uri="{BB962C8B-B14F-4D97-AF65-F5344CB8AC3E}">
+        <p14:creationId xmlns:p14="http://schemas.microsoft.com/office/powerpoint/2010/main" val="2190946753"/>
       </p:ext>
     </p:extLst>
   </p:cSld>

--- a/Python课程/第1课-python入门/python入门.pptx
+++ b/Python课程/第1课-python入门/python入门.pptx
@@ -5,7 +5,7 @@
     <p:sldMasterId id="2147483660" r:id="rId1"/>
   </p:sldMasterIdLst>
   <p:notesMasterIdLst>
-    <p:notesMasterId r:id="rId30"/>
+    <p:notesMasterId r:id="rId27"/>
   </p:notesMasterIdLst>
   <p:sldIdLst>
     <p:sldId id="256" r:id="rId2"/>
@@ -18,24 +18,21 @@
     <p:sldId id="272" r:id="rId9"/>
     <p:sldId id="259" r:id="rId10"/>
     <p:sldId id="281" r:id="rId11"/>
-    <p:sldId id="280" r:id="rId12"/>
-    <p:sldId id="284" r:id="rId13"/>
-    <p:sldId id="285" r:id="rId14"/>
-    <p:sldId id="260" r:id="rId15"/>
-    <p:sldId id="273" r:id="rId16"/>
-    <p:sldId id="282" r:id="rId17"/>
-    <p:sldId id="283" r:id="rId18"/>
-    <p:sldId id="261" r:id="rId19"/>
-    <p:sldId id="262" r:id="rId20"/>
-    <p:sldId id="263" r:id="rId21"/>
-    <p:sldId id="264" r:id="rId22"/>
-    <p:sldId id="265" r:id="rId23"/>
-    <p:sldId id="267" r:id="rId24"/>
-    <p:sldId id="269" r:id="rId25"/>
-    <p:sldId id="270" r:id="rId26"/>
-    <p:sldId id="271" r:id="rId27"/>
-    <p:sldId id="266" r:id="rId28"/>
-    <p:sldId id="277" r:id="rId29"/>
+    <p:sldId id="260" r:id="rId12"/>
+    <p:sldId id="273" r:id="rId13"/>
+    <p:sldId id="282" r:id="rId14"/>
+    <p:sldId id="283" r:id="rId15"/>
+    <p:sldId id="261" r:id="rId16"/>
+    <p:sldId id="262" r:id="rId17"/>
+    <p:sldId id="263" r:id="rId18"/>
+    <p:sldId id="264" r:id="rId19"/>
+    <p:sldId id="265" r:id="rId20"/>
+    <p:sldId id="267" r:id="rId21"/>
+    <p:sldId id="269" r:id="rId22"/>
+    <p:sldId id="270" r:id="rId23"/>
+    <p:sldId id="271" r:id="rId24"/>
+    <p:sldId id="266" r:id="rId25"/>
+    <p:sldId id="277" r:id="rId26"/>
   </p:sldIdLst>
   <p:sldSz cx="12192000" cy="6858000"/>
   <p:notesSz cx="6858000" cy="9144000"/>
@@ -13736,308 +13733,6 @@
           <p:cNvPr id="2" name="标题 1">
             <a:extLst>
               <a:ext uri="{FF2B5EF4-FFF2-40B4-BE49-F238E27FC236}">
-                <a16:creationId xmlns:a16="http://schemas.microsoft.com/office/drawing/2014/main" id="{923E35C4-1473-49F9-A9B0-9C937D6E7AF2}"/>
-              </a:ext>
-            </a:extLst>
-          </p:cNvPr>
-          <p:cNvSpPr>
-            <a:spLocks noGrp="1"/>
-          </p:cNvSpPr>
-          <p:nvPr>
-            <p:ph type="title"/>
-          </p:nvPr>
-        </p:nvSpPr>
-        <p:spPr/>
-        <p:txBody>
-          <a:bodyPr/>
-          <a:lstStyle/>
-          <a:p>
-            <a:r>
-              <a:rPr lang="zh-CN" altLang="en-US" b="1" dirty="0"/>
-              <a:t>把电脑掌握在自己手里！</a:t>
-            </a:r>
-          </a:p>
-        </p:txBody>
-      </p:sp>
-      <p:sp>
-        <p:nvSpPr>
-          <p:cNvPr id="3" name="文本框 2">
-            <a:extLst>
-              <a:ext uri="{FF2B5EF4-FFF2-40B4-BE49-F238E27FC236}">
-                <a16:creationId xmlns:a16="http://schemas.microsoft.com/office/drawing/2014/main" id="{BE0BC210-8463-46E9-B0FE-49872606CA7E}"/>
-              </a:ext>
-            </a:extLst>
-          </p:cNvPr>
-          <p:cNvSpPr txBox="1"/>
-          <p:nvPr/>
-        </p:nvSpPr>
-        <p:spPr>
-          <a:xfrm>
-            <a:off x="0" y="3136612"/>
-            <a:ext cx="13532872" cy="584775"/>
-          </a:xfrm>
-          <a:prstGeom prst="rect">
-            <a:avLst/>
-          </a:prstGeom>
-          <a:noFill/>
-        </p:spPr>
-        <p:txBody>
-          <a:bodyPr wrap="none" rtlCol="0">
-            <a:spAutoFit/>
-          </a:bodyPr>
-          <a:lstStyle/>
-          <a:p>
-            <a:r>
-              <a:rPr lang="en-US" altLang="zh-CN" sz="3200" b="1" dirty="0">
-                <a:hlinkClick r:id="rId2"/>
-              </a:rPr>
-              <a:t>https://jingyan.baidu.com/article/3d69c5518f1be2f0ce02d771.html</a:t>
-            </a:r>
-            <a:endParaRPr lang="zh-CN" altLang="en-US" sz="3200" dirty="0"/>
-          </a:p>
-        </p:txBody>
-      </p:sp>
-    </p:spTree>
-    <p:extLst>
-      <p:ext uri="{BB962C8B-B14F-4D97-AF65-F5344CB8AC3E}">
-        <p14:creationId xmlns:p14="http://schemas.microsoft.com/office/powerpoint/2010/main" val="3139146300"/>
-      </p:ext>
-    </p:extLst>
-  </p:cSld>
-  <p:clrMapOvr>
-    <a:masterClrMapping/>
-  </p:clrMapOvr>
-</p:sld>
-</file>
-
-<file path=ppt/slides/slide12.xml><?xml version="1.0" encoding="utf-8"?>
-<p:sld xmlns:a="http://schemas.openxmlformats.org/drawingml/2006/main" xmlns:r="http://schemas.openxmlformats.org/officeDocument/2006/relationships" xmlns:p="http://schemas.openxmlformats.org/presentationml/2006/main">
-  <p:cSld>
-    <p:spTree>
-      <p:nvGrpSpPr>
-        <p:cNvPr id="1" name=""/>
-        <p:cNvGrpSpPr/>
-        <p:nvPr/>
-      </p:nvGrpSpPr>
-      <p:grpSpPr>
-        <a:xfrm>
-          <a:off x="0" y="0"/>
-          <a:ext cx="0" cy="0"/>
-          <a:chOff x="0" y="0"/>
-          <a:chExt cx="0" cy="0"/>
-        </a:xfrm>
-      </p:grpSpPr>
-      <p:sp>
-        <p:nvSpPr>
-          <p:cNvPr id="2" name="标题 1">
-            <a:extLst>
-              <a:ext uri="{FF2B5EF4-FFF2-40B4-BE49-F238E27FC236}">
-                <a16:creationId xmlns:a16="http://schemas.microsoft.com/office/drawing/2014/main" id="{1FAC80E6-EEDD-49EC-99F0-D5C70D39295B}"/>
-              </a:ext>
-            </a:extLst>
-          </p:cNvPr>
-          <p:cNvSpPr>
-            <a:spLocks noGrp="1"/>
-          </p:cNvSpPr>
-          <p:nvPr>
-            <p:ph type="title"/>
-          </p:nvPr>
-        </p:nvSpPr>
-        <p:spPr/>
-        <p:txBody>
-          <a:bodyPr/>
-          <a:lstStyle/>
-          <a:p>
-            <a:r>
-              <a:rPr lang="zh-CN" altLang="en-US" dirty="0"/>
-              <a:t>国之重器，中国人必须有自己的</a:t>
-            </a:r>
-          </a:p>
-        </p:txBody>
-      </p:sp>
-      <p:pic>
-        <p:nvPicPr>
-          <p:cNvPr id="4" name="图片 3">
-            <a:extLst>
-              <a:ext uri="{FF2B5EF4-FFF2-40B4-BE49-F238E27FC236}">
-                <a16:creationId xmlns:a16="http://schemas.microsoft.com/office/drawing/2014/main" id="{F950BE1E-7C96-41F8-A8A1-42E2FB7F1AEE}"/>
-              </a:ext>
-            </a:extLst>
-          </p:cNvPr>
-          <p:cNvPicPr>
-            <a:picLocks noChangeAspect="1"/>
-          </p:cNvPicPr>
-          <p:nvPr/>
-        </p:nvPicPr>
-        <p:blipFill>
-          <a:blip r:embed="rId2"/>
-          <a:stretch>
-            <a:fillRect/>
-          </a:stretch>
-        </p:blipFill>
-        <p:spPr>
-          <a:xfrm>
-            <a:off x="535258" y="2352216"/>
-            <a:ext cx="5412123" cy="3357208"/>
-          </a:xfrm>
-          <a:prstGeom prst="rect">
-            <a:avLst/>
-          </a:prstGeom>
-        </p:spPr>
-      </p:pic>
-      <p:pic>
-        <p:nvPicPr>
-          <p:cNvPr id="6" name="图片 5">
-            <a:extLst>
-              <a:ext uri="{FF2B5EF4-FFF2-40B4-BE49-F238E27FC236}">
-                <a16:creationId xmlns:a16="http://schemas.microsoft.com/office/drawing/2014/main" id="{4BD0EAFA-06D1-4AD1-B359-9B0D80316434}"/>
-              </a:ext>
-            </a:extLst>
-          </p:cNvPr>
-          <p:cNvPicPr>
-            <a:picLocks noChangeAspect="1"/>
-          </p:cNvPicPr>
-          <p:nvPr/>
-        </p:nvPicPr>
-        <p:blipFill>
-          <a:blip r:embed="rId3"/>
-          <a:stretch>
-            <a:fillRect/>
-          </a:stretch>
-        </p:blipFill>
-        <p:spPr>
-          <a:xfrm>
-            <a:off x="6110933" y="2352216"/>
-            <a:ext cx="5742814" cy="3398061"/>
-          </a:xfrm>
-          <a:prstGeom prst="rect">
-            <a:avLst/>
-          </a:prstGeom>
-        </p:spPr>
-      </p:pic>
-    </p:spTree>
-    <p:extLst>
-      <p:ext uri="{BB962C8B-B14F-4D97-AF65-F5344CB8AC3E}">
-        <p14:creationId xmlns:p14="http://schemas.microsoft.com/office/powerpoint/2010/main" val="3528685253"/>
-      </p:ext>
-    </p:extLst>
-  </p:cSld>
-  <p:clrMapOvr>
-    <a:masterClrMapping/>
-  </p:clrMapOvr>
-</p:sld>
-</file>
-
-<file path=ppt/slides/slide13.xml><?xml version="1.0" encoding="utf-8"?>
-<p:sld xmlns:a="http://schemas.openxmlformats.org/drawingml/2006/main" xmlns:r="http://schemas.openxmlformats.org/officeDocument/2006/relationships" xmlns:p="http://schemas.openxmlformats.org/presentationml/2006/main">
-  <p:cSld>
-    <p:spTree>
-      <p:nvGrpSpPr>
-        <p:cNvPr id="1" name=""/>
-        <p:cNvGrpSpPr/>
-        <p:nvPr/>
-      </p:nvGrpSpPr>
-      <p:grpSpPr>
-        <a:xfrm>
-          <a:off x="0" y="0"/>
-          <a:ext cx="0" cy="0"/>
-          <a:chOff x="0" y="0"/>
-          <a:chExt cx="0" cy="0"/>
-        </a:xfrm>
-      </p:grpSpPr>
-      <p:sp>
-        <p:nvSpPr>
-          <p:cNvPr id="2" name="标题 1">
-            <a:extLst>
-              <a:ext uri="{FF2B5EF4-FFF2-40B4-BE49-F238E27FC236}">
-                <a16:creationId xmlns:a16="http://schemas.microsoft.com/office/drawing/2014/main" id="{8A987212-8718-49A4-96DE-B86C48F5D19A}"/>
-              </a:ext>
-            </a:extLst>
-          </p:cNvPr>
-          <p:cNvSpPr>
-            <a:spLocks noGrp="1"/>
-          </p:cNvSpPr>
-          <p:nvPr>
-            <p:ph type="title"/>
-          </p:nvPr>
-        </p:nvSpPr>
-        <p:spPr/>
-        <p:txBody>
-          <a:bodyPr/>
-          <a:lstStyle/>
-          <a:p>
-            <a:r>
-              <a:rPr lang="zh-CN" altLang="en-US" dirty="0"/>
-              <a:t>国之北斗</a:t>
-            </a:r>
-          </a:p>
-        </p:txBody>
-      </p:sp>
-      <p:pic>
-        <p:nvPicPr>
-          <p:cNvPr id="4" name="图片 3">
-            <a:extLst>
-              <a:ext uri="{FF2B5EF4-FFF2-40B4-BE49-F238E27FC236}">
-                <a16:creationId xmlns:a16="http://schemas.microsoft.com/office/drawing/2014/main" id="{269DF094-B852-4D9E-BE2B-8BDEFA151271}"/>
-              </a:ext>
-            </a:extLst>
-          </p:cNvPr>
-          <p:cNvPicPr>
-            <a:picLocks noChangeAspect="1"/>
-          </p:cNvPicPr>
-          <p:nvPr/>
-        </p:nvPicPr>
-        <p:blipFill>
-          <a:blip r:embed="rId2"/>
-          <a:stretch>
-            <a:fillRect/>
-          </a:stretch>
-        </p:blipFill>
-        <p:spPr>
-          <a:xfrm>
-            <a:off x="3420287" y="2895948"/>
-            <a:ext cx="4905375" cy="3095625"/>
-          </a:xfrm>
-          <a:prstGeom prst="rect">
-            <a:avLst/>
-          </a:prstGeom>
-        </p:spPr>
-      </p:pic>
-    </p:spTree>
-    <p:extLst>
-      <p:ext uri="{BB962C8B-B14F-4D97-AF65-F5344CB8AC3E}">
-        <p14:creationId xmlns:p14="http://schemas.microsoft.com/office/powerpoint/2010/main" val="3576537696"/>
-      </p:ext>
-    </p:extLst>
-  </p:cSld>
-  <p:clrMapOvr>
-    <a:masterClrMapping/>
-  </p:clrMapOvr>
-</p:sld>
-</file>
-
-<file path=ppt/slides/slide14.xml><?xml version="1.0" encoding="utf-8"?>
-<p:sld xmlns:a="http://schemas.openxmlformats.org/drawingml/2006/main" xmlns:r="http://schemas.openxmlformats.org/officeDocument/2006/relationships" xmlns:p="http://schemas.openxmlformats.org/presentationml/2006/main">
-  <p:cSld>
-    <p:spTree>
-      <p:nvGrpSpPr>
-        <p:cNvPr id="1" name=""/>
-        <p:cNvGrpSpPr/>
-        <p:nvPr/>
-      </p:nvGrpSpPr>
-      <p:grpSpPr>
-        <a:xfrm>
-          <a:off x="0" y="0"/>
-          <a:ext cx="0" cy="0"/>
-          <a:chOff x="0" y="0"/>
-          <a:chExt cx="0" cy="0"/>
-        </a:xfrm>
-      </p:grpSpPr>
-      <p:sp>
-        <p:nvSpPr>
-          <p:cNvPr id="2" name="标题 1">
-            <a:extLst>
-              <a:ext uri="{FF2B5EF4-FFF2-40B4-BE49-F238E27FC236}">
                 <a16:creationId xmlns:a16="http://schemas.microsoft.com/office/drawing/2014/main" id="{A507BD82-D423-4AE4-A4A7-AE66003CEA50}"/>
               </a:ext>
             </a:extLst>
@@ -14262,7 +13957,7 @@
 </p:sld>
 </file>
 
-<file path=ppt/slides/slide15.xml><?xml version="1.0" encoding="utf-8"?>
+<file path=ppt/slides/slide12.xml><?xml version="1.0" encoding="utf-8"?>
 <p:sld xmlns:a="http://schemas.openxmlformats.org/drawingml/2006/main" xmlns:r="http://schemas.openxmlformats.org/officeDocument/2006/relationships" xmlns:p="http://schemas.openxmlformats.org/presentationml/2006/main">
   <p:cSld>
     <p:spTree>
@@ -14322,7 +14017,7 @@
 </p:sld>
 </file>
 
-<file path=ppt/slides/slide16.xml><?xml version="1.0" encoding="utf-8"?>
+<file path=ppt/slides/slide13.xml><?xml version="1.0" encoding="utf-8"?>
 <p:sld xmlns:a="http://schemas.openxmlformats.org/drawingml/2006/main" xmlns:r="http://schemas.openxmlformats.org/officeDocument/2006/relationships" xmlns:p="http://schemas.openxmlformats.org/presentationml/2006/main">
   <p:cSld>
     <p:spTree>
@@ -14519,7 +14214,7 @@
 </p:sld>
 </file>
 
-<file path=ppt/slides/slide17.xml><?xml version="1.0" encoding="utf-8"?>
+<file path=ppt/slides/slide14.xml><?xml version="1.0" encoding="utf-8"?>
 <p:sld xmlns:a="http://schemas.openxmlformats.org/drawingml/2006/main" xmlns:r="http://schemas.openxmlformats.org/officeDocument/2006/relationships" xmlns:p="http://schemas.openxmlformats.org/presentationml/2006/main">
   <p:cSld>
     <p:spTree>
@@ -14745,7 +14440,7 @@
 </p:sld>
 </file>
 
-<file path=ppt/slides/slide18.xml><?xml version="1.0" encoding="utf-8"?>
+<file path=ppt/slides/slide15.xml><?xml version="1.0" encoding="utf-8"?>
 <p:sld xmlns:a="http://schemas.openxmlformats.org/drawingml/2006/main" xmlns:r="http://schemas.openxmlformats.org/officeDocument/2006/relationships" xmlns:p="http://schemas.openxmlformats.org/presentationml/2006/main">
   <p:cSld>
     <p:spTree>
@@ -14833,7 +14528,7 @@
 </p:sld>
 </file>
 
-<file path=ppt/slides/slide19.xml><?xml version="1.0" encoding="utf-8"?>
+<file path=ppt/slides/slide16.xml><?xml version="1.0" encoding="utf-8"?>
 <p:sld xmlns:a="http://schemas.openxmlformats.org/drawingml/2006/main" xmlns:r="http://schemas.openxmlformats.org/officeDocument/2006/relationships" xmlns:p="http://schemas.openxmlformats.org/presentationml/2006/main">
   <p:cSld>
     <p:spTree>
@@ -15073,6 +14768,318 @@
     <p:extLst>
       <p:ext uri="{BB962C8B-B14F-4D97-AF65-F5344CB8AC3E}">
         <p14:creationId xmlns:p14="http://schemas.microsoft.com/office/powerpoint/2010/main" val="213620047"/>
+      </p:ext>
+    </p:extLst>
+  </p:cSld>
+  <p:clrMapOvr>
+    <a:masterClrMapping/>
+  </p:clrMapOvr>
+</p:sld>
+</file>
+
+<file path=ppt/slides/slide17.xml><?xml version="1.0" encoding="utf-8"?>
+<p:sld xmlns:a="http://schemas.openxmlformats.org/drawingml/2006/main" xmlns:r="http://schemas.openxmlformats.org/officeDocument/2006/relationships" xmlns:p="http://schemas.openxmlformats.org/presentationml/2006/main">
+  <p:cSld>
+    <p:spTree>
+      <p:nvGrpSpPr>
+        <p:cNvPr id="1" name=""/>
+        <p:cNvGrpSpPr/>
+        <p:nvPr/>
+      </p:nvGrpSpPr>
+      <p:grpSpPr>
+        <a:xfrm>
+          <a:off x="0" y="0"/>
+          <a:ext cx="0" cy="0"/>
+          <a:chOff x="0" y="0"/>
+          <a:chExt cx="0" cy="0"/>
+        </a:xfrm>
+      </p:grpSpPr>
+      <p:sp>
+        <p:nvSpPr>
+          <p:cNvPr id="2" name="标题 1">
+            <a:extLst>
+              <a:ext uri="{FF2B5EF4-FFF2-40B4-BE49-F238E27FC236}">
+                <a16:creationId xmlns:a16="http://schemas.microsoft.com/office/drawing/2014/main" id="{6DF243B4-C7CA-40AB-9749-7362ACCD0820}"/>
+              </a:ext>
+            </a:extLst>
+          </p:cNvPr>
+          <p:cNvSpPr>
+            <a:spLocks noGrp="1"/>
+          </p:cNvSpPr>
+          <p:nvPr>
+            <p:ph type="title"/>
+          </p:nvPr>
+        </p:nvSpPr>
+        <p:spPr/>
+        <p:txBody>
+          <a:bodyPr/>
+          <a:lstStyle/>
+          <a:p>
+            <a:r>
+              <a:rPr lang="en-US" altLang="zh-CN" dirty="0" err="1"/>
+              <a:t>Pycharm</a:t>
+            </a:r>
+            <a:r>
+              <a:rPr lang="zh-CN" altLang="en-US" dirty="0"/>
+              <a:t>的风格</a:t>
+            </a:r>
+          </a:p>
+        </p:txBody>
+      </p:sp>
+      <p:sp>
+        <p:nvSpPr>
+          <p:cNvPr id="5" name="文本框 4">
+            <a:extLst>
+              <a:ext uri="{FF2B5EF4-FFF2-40B4-BE49-F238E27FC236}">
+                <a16:creationId xmlns:a16="http://schemas.microsoft.com/office/drawing/2014/main" id="{EBB9D171-FB7B-4DBB-8A21-BC22B537C2A6}"/>
+              </a:ext>
+            </a:extLst>
+          </p:cNvPr>
+          <p:cNvSpPr txBox="1"/>
+          <p:nvPr/>
+        </p:nvSpPr>
+        <p:spPr>
+          <a:xfrm>
+            <a:off x="1679331" y="2690446"/>
+            <a:ext cx="2116285" cy="369332"/>
+          </a:xfrm>
+          <a:prstGeom prst="rect">
+            <a:avLst/>
+          </a:prstGeom>
+          <a:noFill/>
+        </p:spPr>
+        <p:txBody>
+          <a:bodyPr wrap="none" rtlCol="0">
+            <a:spAutoFit/>
+          </a:bodyPr>
+          <a:lstStyle/>
+          <a:p>
+            <a:r>
+              <a:rPr lang="zh-CN" altLang="en-US" dirty="0"/>
+              <a:t>快捷键：</a:t>
+            </a:r>
+            <a:r>
+              <a:rPr lang="en-US" altLang="zh-CN" dirty="0" err="1"/>
+              <a:t>ctrl+Alt+s</a:t>
+            </a:r>
+            <a:endParaRPr lang="zh-CN" altLang="en-US" dirty="0"/>
+          </a:p>
+        </p:txBody>
+      </p:sp>
+      <p:pic>
+        <p:nvPicPr>
+          <p:cNvPr id="6" name="图片 5">
+            <a:extLst>
+              <a:ext uri="{FF2B5EF4-FFF2-40B4-BE49-F238E27FC236}">
+                <a16:creationId xmlns:a16="http://schemas.microsoft.com/office/drawing/2014/main" id="{3EE7AA5F-8FB8-4606-AE45-0DE83A025C14}"/>
+              </a:ext>
+            </a:extLst>
+          </p:cNvPr>
+          <p:cNvPicPr>
+            <a:picLocks noChangeAspect="1"/>
+          </p:cNvPicPr>
+          <p:nvPr/>
+        </p:nvPicPr>
+        <p:blipFill>
+          <a:blip r:embed="rId2"/>
+          <a:stretch>
+            <a:fillRect/>
+          </a:stretch>
+        </p:blipFill>
+        <p:spPr>
+          <a:xfrm>
+            <a:off x="3991338" y="2110154"/>
+            <a:ext cx="7746394" cy="4127208"/>
+          </a:xfrm>
+          <a:prstGeom prst="rect">
+            <a:avLst/>
+          </a:prstGeom>
+        </p:spPr>
+      </p:pic>
+    </p:spTree>
+    <p:extLst>
+      <p:ext uri="{BB962C8B-B14F-4D97-AF65-F5344CB8AC3E}">
+        <p14:creationId xmlns:p14="http://schemas.microsoft.com/office/powerpoint/2010/main" val="845222099"/>
+      </p:ext>
+    </p:extLst>
+  </p:cSld>
+  <p:clrMapOvr>
+    <a:masterClrMapping/>
+  </p:clrMapOvr>
+</p:sld>
+</file>
+
+<file path=ppt/slides/slide18.xml><?xml version="1.0" encoding="utf-8"?>
+<p:sld xmlns:a="http://schemas.openxmlformats.org/drawingml/2006/main" xmlns:r="http://schemas.openxmlformats.org/officeDocument/2006/relationships" xmlns:p="http://schemas.openxmlformats.org/presentationml/2006/main">
+  <p:cSld>
+    <p:spTree>
+      <p:nvGrpSpPr>
+        <p:cNvPr id="1" name=""/>
+        <p:cNvGrpSpPr/>
+        <p:nvPr/>
+      </p:nvGrpSpPr>
+      <p:grpSpPr>
+        <a:xfrm>
+          <a:off x="0" y="0"/>
+          <a:ext cx="0" cy="0"/>
+          <a:chOff x="0" y="0"/>
+          <a:chExt cx="0" cy="0"/>
+        </a:xfrm>
+      </p:grpSpPr>
+      <p:sp>
+        <p:nvSpPr>
+          <p:cNvPr id="2" name="标题 1">
+            <a:extLst>
+              <a:ext uri="{FF2B5EF4-FFF2-40B4-BE49-F238E27FC236}">
+                <a16:creationId xmlns:a16="http://schemas.microsoft.com/office/drawing/2014/main" id="{732CDFE2-6E21-482B-BF53-89332E0CEA52}"/>
+              </a:ext>
+            </a:extLst>
+          </p:cNvPr>
+          <p:cNvSpPr>
+            <a:spLocks noGrp="1"/>
+          </p:cNvSpPr>
+          <p:nvPr>
+            <p:ph type="title"/>
+          </p:nvPr>
+        </p:nvSpPr>
+        <p:spPr/>
+        <p:txBody>
+          <a:bodyPr/>
+          <a:lstStyle/>
+          <a:p>
+            <a:r>
+              <a:rPr lang="zh-CN" altLang="en-US" dirty="0"/>
+              <a:t>字体大小</a:t>
+            </a:r>
+          </a:p>
+        </p:txBody>
+      </p:sp>
+      <p:pic>
+        <p:nvPicPr>
+          <p:cNvPr id="3" name="图片 2">
+            <a:extLst>
+              <a:ext uri="{FF2B5EF4-FFF2-40B4-BE49-F238E27FC236}">
+                <a16:creationId xmlns:a16="http://schemas.microsoft.com/office/drawing/2014/main" id="{AA1EEE81-8E8F-4092-9100-43A5D10CA4CB}"/>
+              </a:ext>
+            </a:extLst>
+          </p:cNvPr>
+          <p:cNvPicPr>
+            <a:picLocks noChangeAspect="1"/>
+          </p:cNvPicPr>
+          <p:nvPr/>
+        </p:nvPicPr>
+        <p:blipFill>
+          <a:blip r:embed="rId2"/>
+          <a:stretch>
+            <a:fillRect/>
+          </a:stretch>
+        </p:blipFill>
+        <p:spPr>
+          <a:xfrm>
+            <a:off x="1459522" y="1680632"/>
+            <a:ext cx="8951308" cy="5143333"/>
+          </a:xfrm>
+          <a:prstGeom prst="rect">
+            <a:avLst/>
+          </a:prstGeom>
+        </p:spPr>
+      </p:pic>
+    </p:spTree>
+    <p:extLst>
+      <p:ext uri="{BB962C8B-B14F-4D97-AF65-F5344CB8AC3E}">
+        <p14:creationId xmlns:p14="http://schemas.microsoft.com/office/powerpoint/2010/main" val="2416746347"/>
+      </p:ext>
+    </p:extLst>
+  </p:cSld>
+  <p:clrMapOvr>
+    <a:masterClrMapping/>
+  </p:clrMapOvr>
+</p:sld>
+</file>
+
+<file path=ppt/slides/slide19.xml><?xml version="1.0" encoding="utf-8"?>
+<p:sld xmlns:a="http://schemas.openxmlformats.org/drawingml/2006/main" xmlns:r="http://schemas.openxmlformats.org/officeDocument/2006/relationships" xmlns:p="http://schemas.openxmlformats.org/presentationml/2006/main">
+  <p:cSld>
+    <p:spTree>
+      <p:nvGrpSpPr>
+        <p:cNvPr id="1" name=""/>
+        <p:cNvGrpSpPr/>
+        <p:nvPr/>
+      </p:nvGrpSpPr>
+      <p:grpSpPr>
+        <a:xfrm>
+          <a:off x="0" y="0"/>
+          <a:ext cx="0" cy="0"/>
+          <a:chOff x="0" y="0"/>
+          <a:chExt cx="0" cy="0"/>
+        </a:xfrm>
+      </p:grpSpPr>
+      <p:sp>
+        <p:nvSpPr>
+          <p:cNvPr id="2" name="标题 1">
+            <a:extLst>
+              <a:ext uri="{FF2B5EF4-FFF2-40B4-BE49-F238E27FC236}">
+                <a16:creationId xmlns:a16="http://schemas.microsoft.com/office/drawing/2014/main" id="{5918A5DA-7969-4272-8D8A-3363CB775A6F}"/>
+              </a:ext>
+            </a:extLst>
+          </p:cNvPr>
+          <p:cNvSpPr>
+            <a:spLocks noGrp="1"/>
+          </p:cNvSpPr>
+          <p:nvPr>
+            <p:ph type="title"/>
+          </p:nvPr>
+        </p:nvSpPr>
+        <p:spPr/>
+        <p:txBody>
+          <a:bodyPr/>
+          <a:lstStyle/>
+          <a:p>
+            <a:r>
+              <a:rPr lang="en-US" altLang="zh-CN" dirty="0" err="1"/>
+              <a:t>Pycharm</a:t>
+            </a:r>
+            <a:r>
+              <a:rPr lang="zh-CN" altLang="en-US" dirty="0"/>
+              <a:t>解析器配置</a:t>
+            </a:r>
+          </a:p>
+        </p:txBody>
+      </p:sp>
+      <p:pic>
+        <p:nvPicPr>
+          <p:cNvPr id="3" name="图片 2">
+            <a:extLst>
+              <a:ext uri="{FF2B5EF4-FFF2-40B4-BE49-F238E27FC236}">
+                <a16:creationId xmlns:a16="http://schemas.microsoft.com/office/drawing/2014/main" id="{D517969E-324A-4B31-9FEB-CBD9B01A8D72}"/>
+              </a:ext>
+            </a:extLst>
+          </p:cNvPr>
+          <p:cNvPicPr>
+            <a:picLocks noChangeAspect="1"/>
+          </p:cNvPicPr>
+          <p:nvPr/>
+        </p:nvPicPr>
+        <p:blipFill>
+          <a:blip r:embed="rId2"/>
+          <a:stretch>
+            <a:fillRect/>
+          </a:stretch>
+        </p:blipFill>
+        <p:spPr>
+          <a:xfrm>
+            <a:off x="2681654" y="2201023"/>
+            <a:ext cx="7997157" cy="4619558"/>
+          </a:xfrm>
+          <a:prstGeom prst="rect">
+            <a:avLst/>
+          </a:prstGeom>
+        </p:spPr>
+      </p:pic>
+    </p:spTree>
+    <p:extLst>
+      <p:ext uri="{BB962C8B-B14F-4D97-AF65-F5344CB8AC3E}">
+        <p14:creationId xmlns:p14="http://schemas.microsoft.com/office/powerpoint/2010/main" val="4233119011"/>
       </p:ext>
     </p:extLst>
   </p:cSld>
@@ -16443,318 +16450,6 @@
           <p:cNvPr id="2" name="标题 1">
             <a:extLst>
               <a:ext uri="{FF2B5EF4-FFF2-40B4-BE49-F238E27FC236}">
-                <a16:creationId xmlns:a16="http://schemas.microsoft.com/office/drawing/2014/main" id="{6DF243B4-C7CA-40AB-9749-7362ACCD0820}"/>
-              </a:ext>
-            </a:extLst>
-          </p:cNvPr>
-          <p:cNvSpPr>
-            <a:spLocks noGrp="1"/>
-          </p:cNvSpPr>
-          <p:nvPr>
-            <p:ph type="title"/>
-          </p:nvPr>
-        </p:nvSpPr>
-        <p:spPr/>
-        <p:txBody>
-          <a:bodyPr/>
-          <a:lstStyle/>
-          <a:p>
-            <a:r>
-              <a:rPr lang="en-US" altLang="zh-CN" dirty="0" err="1"/>
-              <a:t>Pycharm</a:t>
-            </a:r>
-            <a:r>
-              <a:rPr lang="zh-CN" altLang="en-US" dirty="0"/>
-              <a:t>的风格</a:t>
-            </a:r>
-          </a:p>
-        </p:txBody>
-      </p:sp>
-      <p:sp>
-        <p:nvSpPr>
-          <p:cNvPr id="5" name="文本框 4">
-            <a:extLst>
-              <a:ext uri="{FF2B5EF4-FFF2-40B4-BE49-F238E27FC236}">
-                <a16:creationId xmlns:a16="http://schemas.microsoft.com/office/drawing/2014/main" id="{EBB9D171-FB7B-4DBB-8A21-BC22B537C2A6}"/>
-              </a:ext>
-            </a:extLst>
-          </p:cNvPr>
-          <p:cNvSpPr txBox="1"/>
-          <p:nvPr/>
-        </p:nvSpPr>
-        <p:spPr>
-          <a:xfrm>
-            <a:off x="1679331" y="2690446"/>
-            <a:ext cx="2116285" cy="369332"/>
-          </a:xfrm>
-          <a:prstGeom prst="rect">
-            <a:avLst/>
-          </a:prstGeom>
-          <a:noFill/>
-        </p:spPr>
-        <p:txBody>
-          <a:bodyPr wrap="none" rtlCol="0">
-            <a:spAutoFit/>
-          </a:bodyPr>
-          <a:lstStyle/>
-          <a:p>
-            <a:r>
-              <a:rPr lang="zh-CN" altLang="en-US" dirty="0"/>
-              <a:t>快捷键：</a:t>
-            </a:r>
-            <a:r>
-              <a:rPr lang="en-US" altLang="zh-CN" dirty="0" err="1"/>
-              <a:t>ctrl+Alt+s</a:t>
-            </a:r>
-            <a:endParaRPr lang="zh-CN" altLang="en-US" dirty="0"/>
-          </a:p>
-        </p:txBody>
-      </p:sp>
-      <p:pic>
-        <p:nvPicPr>
-          <p:cNvPr id="6" name="图片 5">
-            <a:extLst>
-              <a:ext uri="{FF2B5EF4-FFF2-40B4-BE49-F238E27FC236}">
-                <a16:creationId xmlns:a16="http://schemas.microsoft.com/office/drawing/2014/main" id="{3EE7AA5F-8FB8-4606-AE45-0DE83A025C14}"/>
-              </a:ext>
-            </a:extLst>
-          </p:cNvPr>
-          <p:cNvPicPr>
-            <a:picLocks noChangeAspect="1"/>
-          </p:cNvPicPr>
-          <p:nvPr/>
-        </p:nvPicPr>
-        <p:blipFill>
-          <a:blip r:embed="rId2"/>
-          <a:stretch>
-            <a:fillRect/>
-          </a:stretch>
-        </p:blipFill>
-        <p:spPr>
-          <a:xfrm>
-            <a:off x="3991338" y="2110154"/>
-            <a:ext cx="7746394" cy="4127208"/>
-          </a:xfrm>
-          <a:prstGeom prst="rect">
-            <a:avLst/>
-          </a:prstGeom>
-        </p:spPr>
-      </p:pic>
-    </p:spTree>
-    <p:extLst>
-      <p:ext uri="{BB962C8B-B14F-4D97-AF65-F5344CB8AC3E}">
-        <p14:creationId xmlns:p14="http://schemas.microsoft.com/office/powerpoint/2010/main" val="845222099"/>
-      </p:ext>
-    </p:extLst>
-  </p:cSld>
-  <p:clrMapOvr>
-    <a:masterClrMapping/>
-  </p:clrMapOvr>
-</p:sld>
-</file>
-
-<file path=ppt/slides/slide21.xml><?xml version="1.0" encoding="utf-8"?>
-<p:sld xmlns:a="http://schemas.openxmlformats.org/drawingml/2006/main" xmlns:r="http://schemas.openxmlformats.org/officeDocument/2006/relationships" xmlns:p="http://schemas.openxmlformats.org/presentationml/2006/main">
-  <p:cSld>
-    <p:spTree>
-      <p:nvGrpSpPr>
-        <p:cNvPr id="1" name=""/>
-        <p:cNvGrpSpPr/>
-        <p:nvPr/>
-      </p:nvGrpSpPr>
-      <p:grpSpPr>
-        <a:xfrm>
-          <a:off x="0" y="0"/>
-          <a:ext cx="0" cy="0"/>
-          <a:chOff x="0" y="0"/>
-          <a:chExt cx="0" cy="0"/>
-        </a:xfrm>
-      </p:grpSpPr>
-      <p:sp>
-        <p:nvSpPr>
-          <p:cNvPr id="2" name="标题 1">
-            <a:extLst>
-              <a:ext uri="{FF2B5EF4-FFF2-40B4-BE49-F238E27FC236}">
-                <a16:creationId xmlns:a16="http://schemas.microsoft.com/office/drawing/2014/main" id="{732CDFE2-6E21-482B-BF53-89332E0CEA52}"/>
-              </a:ext>
-            </a:extLst>
-          </p:cNvPr>
-          <p:cNvSpPr>
-            <a:spLocks noGrp="1"/>
-          </p:cNvSpPr>
-          <p:nvPr>
-            <p:ph type="title"/>
-          </p:nvPr>
-        </p:nvSpPr>
-        <p:spPr/>
-        <p:txBody>
-          <a:bodyPr/>
-          <a:lstStyle/>
-          <a:p>
-            <a:r>
-              <a:rPr lang="zh-CN" altLang="en-US" dirty="0"/>
-              <a:t>字体大小</a:t>
-            </a:r>
-          </a:p>
-        </p:txBody>
-      </p:sp>
-      <p:pic>
-        <p:nvPicPr>
-          <p:cNvPr id="3" name="图片 2">
-            <a:extLst>
-              <a:ext uri="{FF2B5EF4-FFF2-40B4-BE49-F238E27FC236}">
-                <a16:creationId xmlns:a16="http://schemas.microsoft.com/office/drawing/2014/main" id="{AA1EEE81-8E8F-4092-9100-43A5D10CA4CB}"/>
-              </a:ext>
-            </a:extLst>
-          </p:cNvPr>
-          <p:cNvPicPr>
-            <a:picLocks noChangeAspect="1"/>
-          </p:cNvPicPr>
-          <p:nvPr/>
-        </p:nvPicPr>
-        <p:blipFill>
-          <a:blip r:embed="rId2"/>
-          <a:stretch>
-            <a:fillRect/>
-          </a:stretch>
-        </p:blipFill>
-        <p:spPr>
-          <a:xfrm>
-            <a:off x="1459522" y="1680632"/>
-            <a:ext cx="8951308" cy="5143333"/>
-          </a:xfrm>
-          <a:prstGeom prst="rect">
-            <a:avLst/>
-          </a:prstGeom>
-        </p:spPr>
-      </p:pic>
-    </p:spTree>
-    <p:extLst>
-      <p:ext uri="{BB962C8B-B14F-4D97-AF65-F5344CB8AC3E}">
-        <p14:creationId xmlns:p14="http://schemas.microsoft.com/office/powerpoint/2010/main" val="2416746347"/>
-      </p:ext>
-    </p:extLst>
-  </p:cSld>
-  <p:clrMapOvr>
-    <a:masterClrMapping/>
-  </p:clrMapOvr>
-</p:sld>
-</file>
-
-<file path=ppt/slides/slide22.xml><?xml version="1.0" encoding="utf-8"?>
-<p:sld xmlns:a="http://schemas.openxmlformats.org/drawingml/2006/main" xmlns:r="http://schemas.openxmlformats.org/officeDocument/2006/relationships" xmlns:p="http://schemas.openxmlformats.org/presentationml/2006/main">
-  <p:cSld>
-    <p:spTree>
-      <p:nvGrpSpPr>
-        <p:cNvPr id="1" name=""/>
-        <p:cNvGrpSpPr/>
-        <p:nvPr/>
-      </p:nvGrpSpPr>
-      <p:grpSpPr>
-        <a:xfrm>
-          <a:off x="0" y="0"/>
-          <a:ext cx="0" cy="0"/>
-          <a:chOff x="0" y="0"/>
-          <a:chExt cx="0" cy="0"/>
-        </a:xfrm>
-      </p:grpSpPr>
-      <p:sp>
-        <p:nvSpPr>
-          <p:cNvPr id="2" name="标题 1">
-            <a:extLst>
-              <a:ext uri="{FF2B5EF4-FFF2-40B4-BE49-F238E27FC236}">
-                <a16:creationId xmlns:a16="http://schemas.microsoft.com/office/drawing/2014/main" id="{5918A5DA-7969-4272-8D8A-3363CB775A6F}"/>
-              </a:ext>
-            </a:extLst>
-          </p:cNvPr>
-          <p:cNvSpPr>
-            <a:spLocks noGrp="1"/>
-          </p:cNvSpPr>
-          <p:nvPr>
-            <p:ph type="title"/>
-          </p:nvPr>
-        </p:nvSpPr>
-        <p:spPr/>
-        <p:txBody>
-          <a:bodyPr/>
-          <a:lstStyle/>
-          <a:p>
-            <a:r>
-              <a:rPr lang="en-US" altLang="zh-CN" dirty="0" err="1"/>
-              <a:t>Pycharm</a:t>
-            </a:r>
-            <a:r>
-              <a:rPr lang="zh-CN" altLang="en-US" dirty="0"/>
-              <a:t>解析器配置</a:t>
-            </a:r>
-          </a:p>
-        </p:txBody>
-      </p:sp>
-      <p:pic>
-        <p:nvPicPr>
-          <p:cNvPr id="3" name="图片 2">
-            <a:extLst>
-              <a:ext uri="{FF2B5EF4-FFF2-40B4-BE49-F238E27FC236}">
-                <a16:creationId xmlns:a16="http://schemas.microsoft.com/office/drawing/2014/main" id="{D517969E-324A-4B31-9FEB-CBD9B01A8D72}"/>
-              </a:ext>
-            </a:extLst>
-          </p:cNvPr>
-          <p:cNvPicPr>
-            <a:picLocks noChangeAspect="1"/>
-          </p:cNvPicPr>
-          <p:nvPr/>
-        </p:nvPicPr>
-        <p:blipFill>
-          <a:blip r:embed="rId2"/>
-          <a:stretch>
-            <a:fillRect/>
-          </a:stretch>
-        </p:blipFill>
-        <p:spPr>
-          <a:xfrm>
-            <a:off x="2681654" y="2201023"/>
-            <a:ext cx="7997157" cy="4619558"/>
-          </a:xfrm>
-          <a:prstGeom prst="rect">
-            <a:avLst/>
-          </a:prstGeom>
-        </p:spPr>
-      </p:pic>
-    </p:spTree>
-    <p:extLst>
-      <p:ext uri="{BB962C8B-B14F-4D97-AF65-F5344CB8AC3E}">
-        <p14:creationId xmlns:p14="http://schemas.microsoft.com/office/powerpoint/2010/main" val="4233119011"/>
-      </p:ext>
-    </p:extLst>
-  </p:cSld>
-  <p:clrMapOvr>
-    <a:masterClrMapping/>
-  </p:clrMapOvr>
-</p:sld>
-</file>
-
-<file path=ppt/slides/slide23.xml><?xml version="1.0" encoding="utf-8"?>
-<p:sld xmlns:a="http://schemas.openxmlformats.org/drawingml/2006/main" xmlns:r="http://schemas.openxmlformats.org/officeDocument/2006/relationships" xmlns:p="http://schemas.openxmlformats.org/presentationml/2006/main">
-  <p:cSld>
-    <p:spTree>
-      <p:nvGrpSpPr>
-        <p:cNvPr id="1" name=""/>
-        <p:cNvGrpSpPr/>
-        <p:nvPr/>
-      </p:nvGrpSpPr>
-      <p:grpSpPr>
-        <a:xfrm>
-          <a:off x="0" y="0"/>
-          <a:ext cx="0" cy="0"/>
-          <a:chOff x="0" y="0"/>
-          <a:chExt cx="0" cy="0"/>
-        </a:xfrm>
-      </p:grpSpPr>
-      <p:sp>
-        <p:nvSpPr>
-          <p:cNvPr id="2" name="标题 1">
-            <a:extLst>
-              <a:ext uri="{FF2B5EF4-FFF2-40B4-BE49-F238E27FC236}">
                 <a16:creationId xmlns:a16="http://schemas.microsoft.com/office/drawing/2014/main" id="{47775DEE-FA18-4753-9981-B5C5E2F824B3}"/>
               </a:ext>
             </a:extLst>
@@ -16895,7 +16590,7 @@
 </p:sld>
 </file>
 
-<file path=ppt/slides/slide24.xml><?xml version="1.0" encoding="utf-8"?>
+<file path=ppt/slides/slide21.xml><?xml version="1.0" encoding="utf-8"?>
 <p:sld xmlns:a="http://schemas.openxmlformats.org/drawingml/2006/main" xmlns:r="http://schemas.openxmlformats.org/officeDocument/2006/relationships" xmlns:p="http://schemas.openxmlformats.org/presentationml/2006/main">
   <p:cSld>
     <p:spTree>
@@ -17091,7 +16786,7 @@
 </p:sld>
 </file>
 
-<file path=ppt/slides/slide25.xml><?xml version="1.0" encoding="utf-8"?>
+<file path=ppt/slides/slide22.xml><?xml version="1.0" encoding="utf-8"?>
 <p:sld xmlns:a="http://schemas.openxmlformats.org/drawingml/2006/main" xmlns:r="http://schemas.openxmlformats.org/officeDocument/2006/relationships" xmlns:p="http://schemas.openxmlformats.org/presentationml/2006/main">
   <p:cSld>
     <p:spTree>
@@ -17455,7 +17150,7 @@
 </p:sld>
 </file>
 
-<file path=ppt/slides/slide26.xml><?xml version="1.0" encoding="utf-8"?>
+<file path=ppt/slides/slide23.xml><?xml version="1.0" encoding="utf-8"?>
 <p:sld xmlns:a="http://schemas.openxmlformats.org/drawingml/2006/main" xmlns:r="http://schemas.openxmlformats.org/officeDocument/2006/relationships" xmlns:p="http://schemas.openxmlformats.org/presentationml/2006/main">
   <p:cSld>
     <p:spTree>
@@ -17515,7 +17210,7 @@
 </p:sld>
 </file>
 
-<file path=ppt/slides/slide27.xml><?xml version="1.0" encoding="utf-8"?>
+<file path=ppt/slides/slide24.xml><?xml version="1.0" encoding="utf-8"?>
 <p:sld xmlns:a="http://schemas.openxmlformats.org/drawingml/2006/main" xmlns:r="http://schemas.openxmlformats.org/officeDocument/2006/relationships" xmlns:p="http://schemas.openxmlformats.org/presentationml/2006/main">
   <p:cSld>
     <p:spTree>
@@ -17669,7 +17364,7 @@
 </p:sld>
 </file>
 
-<file path=ppt/slides/slide28.xml><?xml version="1.0" encoding="utf-8"?>
+<file path=ppt/slides/slide25.xml><?xml version="1.0" encoding="utf-8"?>
 <p:sld xmlns:a="http://schemas.openxmlformats.org/drawingml/2006/main" xmlns:r="http://schemas.openxmlformats.org/officeDocument/2006/relationships" xmlns:p="http://schemas.openxmlformats.org/presentationml/2006/main">
   <p:cSld>
     <p:spTree>
